--- a/shiro原理解析.pptx
+++ b/shiro原理解析.pptx
@@ -161,7 +161,7 @@
       </p14:sectionLst>
     </p:ext>
     <p:ext uri="{EFAFB233-063F-42B5-8137-9DF3F51BA10A}">
-      <p15:sldGuideLst xmlns:p15="http://schemas.microsoft.com/office/powerpoint/2012/main">
+      <p15:sldGuideLst xmlns:p15="http://schemas.microsoft.com/office/powerpoint/2012/main" xmlns="">
         <p15:guide id="1" orient="horz" pos="2041">
           <p15:clr>
             <a:srgbClr val="A4A3A4"/>
@@ -1256,8 +1256,8 @@
     <dgm:cxn modelId="{78B73D79-DB8D-4A44-813E-245003707515}" type="presOf" srcId="{0227A09E-B3D4-4FF9-8E27-BBA39BD67B59}" destId="{E5B71F6E-2BAA-48C7-9B98-CEF1D71D2C6A}" srcOrd="0" destOrd="0" presId="urn:microsoft.com/office/officeart/2005/8/layout/pyramid1"/>
     <dgm:cxn modelId="{B78127F6-CF8C-42AE-8D7C-61E6EABD40D0}" type="presOf" srcId="{0227A09E-B3D4-4FF9-8E27-BBA39BD67B59}" destId="{9174C647-EB64-44CA-9F01-2C0344094DD5}" srcOrd="1" destOrd="0" presId="urn:microsoft.com/office/officeart/2005/8/layout/pyramid1"/>
     <dgm:cxn modelId="{B38CC4E8-CAA3-47F5-B197-D57A8297947F}" type="presOf" srcId="{04B31001-ED46-4893-84E6-EF85EF32E4C1}" destId="{D0ADBCEA-E46A-4664-9ACD-558B9149E817}" srcOrd="0" destOrd="0" presId="urn:microsoft.com/office/officeart/2005/8/layout/pyramid1"/>
+    <dgm:cxn modelId="{9B6CC18A-1EF1-43DB-ABED-0500F59DD423}" srcId="{04B31001-ED46-4893-84E6-EF85EF32E4C1}" destId="{DC900FD9-1782-4C96-BF70-5244ECE0513C}" srcOrd="1" destOrd="0" parTransId="{C41B674D-5707-45D4-A174-68DC6EF9C4B6}" sibTransId="{04B8313B-769C-4F57-854C-C4023151A76B}"/>
     <dgm:cxn modelId="{DAE8DE0C-0C22-4846-A69E-224D6910F023}" type="presOf" srcId="{DC900FD9-1782-4C96-BF70-5244ECE0513C}" destId="{1116051A-C497-48B9-923B-0F2538128FE9}" srcOrd="0" destOrd="0" presId="urn:microsoft.com/office/officeart/2005/8/layout/pyramid1"/>
-    <dgm:cxn modelId="{9B6CC18A-1EF1-43DB-ABED-0500F59DD423}" srcId="{04B31001-ED46-4893-84E6-EF85EF32E4C1}" destId="{DC900FD9-1782-4C96-BF70-5244ECE0513C}" srcOrd="1" destOrd="0" parTransId="{C41B674D-5707-45D4-A174-68DC6EF9C4B6}" sibTransId="{04B8313B-769C-4F57-854C-C4023151A76B}"/>
     <dgm:cxn modelId="{4656927F-CC56-45CA-A285-CD7F9B9215D6}" srcId="{04B31001-ED46-4893-84E6-EF85EF32E4C1}" destId="{0227A09E-B3D4-4FF9-8E27-BBA39BD67B59}" srcOrd="0" destOrd="0" parTransId="{3A6908C8-5E27-4B18-8184-FF21C727DFB8}" sibTransId="{DD3F0C69-4624-4106-A359-34CF88BF5998}"/>
     <dgm:cxn modelId="{2068F4CA-3919-493D-BC81-A1D6B6E94C81}" type="presOf" srcId="{A2930050-33F9-4C3D-AF20-9E659C7D2543}" destId="{79004BEF-F5A1-4329-AA5F-19627E8BE38E}" srcOrd="1" destOrd="0" presId="urn:microsoft.com/office/officeart/2005/8/layout/pyramid1"/>
     <dgm:cxn modelId="{634BB60B-AACE-4701-8848-3D601599D9FB}" srcId="{04B31001-ED46-4893-84E6-EF85EF32E4C1}" destId="{A2930050-33F9-4C3D-AF20-9E659C7D2543}" srcOrd="2" destOrd="0" parTransId="{9FF66566-0110-43FF-8A37-D164405F555E}" sibTransId="{D645072B-411A-45B9-A576-35C2335072CD}"/>
@@ -3108,7 +3108,7 @@
           <a:p>
             <a:fld id="{20F3FBB8-48AB-9B49-8288-26D9241A36A7}" type="datetimeFigureOut">
               <a:rPr kumimoji="1" lang="zh-CN" altLang="en-US" smtClean="0"/>
-              <a:t>2018/5/14</a:t>
+              <a:t>2018/5/15</a:t>
             </a:fld>
             <a:endParaRPr kumimoji="1" lang="zh-CN" altLang="en-US"/>
           </a:p>
@@ -7825,7 +7825,7 @@
             <a:fld id="{530820CF-B880-4189-942D-D702A7CBA730}" type="datetimeFigureOut">
               <a:rPr lang="zh-CN" altLang="en-US" smtClean="0"/>
               <a:pPr/>
-              <a:t>2018/5/14</a:t>
+              <a:t>2018/5/15</a:t>
             </a:fld>
             <a:endParaRPr lang="zh-CN" altLang="en-US"/>
           </a:p>
@@ -8265,19 +8265,7 @@
                 <a:latin typeface="微软雅黑" panose="020B0503020204020204" pitchFamily="34" charset="-122"/>
                 <a:ea typeface="微软雅黑" panose="020B0503020204020204" pitchFamily="34" charset="-122"/>
               </a:rPr>
-              <a:t>原理</a:t>
-            </a:r>
-            <a:r>
-              <a:rPr lang="zh-CN" altLang="zh-CN" sz="4800" b="1" dirty="0" smtClean="0">
-                <a:solidFill>
-                  <a:schemeClr val="accent4">
-                    <a:lumMod val="50000"/>
-                  </a:schemeClr>
-                </a:solidFill>
-                <a:latin typeface="微软雅黑" panose="020B0503020204020204" pitchFamily="34" charset="-122"/>
-                <a:ea typeface="微软雅黑" panose="020B0503020204020204" pitchFamily="34" charset="-122"/>
-              </a:rPr>
-              <a:t>解析</a:t>
+              <a:t>原理解析</a:t>
             </a:r>
           </a:p>
         </p:txBody>
@@ -8852,7 +8840,6 @@
               <a:rPr lang="zh-CN" altLang="en-US" dirty="0"/>
               <a:t>实例。</a:t>
             </a:r>
-            <a:endParaRPr lang="zh-CN" altLang="en-US" dirty="0"/>
           </a:p>
         </p:txBody>
       </p:sp>
@@ -9228,6 +9215,150 @@
           <a:chExt cx="0" cy="0"/>
         </a:xfrm>
       </p:grpSpPr>
+      <p:sp>
+        <p:nvSpPr>
+          <p:cNvPr id="2" name="矩形 1"/>
+          <p:cNvSpPr/>
+          <p:nvPr/>
+        </p:nvSpPr>
+        <p:spPr>
+          <a:xfrm>
+            <a:off x="1026220" y="863823"/>
+            <a:ext cx="2174250" cy="369332"/>
+          </a:xfrm>
+          <a:prstGeom prst="rect">
+            <a:avLst/>
+          </a:prstGeom>
+        </p:spPr>
+        <p:txBody>
+          <a:bodyPr wrap="none">
+            <a:spAutoFit/>
+          </a:bodyPr>
+          <a:lstStyle/>
+          <a:p>
+            <a:r>
+              <a:rPr lang="en-US" altLang="zh-CN" b="1" dirty="0" err="1"/>
+              <a:t>AuthenticationToken</a:t>
+            </a:r>
+            <a:endParaRPr lang="en-US" altLang="zh-CN" b="1" dirty="0"/>
+          </a:p>
+        </p:txBody>
+      </p:sp>
+      <p:sp>
+        <p:nvSpPr>
+          <p:cNvPr id="3" name="矩形 2"/>
+          <p:cNvSpPr/>
+          <p:nvPr/>
+        </p:nvSpPr>
+        <p:spPr>
+          <a:xfrm>
+            <a:off x="1209860" y="1943943"/>
+            <a:ext cx="1990610" cy="369332"/>
+          </a:xfrm>
+          <a:prstGeom prst="rect">
+            <a:avLst/>
+          </a:prstGeom>
+        </p:spPr>
+        <p:txBody>
+          <a:bodyPr wrap="none">
+            <a:spAutoFit/>
+          </a:bodyPr>
+          <a:lstStyle/>
+          <a:p>
+            <a:r>
+              <a:rPr lang="en-US" altLang="zh-CN" b="1" dirty="0" err="1"/>
+              <a:t>AuthenticationInfo</a:t>
+            </a:r>
+            <a:endParaRPr lang="en-US" altLang="zh-CN" b="1" dirty="0"/>
+          </a:p>
+        </p:txBody>
+      </p:sp>
+      <p:sp>
+        <p:nvSpPr>
+          <p:cNvPr id="4" name="矩形 3"/>
+          <p:cNvSpPr/>
+          <p:nvPr/>
+        </p:nvSpPr>
+        <p:spPr>
+          <a:xfrm>
+            <a:off x="1248371" y="3224764"/>
+            <a:ext cx="1967205" cy="369332"/>
+          </a:xfrm>
+          <a:prstGeom prst="rect">
+            <a:avLst/>
+          </a:prstGeom>
+        </p:spPr>
+        <p:txBody>
+          <a:bodyPr wrap="none">
+            <a:spAutoFit/>
+          </a:bodyPr>
+          <a:lstStyle/>
+          <a:p>
+            <a:r>
+              <a:rPr lang="en-US" altLang="zh-CN" b="1" dirty="0" err="1"/>
+              <a:t>PrincipalCollection</a:t>
+            </a:r>
+            <a:endParaRPr lang="en-US" altLang="zh-CN" b="1" dirty="0"/>
+          </a:p>
+        </p:txBody>
+      </p:sp>
+      <p:sp>
+        <p:nvSpPr>
+          <p:cNvPr id="5" name="矩形 4"/>
+          <p:cNvSpPr/>
+          <p:nvPr/>
+        </p:nvSpPr>
+        <p:spPr>
+          <a:xfrm>
+            <a:off x="1343076" y="4104183"/>
+            <a:ext cx="1872500" cy="369332"/>
+          </a:xfrm>
+          <a:prstGeom prst="rect">
+            <a:avLst/>
+          </a:prstGeom>
+        </p:spPr>
+        <p:txBody>
+          <a:bodyPr wrap="none">
+            <a:spAutoFit/>
+          </a:bodyPr>
+          <a:lstStyle/>
+          <a:p>
+            <a:r>
+              <a:rPr lang="en-US" altLang="zh-CN" b="1" dirty="0" err="1"/>
+              <a:t>AuthorizationInfo</a:t>
+            </a:r>
+            <a:endParaRPr lang="en-US" altLang="zh-CN" b="1" dirty="0"/>
+          </a:p>
+        </p:txBody>
+      </p:sp>
+      <p:sp>
+        <p:nvSpPr>
+          <p:cNvPr id="6" name="矩形 5"/>
+          <p:cNvSpPr/>
+          <p:nvPr/>
+        </p:nvSpPr>
+        <p:spPr>
+          <a:xfrm>
+            <a:off x="1404270" y="5112295"/>
+            <a:ext cx="891591" cy="369332"/>
+          </a:xfrm>
+          <a:prstGeom prst="rect">
+            <a:avLst/>
+          </a:prstGeom>
+        </p:spPr>
+        <p:txBody>
+          <a:bodyPr wrap="none">
+            <a:spAutoFit/>
+          </a:bodyPr>
+          <a:lstStyle/>
+          <a:p>
+            <a:r>
+              <a:rPr lang="en-US" altLang="zh-CN" b="1" dirty="0"/>
+              <a:t>Subject</a:t>
+            </a:r>
+          </a:p>
+        </p:txBody>
+      </p:sp>
     </p:spTree>
     <p:extLst>
       <p:ext uri="{BB962C8B-B14F-4D97-AF65-F5344CB8AC3E}">
@@ -9265,6 +9396,44 @@
           <a:chExt cx="0" cy="0"/>
         </a:xfrm>
       </p:grpSpPr>
+      <p:sp>
+        <p:nvSpPr>
+          <p:cNvPr id="2" name="TextBox 1"/>
+          <p:cNvSpPr txBox="1"/>
+          <p:nvPr/>
+        </p:nvSpPr>
+        <p:spPr>
+          <a:xfrm>
+            <a:off x="738188" y="863823"/>
+            <a:ext cx="5544616" cy="369332"/>
+          </a:xfrm>
+          <a:prstGeom prst="rect">
+            <a:avLst/>
+          </a:prstGeom>
+          <a:noFill/>
+        </p:spPr>
+        <p:txBody>
+          <a:bodyPr wrap="square" rtlCol="0">
+            <a:spAutoFit/>
+          </a:bodyPr>
+          <a:lstStyle/>
+          <a:p>
+            <a:r>
+              <a:rPr lang="zh-CN" altLang="en-US" dirty="0" smtClean="0"/>
+              <a:t>与</a:t>
+            </a:r>
+            <a:r>
+              <a:rPr lang="en-US" altLang="zh-CN" dirty="0" smtClean="0"/>
+              <a:t>Web</a:t>
+            </a:r>
+            <a:r>
+              <a:rPr lang="zh-CN" altLang="en-US" dirty="0" smtClean="0"/>
+              <a:t>集成</a:t>
+            </a:r>
+            <a:endParaRPr lang="zh-CN" altLang="en-US" dirty="0"/>
+          </a:p>
+        </p:txBody>
+      </p:sp>
     </p:spTree>
     <p:extLst>
       <p:ext uri="{BB962C8B-B14F-4D97-AF65-F5344CB8AC3E}">
@@ -9302,6 +9471,40 @@
           <a:chExt cx="0" cy="0"/>
         </a:xfrm>
       </p:grpSpPr>
+      <p:sp>
+        <p:nvSpPr>
+          <p:cNvPr id="2" name="TextBox 1"/>
+          <p:cNvSpPr txBox="1"/>
+          <p:nvPr/>
+        </p:nvSpPr>
+        <p:spPr>
+          <a:xfrm>
+            <a:off x="810196" y="575791"/>
+            <a:ext cx="5688632" cy="369332"/>
+          </a:xfrm>
+          <a:prstGeom prst="rect">
+            <a:avLst/>
+          </a:prstGeom>
+          <a:noFill/>
+        </p:spPr>
+        <p:txBody>
+          <a:bodyPr wrap="square" rtlCol="0">
+            <a:spAutoFit/>
+          </a:bodyPr>
+          <a:lstStyle/>
+          <a:p>
+            <a:r>
+              <a:rPr lang="zh-CN" altLang="en-US" dirty="0" smtClean="0"/>
+              <a:t>拦截器</a:t>
+            </a:r>
+            <a:r>
+              <a:rPr lang="en-US" altLang="zh-CN" dirty="0" smtClean="0"/>
+              <a:t>Filter</a:t>
+            </a:r>
+            <a:endParaRPr lang="zh-CN" altLang="en-US" dirty="0"/>
+          </a:p>
+        </p:txBody>
+      </p:sp>
     </p:spTree>
     <p:extLst>
       <p:ext uri="{BB962C8B-B14F-4D97-AF65-F5344CB8AC3E}">
@@ -30465,7 +30668,6 @@
               <a:rPr lang="en-US" altLang="zh-CN" b="1" dirty="0"/>
               <a:t>authorization</a:t>
             </a:r>
-            <a:endParaRPr lang="en-US" altLang="zh-CN" b="1" dirty="0"/>
           </a:p>
           <a:p>
             <a:endParaRPr lang="en-US" altLang="zh-CN" dirty="0" smtClean="0"/>
@@ -31030,7 +31232,7 @@
   <a:extraClrSchemeLst/>
   <a:extLst>
     <a:ext uri="{05A4C25C-085E-4340-85A3-A5531E510DB2}">
-      <thm15:themeFamily xmlns:thm15="http://schemas.microsoft.com/office/thememl/2012/main" name="Office Theme" id="{62F939B6-93AF-4DB8-9C6B-D6C7DFDC589F}" vid="{4A3C46E8-61CC-4603-A589-7422A47A8E4A}"/>
+      <thm15:themeFamily xmlns:thm15="http://schemas.microsoft.com/office/thememl/2012/main" xmlns="" name="Office Theme" id="{62F939B6-93AF-4DB8-9C6B-D6C7DFDC589F}" vid="{4A3C46E8-61CC-4603-A589-7422A47A8E4A}"/>
     </a:ext>
   </a:extLst>
 </a:theme>

--- a/shiro原理解析.pptx
+++ b/shiro原理解析.pptx
@@ -5,7 +5,7 @@
     <p:sldMasterId id="2147483648" r:id="rId1"/>
   </p:sldMasterIdLst>
   <p:notesMasterIdLst>
-    <p:notesMasterId r:id="rId23"/>
+    <p:notesMasterId r:id="rId28"/>
   </p:notesMasterIdLst>
   <p:sldIdLst>
     <p:sldId id="287" r:id="rId2"/>
@@ -22,13 +22,18 @@
     <p:sldId id="305" r:id="rId13"/>
     <p:sldId id="306" r:id="rId14"/>
     <p:sldId id="307" r:id="rId15"/>
-    <p:sldId id="308" r:id="rId16"/>
-    <p:sldId id="285" r:id="rId17"/>
-    <p:sldId id="281" r:id="rId18"/>
-    <p:sldId id="282" r:id="rId19"/>
-    <p:sldId id="283" r:id="rId20"/>
-    <p:sldId id="284" r:id="rId21"/>
-    <p:sldId id="286" r:id="rId22"/>
+    <p:sldId id="309" r:id="rId16"/>
+    <p:sldId id="312" r:id="rId17"/>
+    <p:sldId id="311" r:id="rId18"/>
+    <p:sldId id="310" r:id="rId19"/>
+    <p:sldId id="308" r:id="rId20"/>
+    <p:sldId id="313" r:id="rId21"/>
+    <p:sldId id="285" r:id="rId22"/>
+    <p:sldId id="281" r:id="rId23"/>
+    <p:sldId id="282" r:id="rId24"/>
+    <p:sldId id="283" r:id="rId25"/>
+    <p:sldId id="284" r:id="rId26"/>
+    <p:sldId id="286" r:id="rId27"/>
   </p:sldIdLst>
   <p:sldSz cx="10693400" cy="6480175"/>
   <p:notesSz cx="6858000" cy="9144000"/>
@@ -146,7 +151,12 @@
             <p14:sldId id="305"/>
             <p14:sldId id="306"/>
             <p14:sldId id="307"/>
+            <p14:sldId id="309"/>
+            <p14:sldId id="312"/>
+            <p14:sldId id="311"/>
+            <p14:sldId id="310"/>
             <p14:sldId id="308"/>
+            <p14:sldId id="313"/>
             <p14:sldId id="285"/>
             <p14:sldId id="281"/>
             <p14:sldId id="282"/>
@@ -161,7 +171,7 @@
       </p14:sectionLst>
     </p:ext>
     <p:ext uri="{EFAFB233-063F-42B5-8137-9DF3F51BA10A}">
-      <p15:sldGuideLst xmlns:p15="http://schemas.microsoft.com/office/powerpoint/2012/main" xmlns="">
+      <p15:sldGuideLst xmlns:p15="http://schemas.microsoft.com/office/powerpoint/2012/main">
         <p15:guide id="1" orient="horz" pos="2041">
           <p15:clr>
             <a:srgbClr val="A4A3A4"/>
@@ -4688,7 +4698,764 @@
           <a:bodyPr/>
           <a:lstStyle/>
           <a:p>
-            <a:endParaRPr lang="zh-CN" altLang="en-US" dirty="0"/>
+            <a:r>
+              <a:rPr lang="en-US" altLang="zh-CN" sz="1200" b="0" i="0" kern="1200" dirty="0" err="1" smtClean="0">
+                <a:solidFill>
+                  <a:schemeClr val="tx1"/>
+                </a:solidFill>
+                <a:effectLst/>
+                <a:latin typeface="+mn-lt"/>
+                <a:ea typeface="+mn-ea"/>
+                <a:cs typeface="+mn-cs"/>
+              </a:rPr>
+              <a:t>Shiro</a:t>
+            </a:r>
+            <a:r>
+              <a:rPr lang="zh-CN" altLang="en-US" sz="1200" b="0" i="0" kern="1200" dirty="0" smtClean="0">
+                <a:solidFill>
+                  <a:schemeClr val="tx1"/>
+                </a:solidFill>
+                <a:effectLst/>
+                <a:latin typeface="+mn-lt"/>
+                <a:ea typeface="+mn-ea"/>
+                <a:cs typeface="+mn-cs"/>
+              </a:rPr>
+              <a:t>提供了完整的企业级会话管理功能，不依赖于底层容器（如</a:t>
+            </a:r>
+            <a:r>
+              <a:rPr lang="en-US" altLang="zh-CN" sz="1200" b="0" i="0" kern="1200" dirty="0" smtClean="0">
+                <a:solidFill>
+                  <a:schemeClr val="tx1"/>
+                </a:solidFill>
+                <a:effectLst/>
+                <a:latin typeface="+mn-lt"/>
+                <a:ea typeface="+mn-ea"/>
+                <a:cs typeface="+mn-cs"/>
+              </a:rPr>
+              <a:t>web</a:t>
+            </a:r>
+            <a:r>
+              <a:rPr lang="zh-CN" altLang="en-US" sz="1200" b="0" i="0" kern="1200" dirty="0" smtClean="0">
+                <a:solidFill>
+                  <a:schemeClr val="tx1"/>
+                </a:solidFill>
+                <a:effectLst/>
+                <a:latin typeface="+mn-lt"/>
+                <a:ea typeface="+mn-ea"/>
+                <a:cs typeface="+mn-cs"/>
+              </a:rPr>
+              <a:t>容器</a:t>
+            </a:r>
+            <a:r>
+              <a:rPr lang="en-US" altLang="zh-CN" sz="1200" b="0" i="0" kern="1200" dirty="0" smtClean="0">
+                <a:solidFill>
+                  <a:schemeClr val="tx1"/>
+                </a:solidFill>
+                <a:effectLst/>
+                <a:latin typeface="+mn-lt"/>
+                <a:ea typeface="+mn-ea"/>
+                <a:cs typeface="+mn-cs"/>
+              </a:rPr>
+              <a:t>tomcat</a:t>
+            </a:r>
+            <a:r>
+              <a:rPr lang="zh-CN" altLang="en-US" sz="1200" b="0" i="0" kern="1200" dirty="0" smtClean="0">
+                <a:solidFill>
+                  <a:schemeClr val="tx1"/>
+                </a:solidFill>
+                <a:effectLst/>
+                <a:latin typeface="+mn-lt"/>
+                <a:ea typeface="+mn-ea"/>
+                <a:cs typeface="+mn-cs"/>
+              </a:rPr>
+              <a:t>），不管</a:t>
+            </a:r>
+            <a:r>
+              <a:rPr lang="en-US" altLang="zh-CN" sz="1200" b="0" i="0" kern="1200" dirty="0" err="1" smtClean="0">
+                <a:solidFill>
+                  <a:schemeClr val="tx1"/>
+                </a:solidFill>
+                <a:effectLst/>
+                <a:latin typeface="+mn-lt"/>
+                <a:ea typeface="+mn-ea"/>
+                <a:cs typeface="+mn-cs"/>
+              </a:rPr>
+              <a:t>JavaSE</a:t>
+            </a:r>
+            <a:r>
+              <a:rPr lang="zh-CN" altLang="en-US" sz="1200" b="0" i="0" kern="1200" dirty="0" smtClean="0">
+                <a:solidFill>
+                  <a:schemeClr val="tx1"/>
+                </a:solidFill>
+                <a:effectLst/>
+                <a:latin typeface="+mn-lt"/>
+                <a:ea typeface="+mn-ea"/>
+                <a:cs typeface="+mn-cs"/>
+              </a:rPr>
+              <a:t>还是</a:t>
+            </a:r>
+            <a:r>
+              <a:rPr lang="en-US" altLang="zh-CN" sz="1200" b="0" i="0" kern="1200" dirty="0" err="1" smtClean="0">
+                <a:solidFill>
+                  <a:schemeClr val="tx1"/>
+                </a:solidFill>
+                <a:effectLst/>
+                <a:latin typeface="+mn-lt"/>
+                <a:ea typeface="+mn-ea"/>
+                <a:cs typeface="+mn-cs"/>
+              </a:rPr>
+              <a:t>JavaEE</a:t>
+            </a:r>
+            <a:r>
+              <a:rPr lang="zh-CN" altLang="en-US" sz="1200" b="0" i="0" kern="1200" dirty="0" smtClean="0">
+                <a:solidFill>
+                  <a:schemeClr val="tx1"/>
+                </a:solidFill>
+                <a:effectLst/>
+                <a:latin typeface="+mn-lt"/>
+                <a:ea typeface="+mn-ea"/>
+                <a:cs typeface="+mn-cs"/>
+              </a:rPr>
+              <a:t>环境都可以使用，提供了会话管理、会话事件监听、会话存储</a:t>
+            </a:r>
+            <a:r>
+              <a:rPr lang="en-US" altLang="zh-CN" sz="1200" b="0" i="0" kern="1200" dirty="0" smtClean="0">
+                <a:solidFill>
+                  <a:schemeClr val="tx1"/>
+                </a:solidFill>
+                <a:effectLst/>
+                <a:latin typeface="+mn-lt"/>
+                <a:ea typeface="+mn-ea"/>
+                <a:cs typeface="+mn-cs"/>
+              </a:rPr>
+              <a:t>/</a:t>
+            </a:r>
+            <a:r>
+              <a:rPr lang="zh-CN" altLang="en-US" sz="1200" b="0" i="0" kern="1200" dirty="0" smtClean="0">
+                <a:solidFill>
+                  <a:schemeClr val="tx1"/>
+                </a:solidFill>
+                <a:effectLst/>
+                <a:latin typeface="+mn-lt"/>
+                <a:ea typeface="+mn-ea"/>
+                <a:cs typeface="+mn-cs"/>
+              </a:rPr>
+              <a:t>持久化、容器无关的集群、失效</a:t>
+            </a:r>
+            <a:r>
+              <a:rPr lang="en-US" altLang="zh-CN" sz="1200" b="0" i="0" kern="1200" dirty="0" smtClean="0">
+                <a:solidFill>
+                  <a:schemeClr val="tx1"/>
+                </a:solidFill>
+                <a:effectLst/>
+                <a:latin typeface="+mn-lt"/>
+                <a:ea typeface="+mn-ea"/>
+                <a:cs typeface="+mn-cs"/>
+              </a:rPr>
+              <a:t>/</a:t>
+            </a:r>
+            <a:r>
+              <a:rPr lang="zh-CN" altLang="en-US" sz="1200" b="0" i="0" kern="1200" dirty="0" smtClean="0">
+                <a:solidFill>
+                  <a:schemeClr val="tx1"/>
+                </a:solidFill>
+                <a:effectLst/>
+                <a:latin typeface="+mn-lt"/>
+                <a:ea typeface="+mn-ea"/>
+                <a:cs typeface="+mn-cs"/>
+              </a:rPr>
+              <a:t>过期支持、对</a:t>
+            </a:r>
+            <a:r>
+              <a:rPr lang="en-US" altLang="zh-CN" sz="1200" b="0" i="0" kern="1200" dirty="0" smtClean="0">
+                <a:solidFill>
+                  <a:schemeClr val="tx1"/>
+                </a:solidFill>
+                <a:effectLst/>
+                <a:latin typeface="+mn-lt"/>
+                <a:ea typeface="+mn-ea"/>
+                <a:cs typeface="+mn-cs"/>
+              </a:rPr>
+              <a:t>Web</a:t>
+            </a:r>
+            <a:r>
+              <a:rPr lang="zh-CN" altLang="en-US" sz="1200" b="0" i="0" kern="1200" dirty="0" smtClean="0">
+                <a:solidFill>
+                  <a:schemeClr val="tx1"/>
+                </a:solidFill>
+                <a:effectLst/>
+                <a:latin typeface="+mn-lt"/>
+                <a:ea typeface="+mn-ea"/>
+                <a:cs typeface="+mn-cs"/>
+              </a:rPr>
+              <a:t>的透明支持、</a:t>
+            </a:r>
+            <a:r>
+              <a:rPr lang="en-US" altLang="zh-CN" sz="1200" b="0" i="0" kern="1200" dirty="0" smtClean="0">
+                <a:solidFill>
+                  <a:schemeClr val="tx1"/>
+                </a:solidFill>
+                <a:effectLst/>
+                <a:latin typeface="+mn-lt"/>
+                <a:ea typeface="+mn-ea"/>
+                <a:cs typeface="+mn-cs"/>
+              </a:rPr>
+              <a:t>SSO</a:t>
+            </a:r>
+            <a:r>
+              <a:rPr lang="zh-CN" altLang="en-US" sz="1200" b="0" i="0" kern="1200" dirty="0" smtClean="0">
+                <a:solidFill>
+                  <a:schemeClr val="tx1"/>
+                </a:solidFill>
+                <a:effectLst/>
+                <a:latin typeface="+mn-lt"/>
+                <a:ea typeface="+mn-ea"/>
+                <a:cs typeface="+mn-cs"/>
+              </a:rPr>
+              <a:t>单点登录的支持等特性。即直接使用</a:t>
+            </a:r>
+            <a:r>
+              <a:rPr lang="en-US" altLang="zh-CN" sz="1200" b="0" i="0" kern="1200" dirty="0" err="1" smtClean="0">
+                <a:solidFill>
+                  <a:schemeClr val="tx1"/>
+                </a:solidFill>
+                <a:effectLst/>
+                <a:latin typeface="+mn-lt"/>
+                <a:ea typeface="+mn-ea"/>
+                <a:cs typeface="+mn-cs"/>
+              </a:rPr>
+              <a:t>Shiro</a:t>
+            </a:r>
+            <a:r>
+              <a:rPr lang="zh-CN" altLang="en-US" sz="1200" b="0" i="0" kern="1200" dirty="0" smtClean="0">
+                <a:solidFill>
+                  <a:schemeClr val="tx1"/>
+                </a:solidFill>
+                <a:effectLst/>
+                <a:latin typeface="+mn-lt"/>
+                <a:ea typeface="+mn-ea"/>
+                <a:cs typeface="+mn-cs"/>
+              </a:rPr>
+              <a:t>的会话管理可以直接替换如</a:t>
+            </a:r>
+            <a:r>
+              <a:rPr lang="en-US" altLang="zh-CN" sz="1200" b="0" i="0" kern="1200" dirty="0" smtClean="0">
+                <a:solidFill>
+                  <a:schemeClr val="tx1"/>
+                </a:solidFill>
+                <a:effectLst/>
+                <a:latin typeface="+mn-lt"/>
+                <a:ea typeface="+mn-ea"/>
+                <a:cs typeface="+mn-cs"/>
+              </a:rPr>
+              <a:t>Web</a:t>
+            </a:r>
+            <a:r>
+              <a:rPr lang="zh-CN" altLang="en-US" sz="1200" b="0" i="0" kern="1200" dirty="0" smtClean="0">
+                <a:solidFill>
+                  <a:schemeClr val="tx1"/>
+                </a:solidFill>
+                <a:effectLst/>
+                <a:latin typeface="+mn-lt"/>
+                <a:ea typeface="+mn-ea"/>
+                <a:cs typeface="+mn-cs"/>
+              </a:rPr>
+              <a:t>容器的会话管理。</a:t>
+            </a:r>
+            <a:endParaRPr lang="en-US" altLang="zh-CN" sz="1200" b="0" i="0" kern="1200" dirty="0" smtClean="0">
+              <a:solidFill>
+                <a:schemeClr val="tx1"/>
+              </a:solidFill>
+              <a:effectLst/>
+              <a:latin typeface="+mn-lt"/>
+              <a:ea typeface="+mn-ea"/>
+              <a:cs typeface="+mn-cs"/>
+            </a:endParaRPr>
+          </a:p>
+          <a:p>
+            <a:r>
+              <a:rPr lang="zh-CN" altLang="en-US" sz="1200" b="0" i="0" kern="1200" dirty="0" smtClean="0">
+                <a:solidFill>
+                  <a:schemeClr val="tx1"/>
+                </a:solidFill>
+                <a:effectLst/>
+                <a:latin typeface="+mn-lt"/>
+                <a:ea typeface="+mn-ea"/>
+                <a:cs typeface="+mn-cs"/>
+              </a:rPr>
+              <a:t>登录成功后使用</a:t>
+            </a:r>
+            <a:r>
+              <a:rPr lang="en-US" altLang="zh-CN" sz="1200" b="0" i="0" kern="1200" dirty="0" err="1" smtClean="0">
+                <a:solidFill>
+                  <a:schemeClr val="tx1"/>
+                </a:solidFill>
+                <a:effectLst/>
+                <a:latin typeface="+mn-lt"/>
+                <a:ea typeface="+mn-ea"/>
+                <a:cs typeface="+mn-cs"/>
+              </a:rPr>
+              <a:t>Subject.getSession</a:t>
+            </a:r>
+            <a:r>
+              <a:rPr lang="en-US" altLang="zh-CN" sz="1200" b="0" i="0" kern="1200" dirty="0" smtClean="0">
+                <a:solidFill>
+                  <a:schemeClr val="tx1"/>
+                </a:solidFill>
+                <a:effectLst/>
+                <a:latin typeface="+mn-lt"/>
+                <a:ea typeface="+mn-ea"/>
+                <a:cs typeface="+mn-cs"/>
+              </a:rPr>
+              <a:t>()</a:t>
+            </a:r>
+            <a:r>
+              <a:rPr lang="zh-CN" altLang="en-US" sz="1200" b="0" i="0" kern="1200" dirty="0" smtClean="0">
+                <a:solidFill>
+                  <a:schemeClr val="tx1"/>
+                </a:solidFill>
+                <a:effectLst/>
+                <a:latin typeface="+mn-lt"/>
+                <a:ea typeface="+mn-ea"/>
+                <a:cs typeface="+mn-cs"/>
+              </a:rPr>
+              <a:t>即可获取会话；其等价于</a:t>
+            </a:r>
+            <a:r>
+              <a:rPr lang="en-US" altLang="zh-CN" sz="1200" b="0" i="0" kern="1200" dirty="0" err="1" smtClean="0">
+                <a:solidFill>
+                  <a:schemeClr val="tx1"/>
+                </a:solidFill>
+                <a:effectLst/>
+                <a:latin typeface="+mn-lt"/>
+                <a:ea typeface="+mn-ea"/>
+                <a:cs typeface="+mn-cs"/>
+              </a:rPr>
+              <a:t>Subject.getSession</a:t>
+            </a:r>
+            <a:r>
+              <a:rPr lang="en-US" altLang="zh-CN" sz="1200" b="0" i="0" kern="1200" dirty="0" smtClean="0">
+                <a:solidFill>
+                  <a:schemeClr val="tx1"/>
+                </a:solidFill>
+                <a:effectLst/>
+                <a:latin typeface="+mn-lt"/>
+                <a:ea typeface="+mn-ea"/>
+                <a:cs typeface="+mn-cs"/>
+              </a:rPr>
+              <a:t>(true)</a:t>
+            </a:r>
+            <a:r>
+              <a:rPr lang="zh-CN" altLang="en-US" sz="1200" b="0" i="0" kern="1200" dirty="0" smtClean="0">
+                <a:solidFill>
+                  <a:schemeClr val="tx1"/>
+                </a:solidFill>
+                <a:effectLst/>
+                <a:latin typeface="+mn-lt"/>
+                <a:ea typeface="+mn-ea"/>
+                <a:cs typeface="+mn-cs"/>
+              </a:rPr>
+              <a:t>，即如果当前没有创建</a:t>
+            </a:r>
+            <a:r>
+              <a:rPr lang="en-US" altLang="zh-CN" sz="1200" b="0" i="0" kern="1200" dirty="0" smtClean="0">
+                <a:solidFill>
+                  <a:schemeClr val="tx1"/>
+                </a:solidFill>
+                <a:effectLst/>
+                <a:latin typeface="+mn-lt"/>
+                <a:ea typeface="+mn-ea"/>
+                <a:cs typeface="+mn-cs"/>
+              </a:rPr>
+              <a:t>Session</a:t>
+            </a:r>
+            <a:r>
+              <a:rPr lang="zh-CN" altLang="en-US" sz="1200" b="0" i="0" kern="1200" dirty="0" smtClean="0">
+                <a:solidFill>
+                  <a:schemeClr val="tx1"/>
+                </a:solidFill>
+                <a:effectLst/>
+                <a:latin typeface="+mn-lt"/>
+                <a:ea typeface="+mn-ea"/>
+                <a:cs typeface="+mn-cs"/>
+              </a:rPr>
+              <a:t>对象会创建一个；另外</a:t>
+            </a:r>
+            <a:r>
+              <a:rPr lang="en-US" altLang="zh-CN" sz="1200" b="0" i="0" kern="1200" dirty="0" err="1" smtClean="0">
+                <a:solidFill>
+                  <a:schemeClr val="tx1"/>
+                </a:solidFill>
+                <a:effectLst/>
+                <a:latin typeface="+mn-lt"/>
+                <a:ea typeface="+mn-ea"/>
+                <a:cs typeface="+mn-cs"/>
+              </a:rPr>
+              <a:t>Subject.getSession</a:t>
+            </a:r>
+            <a:r>
+              <a:rPr lang="en-US" altLang="zh-CN" sz="1200" b="0" i="0" kern="1200" dirty="0" smtClean="0">
+                <a:solidFill>
+                  <a:schemeClr val="tx1"/>
+                </a:solidFill>
+                <a:effectLst/>
+                <a:latin typeface="+mn-lt"/>
+                <a:ea typeface="+mn-ea"/>
+                <a:cs typeface="+mn-cs"/>
+              </a:rPr>
+              <a:t>(false)</a:t>
+            </a:r>
+            <a:r>
+              <a:rPr lang="zh-CN" altLang="en-US" sz="1200" b="0" i="0" kern="1200" dirty="0" smtClean="0">
+                <a:solidFill>
+                  <a:schemeClr val="tx1"/>
+                </a:solidFill>
+                <a:effectLst/>
+                <a:latin typeface="+mn-lt"/>
+                <a:ea typeface="+mn-ea"/>
+                <a:cs typeface="+mn-cs"/>
+              </a:rPr>
+              <a:t>，如果当前没有创建</a:t>
+            </a:r>
+            <a:r>
+              <a:rPr lang="en-US" altLang="zh-CN" sz="1200" b="0" i="0" kern="1200" dirty="0" smtClean="0">
+                <a:solidFill>
+                  <a:schemeClr val="tx1"/>
+                </a:solidFill>
+                <a:effectLst/>
+                <a:latin typeface="+mn-lt"/>
+                <a:ea typeface="+mn-ea"/>
+                <a:cs typeface="+mn-cs"/>
+              </a:rPr>
+              <a:t>Session</a:t>
+            </a:r>
+            <a:r>
+              <a:rPr lang="zh-CN" altLang="en-US" sz="1200" b="0" i="0" kern="1200" dirty="0" smtClean="0">
+                <a:solidFill>
+                  <a:schemeClr val="tx1"/>
+                </a:solidFill>
+                <a:effectLst/>
+                <a:latin typeface="+mn-lt"/>
+                <a:ea typeface="+mn-ea"/>
+                <a:cs typeface="+mn-cs"/>
+              </a:rPr>
+              <a:t>则返回</a:t>
+            </a:r>
+            <a:r>
+              <a:rPr lang="en-US" altLang="zh-CN" sz="1200" b="0" i="0" kern="1200" dirty="0" smtClean="0">
+                <a:solidFill>
+                  <a:schemeClr val="tx1"/>
+                </a:solidFill>
+                <a:effectLst/>
+                <a:latin typeface="+mn-lt"/>
+                <a:ea typeface="+mn-ea"/>
+                <a:cs typeface="+mn-cs"/>
+              </a:rPr>
+              <a:t>null</a:t>
+            </a:r>
+            <a:r>
+              <a:rPr lang="zh-CN" altLang="en-US" sz="1200" b="0" i="0" kern="1200" dirty="0" smtClean="0">
+                <a:solidFill>
+                  <a:schemeClr val="tx1"/>
+                </a:solidFill>
+                <a:effectLst/>
+                <a:latin typeface="+mn-lt"/>
+                <a:ea typeface="+mn-ea"/>
+                <a:cs typeface="+mn-cs"/>
+              </a:rPr>
+              <a:t>（不过默认情况下如果启用会话存储功能的话在创建</a:t>
+            </a:r>
+            <a:r>
+              <a:rPr lang="en-US" altLang="zh-CN" sz="1200" b="0" i="0" kern="1200" dirty="0" smtClean="0">
+                <a:solidFill>
+                  <a:schemeClr val="tx1"/>
+                </a:solidFill>
+                <a:effectLst/>
+                <a:latin typeface="+mn-lt"/>
+                <a:ea typeface="+mn-ea"/>
+                <a:cs typeface="+mn-cs"/>
+              </a:rPr>
+              <a:t>Subject</a:t>
+            </a:r>
+            <a:r>
+              <a:rPr lang="zh-CN" altLang="en-US" sz="1200" b="0" i="0" kern="1200" dirty="0" smtClean="0">
+                <a:solidFill>
+                  <a:schemeClr val="tx1"/>
+                </a:solidFill>
+                <a:effectLst/>
+                <a:latin typeface="+mn-lt"/>
+                <a:ea typeface="+mn-ea"/>
+                <a:cs typeface="+mn-cs"/>
+              </a:rPr>
+              <a:t>时会主动创建一个</a:t>
+            </a:r>
+            <a:r>
+              <a:rPr lang="en-US" altLang="zh-CN" sz="1200" b="0" i="0" kern="1200" dirty="0" smtClean="0">
+                <a:solidFill>
+                  <a:schemeClr val="tx1"/>
+                </a:solidFill>
+                <a:effectLst/>
+                <a:latin typeface="+mn-lt"/>
+                <a:ea typeface="+mn-ea"/>
+                <a:cs typeface="+mn-cs"/>
+              </a:rPr>
+              <a:t>Session</a:t>
+            </a:r>
+            <a:r>
+              <a:rPr lang="zh-CN" altLang="en-US" sz="1200" b="0" i="0" kern="1200" dirty="0" smtClean="0">
+                <a:solidFill>
+                  <a:schemeClr val="tx1"/>
+                </a:solidFill>
+                <a:effectLst/>
+                <a:latin typeface="+mn-lt"/>
+                <a:ea typeface="+mn-ea"/>
+                <a:cs typeface="+mn-cs"/>
+              </a:rPr>
+              <a:t>）。</a:t>
+            </a:r>
+            <a:endParaRPr lang="en-US" altLang="zh-CN" sz="1200" b="0" i="0" kern="1200" dirty="0" smtClean="0">
+              <a:solidFill>
+                <a:schemeClr val="tx1"/>
+              </a:solidFill>
+              <a:effectLst/>
+              <a:latin typeface="+mn-lt"/>
+              <a:ea typeface="+mn-ea"/>
+              <a:cs typeface="+mn-cs"/>
+            </a:endParaRPr>
+          </a:p>
+          <a:p>
+            <a:endParaRPr lang="en-US" altLang="zh-CN" sz="1200" b="0" i="0" kern="1200" dirty="0" smtClean="0">
+              <a:solidFill>
+                <a:schemeClr val="tx1"/>
+              </a:solidFill>
+              <a:effectLst/>
+              <a:latin typeface="+mn-lt"/>
+              <a:ea typeface="+mn-ea"/>
+              <a:cs typeface="+mn-cs"/>
+            </a:endParaRPr>
+          </a:p>
+          <a:p>
+            <a:endParaRPr lang="en-US" altLang="zh-CN" sz="1200" b="0" i="0" kern="1200" dirty="0" smtClean="0">
+              <a:solidFill>
+                <a:schemeClr val="tx1"/>
+              </a:solidFill>
+              <a:effectLst/>
+              <a:latin typeface="+mn-lt"/>
+              <a:ea typeface="+mn-ea"/>
+              <a:cs typeface="+mn-cs"/>
+            </a:endParaRPr>
+          </a:p>
+          <a:p>
+            <a:pPr marL="0" marR="0" lvl="0" indent="0" algn="l" defTabSz="914400" rtl="0" eaLnBrk="1" fontAlgn="auto" latinLnBrk="0" hangingPunct="1">
+              <a:lnSpc>
+                <a:spcPct val="100000"/>
+              </a:lnSpc>
+              <a:spcBef>
+                <a:spcPts val="0"/>
+              </a:spcBef>
+              <a:spcAft>
+                <a:spcPts val="0"/>
+              </a:spcAft>
+              <a:buClrTx/>
+              <a:buSzTx/>
+              <a:buFontTx/>
+              <a:buNone/>
+              <a:tabLst/>
+              <a:defRPr/>
+            </a:pPr>
+            <a:r>
+              <a:rPr lang="zh-CN" altLang="en-US" dirty="0" smtClean="0">
+                <a:solidFill>
+                  <a:srgbClr val="000000"/>
+                </a:solidFill>
+                <a:latin typeface="Helvetica" panose="020B0604020202020204" pitchFamily="34" charset="0"/>
+              </a:rPr>
+              <a:t>会话管理器管理着应用中所有</a:t>
+            </a:r>
+            <a:r>
+              <a:rPr lang="en-US" altLang="zh-CN" dirty="0" smtClean="0">
+                <a:solidFill>
+                  <a:srgbClr val="000000"/>
+                </a:solidFill>
+                <a:latin typeface="Helvetica" panose="020B0604020202020204" pitchFamily="34" charset="0"/>
+              </a:rPr>
+              <a:t>Subject</a:t>
+            </a:r>
+            <a:r>
+              <a:rPr lang="zh-CN" altLang="en-US" dirty="0" smtClean="0">
+                <a:solidFill>
+                  <a:srgbClr val="000000"/>
+                </a:solidFill>
+                <a:latin typeface="Helvetica" panose="020B0604020202020204" pitchFamily="34" charset="0"/>
+              </a:rPr>
+              <a:t>的会话的创建、维护、删除、失效、验证等工作。是</a:t>
+            </a:r>
+            <a:r>
+              <a:rPr lang="en-US" altLang="zh-CN" dirty="0" err="1" smtClean="0">
+                <a:solidFill>
+                  <a:srgbClr val="000000"/>
+                </a:solidFill>
+                <a:latin typeface="Helvetica" panose="020B0604020202020204" pitchFamily="34" charset="0"/>
+              </a:rPr>
+              <a:t>Shiro</a:t>
+            </a:r>
+            <a:r>
+              <a:rPr lang="zh-CN" altLang="en-US" dirty="0" smtClean="0">
+                <a:solidFill>
+                  <a:srgbClr val="000000"/>
+                </a:solidFill>
+                <a:latin typeface="Helvetica" panose="020B0604020202020204" pitchFamily="34" charset="0"/>
+              </a:rPr>
+              <a:t>的核心组件，顶层组件</a:t>
+            </a:r>
+            <a:r>
+              <a:rPr lang="en-US" altLang="zh-CN" dirty="0" err="1" smtClean="0">
+                <a:solidFill>
+                  <a:srgbClr val="000000"/>
+                </a:solidFill>
+                <a:latin typeface="Helvetica" panose="020B0604020202020204" pitchFamily="34" charset="0"/>
+              </a:rPr>
+              <a:t>SecurityManager</a:t>
+            </a:r>
+            <a:r>
+              <a:rPr lang="zh-CN" altLang="en-US" dirty="0" smtClean="0">
+                <a:solidFill>
+                  <a:srgbClr val="000000"/>
+                </a:solidFill>
+                <a:latin typeface="Helvetica" panose="020B0604020202020204" pitchFamily="34" charset="0"/>
+              </a:rPr>
+              <a:t>直接继承了</a:t>
+            </a:r>
+            <a:r>
+              <a:rPr lang="en-US" altLang="zh-CN" dirty="0" err="1" smtClean="0">
+                <a:solidFill>
+                  <a:srgbClr val="000000"/>
+                </a:solidFill>
+                <a:latin typeface="Helvetica" panose="020B0604020202020204" pitchFamily="34" charset="0"/>
+              </a:rPr>
+              <a:t>SessionManager</a:t>
+            </a:r>
+            <a:r>
+              <a:rPr lang="zh-CN" altLang="en-US" dirty="0" smtClean="0">
+                <a:solidFill>
+                  <a:srgbClr val="000000"/>
+                </a:solidFill>
+                <a:latin typeface="Helvetica" panose="020B0604020202020204" pitchFamily="34" charset="0"/>
+              </a:rPr>
+              <a:t>，且提供了</a:t>
+            </a:r>
+            <a:r>
+              <a:rPr lang="en-US" altLang="zh-CN" dirty="0" err="1" smtClean="0">
+                <a:solidFill>
+                  <a:srgbClr val="000000"/>
+                </a:solidFill>
+                <a:latin typeface="Helvetica" panose="020B0604020202020204" pitchFamily="34" charset="0"/>
+              </a:rPr>
+              <a:t>SessionsSecurityManager</a:t>
+            </a:r>
+            <a:r>
+              <a:rPr lang="zh-CN" altLang="en-US" dirty="0" smtClean="0">
+                <a:solidFill>
+                  <a:srgbClr val="000000"/>
+                </a:solidFill>
+                <a:latin typeface="Helvetica" panose="020B0604020202020204" pitchFamily="34" charset="0"/>
+              </a:rPr>
+              <a:t>实现直接把会话管理委托给相应的</a:t>
+            </a:r>
+            <a:r>
+              <a:rPr lang="en-US" altLang="zh-CN" dirty="0" err="1" smtClean="0">
+                <a:solidFill>
+                  <a:srgbClr val="000000"/>
+                </a:solidFill>
+                <a:latin typeface="Helvetica" panose="020B0604020202020204" pitchFamily="34" charset="0"/>
+              </a:rPr>
+              <a:t>SessionManager</a:t>
+            </a:r>
+            <a:r>
+              <a:rPr lang="zh-CN" altLang="en-US" dirty="0" smtClean="0">
+                <a:solidFill>
+                  <a:srgbClr val="000000"/>
+                </a:solidFill>
+                <a:latin typeface="Helvetica" panose="020B0604020202020204" pitchFamily="34" charset="0"/>
+              </a:rPr>
+              <a:t>，</a:t>
+            </a:r>
+            <a:r>
+              <a:rPr lang="en-US" altLang="zh-CN" dirty="0" err="1" smtClean="0">
+                <a:solidFill>
+                  <a:srgbClr val="000000"/>
+                </a:solidFill>
+                <a:latin typeface="Helvetica" panose="020B0604020202020204" pitchFamily="34" charset="0"/>
+              </a:rPr>
+              <a:t>DefaultSecurityManager</a:t>
+            </a:r>
+            <a:r>
+              <a:rPr lang="zh-CN" altLang="en-US" dirty="0" smtClean="0">
+                <a:solidFill>
+                  <a:srgbClr val="000000"/>
+                </a:solidFill>
+                <a:latin typeface="Helvetica" panose="020B0604020202020204" pitchFamily="34" charset="0"/>
+              </a:rPr>
+              <a:t>及</a:t>
+            </a:r>
+            <a:r>
+              <a:rPr lang="en-US" altLang="zh-CN" dirty="0" err="1" smtClean="0">
+                <a:solidFill>
+                  <a:srgbClr val="000000"/>
+                </a:solidFill>
+                <a:latin typeface="Helvetica" panose="020B0604020202020204" pitchFamily="34" charset="0"/>
+              </a:rPr>
+              <a:t>DefaultWebSecurityManager</a:t>
+            </a:r>
+            <a:r>
+              <a:rPr lang="zh-CN" altLang="en-US" dirty="0" smtClean="0">
+                <a:solidFill>
+                  <a:srgbClr val="000000"/>
+                </a:solidFill>
+                <a:latin typeface="Helvetica" panose="020B0604020202020204" pitchFamily="34" charset="0"/>
+              </a:rPr>
+              <a:t>默认</a:t>
+            </a:r>
+            <a:r>
+              <a:rPr lang="en-US" altLang="zh-CN" dirty="0" err="1" smtClean="0">
+                <a:solidFill>
+                  <a:srgbClr val="000000"/>
+                </a:solidFill>
+                <a:latin typeface="Helvetica" panose="020B0604020202020204" pitchFamily="34" charset="0"/>
+              </a:rPr>
+              <a:t>SecurityManager</a:t>
+            </a:r>
+            <a:r>
+              <a:rPr lang="zh-CN" altLang="en-US" dirty="0" smtClean="0">
+                <a:solidFill>
+                  <a:srgbClr val="000000"/>
+                </a:solidFill>
+                <a:latin typeface="Helvetica" panose="020B0604020202020204" pitchFamily="34" charset="0"/>
+              </a:rPr>
+              <a:t>都继承了</a:t>
+            </a:r>
+            <a:r>
+              <a:rPr lang="en-US" altLang="zh-CN" dirty="0" err="1" smtClean="0">
+                <a:solidFill>
+                  <a:srgbClr val="000000"/>
+                </a:solidFill>
+                <a:latin typeface="Helvetica" panose="020B0604020202020204" pitchFamily="34" charset="0"/>
+              </a:rPr>
+              <a:t>SessionsSecurityManager</a:t>
+            </a:r>
+            <a:r>
+              <a:rPr lang="zh-CN" altLang="en-US" dirty="0" smtClean="0">
+                <a:solidFill>
+                  <a:srgbClr val="000000"/>
+                </a:solidFill>
+                <a:latin typeface="Helvetica" panose="020B0604020202020204" pitchFamily="34" charset="0"/>
+              </a:rPr>
+              <a:t>。</a:t>
+            </a:r>
+            <a:endParaRPr lang="zh-CN" altLang="en-US" dirty="0" smtClean="0"/>
+          </a:p>
+          <a:p>
+            <a:endParaRPr lang="en-US" altLang="zh-CN" dirty="0" smtClean="0"/>
           </a:p>
         </p:txBody>
       </p:sp>
@@ -4718,7 +5485,7 @@
     </p:spTree>
     <p:extLst>
       <p:ext uri="{BB962C8B-B14F-4D97-AF65-F5344CB8AC3E}">
-        <p14:creationId xmlns:p14="http://schemas.microsoft.com/office/powerpoint/2010/main" val="3320545149"/>
+        <p14:creationId xmlns:p14="http://schemas.microsoft.com/office/powerpoint/2010/main" val="1638057182"/>
       </p:ext>
     </p:extLst>
   </p:cSld>
@@ -4772,6 +5539,387 @@
           <a:bodyPr/>
           <a:lstStyle/>
           <a:p>
+            <a:r>
+              <a:rPr lang="en-US" altLang="zh-CN" sz="1200" b="0" i="0" kern="1200" dirty="0" err="1" smtClean="0">
+                <a:solidFill>
+                  <a:schemeClr val="tx1"/>
+                </a:solidFill>
+                <a:effectLst/>
+                <a:latin typeface="+mn-lt"/>
+                <a:ea typeface="+mn-ea"/>
+                <a:cs typeface="+mn-cs"/>
+              </a:rPr>
+              <a:t>onStart</a:t>
+            </a:r>
+            <a:r>
+              <a:rPr lang="en-US" altLang="zh-CN" sz="1200" b="0" i="0" kern="1200" dirty="0" smtClean="0">
+                <a:solidFill>
+                  <a:schemeClr val="tx1"/>
+                </a:solidFill>
+                <a:effectLst/>
+                <a:latin typeface="+mn-lt"/>
+                <a:ea typeface="+mn-ea"/>
+                <a:cs typeface="+mn-cs"/>
+              </a:rPr>
+              <a:t> </a:t>
+            </a:r>
+            <a:r>
+              <a:rPr lang="en-US" altLang="zh-CN" sz="1200" b="0" i="0" kern="1200" dirty="0" err="1" smtClean="0">
+                <a:solidFill>
+                  <a:schemeClr val="tx1"/>
+                </a:solidFill>
+                <a:effectLst/>
+                <a:latin typeface="+mn-lt"/>
+                <a:ea typeface="+mn-ea"/>
+                <a:cs typeface="+mn-cs"/>
+              </a:rPr>
+              <a:t>onExpiration</a:t>
+            </a:r>
+            <a:r>
+              <a:rPr lang="en-US" altLang="zh-CN" sz="1200" b="0" i="0" kern="1200" dirty="0" smtClean="0">
+                <a:solidFill>
+                  <a:schemeClr val="tx1"/>
+                </a:solidFill>
+                <a:effectLst/>
+                <a:latin typeface="+mn-lt"/>
+                <a:ea typeface="+mn-ea"/>
+                <a:cs typeface="+mn-cs"/>
+              </a:rPr>
+              <a:t> </a:t>
+            </a:r>
+            <a:r>
+              <a:rPr lang="en-US" altLang="zh-CN" sz="1200" b="0" i="0" kern="1200" dirty="0" err="1" smtClean="0">
+                <a:solidFill>
+                  <a:schemeClr val="tx1"/>
+                </a:solidFill>
+                <a:effectLst/>
+                <a:latin typeface="+mn-lt"/>
+                <a:ea typeface="+mn-ea"/>
+                <a:cs typeface="+mn-cs"/>
+              </a:rPr>
+              <a:t>onStop</a:t>
+            </a:r>
+            <a:r>
+              <a:rPr lang="zh-CN" altLang="en-US" sz="1200" b="0" i="0" kern="1200" dirty="0" smtClean="0">
+                <a:solidFill>
+                  <a:schemeClr val="tx1"/>
+                </a:solidFill>
+                <a:effectLst/>
+                <a:latin typeface="+mn-lt"/>
+                <a:ea typeface="+mn-ea"/>
+                <a:cs typeface="+mn-cs"/>
+              </a:rPr>
+              <a:t>事件</a:t>
+            </a:r>
+            <a:endParaRPr lang="en-US" altLang="zh-CN" sz="1200" b="0" i="0" kern="1200" dirty="0" smtClean="0">
+              <a:solidFill>
+                <a:schemeClr val="tx1"/>
+              </a:solidFill>
+              <a:effectLst/>
+              <a:latin typeface="+mn-lt"/>
+              <a:ea typeface="+mn-ea"/>
+              <a:cs typeface="+mn-cs"/>
+            </a:endParaRPr>
+          </a:p>
+          <a:p>
+            <a:r>
+              <a:rPr lang="zh-CN" altLang="en-US" sz="1200" b="0" i="0" kern="1200" dirty="0" smtClean="0">
+                <a:solidFill>
+                  <a:schemeClr val="tx1"/>
+                </a:solidFill>
+                <a:effectLst/>
+                <a:latin typeface="+mn-lt"/>
+                <a:ea typeface="+mn-ea"/>
+                <a:cs typeface="+mn-cs"/>
+              </a:rPr>
+              <a:t>监听器配置在</a:t>
+            </a:r>
+            <a:r>
+              <a:rPr lang="en-US" altLang="zh-CN" sz="1200" b="0" i="0" kern="1200" dirty="0" err="1" smtClean="0">
+                <a:solidFill>
+                  <a:schemeClr val="tx1"/>
+                </a:solidFill>
+                <a:effectLst/>
+                <a:latin typeface="+mn-lt"/>
+                <a:ea typeface="+mn-ea"/>
+                <a:cs typeface="+mn-cs"/>
+              </a:rPr>
+              <a:t>SessionManager</a:t>
+            </a:r>
+            <a:r>
+              <a:rPr lang="zh-CN" altLang="en-US" sz="1200" b="0" i="0" kern="1200" dirty="0" smtClean="0">
+                <a:solidFill>
+                  <a:schemeClr val="tx1"/>
+                </a:solidFill>
+                <a:effectLst/>
+                <a:latin typeface="+mn-lt"/>
+                <a:ea typeface="+mn-ea"/>
+                <a:cs typeface="+mn-cs"/>
+              </a:rPr>
+              <a:t>的</a:t>
+            </a:r>
+            <a:r>
+              <a:rPr lang="en-US" altLang="zh-CN" sz="1200" b="0" i="0" kern="1200" dirty="0" err="1" smtClean="0">
+                <a:solidFill>
+                  <a:schemeClr val="tx1"/>
+                </a:solidFill>
+                <a:effectLst/>
+                <a:latin typeface="+mn-lt"/>
+                <a:ea typeface="+mn-ea"/>
+                <a:cs typeface="+mn-cs"/>
+              </a:rPr>
+              <a:t>sessionListeners</a:t>
+            </a:r>
+            <a:r>
+              <a:rPr lang="zh-CN" altLang="en-US" sz="1200" b="0" i="0" kern="1200" dirty="0" smtClean="0">
+                <a:solidFill>
+                  <a:schemeClr val="tx1"/>
+                </a:solidFill>
+                <a:effectLst/>
+                <a:latin typeface="+mn-lt"/>
+                <a:ea typeface="+mn-ea"/>
+                <a:cs typeface="+mn-cs"/>
+              </a:rPr>
+              <a:t>属性上</a:t>
+            </a:r>
+            <a:endParaRPr lang="en-US" altLang="zh-CN" sz="1200" b="0" i="0" kern="1200" dirty="0" smtClean="0">
+              <a:solidFill>
+                <a:schemeClr val="tx1"/>
+              </a:solidFill>
+              <a:effectLst/>
+              <a:latin typeface="+mn-lt"/>
+              <a:ea typeface="+mn-ea"/>
+              <a:cs typeface="+mn-cs"/>
+            </a:endParaRPr>
+          </a:p>
+          <a:p>
+            <a:endParaRPr lang="en-US" altLang="zh-CN" sz="1200" b="0" i="0" kern="1200" dirty="0" smtClean="0">
+              <a:solidFill>
+                <a:schemeClr val="tx1"/>
+              </a:solidFill>
+              <a:effectLst/>
+              <a:latin typeface="+mn-lt"/>
+              <a:ea typeface="+mn-ea"/>
+              <a:cs typeface="+mn-cs"/>
+            </a:endParaRPr>
+          </a:p>
+          <a:p>
+            <a:r>
+              <a:rPr lang="en-US" altLang="zh-CN" sz="1200" b="0" i="0" kern="1200" dirty="0" err="1" smtClean="0">
+                <a:solidFill>
+                  <a:schemeClr val="tx1"/>
+                </a:solidFill>
+                <a:effectLst/>
+                <a:latin typeface="+mn-lt"/>
+                <a:ea typeface="+mn-ea"/>
+                <a:cs typeface="+mn-cs"/>
+              </a:rPr>
+              <a:t>AbstractSessionDAO</a:t>
+            </a:r>
+            <a:r>
+              <a:rPr lang="zh-CN" altLang="en-US" sz="1200" b="0" i="0" kern="1200" dirty="0" smtClean="0">
+                <a:solidFill>
+                  <a:schemeClr val="tx1"/>
+                </a:solidFill>
+                <a:effectLst/>
+                <a:latin typeface="+mn-lt"/>
+                <a:ea typeface="+mn-ea"/>
+                <a:cs typeface="+mn-cs"/>
+              </a:rPr>
+              <a:t>提供了</a:t>
+            </a:r>
+            <a:r>
+              <a:rPr lang="en-US" altLang="zh-CN" sz="1200" b="0" i="0" kern="1200" dirty="0" err="1" smtClean="0">
+                <a:solidFill>
+                  <a:schemeClr val="tx1"/>
+                </a:solidFill>
+                <a:effectLst/>
+                <a:latin typeface="+mn-lt"/>
+                <a:ea typeface="+mn-ea"/>
+                <a:cs typeface="+mn-cs"/>
+              </a:rPr>
+              <a:t>SessionDAO</a:t>
+            </a:r>
+            <a:r>
+              <a:rPr lang="zh-CN" altLang="en-US" sz="1200" b="0" i="0" kern="1200" dirty="0" smtClean="0">
+                <a:solidFill>
+                  <a:schemeClr val="tx1"/>
+                </a:solidFill>
+                <a:effectLst/>
+                <a:latin typeface="+mn-lt"/>
+                <a:ea typeface="+mn-ea"/>
+                <a:cs typeface="+mn-cs"/>
+              </a:rPr>
+              <a:t>的基础实现，如生成会话</a:t>
+            </a:r>
+            <a:r>
+              <a:rPr lang="en-US" altLang="zh-CN" sz="1200" b="0" i="0" kern="1200" dirty="0" smtClean="0">
+                <a:solidFill>
+                  <a:schemeClr val="tx1"/>
+                </a:solidFill>
+                <a:effectLst/>
+                <a:latin typeface="+mn-lt"/>
+                <a:ea typeface="+mn-ea"/>
+                <a:cs typeface="+mn-cs"/>
+              </a:rPr>
+              <a:t>ID</a:t>
+            </a:r>
+            <a:r>
+              <a:rPr lang="zh-CN" altLang="en-US" sz="1200" b="0" i="0" kern="1200" dirty="0" smtClean="0">
+                <a:solidFill>
+                  <a:schemeClr val="tx1"/>
+                </a:solidFill>
+                <a:effectLst/>
+                <a:latin typeface="+mn-lt"/>
+                <a:ea typeface="+mn-ea"/>
+                <a:cs typeface="+mn-cs"/>
+              </a:rPr>
+              <a:t>等；</a:t>
+            </a:r>
+            <a:r>
+              <a:rPr lang="en-US" altLang="zh-CN" sz="1200" b="0" i="0" kern="1200" dirty="0" err="1" smtClean="0">
+                <a:solidFill>
+                  <a:schemeClr val="tx1"/>
+                </a:solidFill>
+                <a:effectLst/>
+                <a:latin typeface="+mn-lt"/>
+                <a:ea typeface="+mn-ea"/>
+                <a:cs typeface="+mn-cs"/>
+              </a:rPr>
+              <a:t>CachingSessionDAO</a:t>
+            </a:r>
+            <a:r>
+              <a:rPr lang="zh-CN" altLang="en-US" sz="1200" b="0" i="0" kern="1200" dirty="0" smtClean="0">
+                <a:solidFill>
+                  <a:schemeClr val="tx1"/>
+                </a:solidFill>
+                <a:effectLst/>
+                <a:latin typeface="+mn-lt"/>
+                <a:ea typeface="+mn-ea"/>
+                <a:cs typeface="+mn-cs"/>
+              </a:rPr>
+              <a:t>提供了对开发者透明的会话缓存的功能，只需要设置相应的</a:t>
+            </a:r>
+            <a:r>
+              <a:rPr lang="en-US" altLang="zh-CN" sz="1200" b="0" i="0" kern="1200" dirty="0" err="1" smtClean="0">
+                <a:solidFill>
+                  <a:schemeClr val="tx1"/>
+                </a:solidFill>
+                <a:effectLst/>
+                <a:latin typeface="+mn-lt"/>
+                <a:ea typeface="+mn-ea"/>
+                <a:cs typeface="+mn-cs"/>
+              </a:rPr>
+              <a:t>CacheManager</a:t>
+            </a:r>
+            <a:r>
+              <a:rPr lang="zh-CN" altLang="en-US" sz="1200" b="0" i="0" kern="1200" dirty="0" smtClean="0">
+                <a:solidFill>
+                  <a:schemeClr val="tx1"/>
+                </a:solidFill>
+                <a:effectLst/>
+                <a:latin typeface="+mn-lt"/>
+                <a:ea typeface="+mn-ea"/>
+                <a:cs typeface="+mn-cs"/>
+              </a:rPr>
+              <a:t>即可；</a:t>
+            </a:r>
+            <a:r>
+              <a:rPr lang="en-US" altLang="zh-CN" sz="1200" b="0" i="0" kern="1200" dirty="0" err="1" smtClean="0">
+                <a:solidFill>
+                  <a:schemeClr val="tx1"/>
+                </a:solidFill>
+                <a:effectLst/>
+                <a:latin typeface="+mn-lt"/>
+                <a:ea typeface="+mn-ea"/>
+                <a:cs typeface="+mn-cs"/>
+              </a:rPr>
+              <a:t>MemorySessionDAO</a:t>
+            </a:r>
+            <a:r>
+              <a:rPr lang="zh-CN" altLang="en-US" sz="1200" b="0" i="0" kern="1200" dirty="0" smtClean="0">
+                <a:solidFill>
+                  <a:schemeClr val="tx1"/>
+                </a:solidFill>
+                <a:effectLst/>
+                <a:latin typeface="+mn-lt"/>
+                <a:ea typeface="+mn-ea"/>
+                <a:cs typeface="+mn-cs"/>
+              </a:rPr>
+              <a:t>直接在内存中进行会话维护；而</a:t>
+            </a:r>
+            <a:r>
+              <a:rPr lang="en-US" altLang="zh-CN" sz="1200" b="0" i="0" kern="1200" dirty="0" err="1" smtClean="0">
+                <a:solidFill>
+                  <a:schemeClr val="tx1"/>
+                </a:solidFill>
+                <a:effectLst/>
+                <a:latin typeface="+mn-lt"/>
+                <a:ea typeface="+mn-ea"/>
+                <a:cs typeface="+mn-cs"/>
+              </a:rPr>
+              <a:t>EnterpriseCacheSessionDAO</a:t>
+            </a:r>
+            <a:r>
+              <a:rPr lang="zh-CN" altLang="en-US" sz="1200" b="0" i="0" kern="1200" dirty="0" smtClean="0">
+                <a:solidFill>
+                  <a:schemeClr val="tx1"/>
+                </a:solidFill>
+                <a:effectLst/>
+                <a:latin typeface="+mn-lt"/>
+                <a:ea typeface="+mn-ea"/>
+                <a:cs typeface="+mn-cs"/>
+              </a:rPr>
+              <a:t>提供了缓存功能的会话维护，默认情况下使用</a:t>
+            </a:r>
+            <a:r>
+              <a:rPr lang="en-US" altLang="zh-CN" sz="1200" b="0" i="0" kern="1200" dirty="0" err="1" smtClean="0">
+                <a:solidFill>
+                  <a:schemeClr val="tx1"/>
+                </a:solidFill>
+                <a:effectLst/>
+                <a:latin typeface="+mn-lt"/>
+                <a:ea typeface="+mn-ea"/>
+                <a:cs typeface="+mn-cs"/>
+              </a:rPr>
+              <a:t>MapCache</a:t>
+            </a:r>
+            <a:r>
+              <a:rPr lang="zh-CN" altLang="en-US" sz="1200" b="0" i="0" kern="1200" dirty="0" smtClean="0">
+                <a:solidFill>
+                  <a:schemeClr val="tx1"/>
+                </a:solidFill>
+                <a:effectLst/>
+                <a:latin typeface="+mn-lt"/>
+                <a:ea typeface="+mn-ea"/>
+                <a:cs typeface="+mn-cs"/>
+              </a:rPr>
+              <a:t>实现，内部使用</a:t>
+            </a:r>
+            <a:r>
+              <a:rPr lang="en-US" altLang="zh-CN" sz="1200" b="0" i="0" kern="1200" dirty="0" err="1" smtClean="0">
+                <a:solidFill>
+                  <a:schemeClr val="tx1"/>
+                </a:solidFill>
+                <a:effectLst/>
+                <a:latin typeface="+mn-lt"/>
+                <a:ea typeface="+mn-ea"/>
+                <a:cs typeface="+mn-cs"/>
+              </a:rPr>
+              <a:t>ConcurrentHashMap</a:t>
+            </a:r>
+            <a:r>
+              <a:rPr lang="zh-CN" altLang="en-US" sz="1200" b="0" i="0" kern="1200" dirty="0" smtClean="0">
+                <a:solidFill>
+                  <a:schemeClr val="tx1"/>
+                </a:solidFill>
+                <a:effectLst/>
+                <a:latin typeface="+mn-lt"/>
+                <a:ea typeface="+mn-ea"/>
+                <a:cs typeface="+mn-cs"/>
+              </a:rPr>
+              <a:t>保存缓存的会话。</a:t>
+            </a:r>
             <a:endParaRPr lang="zh-CN" altLang="en-US" dirty="0"/>
           </a:p>
         </p:txBody>
@@ -4793,7 +5941,7 @@
           <a:p>
             <a:fld id="{88CC90C7-1FED-594F-8ABD-3A84BE69A2A0}" type="slidenum">
               <a:rPr kumimoji="1" lang="zh-CN" altLang="en-US" smtClean="0"/>
-              <a:t>18</a:t>
+              <a:t>16</a:t>
             </a:fld>
             <a:endParaRPr kumimoji="1" lang="zh-CN" altLang="en-US"/>
           </a:p>
@@ -4802,7 +5950,7 @@
     </p:spTree>
     <p:extLst>
       <p:ext uri="{BB962C8B-B14F-4D97-AF65-F5344CB8AC3E}">
-        <p14:creationId xmlns:p14="http://schemas.microsoft.com/office/powerpoint/2010/main" val="3654609923"/>
+        <p14:creationId xmlns:p14="http://schemas.microsoft.com/office/powerpoint/2010/main" val="3657908264"/>
       </p:ext>
     </p:extLst>
   </p:cSld>
@@ -4856,6 +6004,222 @@
           <a:bodyPr/>
           <a:lstStyle/>
           <a:p>
+            <a:r>
+              <a:rPr lang="en-US" altLang="zh-CN" sz="1200" b="0" i="0" kern="1200" dirty="0" err="1" smtClean="0">
+                <a:solidFill>
+                  <a:schemeClr val="tx1"/>
+                </a:solidFill>
+                <a:effectLst/>
+                <a:latin typeface="+mn-lt"/>
+                <a:ea typeface="+mn-ea"/>
+                <a:cs typeface="+mn-cs"/>
+              </a:rPr>
+              <a:t>AbstractSessionDAO</a:t>
+            </a:r>
+            <a:r>
+              <a:rPr lang="zh-CN" altLang="en-US" sz="1200" b="0" i="0" kern="1200" dirty="0" smtClean="0">
+                <a:solidFill>
+                  <a:schemeClr val="tx1"/>
+                </a:solidFill>
+                <a:effectLst/>
+                <a:latin typeface="+mn-lt"/>
+                <a:ea typeface="+mn-ea"/>
+                <a:cs typeface="+mn-cs"/>
+              </a:rPr>
+              <a:t>提供了</a:t>
+            </a:r>
+            <a:r>
+              <a:rPr lang="en-US" altLang="zh-CN" sz="1200" b="0" i="0" kern="1200" dirty="0" err="1" smtClean="0">
+                <a:solidFill>
+                  <a:schemeClr val="tx1"/>
+                </a:solidFill>
+                <a:effectLst/>
+                <a:latin typeface="+mn-lt"/>
+                <a:ea typeface="+mn-ea"/>
+                <a:cs typeface="+mn-cs"/>
+              </a:rPr>
+              <a:t>SessionDAO</a:t>
+            </a:r>
+            <a:r>
+              <a:rPr lang="zh-CN" altLang="en-US" sz="1200" b="0" i="0" kern="1200" dirty="0" smtClean="0">
+                <a:solidFill>
+                  <a:schemeClr val="tx1"/>
+                </a:solidFill>
+                <a:effectLst/>
+                <a:latin typeface="+mn-lt"/>
+                <a:ea typeface="+mn-ea"/>
+                <a:cs typeface="+mn-cs"/>
+              </a:rPr>
+              <a:t>的基础实现，如生成会话</a:t>
+            </a:r>
+            <a:r>
+              <a:rPr lang="en-US" altLang="zh-CN" sz="1200" b="0" i="0" kern="1200" dirty="0" smtClean="0">
+                <a:solidFill>
+                  <a:schemeClr val="tx1"/>
+                </a:solidFill>
+                <a:effectLst/>
+                <a:latin typeface="+mn-lt"/>
+                <a:ea typeface="+mn-ea"/>
+                <a:cs typeface="+mn-cs"/>
+              </a:rPr>
+              <a:t>ID</a:t>
+            </a:r>
+            <a:r>
+              <a:rPr lang="zh-CN" altLang="en-US" sz="1200" b="0" i="0" kern="1200" dirty="0" smtClean="0">
+                <a:solidFill>
+                  <a:schemeClr val="tx1"/>
+                </a:solidFill>
+                <a:effectLst/>
+                <a:latin typeface="+mn-lt"/>
+                <a:ea typeface="+mn-ea"/>
+                <a:cs typeface="+mn-cs"/>
+              </a:rPr>
+              <a:t>等；</a:t>
+            </a:r>
+            <a:r>
+              <a:rPr lang="en-US" altLang="zh-CN" sz="1200" b="0" i="0" kern="1200" dirty="0" err="1" smtClean="0">
+                <a:solidFill>
+                  <a:schemeClr val="tx1"/>
+                </a:solidFill>
+                <a:effectLst/>
+                <a:latin typeface="+mn-lt"/>
+                <a:ea typeface="+mn-ea"/>
+                <a:cs typeface="+mn-cs"/>
+              </a:rPr>
+              <a:t>CachingSessionDAO</a:t>
+            </a:r>
+            <a:r>
+              <a:rPr lang="zh-CN" altLang="en-US" sz="1200" b="0" i="0" kern="1200" dirty="0" smtClean="0">
+                <a:solidFill>
+                  <a:schemeClr val="tx1"/>
+                </a:solidFill>
+                <a:effectLst/>
+                <a:latin typeface="+mn-lt"/>
+                <a:ea typeface="+mn-ea"/>
+                <a:cs typeface="+mn-cs"/>
+              </a:rPr>
+              <a:t>提供了对开发者透明的会话缓存的功能，只需要设置相应的</a:t>
+            </a:r>
+            <a:r>
+              <a:rPr lang="en-US" altLang="zh-CN" sz="1200" b="0" i="0" kern="1200" dirty="0" err="1" smtClean="0">
+                <a:solidFill>
+                  <a:schemeClr val="tx1"/>
+                </a:solidFill>
+                <a:effectLst/>
+                <a:latin typeface="+mn-lt"/>
+                <a:ea typeface="+mn-ea"/>
+                <a:cs typeface="+mn-cs"/>
+              </a:rPr>
+              <a:t>CacheManager</a:t>
+            </a:r>
+            <a:r>
+              <a:rPr lang="zh-CN" altLang="en-US" sz="1200" b="0" i="0" kern="1200" dirty="0" smtClean="0">
+                <a:solidFill>
+                  <a:schemeClr val="tx1"/>
+                </a:solidFill>
+                <a:effectLst/>
+                <a:latin typeface="+mn-lt"/>
+                <a:ea typeface="+mn-ea"/>
+                <a:cs typeface="+mn-cs"/>
+              </a:rPr>
+              <a:t>即可；</a:t>
+            </a:r>
+            <a:r>
+              <a:rPr lang="en-US" altLang="zh-CN" sz="1200" b="0" i="0" kern="1200" dirty="0" err="1" smtClean="0">
+                <a:solidFill>
+                  <a:schemeClr val="tx1"/>
+                </a:solidFill>
+                <a:effectLst/>
+                <a:latin typeface="+mn-lt"/>
+                <a:ea typeface="+mn-ea"/>
+                <a:cs typeface="+mn-cs"/>
+              </a:rPr>
+              <a:t>MemorySessionDAO</a:t>
+            </a:r>
+            <a:r>
+              <a:rPr lang="zh-CN" altLang="en-US" sz="1200" b="0" i="0" kern="1200" dirty="0" smtClean="0">
+                <a:solidFill>
+                  <a:schemeClr val="tx1"/>
+                </a:solidFill>
+                <a:effectLst/>
+                <a:latin typeface="+mn-lt"/>
+                <a:ea typeface="+mn-ea"/>
+                <a:cs typeface="+mn-cs"/>
+              </a:rPr>
+              <a:t>直接在内存中进行会话维护；而</a:t>
+            </a:r>
+            <a:r>
+              <a:rPr lang="en-US" altLang="zh-CN" sz="1200" b="0" i="0" kern="1200" dirty="0" err="1" smtClean="0">
+                <a:solidFill>
+                  <a:schemeClr val="tx1"/>
+                </a:solidFill>
+                <a:effectLst/>
+                <a:latin typeface="+mn-lt"/>
+                <a:ea typeface="+mn-ea"/>
+                <a:cs typeface="+mn-cs"/>
+              </a:rPr>
+              <a:t>EnterpriseCacheSessionDAO</a:t>
+            </a:r>
+            <a:r>
+              <a:rPr lang="zh-CN" altLang="en-US" sz="1200" b="0" i="0" kern="1200" dirty="0" smtClean="0">
+                <a:solidFill>
+                  <a:schemeClr val="tx1"/>
+                </a:solidFill>
+                <a:effectLst/>
+                <a:latin typeface="+mn-lt"/>
+                <a:ea typeface="+mn-ea"/>
+                <a:cs typeface="+mn-cs"/>
+              </a:rPr>
+              <a:t>提供了缓存功能的会话维护，默认情况下使用</a:t>
+            </a:r>
+            <a:r>
+              <a:rPr lang="en-US" altLang="zh-CN" sz="1200" b="0" i="0" kern="1200" dirty="0" err="1" smtClean="0">
+                <a:solidFill>
+                  <a:schemeClr val="tx1"/>
+                </a:solidFill>
+                <a:effectLst/>
+                <a:latin typeface="+mn-lt"/>
+                <a:ea typeface="+mn-ea"/>
+                <a:cs typeface="+mn-cs"/>
+              </a:rPr>
+              <a:t>MapCache</a:t>
+            </a:r>
+            <a:r>
+              <a:rPr lang="zh-CN" altLang="en-US" sz="1200" b="0" i="0" kern="1200" dirty="0" smtClean="0">
+                <a:solidFill>
+                  <a:schemeClr val="tx1"/>
+                </a:solidFill>
+                <a:effectLst/>
+                <a:latin typeface="+mn-lt"/>
+                <a:ea typeface="+mn-ea"/>
+                <a:cs typeface="+mn-cs"/>
+              </a:rPr>
+              <a:t>实现，内部使用</a:t>
+            </a:r>
+            <a:r>
+              <a:rPr lang="en-US" altLang="zh-CN" sz="1200" b="0" i="0" kern="1200" dirty="0" err="1" smtClean="0">
+                <a:solidFill>
+                  <a:schemeClr val="tx1"/>
+                </a:solidFill>
+                <a:effectLst/>
+                <a:latin typeface="+mn-lt"/>
+                <a:ea typeface="+mn-ea"/>
+                <a:cs typeface="+mn-cs"/>
+              </a:rPr>
+              <a:t>ConcurrentHashMap</a:t>
+            </a:r>
+            <a:r>
+              <a:rPr lang="zh-CN" altLang="en-US" sz="1200" b="0" i="0" kern="1200" dirty="0" smtClean="0">
+                <a:solidFill>
+                  <a:schemeClr val="tx1"/>
+                </a:solidFill>
+                <a:effectLst/>
+                <a:latin typeface="+mn-lt"/>
+                <a:ea typeface="+mn-ea"/>
+                <a:cs typeface="+mn-cs"/>
+              </a:rPr>
+              <a:t>保存缓存的会话。</a:t>
+            </a:r>
             <a:endParaRPr lang="zh-CN" altLang="en-US" dirty="0"/>
           </a:p>
         </p:txBody>
@@ -4877,7 +6241,7 @@
           <a:p>
             <a:fld id="{88CC90C7-1FED-594F-8ABD-3A84BE69A2A0}" type="slidenum">
               <a:rPr kumimoji="1" lang="zh-CN" altLang="en-US" smtClean="0"/>
-              <a:t>19</a:t>
+              <a:t>17</a:t>
             </a:fld>
             <a:endParaRPr kumimoji="1" lang="zh-CN" altLang="en-US"/>
           </a:p>
@@ -4886,7 +6250,7 @@
     </p:spTree>
     <p:extLst>
       <p:ext uri="{BB962C8B-B14F-4D97-AF65-F5344CB8AC3E}">
-        <p14:creationId xmlns:p14="http://schemas.microsoft.com/office/powerpoint/2010/main" val="1252759003"/>
+        <p14:creationId xmlns:p14="http://schemas.microsoft.com/office/powerpoint/2010/main" val="3023997305"/>
       </p:ext>
     </p:extLst>
   </p:cSld>
@@ -4940,6 +6304,94 @@
           <a:bodyPr/>
           <a:lstStyle/>
           <a:p>
+            <a:r>
+              <a:rPr lang="en-US" altLang="zh-CN" sz="1200" b="0" i="0" kern="1200" dirty="0" err="1" smtClean="0">
+                <a:solidFill>
+                  <a:schemeClr val="tx1"/>
+                </a:solidFill>
+                <a:effectLst/>
+                <a:latin typeface="+mn-lt"/>
+                <a:ea typeface="+mn-ea"/>
+                <a:cs typeface="+mn-cs"/>
+              </a:rPr>
+              <a:t>Shiro</a:t>
+            </a:r>
+            <a:r>
+              <a:rPr lang="zh-CN" altLang="en-US" sz="1200" b="0" i="0" kern="1200" dirty="0" smtClean="0">
+                <a:solidFill>
+                  <a:schemeClr val="tx1"/>
+                </a:solidFill>
+                <a:effectLst/>
+                <a:latin typeface="+mn-lt"/>
+                <a:ea typeface="+mn-ea"/>
+                <a:cs typeface="+mn-cs"/>
+              </a:rPr>
+              <a:t>提供了会话验证调度器，用于定期的验证会话是否已过期，如果过期将停止会话；出于性能考虑，一般情况下都是获取会话时来验证会话是否过期并停止会话的；但是如在</a:t>
+            </a:r>
+            <a:r>
+              <a:rPr lang="en-US" altLang="zh-CN" sz="1200" b="0" i="0" kern="1200" dirty="0" smtClean="0">
+                <a:solidFill>
+                  <a:schemeClr val="tx1"/>
+                </a:solidFill>
+                <a:effectLst/>
+                <a:latin typeface="+mn-lt"/>
+                <a:ea typeface="+mn-ea"/>
+                <a:cs typeface="+mn-cs"/>
+              </a:rPr>
+              <a:t>web</a:t>
+            </a:r>
+            <a:r>
+              <a:rPr lang="zh-CN" altLang="en-US" sz="1200" b="0" i="0" kern="1200" dirty="0" smtClean="0">
+                <a:solidFill>
+                  <a:schemeClr val="tx1"/>
+                </a:solidFill>
+                <a:effectLst/>
+                <a:latin typeface="+mn-lt"/>
+                <a:ea typeface="+mn-ea"/>
+                <a:cs typeface="+mn-cs"/>
+              </a:rPr>
+              <a:t>环境中，如果用户不主动退出是不知道会话是否过期的，因此需要定期的检测会话是否过期，</a:t>
+            </a:r>
+            <a:r>
+              <a:rPr lang="en-US" altLang="zh-CN" sz="1200" b="0" i="0" kern="1200" dirty="0" err="1" smtClean="0">
+                <a:solidFill>
+                  <a:schemeClr val="tx1"/>
+                </a:solidFill>
+                <a:effectLst/>
+                <a:latin typeface="+mn-lt"/>
+                <a:ea typeface="+mn-ea"/>
+                <a:cs typeface="+mn-cs"/>
+              </a:rPr>
+              <a:t>Shiro</a:t>
+            </a:r>
+            <a:r>
+              <a:rPr lang="zh-CN" altLang="en-US" sz="1200" b="0" i="0" kern="1200" dirty="0" smtClean="0">
+                <a:solidFill>
+                  <a:schemeClr val="tx1"/>
+                </a:solidFill>
+                <a:effectLst/>
+                <a:latin typeface="+mn-lt"/>
+                <a:ea typeface="+mn-ea"/>
+                <a:cs typeface="+mn-cs"/>
+              </a:rPr>
+              <a:t>提供了会话验证调度器</a:t>
+            </a:r>
+            <a:r>
+              <a:rPr lang="en-US" altLang="zh-CN" dirty="0" err="1" smtClean="0"/>
+              <a:t>SessionValidationScheduler</a:t>
+            </a:r>
+            <a:r>
+              <a:rPr lang="zh-CN" altLang="en-US" sz="1200" b="0" i="0" kern="1200" dirty="0" smtClean="0">
+                <a:solidFill>
+                  <a:schemeClr val="tx1"/>
+                </a:solidFill>
+                <a:effectLst/>
+                <a:latin typeface="+mn-lt"/>
+                <a:ea typeface="+mn-ea"/>
+                <a:cs typeface="+mn-cs"/>
+              </a:rPr>
+              <a:t>来做这件事情。</a:t>
+            </a:r>
             <a:endParaRPr lang="zh-CN" altLang="en-US" dirty="0"/>
           </a:p>
         </p:txBody>
@@ -4961,7 +6413,7 @@
           <a:p>
             <a:fld id="{88CC90C7-1FED-594F-8ABD-3A84BE69A2A0}" type="slidenum">
               <a:rPr kumimoji="1" lang="zh-CN" altLang="en-US" smtClean="0"/>
-              <a:t>20</a:t>
+              <a:t>18</a:t>
             </a:fld>
             <a:endParaRPr kumimoji="1" lang="zh-CN" altLang="en-US"/>
           </a:p>
@@ -4970,7 +6422,7 @@
     </p:spTree>
     <p:extLst>
       <p:ext uri="{BB962C8B-B14F-4D97-AF65-F5344CB8AC3E}">
-        <p14:creationId xmlns:p14="http://schemas.microsoft.com/office/powerpoint/2010/main" val="3259718569"/>
+        <p14:creationId xmlns:p14="http://schemas.microsoft.com/office/powerpoint/2010/main" val="97000029"/>
       </p:ext>
     </p:extLst>
   </p:cSld>
@@ -5045,7 +6497,7 @@
           <a:p>
             <a:fld id="{88CC90C7-1FED-594F-8ABD-3A84BE69A2A0}" type="slidenum">
               <a:rPr kumimoji="1" lang="zh-CN" altLang="en-US" smtClean="0"/>
-              <a:t>21</a:t>
+              <a:t>19</a:t>
             </a:fld>
             <a:endParaRPr kumimoji="1" lang="zh-CN" altLang="en-US"/>
           </a:p>
@@ -5054,7 +6506,7 @@
     </p:spTree>
     <p:extLst>
       <p:ext uri="{BB962C8B-B14F-4D97-AF65-F5344CB8AC3E}">
-        <p14:creationId xmlns:p14="http://schemas.microsoft.com/office/powerpoint/2010/main" val="155180426"/>
+        <p14:creationId xmlns:p14="http://schemas.microsoft.com/office/powerpoint/2010/main" val="3320545149"/>
       </p:ext>
     </p:extLst>
   </p:cSld>
@@ -5139,6 +6591,426 @@
     <p:extLst>
       <p:ext uri="{BB962C8B-B14F-4D97-AF65-F5344CB8AC3E}">
         <p14:creationId xmlns:p14="http://schemas.microsoft.com/office/powerpoint/2010/main" val="500191153"/>
+      </p:ext>
+    </p:extLst>
+  </p:cSld>
+  <p:clrMapOvr>
+    <a:masterClrMapping/>
+  </p:clrMapOvr>
+</p:notes>
+</file>
+
+<file path=ppt/notesSlides/notesSlide20.xml><?xml version="1.0" encoding="utf-8"?>
+<p:notes xmlns:a="http://schemas.openxmlformats.org/drawingml/2006/main" xmlns:r="http://schemas.openxmlformats.org/officeDocument/2006/relationships" xmlns:p="http://schemas.openxmlformats.org/presentationml/2006/main">
+  <p:cSld>
+    <p:spTree>
+      <p:nvGrpSpPr>
+        <p:cNvPr id="1" name=""/>
+        <p:cNvGrpSpPr/>
+        <p:nvPr/>
+      </p:nvGrpSpPr>
+      <p:grpSpPr>
+        <a:xfrm>
+          <a:off x="0" y="0"/>
+          <a:ext cx="0" cy="0"/>
+          <a:chOff x="0" y="0"/>
+          <a:chExt cx="0" cy="0"/>
+        </a:xfrm>
+      </p:grpSpPr>
+      <p:sp>
+        <p:nvSpPr>
+          <p:cNvPr id="2" name="幻灯片图像占位符 1"/>
+          <p:cNvSpPr>
+            <a:spLocks noGrp="1" noRot="1" noChangeAspect="1"/>
+          </p:cNvSpPr>
+          <p:nvPr>
+            <p:ph type="sldImg"/>
+          </p:nvPr>
+        </p:nvSpPr>
+        <p:spPr/>
+      </p:sp>
+      <p:sp>
+        <p:nvSpPr>
+          <p:cNvPr id="3" name="备注占位符 2"/>
+          <p:cNvSpPr>
+            <a:spLocks noGrp="1"/>
+          </p:cNvSpPr>
+          <p:nvPr>
+            <p:ph type="body" idx="1"/>
+          </p:nvPr>
+        </p:nvSpPr>
+        <p:spPr/>
+        <p:txBody>
+          <a:bodyPr/>
+          <a:lstStyle/>
+          <a:p>
+            <a:endParaRPr lang="zh-CN" altLang="en-US" dirty="0"/>
+          </a:p>
+        </p:txBody>
+      </p:sp>
+      <p:sp>
+        <p:nvSpPr>
+          <p:cNvPr id="4" name="灯片编号占位符 3"/>
+          <p:cNvSpPr>
+            <a:spLocks noGrp="1"/>
+          </p:cNvSpPr>
+          <p:nvPr>
+            <p:ph type="sldNum" sz="quarter" idx="10"/>
+          </p:nvPr>
+        </p:nvSpPr>
+        <p:spPr/>
+        <p:txBody>
+          <a:bodyPr/>
+          <a:lstStyle/>
+          <a:p>
+            <a:fld id="{88CC90C7-1FED-594F-8ABD-3A84BE69A2A0}" type="slidenum">
+              <a:rPr kumimoji="1" lang="zh-CN" altLang="en-US" smtClean="0"/>
+              <a:t>20</a:t>
+            </a:fld>
+            <a:endParaRPr kumimoji="1" lang="zh-CN" altLang="en-US"/>
+          </a:p>
+        </p:txBody>
+      </p:sp>
+    </p:spTree>
+    <p:extLst>
+      <p:ext uri="{BB962C8B-B14F-4D97-AF65-F5344CB8AC3E}">
+        <p14:creationId xmlns:p14="http://schemas.microsoft.com/office/powerpoint/2010/main" val="3834375670"/>
+      </p:ext>
+    </p:extLst>
+  </p:cSld>
+  <p:clrMapOvr>
+    <a:masterClrMapping/>
+  </p:clrMapOvr>
+</p:notes>
+</file>
+
+<file path=ppt/notesSlides/notesSlide21.xml><?xml version="1.0" encoding="utf-8"?>
+<p:notes xmlns:a="http://schemas.openxmlformats.org/drawingml/2006/main" xmlns:r="http://schemas.openxmlformats.org/officeDocument/2006/relationships" xmlns:p="http://schemas.openxmlformats.org/presentationml/2006/main">
+  <p:cSld>
+    <p:spTree>
+      <p:nvGrpSpPr>
+        <p:cNvPr id="1" name=""/>
+        <p:cNvGrpSpPr/>
+        <p:nvPr/>
+      </p:nvGrpSpPr>
+      <p:grpSpPr>
+        <a:xfrm>
+          <a:off x="0" y="0"/>
+          <a:ext cx="0" cy="0"/>
+          <a:chOff x="0" y="0"/>
+          <a:chExt cx="0" cy="0"/>
+        </a:xfrm>
+      </p:grpSpPr>
+      <p:sp>
+        <p:nvSpPr>
+          <p:cNvPr id="2" name="幻灯片图像占位符 1"/>
+          <p:cNvSpPr>
+            <a:spLocks noGrp="1" noRot="1" noChangeAspect="1"/>
+          </p:cNvSpPr>
+          <p:nvPr>
+            <p:ph type="sldImg"/>
+          </p:nvPr>
+        </p:nvSpPr>
+        <p:spPr/>
+      </p:sp>
+      <p:sp>
+        <p:nvSpPr>
+          <p:cNvPr id="3" name="备注占位符 2"/>
+          <p:cNvSpPr>
+            <a:spLocks noGrp="1"/>
+          </p:cNvSpPr>
+          <p:nvPr>
+            <p:ph type="body" idx="1"/>
+          </p:nvPr>
+        </p:nvSpPr>
+        <p:spPr/>
+        <p:txBody>
+          <a:bodyPr/>
+          <a:lstStyle/>
+          <a:p>
+            <a:endParaRPr lang="zh-CN" altLang="en-US" dirty="0"/>
+          </a:p>
+        </p:txBody>
+      </p:sp>
+      <p:sp>
+        <p:nvSpPr>
+          <p:cNvPr id="4" name="灯片编号占位符 3"/>
+          <p:cNvSpPr>
+            <a:spLocks noGrp="1"/>
+          </p:cNvSpPr>
+          <p:nvPr>
+            <p:ph type="sldNum" sz="quarter" idx="10"/>
+          </p:nvPr>
+        </p:nvSpPr>
+        <p:spPr/>
+        <p:txBody>
+          <a:bodyPr/>
+          <a:lstStyle/>
+          <a:p>
+            <a:fld id="{88CC90C7-1FED-594F-8ABD-3A84BE69A2A0}" type="slidenum">
+              <a:rPr kumimoji="1" lang="zh-CN" altLang="en-US" smtClean="0"/>
+              <a:t>23</a:t>
+            </a:fld>
+            <a:endParaRPr kumimoji="1" lang="zh-CN" altLang="en-US"/>
+          </a:p>
+        </p:txBody>
+      </p:sp>
+    </p:spTree>
+    <p:extLst>
+      <p:ext uri="{BB962C8B-B14F-4D97-AF65-F5344CB8AC3E}">
+        <p14:creationId xmlns:p14="http://schemas.microsoft.com/office/powerpoint/2010/main" val="3654609923"/>
+      </p:ext>
+    </p:extLst>
+  </p:cSld>
+  <p:clrMapOvr>
+    <a:masterClrMapping/>
+  </p:clrMapOvr>
+</p:notes>
+</file>
+
+<file path=ppt/notesSlides/notesSlide22.xml><?xml version="1.0" encoding="utf-8"?>
+<p:notes xmlns:a="http://schemas.openxmlformats.org/drawingml/2006/main" xmlns:r="http://schemas.openxmlformats.org/officeDocument/2006/relationships" xmlns:p="http://schemas.openxmlformats.org/presentationml/2006/main">
+  <p:cSld>
+    <p:spTree>
+      <p:nvGrpSpPr>
+        <p:cNvPr id="1" name=""/>
+        <p:cNvGrpSpPr/>
+        <p:nvPr/>
+      </p:nvGrpSpPr>
+      <p:grpSpPr>
+        <a:xfrm>
+          <a:off x="0" y="0"/>
+          <a:ext cx="0" cy="0"/>
+          <a:chOff x="0" y="0"/>
+          <a:chExt cx="0" cy="0"/>
+        </a:xfrm>
+      </p:grpSpPr>
+      <p:sp>
+        <p:nvSpPr>
+          <p:cNvPr id="2" name="幻灯片图像占位符 1"/>
+          <p:cNvSpPr>
+            <a:spLocks noGrp="1" noRot="1" noChangeAspect="1"/>
+          </p:cNvSpPr>
+          <p:nvPr>
+            <p:ph type="sldImg"/>
+          </p:nvPr>
+        </p:nvSpPr>
+        <p:spPr/>
+      </p:sp>
+      <p:sp>
+        <p:nvSpPr>
+          <p:cNvPr id="3" name="备注占位符 2"/>
+          <p:cNvSpPr>
+            <a:spLocks noGrp="1"/>
+          </p:cNvSpPr>
+          <p:nvPr>
+            <p:ph type="body" idx="1"/>
+          </p:nvPr>
+        </p:nvSpPr>
+        <p:spPr/>
+        <p:txBody>
+          <a:bodyPr/>
+          <a:lstStyle/>
+          <a:p>
+            <a:endParaRPr lang="zh-CN" altLang="en-US" dirty="0"/>
+          </a:p>
+        </p:txBody>
+      </p:sp>
+      <p:sp>
+        <p:nvSpPr>
+          <p:cNvPr id="4" name="灯片编号占位符 3"/>
+          <p:cNvSpPr>
+            <a:spLocks noGrp="1"/>
+          </p:cNvSpPr>
+          <p:nvPr>
+            <p:ph type="sldNum" sz="quarter" idx="10"/>
+          </p:nvPr>
+        </p:nvSpPr>
+        <p:spPr/>
+        <p:txBody>
+          <a:bodyPr/>
+          <a:lstStyle/>
+          <a:p>
+            <a:fld id="{88CC90C7-1FED-594F-8ABD-3A84BE69A2A0}" type="slidenum">
+              <a:rPr kumimoji="1" lang="zh-CN" altLang="en-US" smtClean="0"/>
+              <a:t>24</a:t>
+            </a:fld>
+            <a:endParaRPr kumimoji="1" lang="zh-CN" altLang="en-US"/>
+          </a:p>
+        </p:txBody>
+      </p:sp>
+    </p:spTree>
+    <p:extLst>
+      <p:ext uri="{BB962C8B-B14F-4D97-AF65-F5344CB8AC3E}">
+        <p14:creationId xmlns:p14="http://schemas.microsoft.com/office/powerpoint/2010/main" val="1252759003"/>
+      </p:ext>
+    </p:extLst>
+  </p:cSld>
+  <p:clrMapOvr>
+    <a:masterClrMapping/>
+  </p:clrMapOvr>
+</p:notes>
+</file>
+
+<file path=ppt/notesSlides/notesSlide23.xml><?xml version="1.0" encoding="utf-8"?>
+<p:notes xmlns:a="http://schemas.openxmlformats.org/drawingml/2006/main" xmlns:r="http://schemas.openxmlformats.org/officeDocument/2006/relationships" xmlns:p="http://schemas.openxmlformats.org/presentationml/2006/main">
+  <p:cSld>
+    <p:spTree>
+      <p:nvGrpSpPr>
+        <p:cNvPr id="1" name=""/>
+        <p:cNvGrpSpPr/>
+        <p:nvPr/>
+      </p:nvGrpSpPr>
+      <p:grpSpPr>
+        <a:xfrm>
+          <a:off x="0" y="0"/>
+          <a:ext cx="0" cy="0"/>
+          <a:chOff x="0" y="0"/>
+          <a:chExt cx="0" cy="0"/>
+        </a:xfrm>
+      </p:grpSpPr>
+      <p:sp>
+        <p:nvSpPr>
+          <p:cNvPr id="2" name="幻灯片图像占位符 1"/>
+          <p:cNvSpPr>
+            <a:spLocks noGrp="1" noRot="1" noChangeAspect="1"/>
+          </p:cNvSpPr>
+          <p:nvPr>
+            <p:ph type="sldImg"/>
+          </p:nvPr>
+        </p:nvSpPr>
+        <p:spPr/>
+      </p:sp>
+      <p:sp>
+        <p:nvSpPr>
+          <p:cNvPr id="3" name="备注占位符 2"/>
+          <p:cNvSpPr>
+            <a:spLocks noGrp="1"/>
+          </p:cNvSpPr>
+          <p:nvPr>
+            <p:ph type="body" idx="1"/>
+          </p:nvPr>
+        </p:nvSpPr>
+        <p:spPr/>
+        <p:txBody>
+          <a:bodyPr/>
+          <a:lstStyle/>
+          <a:p>
+            <a:endParaRPr lang="zh-CN" altLang="en-US" dirty="0"/>
+          </a:p>
+        </p:txBody>
+      </p:sp>
+      <p:sp>
+        <p:nvSpPr>
+          <p:cNvPr id="4" name="灯片编号占位符 3"/>
+          <p:cNvSpPr>
+            <a:spLocks noGrp="1"/>
+          </p:cNvSpPr>
+          <p:nvPr>
+            <p:ph type="sldNum" sz="quarter" idx="10"/>
+          </p:nvPr>
+        </p:nvSpPr>
+        <p:spPr/>
+        <p:txBody>
+          <a:bodyPr/>
+          <a:lstStyle/>
+          <a:p>
+            <a:fld id="{88CC90C7-1FED-594F-8ABD-3A84BE69A2A0}" type="slidenum">
+              <a:rPr kumimoji="1" lang="zh-CN" altLang="en-US" smtClean="0"/>
+              <a:t>25</a:t>
+            </a:fld>
+            <a:endParaRPr kumimoji="1" lang="zh-CN" altLang="en-US"/>
+          </a:p>
+        </p:txBody>
+      </p:sp>
+    </p:spTree>
+    <p:extLst>
+      <p:ext uri="{BB962C8B-B14F-4D97-AF65-F5344CB8AC3E}">
+        <p14:creationId xmlns:p14="http://schemas.microsoft.com/office/powerpoint/2010/main" val="3259718569"/>
+      </p:ext>
+    </p:extLst>
+  </p:cSld>
+  <p:clrMapOvr>
+    <a:masterClrMapping/>
+  </p:clrMapOvr>
+</p:notes>
+</file>
+
+<file path=ppt/notesSlides/notesSlide24.xml><?xml version="1.0" encoding="utf-8"?>
+<p:notes xmlns:a="http://schemas.openxmlformats.org/drawingml/2006/main" xmlns:r="http://schemas.openxmlformats.org/officeDocument/2006/relationships" xmlns:p="http://schemas.openxmlformats.org/presentationml/2006/main">
+  <p:cSld>
+    <p:spTree>
+      <p:nvGrpSpPr>
+        <p:cNvPr id="1" name=""/>
+        <p:cNvGrpSpPr/>
+        <p:nvPr/>
+      </p:nvGrpSpPr>
+      <p:grpSpPr>
+        <a:xfrm>
+          <a:off x="0" y="0"/>
+          <a:ext cx="0" cy="0"/>
+          <a:chOff x="0" y="0"/>
+          <a:chExt cx="0" cy="0"/>
+        </a:xfrm>
+      </p:grpSpPr>
+      <p:sp>
+        <p:nvSpPr>
+          <p:cNvPr id="2" name="幻灯片图像占位符 1"/>
+          <p:cNvSpPr>
+            <a:spLocks noGrp="1" noRot="1" noChangeAspect="1"/>
+          </p:cNvSpPr>
+          <p:nvPr>
+            <p:ph type="sldImg"/>
+          </p:nvPr>
+        </p:nvSpPr>
+        <p:spPr/>
+      </p:sp>
+      <p:sp>
+        <p:nvSpPr>
+          <p:cNvPr id="3" name="备注占位符 2"/>
+          <p:cNvSpPr>
+            <a:spLocks noGrp="1"/>
+          </p:cNvSpPr>
+          <p:nvPr>
+            <p:ph type="body" idx="1"/>
+          </p:nvPr>
+        </p:nvSpPr>
+        <p:spPr/>
+        <p:txBody>
+          <a:bodyPr/>
+          <a:lstStyle/>
+          <a:p>
+            <a:endParaRPr lang="zh-CN" altLang="en-US" dirty="0"/>
+          </a:p>
+        </p:txBody>
+      </p:sp>
+      <p:sp>
+        <p:nvSpPr>
+          <p:cNvPr id="4" name="灯片编号占位符 3"/>
+          <p:cNvSpPr>
+            <a:spLocks noGrp="1"/>
+          </p:cNvSpPr>
+          <p:nvPr>
+            <p:ph type="sldNum" sz="quarter" idx="10"/>
+          </p:nvPr>
+        </p:nvSpPr>
+        <p:spPr/>
+        <p:txBody>
+          <a:bodyPr/>
+          <a:lstStyle/>
+          <a:p>
+            <a:fld id="{88CC90C7-1FED-594F-8ABD-3A84BE69A2A0}" type="slidenum">
+              <a:rPr kumimoji="1" lang="zh-CN" altLang="en-US" smtClean="0"/>
+              <a:t>26</a:t>
+            </a:fld>
+            <a:endParaRPr kumimoji="1" lang="zh-CN" altLang="en-US"/>
+          </a:p>
+        </p:txBody>
+      </p:sp>
+    </p:spTree>
+    <p:extLst>
+      <p:ext uri="{BB962C8B-B14F-4D97-AF65-F5344CB8AC3E}">
+        <p14:creationId xmlns:p14="http://schemas.microsoft.com/office/powerpoint/2010/main" val="155180426"/>
       </p:ext>
     </p:extLst>
   </p:cSld>
@@ -9424,12 +11296,61 @@
             </a:r>
             <a:r>
               <a:rPr lang="en-US" altLang="zh-CN" dirty="0" smtClean="0"/>
-              <a:t>Web</a:t>
+              <a:t>Spring</a:t>
             </a:r>
             <a:r>
               <a:rPr lang="zh-CN" altLang="en-US" dirty="0" smtClean="0"/>
               <a:t>集成</a:t>
             </a:r>
+            <a:endParaRPr lang="zh-CN" altLang="en-US" dirty="0"/>
+          </a:p>
+        </p:txBody>
+      </p:sp>
+      <p:sp>
+        <p:nvSpPr>
+          <p:cNvPr id="3" name="文本框 2"/>
+          <p:cNvSpPr txBox="1"/>
+          <p:nvPr/>
+        </p:nvSpPr>
+        <p:spPr>
+          <a:xfrm>
+            <a:off x="1530276" y="1799927"/>
+            <a:ext cx="5400600" cy="646331"/>
+          </a:xfrm>
+          <a:prstGeom prst="rect">
+            <a:avLst/>
+          </a:prstGeom>
+          <a:noFill/>
+        </p:spPr>
+        <p:txBody>
+          <a:bodyPr wrap="square" rtlCol="0">
+            <a:spAutoFit/>
+          </a:bodyPr>
+          <a:lstStyle/>
+          <a:p>
+            <a:r>
+              <a:rPr lang="zh-CN" altLang="en-US" dirty="0" smtClean="0"/>
+              <a:t>配置，</a:t>
+            </a:r>
+            <a:r>
+              <a:rPr lang="en-US" altLang="zh-CN" dirty="0" smtClean="0"/>
+              <a:t>web.xml</a:t>
+            </a:r>
+            <a:r>
+              <a:rPr lang="zh-CN" altLang="en-US" dirty="0" smtClean="0"/>
+              <a:t>和</a:t>
+            </a:r>
+            <a:r>
+              <a:rPr lang="en-US" altLang="zh-CN" dirty="0" err="1" smtClean="0"/>
+              <a:t>shiro</a:t>
+            </a:r>
+            <a:r>
+              <a:rPr lang="zh-CN" altLang="en-US" dirty="0" smtClean="0"/>
+              <a:t>配置</a:t>
+            </a:r>
+            <a:endParaRPr lang="en-US" altLang="zh-CN" dirty="0" smtClean="0"/>
+          </a:p>
+          <a:p>
             <a:endParaRPr lang="zh-CN" altLang="en-US" dirty="0"/>
           </a:p>
         </p:txBody>
@@ -9544,14 +11465,14 @@
       </p:grpSpPr>
       <p:sp>
         <p:nvSpPr>
-          <p:cNvPr id="2" name="文本框 1"/>
+          <p:cNvPr id="2" name="TextBox 1"/>
           <p:cNvSpPr txBox="1"/>
           <p:nvPr/>
         </p:nvSpPr>
         <p:spPr>
           <a:xfrm>
-            <a:off x="1818308" y="935831"/>
-            <a:ext cx="4464496" cy="646331"/>
+            <a:off x="738188" y="575791"/>
+            <a:ext cx="5688632" cy="369332"/>
           </a:xfrm>
           <a:prstGeom prst="rect">
             <a:avLst/>
@@ -9565,8 +11486,1391 @@
           <a:lstStyle/>
           <a:p>
             <a:r>
+              <a:rPr lang="zh-CN" altLang="en-US" dirty="0" smtClean="0"/>
+              <a:t>会话管理</a:t>
+            </a:r>
+            <a:endParaRPr lang="zh-CN" altLang="en-US" dirty="0"/>
+          </a:p>
+        </p:txBody>
+      </p:sp>
+      <p:sp>
+        <p:nvSpPr>
+          <p:cNvPr id="3" name="文本框 2"/>
+          <p:cNvSpPr txBox="1"/>
+          <p:nvPr/>
+        </p:nvSpPr>
+        <p:spPr>
+          <a:xfrm>
+            <a:off x="1098228" y="1223863"/>
+            <a:ext cx="3600400" cy="369332"/>
+          </a:xfrm>
+          <a:prstGeom prst="rect">
+            <a:avLst/>
+          </a:prstGeom>
+          <a:noFill/>
+        </p:spPr>
+        <p:txBody>
+          <a:bodyPr wrap="square" rtlCol="0">
+            <a:spAutoFit/>
+          </a:bodyPr>
+          <a:lstStyle/>
+          <a:p>
+            <a:r>
+              <a:rPr lang="en-US" altLang="zh-CN"/>
+              <a:t>Subject.getSession()</a:t>
+            </a:r>
+            <a:endParaRPr lang="zh-CN" altLang="en-US" dirty="0"/>
+          </a:p>
+        </p:txBody>
+      </p:sp>
+      <p:sp>
+        <p:nvSpPr>
+          <p:cNvPr id="5" name="文本框 4"/>
+          <p:cNvSpPr txBox="1"/>
+          <p:nvPr/>
+        </p:nvSpPr>
+        <p:spPr>
+          <a:xfrm>
+            <a:off x="1098228" y="1901260"/>
+            <a:ext cx="7056784" cy="369332"/>
+          </a:xfrm>
+          <a:prstGeom prst="rect">
+            <a:avLst/>
+          </a:prstGeom>
+          <a:noFill/>
+        </p:spPr>
+        <p:txBody>
+          <a:bodyPr wrap="square" rtlCol="0">
+            <a:spAutoFit/>
+          </a:bodyPr>
+          <a:lstStyle/>
+          <a:p>
+            <a:r>
+              <a:rPr lang="zh-CN" altLang="en-US" dirty="0" smtClean="0"/>
+              <a:t>会话管理器</a:t>
+            </a:r>
+            <a:r>
               <a:rPr lang="en-US" altLang="zh-CN" dirty="0" err="1" smtClean="0"/>
-              <a:t>CasRealm</a:t>
+              <a:t>SessionManager</a:t>
+            </a:r>
+            <a:endParaRPr lang="zh-CN" altLang="en-US" dirty="0"/>
+          </a:p>
+        </p:txBody>
+      </p:sp>
+      <p:sp>
+        <p:nvSpPr>
+          <p:cNvPr id="6" name="矩形 5"/>
+          <p:cNvSpPr/>
+          <p:nvPr/>
+        </p:nvSpPr>
+        <p:spPr>
+          <a:xfrm>
+            <a:off x="909154" y="2808039"/>
+            <a:ext cx="5346700" cy="2308324"/>
+          </a:xfrm>
+          <a:prstGeom prst="rect">
+            <a:avLst/>
+          </a:prstGeom>
+        </p:spPr>
+        <p:txBody>
+          <a:bodyPr>
+            <a:spAutoFit/>
+          </a:bodyPr>
+          <a:lstStyle/>
+          <a:p>
+            <a:r>
+              <a:rPr lang="en-US" altLang="zh-CN" b="1" dirty="0" err="1"/>
+              <a:t>DefaultSessionManager</a:t>
+            </a:r>
+            <a:r>
+              <a:rPr lang="zh-CN" altLang="en-US" dirty="0"/>
+              <a:t>：</a:t>
+            </a:r>
+            <a:r>
+              <a:rPr lang="en-US" altLang="zh-CN" dirty="0" err="1"/>
+              <a:t>DefaultSecurityManager</a:t>
+            </a:r>
+            <a:r>
+              <a:rPr lang="zh-CN" altLang="en-US" dirty="0"/>
+              <a:t>使用的默认实现，用于</a:t>
+            </a:r>
+            <a:r>
+              <a:rPr lang="en-US" altLang="zh-CN" dirty="0" err="1"/>
+              <a:t>JavaSE</a:t>
+            </a:r>
+            <a:r>
+              <a:rPr lang="zh-CN" altLang="en-US" dirty="0"/>
+              <a:t>环境；</a:t>
+            </a:r>
+          </a:p>
+          <a:p>
+            <a:r>
+              <a:rPr lang="en-US" altLang="zh-CN" b="1" dirty="0" err="1"/>
+              <a:t>ServletContainerSessionManager</a:t>
+            </a:r>
+            <a:r>
+              <a:rPr lang="zh-CN" altLang="en-US" dirty="0"/>
+              <a:t>：</a:t>
+            </a:r>
+            <a:r>
+              <a:rPr lang="en-US" altLang="zh-CN" dirty="0" err="1"/>
+              <a:t>DefaultWebSecurityManager</a:t>
+            </a:r>
+            <a:r>
+              <a:rPr lang="zh-CN" altLang="en-US" dirty="0"/>
+              <a:t>使用的默认实现，用于</a:t>
+            </a:r>
+            <a:r>
+              <a:rPr lang="en-US" altLang="zh-CN" dirty="0"/>
+              <a:t>Web</a:t>
+            </a:r>
+            <a:r>
+              <a:rPr lang="zh-CN" altLang="en-US" dirty="0"/>
+              <a:t>环境，其直接使用</a:t>
+            </a:r>
+            <a:r>
+              <a:rPr lang="en-US" altLang="zh-CN" dirty="0"/>
+              <a:t>Servlet</a:t>
+            </a:r>
+            <a:r>
+              <a:rPr lang="zh-CN" altLang="en-US" dirty="0"/>
+              <a:t>容器的会话；</a:t>
+            </a:r>
+          </a:p>
+          <a:p>
+            <a:r>
+              <a:rPr lang="en-US" altLang="zh-CN" b="1" dirty="0" err="1"/>
+              <a:t>DefaultWebSessionManager</a:t>
+            </a:r>
+            <a:r>
+              <a:rPr lang="zh-CN" altLang="en-US" dirty="0"/>
+              <a:t>：用于</a:t>
+            </a:r>
+            <a:r>
+              <a:rPr lang="en-US" altLang="zh-CN" dirty="0"/>
+              <a:t>Web</a:t>
+            </a:r>
+            <a:r>
+              <a:rPr lang="zh-CN" altLang="en-US" dirty="0"/>
+              <a:t>环境的实现，可以替代</a:t>
+            </a:r>
+            <a:r>
+              <a:rPr lang="en-US" altLang="zh-CN" dirty="0" err="1"/>
+              <a:t>ServletContainerSessionManager</a:t>
+            </a:r>
+            <a:r>
+              <a:rPr lang="zh-CN" altLang="en-US" dirty="0"/>
+              <a:t>，自己维护着会话，直接废弃了</a:t>
+            </a:r>
+            <a:r>
+              <a:rPr lang="en-US" altLang="zh-CN" dirty="0"/>
+              <a:t>Servlet</a:t>
+            </a:r>
+            <a:r>
+              <a:rPr lang="zh-CN" altLang="en-US" dirty="0"/>
+              <a:t>容器的会话管理。</a:t>
+            </a:r>
+          </a:p>
+        </p:txBody>
+      </p:sp>
+    </p:spTree>
+    <p:extLst>
+      <p:ext uri="{BB962C8B-B14F-4D97-AF65-F5344CB8AC3E}">
+        <p14:creationId xmlns:p14="http://schemas.microsoft.com/office/powerpoint/2010/main" val="3565306911"/>
+      </p:ext>
+    </p:extLst>
+  </p:cSld>
+  <p:clrMapOvr>
+    <a:masterClrMapping/>
+  </p:clrMapOvr>
+  <p:timing>
+    <p:tnLst>
+      <p:par>
+        <p:cTn id="1" dur="indefinite" restart="never" nodeType="tmRoot"/>
+      </p:par>
+    </p:tnLst>
+  </p:timing>
+</p:sld>
+</file>
+
+<file path=ppt/slides/slide16.xml><?xml version="1.0" encoding="utf-8"?>
+<p:sld xmlns:a="http://schemas.openxmlformats.org/drawingml/2006/main" xmlns:r="http://schemas.openxmlformats.org/officeDocument/2006/relationships" xmlns:p="http://schemas.openxmlformats.org/presentationml/2006/main">
+  <p:cSld>
+    <p:spTree>
+      <p:nvGrpSpPr>
+        <p:cNvPr id="1" name=""/>
+        <p:cNvGrpSpPr/>
+        <p:nvPr/>
+      </p:nvGrpSpPr>
+      <p:grpSpPr>
+        <a:xfrm>
+          <a:off x="0" y="0"/>
+          <a:ext cx="0" cy="0"/>
+          <a:chOff x="0" y="0"/>
+          <a:chExt cx="0" cy="0"/>
+        </a:xfrm>
+      </p:grpSpPr>
+      <p:sp>
+        <p:nvSpPr>
+          <p:cNvPr id="3" name="矩形 2"/>
+          <p:cNvSpPr/>
+          <p:nvPr/>
+        </p:nvSpPr>
+        <p:spPr>
+          <a:xfrm>
+            <a:off x="666180" y="575791"/>
+            <a:ext cx="5346700" cy="1200329"/>
+          </a:xfrm>
+          <a:prstGeom prst="rect">
+            <a:avLst/>
+          </a:prstGeom>
+        </p:spPr>
+        <p:txBody>
+          <a:bodyPr>
+            <a:spAutoFit/>
+          </a:bodyPr>
+          <a:lstStyle/>
+          <a:p>
+            <a:r>
+              <a:rPr lang="zh-CN" altLang="en-US" b="1" dirty="0">
+                <a:solidFill>
+                  <a:srgbClr val="000000"/>
+                </a:solidFill>
+                <a:latin typeface="Helvetica" panose="020B0604020202020204" pitchFamily="34" charset="0"/>
+              </a:rPr>
+              <a:t>会话监听器</a:t>
+            </a:r>
+          </a:p>
+          <a:p>
+            <a:r>
+              <a:rPr lang="zh-CN" altLang="en-US" dirty="0">
+                <a:solidFill>
+                  <a:srgbClr val="000000"/>
+                </a:solidFill>
+                <a:latin typeface="Helvetica" panose="020B0604020202020204" pitchFamily="34" charset="0"/>
+              </a:rPr>
+              <a:t>会话监听器用于监听会话创建、过期及停止</a:t>
+            </a:r>
+            <a:r>
+              <a:rPr lang="zh-CN" altLang="en-US" dirty="0" smtClean="0">
+                <a:solidFill>
+                  <a:srgbClr val="000000"/>
+                </a:solidFill>
+                <a:latin typeface="Helvetica" panose="020B0604020202020204" pitchFamily="34" charset="0"/>
+              </a:rPr>
+              <a:t>事件</a:t>
+            </a:r>
+            <a:endParaRPr lang="en-US" altLang="zh-CN" dirty="0" smtClean="0">
+              <a:solidFill>
+                <a:srgbClr val="000000"/>
+              </a:solidFill>
+              <a:latin typeface="Helvetica" panose="020B0604020202020204" pitchFamily="34" charset="0"/>
+            </a:endParaRPr>
+          </a:p>
+          <a:p>
+            <a:r>
+              <a:rPr lang="en-US" altLang="zh-CN" dirty="0" err="1"/>
+              <a:t>SessionListener</a:t>
+            </a:r>
+            <a:r>
+              <a:rPr lang="en-US" altLang="zh-CN" dirty="0"/>
+              <a:t> </a:t>
+            </a:r>
+            <a:r>
+              <a:rPr lang="zh-CN" altLang="en-US" dirty="0" smtClean="0"/>
+              <a:t>监听所有事件</a:t>
+            </a:r>
+            <a:r>
+              <a:rPr lang="en-US" altLang="zh-CN" dirty="0" smtClean="0"/>
+              <a:t/>
+            </a:r>
+            <a:br>
+              <a:rPr lang="en-US" altLang="zh-CN" dirty="0" smtClean="0"/>
+            </a:br>
+            <a:r>
+              <a:rPr lang="en-US" altLang="zh-CN" dirty="0" err="1"/>
+              <a:t>SessionListenerAdapter</a:t>
+            </a:r>
+            <a:r>
+              <a:rPr lang="en-US" altLang="zh-CN" dirty="0"/>
+              <a:t> </a:t>
+            </a:r>
+            <a:r>
+              <a:rPr lang="zh-CN" altLang="en-US" dirty="0" smtClean="0"/>
+              <a:t>监听感兴趣的事件</a:t>
+            </a:r>
+            <a:endParaRPr lang="zh-CN" altLang="en-US" b="0" i="0" dirty="0">
+              <a:solidFill>
+                <a:srgbClr val="000000"/>
+              </a:solidFill>
+              <a:effectLst/>
+              <a:latin typeface="Helvetica" panose="020B0604020202020204" pitchFamily="34" charset="0"/>
+            </a:endParaRPr>
+          </a:p>
+        </p:txBody>
+      </p:sp>
+      <p:sp>
+        <p:nvSpPr>
+          <p:cNvPr id="4" name="矩形 3"/>
+          <p:cNvSpPr/>
+          <p:nvPr/>
+        </p:nvSpPr>
+        <p:spPr>
+          <a:xfrm>
+            <a:off x="666180" y="1954260"/>
+            <a:ext cx="1939955" cy="369332"/>
+          </a:xfrm>
+          <a:prstGeom prst="rect">
+            <a:avLst/>
+          </a:prstGeom>
+        </p:spPr>
+        <p:txBody>
+          <a:bodyPr wrap="none">
+            <a:spAutoFit/>
+          </a:bodyPr>
+          <a:lstStyle/>
+          <a:p>
+            <a:r>
+              <a:rPr lang="zh-CN" altLang="en-US" b="1" dirty="0">
+                <a:solidFill>
+                  <a:srgbClr val="000000"/>
+                </a:solidFill>
+                <a:latin typeface="Helvetica" panose="020B0604020202020204" pitchFamily="34" charset="0"/>
+              </a:rPr>
+              <a:t>会话存储</a:t>
+            </a:r>
+            <a:r>
+              <a:rPr lang="en-US" altLang="zh-CN" b="1" dirty="0">
+                <a:solidFill>
+                  <a:srgbClr val="000000"/>
+                </a:solidFill>
+                <a:latin typeface="Helvetica" panose="020B0604020202020204" pitchFamily="34" charset="0"/>
+              </a:rPr>
+              <a:t>/</a:t>
+            </a:r>
+            <a:r>
+              <a:rPr lang="zh-CN" altLang="en-US" b="1" dirty="0">
+                <a:solidFill>
+                  <a:srgbClr val="000000"/>
+                </a:solidFill>
+                <a:latin typeface="Helvetica" panose="020B0604020202020204" pitchFamily="34" charset="0"/>
+              </a:rPr>
+              <a:t>持久化 </a:t>
+            </a:r>
+            <a:endParaRPr lang="zh-CN" altLang="en-US" b="1" i="0" dirty="0">
+              <a:solidFill>
+                <a:srgbClr val="000000"/>
+              </a:solidFill>
+              <a:effectLst/>
+              <a:latin typeface="Helvetica" panose="020B0604020202020204" pitchFamily="34" charset="0"/>
+            </a:endParaRPr>
+          </a:p>
+        </p:txBody>
+      </p:sp>
+      <p:sp>
+        <p:nvSpPr>
+          <p:cNvPr id="5" name="矩形 4"/>
+          <p:cNvSpPr/>
+          <p:nvPr/>
+        </p:nvSpPr>
+        <p:spPr>
+          <a:xfrm>
+            <a:off x="666180" y="2458081"/>
+            <a:ext cx="5346700" cy="646331"/>
+          </a:xfrm>
+          <a:prstGeom prst="rect">
+            <a:avLst/>
+          </a:prstGeom>
+        </p:spPr>
+        <p:txBody>
+          <a:bodyPr>
+            <a:spAutoFit/>
+          </a:bodyPr>
+          <a:lstStyle/>
+          <a:p>
+            <a:r>
+              <a:rPr lang="en-US" altLang="zh-CN" dirty="0" err="1">
+                <a:solidFill>
+                  <a:srgbClr val="000000"/>
+                </a:solidFill>
+                <a:latin typeface="Helvetica" panose="020B0604020202020204" pitchFamily="34" charset="0"/>
+              </a:rPr>
+              <a:t>Shiro</a:t>
+            </a:r>
+            <a:r>
+              <a:rPr lang="zh-CN" altLang="en-US" dirty="0">
+                <a:solidFill>
+                  <a:srgbClr val="000000"/>
+                </a:solidFill>
+                <a:latin typeface="Helvetica" panose="020B0604020202020204" pitchFamily="34" charset="0"/>
+              </a:rPr>
+              <a:t>提供</a:t>
+            </a:r>
+            <a:r>
+              <a:rPr lang="en-US" altLang="zh-CN" dirty="0" err="1">
+                <a:solidFill>
+                  <a:srgbClr val="000000"/>
+                </a:solidFill>
+                <a:latin typeface="Helvetica" panose="020B0604020202020204" pitchFamily="34" charset="0"/>
+              </a:rPr>
+              <a:t>SessionDAO</a:t>
+            </a:r>
+            <a:r>
+              <a:rPr lang="zh-CN" altLang="en-US" dirty="0">
+                <a:solidFill>
+                  <a:srgbClr val="000000"/>
+                </a:solidFill>
+                <a:latin typeface="Helvetica" panose="020B0604020202020204" pitchFamily="34" charset="0"/>
+              </a:rPr>
+              <a:t>用于会话的</a:t>
+            </a:r>
+            <a:r>
+              <a:rPr lang="en-US" altLang="zh-CN" dirty="0">
+                <a:solidFill>
+                  <a:srgbClr val="000000"/>
+                </a:solidFill>
+                <a:latin typeface="Helvetica" panose="020B0604020202020204" pitchFamily="34" charset="0"/>
+              </a:rPr>
+              <a:t>CRUD</a:t>
+            </a:r>
+            <a:r>
+              <a:rPr lang="zh-CN" altLang="en-US" dirty="0">
+                <a:solidFill>
+                  <a:srgbClr val="000000"/>
+                </a:solidFill>
+                <a:latin typeface="Helvetica" panose="020B0604020202020204" pitchFamily="34" charset="0"/>
+              </a:rPr>
+              <a:t>，即</a:t>
+            </a:r>
+            <a:r>
+              <a:rPr lang="en-US" altLang="zh-CN" dirty="0">
+                <a:solidFill>
+                  <a:srgbClr val="000000"/>
+                </a:solidFill>
+                <a:latin typeface="Helvetica" panose="020B0604020202020204" pitchFamily="34" charset="0"/>
+              </a:rPr>
+              <a:t>DAO</a:t>
+            </a:r>
+            <a:r>
+              <a:rPr lang="zh-CN" altLang="en-US" dirty="0">
+                <a:solidFill>
+                  <a:srgbClr val="000000"/>
+                </a:solidFill>
+                <a:latin typeface="Helvetica" panose="020B0604020202020204" pitchFamily="34" charset="0"/>
+              </a:rPr>
+              <a:t>（</a:t>
+            </a:r>
+            <a:r>
+              <a:rPr lang="en-US" altLang="zh-CN" dirty="0">
+                <a:solidFill>
+                  <a:srgbClr val="000000"/>
+                </a:solidFill>
+                <a:latin typeface="Helvetica" panose="020B0604020202020204" pitchFamily="34" charset="0"/>
+              </a:rPr>
+              <a:t>Data Access Object</a:t>
+            </a:r>
+            <a:r>
+              <a:rPr lang="zh-CN" altLang="en-US" dirty="0">
+                <a:solidFill>
+                  <a:srgbClr val="000000"/>
+                </a:solidFill>
+                <a:latin typeface="Helvetica" panose="020B0604020202020204" pitchFamily="34" charset="0"/>
+              </a:rPr>
+              <a:t>）模式实现</a:t>
+            </a:r>
+            <a:endParaRPr lang="zh-CN" altLang="en-US" dirty="0"/>
+          </a:p>
+        </p:txBody>
+      </p:sp>
+      <p:sp>
+        <p:nvSpPr>
+          <p:cNvPr id="8" name="矩形 7"/>
+          <p:cNvSpPr/>
+          <p:nvPr/>
+        </p:nvSpPr>
+        <p:spPr>
+          <a:xfrm>
+            <a:off x="640499" y="3104412"/>
+            <a:ext cx="9538925" cy="2862322"/>
+          </a:xfrm>
+          <a:prstGeom prst="rect">
+            <a:avLst/>
+          </a:prstGeom>
+        </p:spPr>
+        <p:txBody>
+          <a:bodyPr wrap="square">
+            <a:spAutoFit/>
+          </a:bodyPr>
+          <a:lstStyle/>
+          <a:p>
+            <a:r>
+              <a:rPr lang="en-US" altLang="zh-CN" dirty="0" smtClean="0">
+                <a:solidFill>
+                  <a:srgbClr val="000000"/>
+                </a:solidFill>
+                <a:latin typeface="Monaco"/>
+              </a:rPr>
+              <a:t>//</a:t>
+            </a:r>
+            <a:r>
+              <a:rPr lang="en-US" altLang="zh-CN" dirty="0" err="1" smtClean="0">
+                <a:solidFill>
+                  <a:srgbClr val="000000"/>
+                </a:solidFill>
+                <a:latin typeface="Monaco"/>
+              </a:rPr>
+              <a:t>SessionManager</a:t>
+            </a:r>
+            <a:r>
+              <a:rPr lang="zh-CN" altLang="en-US" dirty="0" smtClean="0">
+                <a:solidFill>
+                  <a:srgbClr val="000000"/>
+                </a:solidFill>
+                <a:latin typeface="Monaco"/>
+              </a:rPr>
+              <a:t>创建完</a:t>
+            </a:r>
+            <a:r>
+              <a:rPr lang="en-US" altLang="zh-CN" dirty="0" smtClean="0">
+                <a:solidFill>
+                  <a:srgbClr val="000000"/>
+                </a:solidFill>
+                <a:latin typeface="Monaco"/>
+              </a:rPr>
+              <a:t>session</a:t>
+            </a:r>
+            <a:r>
+              <a:rPr lang="zh-CN" altLang="en-US" dirty="0" smtClean="0">
+                <a:solidFill>
+                  <a:srgbClr val="000000"/>
+                </a:solidFill>
+                <a:latin typeface="Monaco"/>
+              </a:rPr>
+              <a:t>之后会调用</a:t>
+            </a:r>
+            <a:r>
+              <a:rPr lang="en-US" altLang="zh-CN" dirty="0" smtClean="0">
+                <a:solidFill>
+                  <a:srgbClr val="000000"/>
+                </a:solidFill>
+                <a:latin typeface="Monaco"/>
+              </a:rPr>
+              <a:t>create</a:t>
+            </a:r>
+            <a:r>
+              <a:rPr lang="zh-CN" altLang="en-US" dirty="0" smtClean="0">
+                <a:solidFill>
+                  <a:srgbClr val="000000"/>
+                </a:solidFill>
+                <a:latin typeface="Monaco"/>
+              </a:rPr>
+              <a:t>方法，实现</a:t>
+            </a:r>
+            <a:r>
+              <a:rPr lang="en-US" altLang="zh-CN" dirty="0" smtClean="0">
+                <a:solidFill>
+                  <a:srgbClr val="000000"/>
+                </a:solidFill>
+                <a:latin typeface="Monaco"/>
+              </a:rPr>
+              <a:t>session</a:t>
+            </a:r>
+            <a:r>
+              <a:rPr lang="zh-CN" altLang="en-US" dirty="0" smtClean="0">
+                <a:solidFill>
+                  <a:srgbClr val="000000"/>
+                </a:solidFill>
+                <a:latin typeface="Monaco"/>
+              </a:rPr>
+              <a:t>的持久化</a:t>
+            </a:r>
+            <a:endParaRPr lang="en-US" altLang="zh-CN" dirty="0" smtClean="0">
+              <a:solidFill>
+                <a:srgbClr val="000000"/>
+              </a:solidFill>
+              <a:latin typeface="Monaco"/>
+            </a:endParaRPr>
+          </a:p>
+          <a:p>
+            <a:r>
+              <a:rPr lang="en-US" altLang="zh-CN" dirty="0" smtClean="0">
+                <a:solidFill>
+                  <a:srgbClr val="000000"/>
+                </a:solidFill>
+                <a:latin typeface="Monaco"/>
+              </a:rPr>
+              <a:t>Serializable</a:t>
+            </a:r>
+            <a:r>
+              <a:rPr lang="en-US" altLang="zh-CN" dirty="0">
+                <a:solidFill>
+                  <a:srgbClr val="000000"/>
+                </a:solidFill>
+                <a:latin typeface="Monaco"/>
+              </a:rPr>
+              <a:t> create(Session session);  </a:t>
+            </a:r>
+            <a:endParaRPr lang="en-US" altLang="zh-CN" dirty="0">
+              <a:solidFill>
+                <a:srgbClr val="2B91AF"/>
+              </a:solidFill>
+              <a:latin typeface="Monaco"/>
+            </a:endParaRPr>
+          </a:p>
+          <a:p>
+            <a:r>
+              <a:rPr lang="en-US" altLang="zh-CN" dirty="0">
+                <a:solidFill>
+                  <a:srgbClr val="008200"/>
+                </a:solidFill>
+                <a:latin typeface="Monaco"/>
+              </a:rPr>
+              <a:t>//</a:t>
+            </a:r>
+            <a:r>
+              <a:rPr lang="zh-CN" altLang="en-US" dirty="0">
+                <a:solidFill>
+                  <a:srgbClr val="008200"/>
+                </a:solidFill>
+                <a:latin typeface="Monaco"/>
+              </a:rPr>
+              <a:t>根据会话</a:t>
+            </a:r>
+            <a:r>
+              <a:rPr lang="en-US" altLang="zh-CN" dirty="0">
+                <a:solidFill>
+                  <a:srgbClr val="008200"/>
+                </a:solidFill>
+                <a:latin typeface="Monaco"/>
+              </a:rPr>
+              <a:t>ID</a:t>
+            </a:r>
+            <a:r>
+              <a:rPr lang="zh-CN" altLang="en-US" dirty="0">
+                <a:solidFill>
+                  <a:srgbClr val="008200"/>
+                </a:solidFill>
+                <a:latin typeface="Monaco"/>
+              </a:rPr>
+              <a:t>获取会话</a:t>
+            </a:r>
+            <a:r>
+              <a:rPr lang="zh-CN" altLang="en-US" dirty="0">
+                <a:solidFill>
+                  <a:srgbClr val="000000"/>
+                </a:solidFill>
+                <a:latin typeface="Monaco"/>
+              </a:rPr>
+              <a:t>  </a:t>
+            </a:r>
+            <a:endParaRPr lang="zh-CN" altLang="en-US" dirty="0">
+              <a:solidFill>
+                <a:srgbClr val="2B91AF"/>
+              </a:solidFill>
+              <a:latin typeface="Monaco"/>
+            </a:endParaRPr>
+          </a:p>
+          <a:p>
+            <a:r>
+              <a:rPr lang="en-US" altLang="zh-CN" dirty="0">
+                <a:solidFill>
+                  <a:srgbClr val="000000"/>
+                </a:solidFill>
+                <a:latin typeface="Monaco"/>
+              </a:rPr>
+              <a:t>Session </a:t>
+            </a:r>
+            <a:r>
+              <a:rPr lang="en-US" altLang="zh-CN" dirty="0" err="1">
+                <a:solidFill>
+                  <a:srgbClr val="000000"/>
+                </a:solidFill>
+                <a:latin typeface="Monaco"/>
+              </a:rPr>
+              <a:t>readSession</a:t>
+            </a:r>
+            <a:r>
+              <a:rPr lang="en-US" altLang="zh-CN" dirty="0">
+                <a:solidFill>
+                  <a:srgbClr val="000000"/>
+                </a:solidFill>
+                <a:latin typeface="Monaco"/>
+              </a:rPr>
+              <a:t>(Serializable </a:t>
+            </a:r>
+            <a:r>
+              <a:rPr lang="en-US" altLang="zh-CN" dirty="0" err="1">
+                <a:solidFill>
+                  <a:srgbClr val="000000"/>
+                </a:solidFill>
+                <a:latin typeface="Monaco"/>
+              </a:rPr>
+              <a:t>sessionId</a:t>
+            </a:r>
+            <a:r>
+              <a:rPr lang="en-US" altLang="zh-CN" dirty="0">
+                <a:solidFill>
+                  <a:srgbClr val="000000"/>
+                </a:solidFill>
+                <a:latin typeface="Monaco"/>
+              </a:rPr>
+              <a:t>) </a:t>
+            </a:r>
+            <a:r>
+              <a:rPr lang="en-US" altLang="zh-CN" b="1" dirty="0">
+                <a:solidFill>
+                  <a:srgbClr val="7F0055"/>
+                </a:solidFill>
+                <a:latin typeface="Monaco"/>
+              </a:rPr>
+              <a:t>throws</a:t>
+            </a:r>
+            <a:r>
+              <a:rPr lang="en-US" altLang="zh-CN" dirty="0">
+                <a:solidFill>
+                  <a:srgbClr val="000000"/>
+                </a:solidFill>
+                <a:latin typeface="Monaco"/>
+              </a:rPr>
+              <a:t> </a:t>
+            </a:r>
+            <a:r>
+              <a:rPr lang="en-US" altLang="zh-CN" dirty="0" err="1">
+                <a:solidFill>
+                  <a:srgbClr val="000000"/>
+                </a:solidFill>
+                <a:latin typeface="Monaco"/>
+              </a:rPr>
+              <a:t>UnknownSessionException</a:t>
+            </a:r>
+            <a:r>
+              <a:rPr lang="en-US" altLang="zh-CN" dirty="0">
+                <a:solidFill>
+                  <a:srgbClr val="000000"/>
+                </a:solidFill>
+                <a:latin typeface="Monaco"/>
+              </a:rPr>
+              <a:t>;  </a:t>
+            </a:r>
+            <a:endParaRPr lang="en-US" altLang="zh-CN" dirty="0">
+              <a:solidFill>
+                <a:srgbClr val="2B91AF"/>
+              </a:solidFill>
+              <a:latin typeface="Monaco"/>
+            </a:endParaRPr>
+          </a:p>
+          <a:p>
+            <a:r>
+              <a:rPr lang="en-US" altLang="zh-CN" dirty="0">
+                <a:solidFill>
+                  <a:srgbClr val="008200"/>
+                </a:solidFill>
+                <a:latin typeface="Monaco"/>
+              </a:rPr>
+              <a:t>//</a:t>
+            </a:r>
+            <a:r>
+              <a:rPr lang="zh-CN" altLang="en-US" dirty="0">
+                <a:solidFill>
+                  <a:srgbClr val="008200"/>
+                </a:solidFill>
+                <a:latin typeface="Monaco"/>
+              </a:rPr>
+              <a:t>更新会话；如更新会话最后访问时间</a:t>
+            </a:r>
+            <a:r>
+              <a:rPr lang="en-US" altLang="zh-CN" dirty="0">
+                <a:solidFill>
+                  <a:srgbClr val="008200"/>
+                </a:solidFill>
+                <a:latin typeface="Monaco"/>
+              </a:rPr>
+              <a:t>/</a:t>
+            </a:r>
+            <a:r>
+              <a:rPr lang="zh-CN" altLang="en-US" dirty="0">
+                <a:solidFill>
+                  <a:srgbClr val="008200"/>
+                </a:solidFill>
+                <a:latin typeface="Monaco"/>
+              </a:rPr>
+              <a:t>停止会话</a:t>
+            </a:r>
+            <a:r>
+              <a:rPr lang="en-US" altLang="zh-CN" dirty="0">
+                <a:solidFill>
+                  <a:srgbClr val="008200"/>
+                </a:solidFill>
+                <a:latin typeface="Monaco"/>
+              </a:rPr>
+              <a:t>/</a:t>
+            </a:r>
+            <a:r>
+              <a:rPr lang="zh-CN" altLang="en-US" dirty="0">
+                <a:solidFill>
+                  <a:srgbClr val="008200"/>
+                </a:solidFill>
+                <a:latin typeface="Monaco"/>
+              </a:rPr>
+              <a:t>设置超时时间</a:t>
+            </a:r>
+            <a:r>
+              <a:rPr lang="en-US" altLang="zh-CN" dirty="0">
+                <a:solidFill>
+                  <a:srgbClr val="008200"/>
+                </a:solidFill>
+                <a:latin typeface="Monaco"/>
+              </a:rPr>
+              <a:t>/</a:t>
+            </a:r>
+            <a:r>
+              <a:rPr lang="zh-CN" altLang="en-US" dirty="0">
+                <a:solidFill>
+                  <a:srgbClr val="008200"/>
+                </a:solidFill>
+                <a:latin typeface="Monaco"/>
+              </a:rPr>
+              <a:t>设置移除属性等会调用</a:t>
+            </a:r>
+            <a:r>
+              <a:rPr lang="zh-CN" altLang="en-US" dirty="0">
+                <a:solidFill>
+                  <a:srgbClr val="000000"/>
+                </a:solidFill>
+                <a:latin typeface="Monaco"/>
+              </a:rPr>
+              <a:t>  </a:t>
+            </a:r>
+            <a:endParaRPr lang="zh-CN" altLang="en-US" dirty="0">
+              <a:solidFill>
+                <a:srgbClr val="2B91AF"/>
+              </a:solidFill>
+              <a:latin typeface="Monaco"/>
+            </a:endParaRPr>
+          </a:p>
+          <a:p>
+            <a:r>
+              <a:rPr lang="en-US" altLang="zh-CN" b="1" dirty="0">
+                <a:solidFill>
+                  <a:srgbClr val="7F0055"/>
+                </a:solidFill>
+                <a:latin typeface="Monaco"/>
+              </a:rPr>
+              <a:t>void</a:t>
+            </a:r>
+            <a:r>
+              <a:rPr lang="en-US" altLang="zh-CN" dirty="0">
+                <a:solidFill>
+                  <a:srgbClr val="000000"/>
+                </a:solidFill>
+                <a:latin typeface="Monaco"/>
+              </a:rPr>
+              <a:t> update(Session session) </a:t>
+            </a:r>
+            <a:r>
+              <a:rPr lang="en-US" altLang="zh-CN" b="1" dirty="0">
+                <a:solidFill>
+                  <a:srgbClr val="7F0055"/>
+                </a:solidFill>
+                <a:latin typeface="Monaco"/>
+              </a:rPr>
+              <a:t>throws</a:t>
+            </a:r>
+            <a:r>
+              <a:rPr lang="en-US" altLang="zh-CN" dirty="0">
+                <a:solidFill>
+                  <a:srgbClr val="000000"/>
+                </a:solidFill>
+                <a:latin typeface="Monaco"/>
+              </a:rPr>
+              <a:t> </a:t>
+            </a:r>
+            <a:r>
+              <a:rPr lang="en-US" altLang="zh-CN" dirty="0" err="1">
+                <a:solidFill>
+                  <a:srgbClr val="000000"/>
+                </a:solidFill>
+                <a:latin typeface="Monaco"/>
+              </a:rPr>
+              <a:t>UnknownSessionException</a:t>
+            </a:r>
+            <a:r>
+              <a:rPr lang="en-US" altLang="zh-CN" dirty="0">
+                <a:solidFill>
+                  <a:srgbClr val="000000"/>
+                </a:solidFill>
+                <a:latin typeface="Monaco"/>
+              </a:rPr>
+              <a:t>;  </a:t>
+            </a:r>
+            <a:endParaRPr lang="en-US" altLang="zh-CN" dirty="0">
+              <a:solidFill>
+                <a:srgbClr val="2B91AF"/>
+              </a:solidFill>
+              <a:latin typeface="Monaco"/>
+            </a:endParaRPr>
+          </a:p>
+          <a:p>
+            <a:pPr>
+              <a:buFont typeface="+mj-lt"/>
+              <a:buAutoNum type="arabicPeriod"/>
+            </a:pPr>
+            <a:r>
+              <a:rPr lang="en-US" altLang="zh-CN" dirty="0">
+                <a:solidFill>
+                  <a:srgbClr val="008200"/>
+                </a:solidFill>
+                <a:latin typeface="Monaco"/>
+              </a:rPr>
+              <a:t>//</a:t>
+            </a:r>
+            <a:r>
+              <a:rPr lang="zh-CN" altLang="en-US" dirty="0">
+                <a:solidFill>
+                  <a:srgbClr val="008200"/>
+                </a:solidFill>
+                <a:latin typeface="Monaco"/>
+              </a:rPr>
+              <a:t>删除会话；当会话过期</a:t>
+            </a:r>
+            <a:r>
+              <a:rPr lang="en-US" altLang="zh-CN" dirty="0">
+                <a:solidFill>
+                  <a:srgbClr val="008200"/>
+                </a:solidFill>
+                <a:latin typeface="Monaco"/>
+              </a:rPr>
+              <a:t>/</a:t>
+            </a:r>
+            <a:r>
+              <a:rPr lang="zh-CN" altLang="en-US" dirty="0">
+                <a:solidFill>
+                  <a:srgbClr val="008200"/>
+                </a:solidFill>
+                <a:latin typeface="Monaco"/>
+              </a:rPr>
+              <a:t>会话停止（如用户退出时）会调用</a:t>
+            </a:r>
+            <a:r>
+              <a:rPr lang="zh-CN" altLang="en-US" dirty="0">
+                <a:solidFill>
+                  <a:srgbClr val="000000"/>
+                </a:solidFill>
+                <a:latin typeface="Monaco"/>
+              </a:rPr>
+              <a:t>  </a:t>
+            </a:r>
+            <a:endParaRPr lang="zh-CN" altLang="en-US" dirty="0">
+              <a:solidFill>
+                <a:srgbClr val="2B91AF"/>
+              </a:solidFill>
+              <a:latin typeface="Monaco"/>
+            </a:endParaRPr>
+          </a:p>
+          <a:p>
+            <a:r>
+              <a:rPr lang="en-US" altLang="zh-CN" b="1" dirty="0">
+                <a:solidFill>
+                  <a:srgbClr val="7F0055"/>
+                </a:solidFill>
+                <a:latin typeface="Monaco"/>
+              </a:rPr>
+              <a:t>void</a:t>
+            </a:r>
+            <a:r>
+              <a:rPr lang="en-US" altLang="zh-CN" dirty="0">
+                <a:solidFill>
+                  <a:srgbClr val="000000"/>
+                </a:solidFill>
+                <a:latin typeface="Monaco"/>
+              </a:rPr>
+              <a:t> delete(Session session);  </a:t>
+            </a:r>
+            <a:endParaRPr lang="en-US" altLang="zh-CN" dirty="0">
+              <a:solidFill>
+                <a:srgbClr val="2B91AF"/>
+              </a:solidFill>
+              <a:latin typeface="Monaco"/>
+            </a:endParaRPr>
+          </a:p>
+          <a:p>
+            <a:pPr>
+              <a:buFont typeface="+mj-lt"/>
+              <a:buAutoNum type="arabicPeriod"/>
+            </a:pPr>
+            <a:r>
+              <a:rPr lang="en-US" altLang="zh-CN" dirty="0">
+                <a:solidFill>
+                  <a:srgbClr val="008200"/>
+                </a:solidFill>
+                <a:latin typeface="Monaco"/>
+              </a:rPr>
+              <a:t>//</a:t>
+            </a:r>
+            <a:r>
+              <a:rPr lang="zh-CN" altLang="en-US" dirty="0">
+                <a:solidFill>
+                  <a:srgbClr val="008200"/>
+                </a:solidFill>
+                <a:latin typeface="Monaco"/>
+              </a:rPr>
+              <a:t>获取当前所有活跃用户，如果用户量多此方法影响性能</a:t>
+            </a:r>
+            <a:r>
+              <a:rPr lang="zh-CN" altLang="en-US" dirty="0">
+                <a:solidFill>
+                  <a:srgbClr val="000000"/>
+                </a:solidFill>
+                <a:latin typeface="Monaco"/>
+              </a:rPr>
+              <a:t>  </a:t>
+            </a:r>
+            <a:endParaRPr lang="zh-CN" altLang="en-US" dirty="0">
+              <a:solidFill>
+                <a:srgbClr val="2B91AF"/>
+              </a:solidFill>
+              <a:latin typeface="Monaco"/>
+            </a:endParaRPr>
+          </a:p>
+          <a:p>
+            <a:pPr>
+              <a:buFont typeface="+mj-lt"/>
+              <a:buAutoNum type="arabicPeriod"/>
+            </a:pPr>
+            <a:r>
+              <a:rPr lang="en-US" altLang="zh-CN" dirty="0">
+                <a:solidFill>
+                  <a:srgbClr val="000000"/>
+                </a:solidFill>
+                <a:latin typeface="Monaco"/>
+              </a:rPr>
+              <a:t>Collection&lt;Session&gt; </a:t>
+            </a:r>
+            <a:r>
+              <a:rPr lang="en-US" altLang="zh-CN" dirty="0" err="1">
+                <a:solidFill>
+                  <a:srgbClr val="000000"/>
+                </a:solidFill>
+                <a:latin typeface="Monaco"/>
+              </a:rPr>
+              <a:t>getActiveSessions</a:t>
+            </a:r>
+            <a:r>
+              <a:rPr lang="en-US" altLang="zh-CN" dirty="0">
+                <a:solidFill>
+                  <a:srgbClr val="000000"/>
+                </a:solidFill>
+                <a:latin typeface="Monaco"/>
+              </a:rPr>
+              <a:t>();</a:t>
+            </a:r>
+            <a:endParaRPr lang="en-US" altLang="zh-CN" b="0" i="0" dirty="0">
+              <a:solidFill>
+                <a:srgbClr val="2B91AF"/>
+              </a:solidFill>
+              <a:effectLst/>
+              <a:latin typeface="Monaco"/>
+            </a:endParaRPr>
+          </a:p>
+        </p:txBody>
+      </p:sp>
+    </p:spTree>
+    <p:extLst>
+      <p:ext uri="{BB962C8B-B14F-4D97-AF65-F5344CB8AC3E}">
+        <p14:creationId xmlns:p14="http://schemas.microsoft.com/office/powerpoint/2010/main" val="2989483134"/>
+      </p:ext>
+    </p:extLst>
+  </p:cSld>
+  <p:clrMapOvr>
+    <a:masterClrMapping/>
+  </p:clrMapOvr>
+  <p:timing>
+    <p:tnLst>
+      <p:par>
+        <p:cTn id="1" dur="indefinite" restart="never" nodeType="tmRoot"/>
+      </p:par>
+    </p:tnLst>
+  </p:timing>
+</p:sld>
+</file>
+
+<file path=ppt/slides/slide17.xml><?xml version="1.0" encoding="utf-8"?>
+<p:sld xmlns:a="http://schemas.openxmlformats.org/drawingml/2006/main" xmlns:r="http://schemas.openxmlformats.org/officeDocument/2006/relationships" xmlns:p="http://schemas.openxmlformats.org/presentationml/2006/main">
+  <p:cSld>
+    <p:spTree>
+      <p:nvGrpSpPr>
+        <p:cNvPr id="1" name=""/>
+        <p:cNvGrpSpPr/>
+        <p:nvPr/>
+      </p:nvGrpSpPr>
+      <p:grpSpPr>
+        <a:xfrm>
+          <a:off x="0" y="0"/>
+          <a:ext cx="0" cy="0"/>
+          <a:chOff x="0" y="0"/>
+          <a:chExt cx="0" cy="0"/>
+        </a:xfrm>
+      </p:grpSpPr>
+      <p:pic>
+        <p:nvPicPr>
+          <p:cNvPr id="3" name="图片 2"/>
+          <p:cNvPicPr>
+            <a:picLocks noChangeAspect="1"/>
+          </p:cNvPicPr>
+          <p:nvPr/>
+        </p:nvPicPr>
+        <p:blipFill>
+          <a:blip r:embed="rId3"/>
+          <a:stretch>
+            <a:fillRect/>
+          </a:stretch>
+        </p:blipFill>
+        <p:spPr>
+          <a:xfrm>
+            <a:off x="4338588" y="611123"/>
+            <a:ext cx="5791200" cy="3762375"/>
+          </a:xfrm>
+          <a:prstGeom prst="rect">
+            <a:avLst/>
+          </a:prstGeom>
+        </p:spPr>
+      </p:pic>
+      <p:sp>
+        <p:nvSpPr>
+          <p:cNvPr id="4" name="文本框 3"/>
+          <p:cNvSpPr txBox="1"/>
+          <p:nvPr/>
+        </p:nvSpPr>
+        <p:spPr>
+          <a:xfrm>
+            <a:off x="1098228" y="935831"/>
+            <a:ext cx="2016224" cy="646331"/>
+          </a:xfrm>
+          <a:prstGeom prst="rect">
+            <a:avLst/>
+          </a:prstGeom>
+          <a:noFill/>
+        </p:spPr>
+        <p:txBody>
+          <a:bodyPr wrap="square" rtlCol="0">
+            <a:spAutoFit/>
+          </a:bodyPr>
+          <a:lstStyle/>
+          <a:p>
+            <a:r>
+              <a:rPr lang="en-US" altLang="zh-CN" dirty="0" err="1" smtClean="0"/>
+              <a:t>SessionDAO</a:t>
+            </a:r>
+            <a:r>
+              <a:rPr lang="zh-CN" altLang="en-US" dirty="0" smtClean="0"/>
+              <a:t>是必须的吗</a:t>
+            </a:r>
+            <a:r>
+              <a:rPr lang="en-US" altLang="zh-CN" dirty="0" smtClean="0"/>
+              <a:t>,</a:t>
+            </a:r>
+            <a:r>
+              <a:rPr lang="zh-CN" altLang="en-US" dirty="0" smtClean="0"/>
+              <a:t>是的</a:t>
+            </a:r>
+            <a:endParaRPr lang="zh-CN" altLang="en-US" dirty="0"/>
+          </a:p>
+        </p:txBody>
+      </p:sp>
+    </p:spTree>
+    <p:extLst>
+      <p:ext uri="{BB962C8B-B14F-4D97-AF65-F5344CB8AC3E}">
+        <p14:creationId xmlns:p14="http://schemas.microsoft.com/office/powerpoint/2010/main" val="3204480178"/>
+      </p:ext>
+    </p:extLst>
+  </p:cSld>
+  <p:clrMapOvr>
+    <a:masterClrMapping/>
+  </p:clrMapOvr>
+  <p:timing>
+    <p:tnLst>
+      <p:par>
+        <p:cTn id="1" dur="indefinite" restart="never" nodeType="tmRoot"/>
+      </p:par>
+    </p:tnLst>
+  </p:timing>
+</p:sld>
+</file>
+
+<file path=ppt/slides/slide18.xml><?xml version="1.0" encoding="utf-8"?>
+<p:sld xmlns:a="http://schemas.openxmlformats.org/drawingml/2006/main" xmlns:r="http://schemas.openxmlformats.org/officeDocument/2006/relationships" xmlns:p="http://schemas.openxmlformats.org/presentationml/2006/main">
+  <p:cSld>
+    <p:spTree>
+      <p:nvGrpSpPr>
+        <p:cNvPr id="1" name=""/>
+        <p:cNvGrpSpPr/>
+        <p:nvPr/>
+      </p:nvGrpSpPr>
+      <p:grpSpPr>
+        <a:xfrm>
+          <a:off x="0" y="0"/>
+          <a:ext cx="0" cy="0"/>
+          <a:chOff x="0" y="0"/>
+          <a:chExt cx="0" cy="0"/>
+        </a:xfrm>
+      </p:grpSpPr>
+      <p:sp>
+        <p:nvSpPr>
+          <p:cNvPr id="2" name="TextBox 1"/>
+          <p:cNvSpPr txBox="1"/>
+          <p:nvPr/>
+        </p:nvSpPr>
+        <p:spPr>
+          <a:xfrm>
+            <a:off x="810196" y="575791"/>
+            <a:ext cx="5688632" cy="369332"/>
+          </a:xfrm>
+          <a:prstGeom prst="rect">
+            <a:avLst/>
+          </a:prstGeom>
+          <a:noFill/>
+        </p:spPr>
+        <p:txBody>
+          <a:bodyPr wrap="square" rtlCol="0">
+            <a:spAutoFit/>
+          </a:bodyPr>
+          <a:lstStyle/>
+          <a:p>
+            <a:r>
+              <a:rPr lang="zh-CN" altLang="en-US" b="1" dirty="0"/>
+              <a:t>会话</a:t>
+            </a:r>
+            <a:r>
+              <a:rPr lang="zh-CN" altLang="en-US" b="1" dirty="0" smtClean="0"/>
+              <a:t>验证</a:t>
+            </a:r>
+            <a:endParaRPr lang="zh-CN" altLang="en-US" b="1" dirty="0"/>
+          </a:p>
+        </p:txBody>
+      </p:sp>
+      <p:sp>
+        <p:nvSpPr>
+          <p:cNvPr id="3" name="矩形 2"/>
+          <p:cNvSpPr/>
+          <p:nvPr/>
+        </p:nvSpPr>
+        <p:spPr>
+          <a:xfrm>
+            <a:off x="810196" y="1223863"/>
+            <a:ext cx="5346700" cy="646331"/>
+          </a:xfrm>
+          <a:prstGeom prst="rect">
+            <a:avLst/>
+          </a:prstGeom>
+        </p:spPr>
+        <p:txBody>
+          <a:bodyPr>
+            <a:spAutoFit/>
+          </a:bodyPr>
+          <a:lstStyle/>
+          <a:p>
+            <a:r>
+              <a:rPr lang="en-US" altLang="zh-CN" dirty="0" err="1">
+                <a:solidFill>
+                  <a:srgbClr val="000000"/>
+                </a:solidFill>
+                <a:latin typeface="Helvetica" panose="020B0604020202020204" pitchFamily="34" charset="0"/>
+              </a:rPr>
+              <a:t>sessionValidationScheduler</a:t>
+            </a:r>
+            <a:r>
+              <a:rPr lang="zh-CN" altLang="en-US" dirty="0">
+                <a:solidFill>
+                  <a:srgbClr val="000000"/>
+                </a:solidFill>
+                <a:latin typeface="Helvetica" panose="020B0604020202020204" pitchFamily="34" charset="0"/>
+              </a:rPr>
+              <a:t>：会话验证调度器，</a:t>
+            </a:r>
+            <a:r>
+              <a:rPr lang="en-US" altLang="zh-CN" dirty="0" err="1">
+                <a:solidFill>
+                  <a:srgbClr val="000000"/>
+                </a:solidFill>
+                <a:latin typeface="Helvetica" panose="020B0604020202020204" pitchFamily="34" charset="0"/>
+              </a:rPr>
+              <a:t>sessionManager</a:t>
+            </a:r>
+            <a:r>
+              <a:rPr lang="zh-CN" altLang="en-US" dirty="0">
+                <a:solidFill>
+                  <a:srgbClr val="000000"/>
+                </a:solidFill>
+                <a:latin typeface="Helvetica" panose="020B0604020202020204" pitchFamily="34" charset="0"/>
+              </a:rPr>
+              <a:t>默认就是使用</a:t>
+            </a:r>
+            <a:endParaRPr lang="zh-CN" altLang="en-US" dirty="0"/>
+          </a:p>
+        </p:txBody>
+      </p:sp>
+    </p:spTree>
+    <p:extLst>
+      <p:ext uri="{BB962C8B-B14F-4D97-AF65-F5344CB8AC3E}">
+        <p14:creationId xmlns:p14="http://schemas.microsoft.com/office/powerpoint/2010/main" val="2718101641"/>
+      </p:ext>
+    </p:extLst>
+  </p:cSld>
+  <p:clrMapOvr>
+    <a:masterClrMapping/>
+  </p:clrMapOvr>
+  <p:timing>
+    <p:tnLst>
+      <p:par>
+        <p:cTn id="1" dur="indefinite" restart="never" nodeType="tmRoot"/>
+      </p:par>
+    </p:tnLst>
+  </p:timing>
+</p:sld>
+</file>
+
+<file path=ppt/slides/slide19.xml><?xml version="1.0" encoding="utf-8"?>
+<p:sld xmlns:a="http://schemas.openxmlformats.org/drawingml/2006/main" xmlns:r="http://schemas.openxmlformats.org/officeDocument/2006/relationships" xmlns:p="http://schemas.openxmlformats.org/presentationml/2006/main">
+  <p:cSld>
+    <p:spTree>
+      <p:nvGrpSpPr>
+        <p:cNvPr id="1" name=""/>
+        <p:cNvGrpSpPr/>
+        <p:nvPr/>
+      </p:nvGrpSpPr>
+      <p:grpSpPr>
+        <a:xfrm>
+          <a:off x="0" y="0"/>
+          <a:ext cx="0" cy="0"/>
+          <a:chOff x="0" y="0"/>
+          <a:chExt cx="0" cy="0"/>
+        </a:xfrm>
+      </p:grpSpPr>
+      <p:sp>
+        <p:nvSpPr>
+          <p:cNvPr id="2" name="文本框 1"/>
+          <p:cNvSpPr txBox="1"/>
+          <p:nvPr/>
+        </p:nvSpPr>
+        <p:spPr>
+          <a:xfrm>
+            <a:off x="1818308" y="935831"/>
+            <a:ext cx="4464496" cy="2862322"/>
+          </a:xfrm>
+          <a:prstGeom prst="rect">
+            <a:avLst/>
+          </a:prstGeom>
+          <a:noFill/>
+        </p:spPr>
+        <p:txBody>
+          <a:bodyPr wrap="square" rtlCol="0">
+            <a:spAutoFit/>
+          </a:bodyPr>
+          <a:lstStyle/>
+          <a:p>
+            <a:r>
+              <a:rPr lang="en-US" altLang="zh-CN" dirty="0" smtClean="0"/>
+              <a:t>1.CasRealm</a:t>
             </a:r>
             <a:r>
               <a:rPr lang="zh-CN" altLang="en-US" dirty="0" smtClean="0"/>
@@ -9576,9 +12880,87 @@
           </a:p>
           <a:p>
             <a:r>
+              <a:rPr lang="en-US" altLang="zh-CN" dirty="0">
+                <a:hlinkClick r:id="rId3"/>
+              </a:rPr>
+              <a:t>https://</a:t>
+            </a:r>
+            <a:r>
+              <a:rPr lang="en-US" altLang="zh-CN" dirty="0" smtClean="0">
+                <a:hlinkClick r:id="rId3"/>
+              </a:rPr>
+              <a:t>github.com/bujiio/buji-pac4j</a:t>
+            </a:r>
+            <a:endParaRPr lang="en-US" altLang="zh-CN" dirty="0" smtClean="0"/>
+          </a:p>
+          <a:p>
+            <a:r>
+              <a:rPr lang="en-US" altLang="zh-CN" dirty="0" smtClean="0"/>
+              <a:t>2.</a:t>
+            </a:r>
+            <a:r>
+              <a:rPr lang="zh-CN" altLang="en-US" dirty="0" smtClean="0"/>
+              <a:t>自己编写的</a:t>
+            </a:r>
+            <a:r>
+              <a:rPr lang="en-US" altLang="zh-CN" dirty="0" err="1" smtClean="0"/>
+              <a:t>MemSessionDAO</a:t>
+            </a:r>
+            <a:r>
+              <a:rPr lang="zh-CN" altLang="en-US" dirty="0" smtClean="0"/>
+              <a:t>没有意义</a:t>
+            </a:r>
+            <a:endParaRPr lang="en-US" altLang="zh-CN" dirty="0" smtClean="0"/>
+          </a:p>
+          <a:p>
+            <a:r>
+              <a:rPr lang="en-US" altLang="zh-CN" dirty="0" smtClean="0"/>
+              <a:t>3.Authc</a:t>
+            </a:r>
+            <a:r>
+              <a:rPr lang="zh-CN" altLang="en-US" dirty="0" smtClean="0"/>
+              <a:t>拦截器实现有问题</a:t>
+            </a:r>
+            <a:endParaRPr lang="en-US" altLang="zh-CN" dirty="0" smtClean="0"/>
+          </a:p>
+          <a:p>
+            <a:r>
+              <a:rPr lang="en-US" altLang="zh-CN" dirty="0" smtClean="0"/>
+              <a:t>3</a:t>
+            </a:r>
+            <a:r>
               <a:rPr lang="en-US" altLang="zh-CN" dirty="0"/>
-              <a:t>https://github.com/bujiio/buji-pac4j</a:t>
-            </a:r>
+              <a:t>. /** = </a:t>
+            </a:r>
+            <a:r>
+              <a:rPr lang="en-US" altLang="zh-CN" dirty="0" err="1" smtClean="0"/>
+              <a:t>authc,role</a:t>
+            </a:r>
+            <a:r>
+              <a:rPr lang="en-US" altLang="zh-CN" dirty="0" smtClean="0"/>
+              <a:t>[DEFAULT_USER_ROLE]</a:t>
+            </a:r>
+            <a:r>
+              <a:rPr lang="zh-CN" altLang="en-US" dirty="0" smtClean="0"/>
+              <a:t>配置不科学</a:t>
+            </a:r>
+            <a:endParaRPr lang="en-US" altLang="zh-CN" dirty="0" smtClean="0"/>
+          </a:p>
+          <a:p>
+            <a:r>
+              <a:rPr lang="en-US" altLang="zh-CN" dirty="0" smtClean="0"/>
+              <a:t>5.</a:t>
+            </a:r>
+            <a:r>
+              <a:rPr lang="zh-CN" altLang="en-US" smtClean="0"/>
+              <a:t>没有会话调度器，外网产品会导致会话不被删除</a:t>
+            </a:r>
+            <a:endParaRPr lang="en-US" altLang="zh-CN" dirty="0" smtClean="0"/>
+          </a:p>
+          <a:p>
+            <a:endParaRPr lang="en-US" altLang="zh-CN" dirty="0" smtClean="0"/>
+          </a:p>
+          <a:p>
             <a:endParaRPr lang="zh-CN" altLang="en-US" dirty="0"/>
           </a:p>
         </p:txBody>
@@ -9603,7 +12985,181 @@
 </p:sld>
 </file>
 
-<file path=ppt/slides/slide16.xml><?xml version="1.0" encoding="utf-8"?>
+<file path=ppt/slides/slide2.xml><?xml version="1.0" encoding="utf-8"?>
+<p:sld xmlns:a="http://schemas.openxmlformats.org/drawingml/2006/main" xmlns:r="http://schemas.openxmlformats.org/officeDocument/2006/relationships" xmlns:p="http://schemas.openxmlformats.org/presentationml/2006/main">
+  <p:cSld>
+    <p:spTree>
+      <p:nvGrpSpPr>
+        <p:cNvPr id="1" name=""/>
+        <p:cNvGrpSpPr/>
+        <p:nvPr/>
+      </p:nvGrpSpPr>
+      <p:grpSpPr>
+        <a:xfrm>
+          <a:off x="0" y="0"/>
+          <a:ext cx="0" cy="0"/>
+          <a:chOff x="0" y="0"/>
+          <a:chExt cx="0" cy="0"/>
+        </a:xfrm>
+      </p:grpSpPr>
+      <p:sp>
+        <p:nvSpPr>
+          <p:cNvPr id="5" name="文本框 4"/>
+          <p:cNvSpPr txBox="1"/>
+          <p:nvPr/>
+        </p:nvSpPr>
+        <p:spPr>
+          <a:xfrm>
+            <a:off x="2610396" y="2447999"/>
+            <a:ext cx="2080634" cy="584775"/>
+          </a:xfrm>
+          <a:prstGeom prst="rect">
+            <a:avLst/>
+          </a:prstGeom>
+          <a:noFill/>
+        </p:spPr>
+        <p:txBody>
+          <a:bodyPr wrap="none" rtlCol="0">
+            <a:spAutoFit/>
+          </a:bodyPr>
+          <a:lstStyle/>
+          <a:p>
+            <a:pPr algn="ctr"/>
+            <a:r>
+              <a:rPr lang="en-US" altLang="zh-CN" sz="3200" b="1" dirty="0" err="1" smtClean="0">
+                <a:solidFill>
+                  <a:schemeClr val="accent4">
+                    <a:lumMod val="50000"/>
+                  </a:schemeClr>
+                </a:solidFill>
+                <a:latin typeface="微软雅黑" panose="020B0503020204020204" pitchFamily="34" charset="-122"/>
+                <a:ea typeface="微软雅黑" panose="020B0503020204020204" pitchFamily="34" charset="-122"/>
+              </a:rPr>
+              <a:t>Shiro</a:t>
+            </a:r>
+            <a:r>
+              <a:rPr lang="zh-CN" altLang="en-US" sz="3200" b="1" dirty="0" smtClean="0">
+                <a:solidFill>
+                  <a:schemeClr val="accent4">
+                    <a:lumMod val="50000"/>
+                  </a:schemeClr>
+                </a:solidFill>
+                <a:latin typeface="微软雅黑" panose="020B0503020204020204" pitchFamily="34" charset="-122"/>
+                <a:ea typeface="微软雅黑" panose="020B0503020204020204" pitchFamily="34" charset="-122"/>
+              </a:rPr>
+              <a:t>架构</a:t>
+            </a:r>
+            <a:endParaRPr lang="zh-CN" altLang="zh-CN" sz="3200" b="1" dirty="0" smtClean="0">
+              <a:solidFill>
+                <a:schemeClr val="accent4">
+                  <a:lumMod val="50000"/>
+                </a:schemeClr>
+              </a:solidFill>
+              <a:latin typeface="微软雅黑" panose="020B0503020204020204" pitchFamily="34" charset="-122"/>
+              <a:ea typeface="微软雅黑" panose="020B0503020204020204" pitchFamily="34" charset="-122"/>
+            </a:endParaRPr>
+          </a:p>
+        </p:txBody>
+      </p:sp>
+    </p:spTree>
+    <p:extLst>
+      <p:ext uri="{BB962C8B-B14F-4D97-AF65-F5344CB8AC3E}">
+        <p14:creationId xmlns:p14="http://schemas.microsoft.com/office/powerpoint/2010/main" val="1876279687"/>
+      </p:ext>
+    </p:extLst>
+  </p:cSld>
+  <p:clrMapOvr>
+    <a:masterClrMapping/>
+  </p:clrMapOvr>
+  <p:timing>
+    <p:tnLst>
+      <p:par>
+        <p:cTn id="1" dur="indefinite" restart="never" nodeType="tmRoot"/>
+      </p:par>
+    </p:tnLst>
+  </p:timing>
+</p:sld>
+</file>
+
+<file path=ppt/slides/slide20.xml><?xml version="1.0" encoding="utf-8"?>
+<p:sld xmlns:a="http://schemas.openxmlformats.org/drawingml/2006/main" xmlns:r="http://schemas.openxmlformats.org/officeDocument/2006/relationships" xmlns:p="http://schemas.openxmlformats.org/presentationml/2006/main">
+  <p:cSld>
+    <p:spTree>
+      <p:nvGrpSpPr>
+        <p:cNvPr id="1" name=""/>
+        <p:cNvGrpSpPr/>
+        <p:nvPr/>
+      </p:nvGrpSpPr>
+      <p:grpSpPr>
+        <a:xfrm>
+          <a:off x="0" y="0"/>
+          <a:ext cx="0" cy="0"/>
+          <a:chOff x="0" y="0"/>
+          <a:chExt cx="0" cy="0"/>
+        </a:xfrm>
+      </p:grpSpPr>
+      <p:sp>
+        <p:nvSpPr>
+          <p:cNvPr id="2" name="文本框 1"/>
+          <p:cNvSpPr txBox="1"/>
+          <p:nvPr/>
+        </p:nvSpPr>
+        <p:spPr>
+          <a:xfrm>
+            <a:off x="1314252" y="1007839"/>
+            <a:ext cx="4464496" cy="646331"/>
+          </a:xfrm>
+          <a:prstGeom prst="rect">
+            <a:avLst/>
+          </a:prstGeom>
+          <a:noFill/>
+        </p:spPr>
+        <p:txBody>
+          <a:bodyPr wrap="square" rtlCol="0">
+            <a:spAutoFit/>
+          </a:bodyPr>
+          <a:lstStyle/>
+          <a:p>
+            <a:r>
+              <a:rPr lang="en-US" altLang="zh-CN" dirty="0" err="1" smtClean="0"/>
+              <a:t>CasRealm</a:t>
+            </a:r>
+            <a:r>
+              <a:rPr lang="zh-CN" altLang="en-US" dirty="0" smtClean="0"/>
+              <a:t>已经被废弃了，推荐使用</a:t>
+            </a:r>
+            <a:endParaRPr lang="en-US" altLang="zh-CN" dirty="0" smtClean="0"/>
+          </a:p>
+          <a:p>
+            <a:r>
+              <a:rPr lang="en-US" altLang="zh-CN" dirty="0"/>
+              <a:t>https://github.com/bujiio/buji-pac4j</a:t>
+            </a:r>
+            <a:endParaRPr lang="zh-CN" altLang="en-US" dirty="0"/>
+          </a:p>
+        </p:txBody>
+      </p:sp>
+    </p:spTree>
+    <p:extLst>
+      <p:ext uri="{BB962C8B-B14F-4D97-AF65-F5344CB8AC3E}">
+        <p14:creationId xmlns:p14="http://schemas.microsoft.com/office/powerpoint/2010/main" val="1468302791"/>
+      </p:ext>
+    </p:extLst>
+  </p:cSld>
+  <p:clrMapOvr>
+    <a:masterClrMapping/>
+  </p:clrMapOvr>
+  <p:timing>
+    <p:tnLst>
+      <p:par>
+        <p:cTn id="1" dur="indefinite" restart="never" nodeType="tmRoot"/>
+      </p:par>
+    </p:tnLst>
+  </p:timing>
+</p:sld>
+</file>
+
+<file path=ppt/slides/slide21.xml><?xml version="1.0" encoding="utf-8"?>
 <p:sld xmlns:a="http://schemas.openxmlformats.org/drawingml/2006/main" xmlns:r="http://schemas.openxmlformats.org/officeDocument/2006/relationships" xmlns:p="http://schemas.openxmlformats.org/presentationml/2006/main">
   <p:cSld>
     <p:spTree>
@@ -11648,7 +15204,7 @@
 </p:sld>
 </file>
 
-<file path=ppt/slides/slide17.xml><?xml version="1.0" encoding="utf-8"?>
+<file path=ppt/slides/slide22.xml><?xml version="1.0" encoding="utf-8"?>
 <p:sld xmlns:a="http://schemas.openxmlformats.org/drawingml/2006/main" xmlns:r="http://schemas.openxmlformats.org/officeDocument/2006/relationships" xmlns:p="http://schemas.openxmlformats.org/presentationml/2006/main">
   <p:cSld>
     <p:spTree>
@@ -13942,7 +17498,7 @@
 </p:sld>
 </file>
 
-<file path=ppt/slides/slide18.xml><?xml version="1.0" encoding="utf-8"?>
+<file path=ppt/slides/slide23.xml><?xml version="1.0" encoding="utf-8"?>
 <p:sld xmlns:a="http://schemas.openxmlformats.org/drawingml/2006/main" xmlns:r="http://schemas.openxmlformats.org/officeDocument/2006/relationships" xmlns:p="http://schemas.openxmlformats.org/presentationml/2006/main">
   <p:cSld>
     <p:spTree>
@@ -15860,7 +19416,7 @@
 </p:sld>
 </file>
 
-<file path=ppt/slides/slide19.xml><?xml version="1.0" encoding="utf-8"?>
+<file path=ppt/slides/slide24.xml><?xml version="1.0" encoding="utf-8"?>
 <p:sld xmlns:a="http://schemas.openxmlformats.org/drawingml/2006/main" xmlns:r="http://schemas.openxmlformats.org/officeDocument/2006/relationships" xmlns:p="http://schemas.openxmlformats.org/presentationml/2006/main">
   <p:cSld>
     <p:spTree>
@@ -21139,103 +24695,7 @@
 </p:sld>
 </file>
 
-<file path=ppt/slides/slide2.xml><?xml version="1.0" encoding="utf-8"?>
-<p:sld xmlns:a="http://schemas.openxmlformats.org/drawingml/2006/main" xmlns:r="http://schemas.openxmlformats.org/officeDocument/2006/relationships" xmlns:p="http://schemas.openxmlformats.org/presentationml/2006/main">
-  <p:cSld>
-    <p:spTree>
-      <p:nvGrpSpPr>
-        <p:cNvPr id="1" name=""/>
-        <p:cNvGrpSpPr/>
-        <p:nvPr/>
-      </p:nvGrpSpPr>
-      <p:grpSpPr>
-        <a:xfrm>
-          <a:off x="0" y="0"/>
-          <a:ext cx="0" cy="0"/>
-          <a:chOff x="0" y="0"/>
-          <a:chExt cx="0" cy="0"/>
-        </a:xfrm>
-      </p:grpSpPr>
-      <p:sp>
-        <p:nvSpPr>
-          <p:cNvPr id="5" name="文本框 4"/>
-          <p:cNvSpPr txBox="1"/>
-          <p:nvPr/>
-        </p:nvSpPr>
-        <p:spPr>
-          <a:xfrm>
-            <a:off x="2610396" y="2447999"/>
-            <a:ext cx="2080634" cy="584775"/>
-          </a:xfrm>
-          <a:prstGeom prst="rect">
-            <a:avLst/>
-          </a:prstGeom>
-          <a:noFill/>
-        </p:spPr>
-        <p:txBody>
-          <a:bodyPr wrap="none" rtlCol="0">
-            <a:spAutoFit/>
-          </a:bodyPr>
-          <a:lstStyle/>
-          <a:p>
-            <a:pPr algn="ctr"/>
-            <a:r>
-              <a:rPr lang="en-US" altLang="zh-CN" sz="3200" b="1" dirty="0" err="1" smtClean="0">
-                <a:solidFill>
-                  <a:schemeClr val="accent4">
-                    <a:lumMod val="50000"/>
-                  </a:schemeClr>
-                </a:solidFill>
-                <a:latin typeface="微软雅黑" panose="020B0503020204020204" pitchFamily="34" charset="-122"/>
-                <a:ea typeface="微软雅黑" panose="020B0503020204020204" pitchFamily="34" charset="-122"/>
-              </a:rPr>
-              <a:t>Shiro</a:t>
-            </a:r>
-            <a:r>
-              <a:rPr lang="zh-CN" altLang="en-US" sz="3200" b="1" dirty="0" smtClean="0">
-                <a:solidFill>
-                  <a:schemeClr val="accent4">
-                    <a:lumMod val="50000"/>
-                  </a:schemeClr>
-                </a:solidFill>
-                <a:latin typeface="微软雅黑" panose="020B0503020204020204" pitchFamily="34" charset="-122"/>
-                <a:ea typeface="微软雅黑" panose="020B0503020204020204" pitchFamily="34" charset="-122"/>
-              </a:rPr>
-              <a:t>架构</a:t>
-            </a:r>
-            <a:endParaRPr lang="zh-CN" altLang="zh-CN" sz="3200" b="1" dirty="0" smtClean="0">
-              <a:solidFill>
-                <a:schemeClr val="accent4">
-                  <a:lumMod val="50000"/>
-                </a:schemeClr>
-              </a:solidFill>
-              <a:latin typeface="微软雅黑" panose="020B0503020204020204" pitchFamily="34" charset="-122"/>
-              <a:ea typeface="微软雅黑" panose="020B0503020204020204" pitchFamily="34" charset="-122"/>
-            </a:endParaRPr>
-          </a:p>
-        </p:txBody>
-      </p:sp>
-    </p:spTree>
-    <p:extLst>
-      <p:ext uri="{BB962C8B-B14F-4D97-AF65-F5344CB8AC3E}">
-        <p14:creationId xmlns:p14="http://schemas.microsoft.com/office/powerpoint/2010/main" val="1876279687"/>
-      </p:ext>
-    </p:extLst>
-  </p:cSld>
-  <p:clrMapOvr>
-    <a:masterClrMapping/>
-  </p:clrMapOvr>
-  <p:timing>
-    <p:tnLst>
-      <p:par>
-        <p:cTn id="1" dur="indefinite" restart="never" nodeType="tmRoot"/>
-      </p:par>
-    </p:tnLst>
-  </p:timing>
-</p:sld>
-</file>
-
-<file path=ppt/slides/slide20.xml><?xml version="1.0" encoding="utf-8"?>
+<file path=ppt/slides/slide25.xml><?xml version="1.0" encoding="utf-8"?>
 <p:sld xmlns:a="http://schemas.openxmlformats.org/drawingml/2006/main" xmlns:r="http://schemas.openxmlformats.org/officeDocument/2006/relationships" xmlns:p="http://schemas.openxmlformats.org/presentationml/2006/main">
   <p:cSld>
     <p:spTree>
@@ -23652,7 +27112,7 @@
 </p:sld>
 </file>
 
-<file path=ppt/slides/slide21.xml><?xml version="1.0" encoding="utf-8"?>
+<file path=ppt/slides/slide26.xml><?xml version="1.0" encoding="utf-8"?>
 <p:sld xmlns:a="http://schemas.openxmlformats.org/drawingml/2006/main" xmlns:r="http://schemas.openxmlformats.org/officeDocument/2006/relationships" xmlns:p="http://schemas.openxmlformats.org/presentationml/2006/main">
   <p:cSld>
     <p:spTree>
@@ -31232,7 +34692,7 @@
   <a:extraClrSchemeLst/>
   <a:extLst>
     <a:ext uri="{05A4C25C-085E-4340-85A3-A5531E510DB2}">
-      <thm15:themeFamily xmlns:thm15="http://schemas.microsoft.com/office/thememl/2012/main" xmlns="" name="Office Theme" id="{62F939B6-93AF-4DB8-9C6B-D6C7DFDC589F}" vid="{4A3C46E8-61CC-4603-A589-7422A47A8E4A}"/>
+      <thm15:themeFamily xmlns:thm15="http://schemas.microsoft.com/office/thememl/2012/main" name="Office Theme" id="{62F939B6-93AF-4DB8-9C6B-D6C7DFDC589F}" vid="{4A3C46E8-61CC-4603-A589-7422A47A8E4A}"/>
     </a:ext>
   </a:extLst>
 </a:theme>

--- a/shiro原理解析.pptx
+++ b/shiro原理解析.pptx
@@ -5,7 +5,7 @@
     <p:sldMasterId id="2147483648" r:id="rId1"/>
   </p:sldMasterIdLst>
   <p:notesMasterIdLst>
-    <p:notesMasterId r:id="rId28"/>
+    <p:notesMasterId r:id="rId30"/>
   </p:notesMasterIdLst>
   <p:sldIdLst>
     <p:sldId id="287" r:id="rId2"/>
@@ -26,14 +26,16 @@
     <p:sldId id="312" r:id="rId17"/>
     <p:sldId id="311" r:id="rId18"/>
     <p:sldId id="310" r:id="rId19"/>
-    <p:sldId id="308" r:id="rId20"/>
-    <p:sldId id="313" r:id="rId21"/>
-    <p:sldId id="285" r:id="rId22"/>
-    <p:sldId id="281" r:id="rId23"/>
-    <p:sldId id="282" r:id="rId24"/>
-    <p:sldId id="283" r:id="rId25"/>
-    <p:sldId id="284" r:id="rId26"/>
-    <p:sldId id="286" r:id="rId27"/>
+    <p:sldId id="314" r:id="rId20"/>
+    <p:sldId id="315" r:id="rId21"/>
+    <p:sldId id="308" r:id="rId22"/>
+    <p:sldId id="313" r:id="rId23"/>
+    <p:sldId id="285" r:id="rId24"/>
+    <p:sldId id="281" r:id="rId25"/>
+    <p:sldId id="282" r:id="rId26"/>
+    <p:sldId id="283" r:id="rId27"/>
+    <p:sldId id="284" r:id="rId28"/>
+    <p:sldId id="286" r:id="rId29"/>
   </p:sldIdLst>
   <p:sldSz cx="10693400" cy="6480175"/>
   <p:notesSz cx="6858000" cy="9144000"/>
@@ -155,6 +157,8 @@
             <p14:sldId id="312"/>
             <p14:sldId id="311"/>
             <p14:sldId id="310"/>
+            <p14:sldId id="314"/>
+            <p14:sldId id="315"/>
             <p14:sldId id="308"/>
             <p14:sldId id="313"/>
             <p14:sldId id="285"/>
@@ -171,7 +175,7 @@
       </p14:sectionLst>
     </p:ext>
     <p:ext uri="{EFAFB233-063F-42B5-8137-9DF3F51BA10A}">
-      <p15:sldGuideLst xmlns:p15="http://schemas.microsoft.com/office/powerpoint/2012/main">
+      <p15:sldGuideLst xmlns:p15="http://schemas.microsoft.com/office/powerpoint/2012/main" xmlns="">
         <p15:guide id="1" orient="horz" pos="2041">
           <p15:clr>
             <a:srgbClr val="A4A3A4"/>
@@ -1266,8 +1270,8 @@
     <dgm:cxn modelId="{78B73D79-DB8D-4A44-813E-245003707515}" type="presOf" srcId="{0227A09E-B3D4-4FF9-8E27-BBA39BD67B59}" destId="{E5B71F6E-2BAA-48C7-9B98-CEF1D71D2C6A}" srcOrd="0" destOrd="0" presId="urn:microsoft.com/office/officeart/2005/8/layout/pyramid1"/>
     <dgm:cxn modelId="{B78127F6-CF8C-42AE-8D7C-61E6EABD40D0}" type="presOf" srcId="{0227A09E-B3D4-4FF9-8E27-BBA39BD67B59}" destId="{9174C647-EB64-44CA-9F01-2C0344094DD5}" srcOrd="1" destOrd="0" presId="urn:microsoft.com/office/officeart/2005/8/layout/pyramid1"/>
     <dgm:cxn modelId="{B38CC4E8-CAA3-47F5-B197-D57A8297947F}" type="presOf" srcId="{04B31001-ED46-4893-84E6-EF85EF32E4C1}" destId="{D0ADBCEA-E46A-4664-9ACD-558B9149E817}" srcOrd="0" destOrd="0" presId="urn:microsoft.com/office/officeart/2005/8/layout/pyramid1"/>
+    <dgm:cxn modelId="{DAE8DE0C-0C22-4846-A69E-224D6910F023}" type="presOf" srcId="{DC900FD9-1782-4C96-BF70-5244ECE0513C}" destId="{1116051A-C497-48B9-923B-0F2538128FE9}" srcOrd="0" destOrd="0" presId="urn:microsoft.com/office/officeart/2005/8/layout/pyramid1"/>
     <dgm:cxn modelId="{9B6CC18A-1EF1-43DB-ABED-0500F59DD423}" srcId="{04B31001-ED46-4893-84E6-EF85EF32E4C1}" destId="{DC900FD9-1782-4C96-BF70-5244ECE0513C}" srcOrd="1" destOrd="0" parTransId="{C41B674D-5707-45D4-A174-68DC6EF9C4B6}" sibTransId="{04B8313B-769C-4F57-854C-C4023151A76B}"/>
-    <dgm:cxn modelId="{DAE8DE0C-0C22-4846-A69E-224D6910F023}" type="presOf" srcId="{DC900FD9-1782-4C96-BF70-5244ECE0513C}" destId="{1116051A-C497-48B9-923B-0F2538128FE9}" srcOrd="0" destOrd="0" presId="urn:microsoft.com/office/officeart/2005/8/layout/pyramid1"/>
     <dgm:cxn modelId="{4656927F-CC56-45CA-A285-CD7F9B9215D6}" srcId="{04B31001-ED46-4893-84E6-EF85EF32E4C1}" destId="{0227A09E-B3D4-4FF9-8E27-BBA39BD67B59}" srcOrd="0" destOrd="0" parTransId="{3A6908C8-5E27-4B18-8184-FF21C727DFB8}" sibTransId="{DD3F0C69-4624-4106-A359-34CF88BF5998}"/>
     <dgm:cxn modelId="{2068F4CA-3919-493D-BC81-A1D6B6E94C81}" type="presOf" srcId="{A2930050-33F9-4C3D-AF20-9E659C7D2543}" destId="{79004BEF-F5A1-4329-AA5F-19627E8BE38E}" srcOrd="1" destOrd="0" presId="urn:microsoft.com/office/officeart/2005/8/layout/pyramid1"/>
     <dgm:cxn modelId="{634BB60B-AACE-4701-8848-3D601599D9FB}" srcId="{04B31001-ED46-4893-84E6-EF85EF32E4C1}" destId="{A2930050-33F9-4C3D-AF20-9E659C7D2543}" srcOrd="2" destOrd="0" parTransId="{9FF66566-0110-43FF-8A37-D164405F555E}" sibTransId="{D645072B-411A-45B9-A576-35C2335072CD}"/>
@@ -3118,7 +3122,7 @@
           <a:p>
             <a:fld id="{20F3FBB8-48AB-9B49-8288-26D9241A36A7}" type="datetimeFigureOut">
               <a:rPr kumimoji="1" lang="zh-CN" altLang="en-US" smtClean="0"/>
-              <a:t>2018/5/15</a:t>
+              <a:t>2018/5/16</a:t>
             </a:fld>
             <a:endParaRPr kumimoji="1" lang="zh-CN" altLang="en-US"/>
           </a:p>
@@ -6476,6 +6480,632 @@
           <a:bodyPr/>
           <a:lstStyle/>
           <a:p>
+            <a:r>
+              <a:rPr lang="en-US" altLang="zh-CN" sz="1200" b="0" i="0" kern="1200" dirty="0" err="1" smtClean="0">
+                <a:solidFill>
+                  <a:schemeClr val="tx1"/>
+                </a:solidFill>
+                <a:effectLst/>
+                <a:latin typeface="+mn-lt"/>
+                <a:ea typeface="+mn-ea"/>
+                <a:cs typeface="+mn-cs"/>
+              </a:rPr>
+              <a:t>Shiro</a:t>
+            </a:r>
+            <a:r>
+              <a:rPr lang="zh-CN" altLang="en-US" sz="1200" b="0" i="0" kern="1200" dirty="0" smtClean="0">
+                <a:solidFill>
+                  <a:schemeClr val="tx1"/>
+                </a:solidFill>
+                <a:effectLst/>
+                <a:latin typeface="+mn-lt"/>
+                <a:ea typeface="+mn-ea"/>
+                <a:cs typeface="+mn-cs"/>
+              </a:rPr>
+              <a:t>提供了类似于</a:t>
+            </a:r>
+            <a:r>
+              <a:rPr lang="en-US" altLang="zh-CN" sz="1200" b="0" i="0" kern="1200" dirty="0" smtClean="0">
+                <a:solidFill>
+                  <a:schemeClr val="tx1"/>
+                </a:solidFill>
+                <a:effectLst/>
+                <a:latin typeface="+mn-lt"/>
+                <a:ea typeface="+mn-ea"/>
+                <a:cs typeface="+mn-cs"/>
+              </a:rPr>
+              <a:t>Spring</a:t>
+            </a:r>
+            <a:r>
+              <a:rPr lang="zh-CN" altLang="en-US" sz="1200" b="0" i="0" kern="1200" dirty="0" smtClean="0">
+                <a:solidFill>
+                  <a:schemeClr val="tx1"/>
+                </a:solidFill>
+                <a:effectLst/>
+                <a:latin typeface="+mn-lt"/>
+                <a:ea typeface="+mn-ea"/>
+                <a:cs typeface="+mn-cs"/>
+              </a:rPr>
+              <a:t>的</a:t>
+            </a:r>
+            <a:r>
+              <a:rPr lang="en-US" altLang="zh-CN" sz="1200" b="0" i="0" kern="1200" dirty="0" smtClean="0">
+                <a:solidFill>
+                  <a:schemeClr val="tx1"/>
+                </a:solidFill>
+                <a:effectLst/>
+                <a:latin typeface="+mn-lt"/>
+                <a:ea typeface="+mn-ea"/>
+                <a:cs typeface="+mn-cs"/>
+              </a:rPr>
+              <a:t>Cache</a:t>
+            </a:r>
+            <a:r>
+              <a:rPr lang="zh-CN" altLang="en-US" sz="1200" b="0" i="0" kern="1200" dirty="0" smtClean="0">
+                <a:solidFill>
+                  <a:schemeClr val="tx1"/>
+                </a:solidFill>
+                <a:effectLst/>
+                <a:latin typeface="+mn-lt"/>
+                <a:ea typeface="+mn-ea"/>
+                <a:cs typeface="+mn-cs"/>
+              </a:rPr>
+              <a:t>抽象，即</a:t>
+            </a:r>
+            <a:r>
+              <a:rPr lang="en-US" altLang="zh-CN" sz="1200" b="0" i="0" kern="1200" dirty="0" err="1" smtClean="0">
+                <a:solidFill>
+                  <a:schemeClr val="tx1"/>
+                </a:solidFill>
+                <a:effectLst/>
+                <a:latin typeface="+mn-lt"/>
+                <a:ea typeface="+mn-ea"/>
+                <a:cs typeface="+mn-cs"/>
+              </a:rPr>
+              <a:t>Shiro</a:t>
+            </a:r>
+            <a:r>
+              <a:rPr lang="zh-CN" altLang="en-US" sz="1200" b="0" i="0" kern="1200" dirty="0" smtClean="0">
+                <a:solidFill>
+                  <a:schemeClr val="tx1"/>
+                </a:solidFill>
+                <a:effectLst/>
+                <a:latin typeface="+mn-lt"/>
+                <a:ea typeface="+mn-ea"/>
+                <a:cs typeface="+mn-cs"/>
+              </a:rPr>
+              <a:t>本身不实现</a:t>
+            </a:r>
+            <a:r>
+              <a:rPr lang="en-US" altLang="zh-CN" sz="1200" b="0" i="0" kern="1200" dirty="0" smtClean="0">
+                <a:solidFill>
+                  <a:schemeClr val="tx1"/>
+                </a:solidFill>
+                <a:effectLst/>
+                <a:latin typeface="+mn-lt"/>
+                <a:ea typeface="+mn-ea"/>
+                <a:cs typeface="+mn-cs"/>
+              </a:rPr>
+              <a:t>Cache</a:t>
+            </a:r>
+            <a:r>
+              <a:rPr lang="zh-CN" altLang="en-US" sz="1200" b="0" i="0" kern="1200" dirty="0" smtClean="0">
+                <a:solidFill>
+                  <a:schemeClr val="tx1"/>
+                </a:solidFill>
+                <a:effectLst/>
+                <a:latin typeface="+mn-lt"/>
+                <a:ea typeface="+mn-ea"/>
+                <a:cs typeface="+mn-cs"/>
+              </a:rPr>
+              <a:t>，但是对</a:t>
+            </a:r>
+            <a:r>
+              <a:rPr lang="en-US" altLang="zh-CN" sz="1200" b="0" i="0" kern="1200" dirty="0" smtClean="0">
+                <a:solidFill>
+                  <a:schemeClr val="tx1"/>
+                </a:solidFill>
+                <a:effectLst/>
+                <a:latin typeface="+mn-lt"/>
+                <a:ea typeface="+mn-ea"/>
+                <a:cs typeface="+mn-cs"/>
+              </a:rPr>
+              <a:t>Cache</a:t>
+            </a:r>
+            <a:r>
+              <a:rPr lang="zh-CN" altLang="en-US" sz="1200" b="0" i="0" kern="1200" dirty="0" smtClean="0">
+                <a:solidFill>
+                  <a:schemeClr val="tx1"/>
+                </a:solidFill>
+                <a:effectLst/>
+                <a:latin typeface="+mn-lt"/>
+                <a:ea typeface="+mn-ea"/>
+                <a:cs typeface="+mn-cs"/>
+              </a:rPr>
+              <a:t>进行了又抽象，方便更换不同的底层</a:t>
+            </a:r>
+            <a:r>
+              <a:rPr lang="en-US" altLang="zh-CN" sz="1200" b="0" i="0" kern="1200" dirty="0" smtClean="0">
+                <a:solidFill>
+                  <a:schemeClr val="tx1"/>
+                </a:solidFill>
+                <a:effectLst/>
+                <a:latin typeface="+mn-lt"/>
+                <a:ea typeface="+mn-ea"/>
+                <a:cs typeface="+mn-cs"/>
+              </a:rPr>
+              <a:t>Cache</a:t>
+            </a:r>
+            <a:r>
+              <a:rPr lang="zh-CN" altLang="en-US" sz="1200" b="0" i="0" kern="1200" dirty="0" smtClean="0">
+                <a:solidFill>
+                  <a:schemeClr val="tx1"/>
+                </a:solidFill>
+                <a:effectLst/>
+                <a:latin typeface="+mn-lt"/>
+                <a:ea typeface="+mn-ea"/>
+                <a:cs typeface="+mn-cs"/>
+              </a:rPr>
+              <a:t>实现。</a:t>
+            </a:r>
+            <a:endParaRPr lang="en-US" altLang="zh-CN" sz="1200" b="0" i="0" kern="1200" dirty="0" smtClean="0">
+              <a:solidFill>
+                <a:schemeClr val="tx1"/>
+              </a:solidFill>
+              <a:effectLst/>
+              <a:latin typeface="+mn-lt"/>
+              <a:ea typeface="+mn-ea"/>
+              <a:cs typeface="+mn-cs"/>
+            </a:endParaRPr>
+          </a:p>
+          <a:p>
+            <a:r>
+              <a:rPr lang="zh-CN" altLang="en-US" sz="1200" b="1" i="0" kern="1200" dirty="0" smtClean="0">
+                <a:solidFill>
+                  <a:schemeClr val="tx1"/>
+                </a:solidFill>
+                <a:effectLst/>
+                <a:latin typeface="+mn-lt"/>
+                <a:ea typeface="+mn-ea"/>
+                <a:cs typeface="+mn-cs"/>
+              </a:rPr>
+              <a:t>用于注入</a:t>
+            </a:r>
+            <a:r>
+              <a:rPr lang="en-US" altLang="zh-CN" sz="1200" b="1" i="0" kern="1200" dirty="0" err="1" smtClean="0">
+                <a:solidFill>
+                  <a:schemeClr val="tx1"/>
+                </a:solidFill>
+                <a:effectLst/>
+                <a:latin typeface="+mn-lt"/>
+                <a:ea typeface="+mn-ea"/>
+                <a:cs typeface="+mn-cs"/>
+              </a:rPr>
+              <a:t>CacheManager</a:t>
+            </a:r>
+            <a:endParaRPr lang="en-US" altLang="zh-CN" sz="1200" b="1" i="0" kern="1200" dirty="0" smtClean="0">
+              <a:solidFill>
+                <a:schemeClr val="tx1"/>
+              </a:solidFill>
+              <a:effectLst/>
+              <a:latin typeface="+mn-lt"/>
+              <a:ea typeface="+mn-ea"/>
+              <a:cs typeface="+mn-cs"/>
+            </a:endParaRPr>
+          </a:p>
+          <a:p>
+            <a:endParaRPr lang="en-US" altLang="zh-CN" sz="1200" b="1" i="0" kern="1200" dirty="0" smtClean="0">
+              <a:solidFill>
+                <a:schemeClr val="tx1"/>
+              </a:solidFill>
+              <a:effectLst/>
+              <a:latin typeface="+mn-lt"/>
+              <a:ea typeface="+mn-ea"/>
+              <a:cs typeface="+mn-cs"/>
+            </a:endParaRPr>
+          </a:p>
+          <a:p>
+            <a:pPr marL="0" marR="0" indent="0" algn="l" defTabSz="914400" rtl="0" eaLnBrk="1" fontAlgn="auto" latinLnBrk="0" hangingPunct="1">
+              <a:lnSpc>
+                <a:spcPct val="100000"/>
+              </a:lnSpc>
+              <a:spcBef>
+                <a:spcPts val="0"/>
+              </a:spcBef>
+              <a:spcAft>
+                <a:spcPts val="0"/>
+              </a:spcAft>
+              <a:buClrTx/>
+              <a:buSzTx/>
+              <a:buFontTx/>
+              <a:buNone/>
+              <a:tabLst/>
+              <a:defRPr/>
+            </a:pPr>
+            <a:r>
+              <a:rPr lang="en-US" altLang="zh-CN" dirty="0" err="1" smtClean="0"/>
+              <a:t>Shiro</a:t>
+            </a:r>
+            <a:r>
+              <a:rPr lang="zh-CN" altLang="en-US" dirty="0" smtClean="0"/>
+              <a:t>提供了</a:t>
+            </a:r>
+            <a:r>
+              <a:rPr lang="en-US" altLang="zh-CN" dirty="0" err="1" smtClean="0"/>
+              <a:t>CachingRealm</a:t>
+            </a:r>
+            <a:r>
+              <a:rPr lang="zh-CN" altLang="en-US" dirty="0" smtClean="0"/>
+              <a:t>，其实现了</a:t>
+            </a:r>
+            <a:r>
+              <a:rPr lang="en-US" altLang="zh-CN" dirty="0" err="1" smtClean="0"/>
+              <a:t>CacheManagerAware</a:t>
+            </a:r>
+            <a:r>
+              <a:rPr lang="zh-CN" altLang="en-US" dirty="0" smtClean="0"/>
+              <a:t>接口，提供了缓存的一些基础实现；另外</a:t>
+            </a:r>
+            <a:r>
+              <a:rPr lang="en-US" altLang="zh-CN" dirty="0" err="1" smtClean="0"/>
+              <a:t>AuthenticatingRealm</a:t>
+            </a:r>
+            <a:r>
+              <a:rPr lang="zh-CN" altLang="en-US" dirty="0" smtClean="0"/>
+              <a:t>及</a:t>
+            </a:r>
+            <a:r>
+              <a:rPr lang="en-US" altLang="zh-CN" dirty="0" err="1" smtClean="0"/>
+              <a:t>AuthorizingRealm</a:t>
+            </a:r>
+            <a:r>
+              <a:rPr lang="zh-CN" altLang="en-US" dirty="0" smtClean="0"/>
+              <a:t>分别提供了对</a:t>
+            </a:r>
+            <a:r>
+              <a:rPr lang="en-US" altLang="zh-CN" dirty="0" err="1" smtClean="0"/>
+              <a:t>AuthenticationInfo</a:t>
+            </a:r>
+            <a:r>
+              <a:rPr lang="en-US" altLang="zh-CN" dirty="0" smtClean="0"/>
+              <a:t> </a:t>
+            </a:r>
+            <a:r>
+              <a:rPr lang="zh-CN" altLang="en-US" dirty="0" smtClean="0"/>
+              <a:t>和</a:t>
+            </a:r>
+            <a:r>
+              <a:rPr lang="en-US" altLang="zh-CN" dirty="0" err="1" smtClean="0"/>
+              <a:t>AuthorizationInfo</a:t>
+            </a:r>
+            <a:r>
+              <a:rPr lang="zh-CN" altLang="en-US" dirty="0" smtClean="0"/>
+              <a:t>信息的缓存</a:t>
+            </a:r>
+          </a:p>
+          <a:p>
+            <a:endParaRPr lang="en-US" altLang="zh-CN" sz="1200" b="0" i="0" kern="1200" dirty="0" smtClean="0">
+              <a:solidFill>
+                <a:schemeClr val="tx1"/>
+              </a:solidFill>
+              <a:effectLst/>
+              <a:latin typeface="+mn-lt"/>
+              <a:ea typeface="+mn-ea"/>
+              <a:cs typeface="+mn-cs"/>
+            </a:endParaRPr>
+          </a:p>
+          <a:p>
+            <a:endParaRPr lang="en-US" altLang="zh-CN" sz="1200" b="0" i="0" kern="1200" dirty="0" smtClean="0">
+              <a:solidFill>
+                <a:schemeClr val="tx1"/>
+              </a:solidFill>
+              <a:effectLst/>
+              <a:latin typeface="+mn-lt"/>
+              <a:ea typeface="+mn-ea"/>
+              <a:cs typeface="+mn-cs"/>
+            </a:endParaRPr>
+          </a:p>
+          <a:p>
+            <a:r>
+              <a:rPr lang="zh-CN" altLang="en-US" sz="1200" b="0" i="0" kern="1200" dirty="0" smtClean="0">
+                <a:solidFill>
+                  <a:schemeClr val="tx1"/>
+                </a:solidFill>
+                <a:effectLst/>
+                <a:latin typeface="+mn-lt"/>
+                <a:ea typeface="+mn-ea"/>
+                <a:cs typeface="+mn-cs"/>
+              </a:rPr>
+              <a:t>如</a:t>
+            </a:r>
+            <a:r>
+              <a:rPr lang="en-US" altLang="zh-CN" sz="1200" b="0" i="0" kern="1200" dirty="0" err="1" smtClean="0">
+                <a:solidFill>
+                  <a:schemeClr val="tx1"/>
+                </a:solidFill>
+                <a:effectLst/>
+                <a:latin typeface="+mn-lt"/>
+                <a:ea typeface="+mn-ea"/>
+                <a:cs typeface="+mn-cs"/>
+              </a:rPr>
+              <a:t>securityManager</a:t>
+            </a:r>
+            <a:r>
+              <a:rPr lang="zh-CN" altLang="en-US" sz="1200" b="0" i="0" kern="1200" dirty="0" smtClean="0">
+                <a:solidFill>
+                  <a:schemeClr val="tx1"/>
+                </a:solidFill>
+                <a:effectLst/>
+                <a:latin typeface="+mn-lt"/>
+                <a:ea typeface="+mn-ea"/>
+                <a:cs typeface="+mn-cs"/>
+              </a:rPr>
+              <a:t>实现了</a:t>
+            </a:r>
+            <a:r>
+              <a:rPr lang="en-US" altLang="zh-CN" sz="1200" b="0" i="0" kern="1200" dirty="0" err="1" smtClean="0">
+                <a:solidFill>
+                  <a:schemeClr val="tx1"/>
+                </a:solidFill>
+                <a:effectLst/>
+                <a:latin typeface="+mn-lt"/>
+                <a:ea typeface="+mn-ea"/>
+                <a:cs typeface="+mn-cs"/>
+              </a:rPr>
+              <a:t>SessionsSecurityManager</a:t>
+            </a:r>
+            <a:r>
+              <a:rPr lang="zh-CN" altLang="en-US" sz="1200" b="0" i="0" kern="1200" dirty="0" smtClean="0">
+                <a:solidFill>
+                  <a:schemeClr val="tx1"/>
+                </a:solidFill>
+                <a:effectLst/>
+                <a:latin typeface="+mn-lt"/>
+                <a:ea typeface="+mn-ea"/>
+                <a:cs typeface="+mn-cs"/>
+              </a:rPr>
+              <a:t>，其会自动判断</a:t>
+            </a:r>
+            <a:r>
+              <a:rPr lang="en-US" altLang="zh-CN" sz="1200" b="0" i="0" kern="1200" dirty="0" err="1" smtClean="0">
+                <a:solidFill>
+                  <a:schemeClr val="tx1"/>
+                </a:solidFill>
+                <a:effectLst/>
+                <a:latin typeface="+mn-lt"/>
+                <a:ea typeface="+mn-ea"/>
+                <a:cs typeface="+mn-cs"/>
+              </a:rPr>
+              <a:t>SessionManager</a:t>
+            </a:r>
+            <a:r>
+              <a:rPr lang="zh-CN" altLang="en-US" sz="1200" b="0" i="0" kern="1200" dirty="0" smtClean="0">
+                <a:solidFill>
+                  <a:schemeClr val="tx1"/>
+                </a:solidFill>
+                <a:effectLst/>
+                <a:latin typeface="+mn-lt"/>
+                <a:ea typeface="+mn-ea"/>
+                <a:cs typeface="+mn-cs"/>
+              </a:rPr>
+              <a:t>是否实现了</a:t>
+            </a:r>
+            <a:r>
+              <a:rPr lang="en-US" altLang="zh-CN" sz="1200" b="0" i="0" kern="1200" dirty="0" err="1" smtClean="0">
+                <a:solidFill>
+                  <a:schemeClr val="tx1"/>
+                </a:solidFill>
+                <a:effectLst/>
+                <a:latin typeface="+mn-lt"/>
+                <a:ea typeface="+mn-ea"/>
+                <a:cs typeface="+mn-cs"/>
+              </a:rPr>
+              <a:t>CacheManagerAware</a:t>
+            </a:r>
+            <a:r>
+              <a:rPr lang="zh-CN" altLang="en-US" sz="1200" b="0" i="0" kern="1200" dirty="0" smtClean="0">
+                <a:solidFill>
+                  <a:schemeClr val="tx1"/>
+                </a:solidFill>
+                <a:effectLst/>
+                <a:latin typeface="+mn-lt"/>
+                <a:ea typeface="+mn-ea"/>
+                <a:cs typeface="+mn-cs"/>
+              </a:rPr>
+              <a:t>接口，如果实现了会把</a:t>
+            </a:r>
+            <a:r>
+              <a:rPr lang="en-US" altLang="zh-CN" sz="1200" b="0" i="0" kern="1200" dirty="0" err="1" smtClean="0">
+                <a:solidFill>
+                  <a:schemeClr val="tx1"/>
+                </a:solidFill>
+                <a:effectLst/>
+                <a:latin typeface="+mn-lt"/>
+                <a:ea typeface="+mn-ea"/>
+                <a:cs typeface="+mn-cs"/>
+              </a:rPr>
+              <a:t>CacheManager</a:t>
+            </a:r>
+            <a:r>
+              <a:rPr lang="zh-CN" altLang="en-US" sz="1200" b="0" i="0" kern="1200" dirty="0" smtClean="0">
+                <a:solidFill>
+                  <a:schemeClr val="tx1"/>
+                </a:solidFill>
+                <a:effectLst/>
+                <a:latin typeface="+mn-lt"/>
+                <a:ea typeface="+mn-ea"/>
+                <a:cs typeface="+mn-cs"/>
+              </a:rPr>
+              <a:t>设置给它。然后</a:t>
+            </a:r>
+            <a:r>
+              <a:rPr lang="en-US" altLang="zh-CN" sz="1200" b="0" i="0" kern="1200" dirty="0" err="1" smtClean="0">
+                <a:solidFill>
+                  <a:schemeClr val="tx1"/>
+                </a:solidFill>
+                <a:effectLst/>
+                <a:latin typeface="+mn-lt"/>
+                <a:ea typeface="+mn-ea"/>
+                <a:cs typeface="+mn-cs"/>
+              </a:rPr>
+              <a:t>sessionManager</a:t>
+            </a:r>
+            <a:r>
+              <a:rPr lang="zh-CN" altLang="en-US" sz="1200" b="0" i="0" kern="1200" dirty="0" smtClean="0">
+                <a:solidFill>
+                  <a:schemeClr val="tx1"/>
+                </a:solidFill>
+                <a:effectLst/>
+                <a:latin typeface="+mn-lt"/>
+                <a:ea typeface="+mn-ea"/>
+                <a:cs typeface="+mn-cs"/>
+              </a:rPr>
+              <a:t>会判断相应的</a:t>
+            </a:r>
+            <a:r>
+              <a:rPr lang="en-US" altLang="zh-CN" sz="1200" b="0" i="0" kern="1200" dirty="0" err="1" smtClean="0">
+                <a:solidFill>
+                  <a:schemeClr val="tx1"/>
+                </a:solidFill>
+                <a:effectLst/>
+                <a:latin typeface="+mn-lt"/>
+                <a:ea typeface="+mn-ea"/>
+                <a:cs typeface="+mn-cs"/>
+              </a:rPr>
+              <a:t>sessionDAO</a:t>
+            </a:r>
+            <a:r>
+              <a:rPr lang="zh-CN" altLang="en-US" sz="1200" b="0" i="0" kern="1200" dirty="0" smtClean="0">
+                <a:solidFill>
+                  <a:schemeClr val="tx1"/>
+                </a:solidFill>
+                <a:effectLst/>
+                <a:latin typeface="+mn-lt"/>
+                <a:ea typeface="+mn-ea"/>
+                <a:cs typeface="+mn-cs"/>
+              </a:rPr>
+              <a:t>（如继承自</a:t>
+            </a:r>
+            <a:r>
+              <a:rPr lang="en-US" altLang="zh-CN" sz="1200" b="0" i="0" kern="1200" dirty="0" err="1" smtClean="0">
+                <a:solidFill>
+                  <a:schemeClr val="tx1"/>
+                </a:solidFill>
+                <a:effectLst/>
+                <a:latin typeface="+mn-lt"/>
+                <a:ea typeface="+mn-ea"/>
+                <a:cs typeface="+mn-cs"/>
+              </a:rPr>
+              <a:t>CachingSessionDAO</a:t>
+            </a:r>
+            <a:r>
+              <a:rPr lang="zh-CN" altLang="en-US" sz="1200" b="0" i="0" kern="1200" dirty="0" smtClean="0">
+                <a:solidFill>
+                  <a:schemeClr val="tx1"/>
+                </a:solidFill>
+                <a:effectLst/>
+                <a:latin typeface="+mn-lt"/>
+                <a:ea typeface="+mn-ea"/>
+                <a:cs typeface="+mn-cs"/>
+              </a:rPr>
+              <a:t>）是否实现了</a:t>
+            </a:r>
+            <a:r>
+              <a:rPr lang="en-US" altLang="zh-CN" sz="1200" b="0" i="0" kern="1200" dirty="0" err="1" smtClean="0">
+                <a:solidFill>
+                  <a:schemeClr val="tx1"/>
+                </a:solidFill>
+                <a:effectLst/>
+                <a:latin typeface="+mn-lt"/>
+                <a:ea typeface="+mn-ea"/>
+                <a:cs typeface="+mn-cs"/>
+              </a:rPr>
+              <a:t>CacheManagerAware</a:t>
+            </a:r>
+            <a:r>
+              <a:rPr lang="zh-CN" altLang="en-US" sz="1200" b="0" i="0" kern="1200" dirty="0" smtClean="0">
+                <a:solidFill>
+                  <a:schemeClr val="tx1"/>
+                </a:solidFill>
+                <a:effectLst/>
+                <a:latin typeface="+mn-lt"/>
+                <a:ea typeface="+mn-ea"/>
+                <a:cs typeface="+mn-cs"/>
+              </a:rPr>
+              <a:t>，如果实现了会把</a:t>
+            </a:r>
+            <a:r>
+              <a:rPr lang="en-US" altLang="zh-CN" sz="1200" b="0" i="0" kern="1200" dirty="0" err="1" smtClean="0">
+                <a:solidFill>
+                  <a:schemeClr val="tx1"/>
+                </a:solidFill>
+                <a:effectLst/>
+                <a:latin typeface="+mn-lt"/>
+                <a:ea typeface="+mn-ea"/>
+                <a:cs typeface="+mn-cs"/>
+              </a:rPr>
+              <a:t>CacheManager</a:t>
+            </a:r>
+            <a:r>
+              <a:rPr lang="zh-CN" altLang="en-US" sz="1200" b="0" i="0" kern="1200" dirty="0" smtClean="0">
+                <a:solidFill>
+                  <a:schemeClr val="tx1"/>
+                </a:solidFill>
+                <a:effectLst/>
+                <a:latin typeface="+mn-lt"/>
+                <a:ea typeface="+mn-ea"/>
+                <a:cs typeface="+mn-cs"/>
+              </a:rPr>
+              <a:t>设置给它；如第九章的</a:t>
+            </a:r>
+            <a:r>
+              <a:rPr lang="en-US" altLang="zh-CN" sz="1200" b="0" i="0" kern="1200" dirty="0" err="1" smtClean="0">
+                <a:solidFill>
+                  <a:schemeClr val="tx1"/>
+                </a:solidFill>
+                <a:effectLst/>
+                <a:latin typeface="+mn-lt"/>
+                <a:ea typeface="+mn-ea"/>
+                <a:cs typeface="+mn-cs"/>
+              </a:rPr>
+              <a:t>MySessionDAO</a:t>
+            </a:r>
+            <a:r>
+              <a:rPr lang="zh-CN" altLang="en-US" sz="1200" b="0" i="0" kern="1200" dirty="0" smtClean="0">
+                <a:solidFill>
+                  <a:schemeClr val="tx1"/>
+                </a:solidFill>
+                <a:effectLst/>
+                <a:latin typeface="+mn-lt"/>
+                <a:ea typeface="+mn-ea"/>
+                <a:cs typeface="+mn-cs"/>
+              </a:rPr>
+              <a:t>就是带缓存的</a:t>
+            </a:r>
+            <a:r>
+              <a:rPr lang="en-US" altLang="zh-CN" sz="1200" b="0" i="0" kern="1200" dirty="0" err="1" smtClean="0">
+                <a:solidFill>
+                  <a:schemeClr val="tx1"/>
+                </a:solidFill>
+                <a:effectLst/>
+                <a:latin typeface="+mn-lt"/>
+                <a:ea typeface="+mn-ea"/>
+                <a:cs typeface="+mn-cs"/>
+              </a:rPr>
+              <a:t>SessionDAO</a:t>
+            </a:r>
+            <a:r>
+              <a:rPr lang="zh-CN" altLang="en-US" sz="1200" b="0" i="0" kern="1200" dirty="0" smtClean="0">
+                <a:solidFill>
+                  <a:schemeClr val="tx1"/>
+                </a:solidFill>
+                <a:effectLst/>
+                <a:latin typeface="+mn-lt"/>
+                <a:ea typeface="+mn-ea"/>
+                <a:cs typeface="+mn-cs"/>
+              </a:rPr>
+              <a:t>；其会先查缓存，如果找不到才查数据库。</a:t>
+            </a:r>
             <a:endParaRPr lang="zh-CN" altLang="en-US" dirty="0"/>
           </a:p>
         </p:txBody>
@@ -6506,7 +7136,7 @@
     </p:spTree>
     <p:extLst>
       <p:ext uri="{BB962C8B-B14F-4D97-AF65-F5344CB8AC3E}">
-        <p14:creationId xmlns:p14="http://schemas.microsoft.com/office/powerpoint/2010/main" val="3320545149"/>
+        <p14:creationId xmlns:p14="http://schemas.microsoft.com/office/powerpoint/2010/main" val="97000029"/>
       </p:ext>
     </p:extLst>
   </p:cSld>
@@ -6644,7 +7274,1461 @@
           <a:bodyPr/>
           <a:lstStyle/>
           <a:p>
-            <a:endParaRPr lang="zh-CN" altLang="en-US" dirty="0"/>
+            <a:r>
+              <a:rPr lang="en-US" altLang="zh-CN" sz="1200" b="0" i="0" kern="1200" dirty="0" err="1" smtClean="0">
+                <a:solidFill>
+                  <a:schemeClr val="tx1"/>
+                </a:solidFill>
+                <a:effectLst/>
+                <a:latin typeface="+mn-lt"/>
+                <a:ea typeface="+mn-ea"/>
+                <a:cs typeface="+mn-cs"/>
+              </a:rPr>
+              <a:t>Shiro</a:t>
+            </a:r>
+            <a:r>
+              <a:rPr lang="zh-CN" altLang="en-US" sz="1200" b="0" i="0" kern="1200" dirty="0" smtClean="0">
+                <a:solidFill>
+                  <a:schemeClr val="tx1"/>
+                </a:solidFill>
+                <a:effectLst/>
+                <a:latin typeface="+mn-lt"/>
+                <a:ea typeface="+mn-ea"/>
+                <a:cs typeface="+mn-cs"/>
+              </a:rPr>
+              <a:t>提供了记住我（</a:t>
+            </a:r>
+            <a:r>
+              <a:rPr lang="en-US" altLang="zh-CN" sz="1200" b="0" i="0" kern="1200" dirty="0" err="1" smtClean="0">
+                <a:solidFill>
+                  <a:schemeClr val="tx1"/>
+                </a:solidFill>
+                <a:effectLst/>
+                <a:latin typeface="+mn-lt"/>
+                <a:ea typeface="+mn-ea"/>
+                <a:cs typeface="+mn-cs"/>
+              </a:rPr>
+              <a:t>RememberMe</a:t>
+            </a:r>
+            <a:r>
+              <a:rPr lang="zh-CN" altLang="en-US" sz="1200" b="0" i="0" kern="1200" dirty="0" smtClean="0">
+                <a:solidFill>
+                  <a:schemeClr val="tx1"/>
+                </a:solidFill>
+                <a:effectLst/>
+                <a:latin typeface="+mn-lt"/>
+                <a:ea typeface="+mn-ea"/>
+                <a:cs typeface="+mn-cs"/>
+              </a:rPr>
+              <a:t>）的功能，比如访问如淘宝等一些网站时，关闭了浏览器下次再打开时还是能记住你是谁，下次访问时无需再登录即可访问，基本流程如下：</a:t>
+            </a:r>
+          </a:p>
+          <a:p>
+            <a:r>
+              <a:rPr lang="en-US" altLang="zh-CN" sz="1200" b="0" i="0" kern="1200" dirty="0" smtClean="0">
+                <a:solidFill>
+                  <a:schemeClr val="tx1"/>
+                </a:solidFill>
+                <a:effectLst/>
+                <a:latin typeface="+mn-lt"/>
+                <a:ea typeface="+mn-ea"/>
+                <a:cs typeface="+mn-cs"/>
+              </a:rPr>
+              <a:t>1</a:t>
+            </a:r>
+            <a:r>
+              <a:rPr lang="zh-CN" altLang="en-US" sz="1200" b="0" i="0" kern="1200" dirty="0" smtClean="0">
+                <a:solidFill>
+                  <a:schemeClr val="tx1"/>
+                </a:solidFill>
+                <a:effectLst/>
+                <a:latin typeface="+mn-lt"/>
+                <a:ea typeface="+mn-ea"/>
+                <a:cs typeface="+mn-cs"/>
+              </a:rPr>
+              <a:t>、首先在登录页面选中</a:t>
+            </a:r>
+            <a:r>
+              <a:rPr lang="en-US" altLang="zh-CN" sz="1200" b="0" i="0" kern="1200" dirty="0" err="1" smtClean="0">
+                <a:solidFill>
+                  <a:schemeClr val="tx1"/>
+                </a:solidFill>
+                <a:effectLst/>
+                <a:latin typeface="+mn-lt"/>
+                <a:ea typeface="+mn-ea"/>
+                <a:cs typeface="+mn-cs"/>
+              </a:rPr>
+              <a:t>RememberMe</a:t>
+            </a:r>
+            <a:r>
+              <a:rPr lang="zh-CN" altLang="en-US" sz="1200" b="0" i="0" kern="1200" dirty="0" smtClean="0">
+                <a:solidFill>
+                  <a:schemeClr val="tx1"/>
+                </a:solidFill>
+                <a:effectLst/>
+                <a:latin typeface="+mn-lt"/>
+                <a:ea typeface="+mn-ea"/>
+                <a:cs typeface="+mn-cs"/>
+              </a:rPr>
+              <a:t>然后登录成功；如果是浏览器登录，一般会把</a:t>
+            </a:r>
+            <a:r>
+              <a:rPr lang="en-US" altLang="zh-CN" sz="1200" b="0" i="0" kern="1200" dirty="0" err="1" smtClean="0">
+                <a:solidFill>
+                  <a:schemeClr val="tx1"/>
+                </a:solidFill>
+                <a:effectLst/>
+                <a:latin typeface="+mn-lt"/>
+                <a:ea typeface="+mn-ea"/>
+                <a:cs typeface="+mn-cs"/>
+              </a:rPr>
+              <a:t>RememberMe</a:t>
+            </a:r>
+            <a:r>
+              <a:rPr lang="zh-CN" altLang="en-US" sz="1200" b="0" i="0" kern="1200" dirty="0" smtClean="0">
+                <a:solidFill>
+                  <a:schemeClr val="tx1"/>
+                </a:solidFill>
+                <a:effectLst/>
+                <a:latin typeface="+mn-lt"/>
+                <a:ea typeface="+mn-ea"/>
+                <a:cs typeface="+mn-cs"/>
+              </a:rPr>
+              <a:t>的</a:t>
+            </a:r>
+            <a:r>
+              <a:rPr lang="en-US" altLang="zh-CN" sz="1200" b="0" i="0" kern="1200" dirty="0" smtClean="0">
+                <a:solidFill>
+                  <a:schemeClr val="tx1"/>
+                </a:solidFill>
+                <a:effectLst/>
+                <a:latin typeface="+mn-lt"/>
+                <a:ea typeface="+mn-ea"/>
+                <a:cs typeface="+mn-cs"/>
+              </a:rPr>
+              <a:t>Cookie</a:t>
+            </a:r>
+            <a:r>
+              <a:rPr lang="zh-CN" altLang="en-US" sz="1200" b="0" i="0" kern="1200" dirty="0" smtClean="0">
+                <a:solidFill>
+                  <a:schemeClr val="tx1"/>
+                </a:solidFill>
+                <a:effectLst/>
+                <a:latin typeface="+mn-lt"/>
+                <a:ea typeface="+mn-ea"/>
+                <a:cs typeface="+mn-cs"/>
+              </a:rPr>
+              <a:t>写到客户端并保存下来；</a:t>
+            </a:r>
+          </a:p>
+          <a:p>
+            <a:r>
+              <a:rPr lang="en-US" altLang="zh-CN" sz="1200" b="0" i="0" kern="1200" dirty="0" smtClean="0">
+                <a:solidFill>
+                  <a:schemeClr val="tx1"/>
+                </a:solidFill>
+                <a:effectLst/>
+                <a:latin typeface="+mn-lt"/>
+                <a:ea typeface="+mn-ea"/>
+                <a:cs typeface="+mn-cs"/>
+              </a:rPr>
+              <a:t>2</a:t>
+            </a:r>
+            <a:r>
+              <a:rPr lang="zh-CN" altLang="en-US" sz="1200" b="0" i="0" kern="1200" dirty="0" smtClean="0">
+                <a:solidFill>
+                  <a:schemeClr val="tx1"/>
+                </a:solidFill>
+                <a:effectLst/>
+                <a:latin typeface="+mn-lt"/>
+                <a:ea typeface="+mn-ea"/>
+                <a:cs typeface="+mn-cs"/>
+              </a:rPr>
+              <a:t>、关闭浏览器再重新打开；会发现浏览器还是记住你的；</a:t>
+            </a:r>
+          </a:p>
+          <a:p>
+            <a:r>
+              <a:rPr lang="en-US" altLang="zh-CN" sz="1200" b="0" i="0" kern="1200" dirty="0" smtClean="0">
+                <a:solidFill>
+                  <a:schemeClr val="tx1"/>
+                </a:solidFill>
+                <a:effectLst/>
+                <a:latin typeface="+mn-lt"/>
+                <a:ea typeface="+mn-ea"/>
+                <a:cs typeface="+mn-cs"/>
+              </a:rPr>
+              <a:t>3</a:t>
+            </a:r>
+            <a:r>
+              <a:rPr lang="zh-CN" altLang="en-US" sz="1200" b="0" i="0" kern="1200" dirty="0" smtClean="0">
+                <a:solidFill>
+                  <a:schemeClr val="tx1"/>
+                </a:solidFill>
+                <a:effectLst/>
+                <a:latin typeface="+mn-lt"/>
+                <a:ea typeface="+mn-ea"/>
+                <a:cs typeface="+mn-cs"/>
+              </a:rPr>
+              <a:t>、访问一般的网页服务器端还是知道你是谁，且能正常访问；</a:t>
+            </a:r>
+          </a:p>
+          <a:p>
+            <a:r>
+              <a:rPr lang="en-US" altLang="zh-CN" sz="1200" b="0" i="0" kern="1200" dirty="0" smtClean="0">
+                <a:solidFill>
+                  <a:schemeClr val="tx1"/>
+                </a:solidFill>
+                <a:effectLst/>
+                <a:latin typeface="+mn-lt"/>
+                <a:ea typeface="+mn-ea"/>
+                <a:cs typeface="+mn-cs"/>
+              </a:rPr>
+              <a:t>4</a:t>
+            </a:r>
+            <a:r>
+              <a:rPr lang="zh-CN" altLang="en-US" sz="1200" b="0" i="0" kern="1200" dirty="0" smtClean="0">
+                <a:solidFill>
+                  <a:schemeClr val="tx1"/>
+                </a:solidFill>
+                <a:effectLst/>
+                <a:latin typeface="+mn-lt"/>
+                <a:ea typeface="+mn-ea"/>
+                <a:cs typeface="+mn-cs"/>
+              </a:rPr>
+              <a:t>、但是比如我们访问淘宝时，如果要查看我的订单或进行支付时，此时还是需要再进行身份认证的，以确保当前用户还是你</a:t>
+            </a:r>
+            <a:endParaRPr lang="en-US" altLang="zh-CN" sz="1200" b="0" i="0" kern="1200" dirty="0" smtClean="0">
+              <a:solidFill>
+                <a:schemeClr val="tx1"/>
+              </a:solidFill>
+              <a:effectLst/>
+              <a:latin typeface="+mn-lt"/>
+              <a:ea typeface="+mn-ea"/>
+              <a:cs typeface="+mn-cs"/>
+            </a:endParaRPr>
+          </a:p>
+          <a:p>
+            <a:endParaRPr lang="en-US" altLang="zh-CN" sz="1200" b="0" i="0" kern="1200" dirty="0" smtClean="0">
+              <a:solidFill>
+                <a:schemeClr val="tx1"/>
+              </a:solidFill>
+              <a:effectLst/>
+              <a:latin typeface="+mn-lt"/>
+              <a:ea typeface="+mn-ea"/>
+              <a:cs typeface="+mn-cs"/>
+            </a:endParaRPr>
+          </a:p>
+          <a:p>
+            <a:r>
+              <a:rPr lang="en-US" altLang="zh-CN" sz="1200" b="0" i="0" kern="1200" dirty="0" smtClean="0">
+                <a:solidFill>
+                  <a:schemeClr val="tx1"/>
+                </a:solidFill>
+                <a:effectLst/>
+                <a:latin typeface="+mn-lt"/>
+                <a:ea typeface="+mn-ea"/>
+                <a:cs typeface="+mn-cs"/>
+              </a:rPr>
+              <a:t>&lt;!-- </a:t>
+            </a:r>
+            <a:r>
+              <a:rPr lang="zh-CN" altLang="en-US" sz="1200" b="0" i="0" kern="1200" dirty="0" smtClean="0">
+                <a:solidFill>
+                  <a:schemeClr val="tx1"/>
+                </a:solidFill>
+                <a:effectLst/>
+                <a:latin typeface="+mn-lt"/>
+                <a:ea typeface="+mn-ea"/>
+                <a:cs typeface="+mn-cs"/>
+              </a:rPr>
+              <a:t>会话</a:t>
+            </a:r>
+            <a:r>
+              <a:rPr lang="en-US" altLang="zh-CN" sz="1200" b="0" i="0" kern="1200" dirty="0" smtClean="0">
+                <a:solidFill>
+                  <a:schemeClr val="tx1"/>
+                </a:solidFill>
+                <a:effectLst/>
+                <a:latin typeface="+mn-lt"/>
+                <a:ea typeface="+mn-ea"/>
+                <a:cs typeface="+mn-cs"/>
+              </a:rPr>
+              <a:t>Cookie</a:t>
+            </a:r>
+            <a:r>
+              <a:rPr lang="zh-CN" altLang="en-US" sz="1200" b="0" i="0" kern="1200" dirty="0" smtClean="0">
+                <a:solidFill>
+                  <a:schemeClr val="tx1"/>
+                </a:solidFill>
+                <a:effectLst/>
+                <a:latin typeface="+mn-lt"/>
+                <a:ea typeface="+mn-ea"/>
+                <a:cs typeface="+mn-cs"/>
+              </a:rPr>
+              <a:t>模板 </a:t>
+            </a:r>
+            <a:r>
+              <a:rPr lang="en-US" altLang="zh-CN" sz="1200" b="0" i="0" kern="1200" dirty="0" smtClean="0">
+                <a:solidFill>
+                  <a:schemeClr val="tx1"/>
+                </a:solidFill>
+                <a:effectLst/>
+                <a:latin typeface="+mn-lt"/>
+                <a:ea typeface="+mn-ea"/>
+                <a:cs typeface="+mn-cs"/>
+              </a:rPr>
+              <a:t>--&gt;  </a:t>
+            </a:r>
+            <a:endParaRPr lang="zh-CN" altLang="en-US" sz="1200" b="0" i="0" kern="1200" dirty="0" smtClean="0">
+              <a:solidFill>
+                <a:schemeClr val="tx1"/>
+              </a:solidFill>
+              <a:effectLst/>
+              <a:latin typeface="+mn-lt"/>
+              <a:ea typeface="+mn-ea"/>
+              <a:cs typeface="+mn-cs"/>
+            </a:endParaRPr>
+          </a:p>
+          <a:p>
+            <a:r>
+              <a:rPr lang="en-US" altLang="zh-CN" sz="1200" b="0" i="0" kern="1200" dirty="0" smtClean="0">
+                <a:solidFill>
+                  <a:schemeClr val="tx1"/>
+                </a:solidFill>
+                <a:effectLst/>
+                <a:latin typeface="+mn-lt"/>
+                <a:ea typeface="+mn-ea"/>
+                <a:cs typeface="+mn-cs"/>
+              </a:rPr>
+              <a:t>&lt;bean id="</a:t>
+            </a:r>
+            <a:r>
+              <a:rPr lang="en-US" altLang="zh-CN" sz="1200" b="0" i="0" kern="1200" dirty="0" err="1" smtClean="0">
+                <a:solidFill>
+                  <a:schemeClr val="tx1"/>
+                </a:solidFill>
+                <a:effectLst/>
+                <a:latin typeface="+mn-lt"/>
+                <a:ea typeface="+mn-ea"/>
+                <a:cs typeface="+mn-cs"/>
+              </a:rPr>
+              <a:t>sessionIdCookie</a:t>
+            </a:r>
+            <a:r>
+              <a:rPr lang="en-US" altLang="zh-CN" sz="1200" b="0" i="0" kern="1200" dirty="0" smtClean="0">
+                <a:solidFill>
+                  <a:schemeClr val="tx1"/>
+                </a:solidFill>
+                <a:effectLst/>
+                <a:latin typeface="+mn-lt"/>
+                <a:ea typeface="+mn-ea"/>
+                <a:cs typeface="+mn-cs"/>
+              </a:rPr>
+              <a:t>" </a:t>
+            </a:r>
+            <a:r>
+              <a:rPr lang="en-US" altLang="zh-CN" sz="1200" b="1" i="0" kern="1200" dirty="0" smtClean="0">
+                <a:solidFill>
+                  <a:schemeClr val="tx1"/>
+                </a:solidFill>
+                <a:effectLst/>
+                <a:latin typeface="+mn-lt"/>
+                <a:ea typeface="+mn-ea"/>
+                <a:cs typeface="+mn-cs"/>
+              </a:rPr>
+              <a:t>class</a:t>
+            </a:r>
+            <a:r>
+              <a:rPr lang="en-US" altLang="zh-CN" sz="1200" b="0" i="0" kern="1200" dirty="0" smtClean="0">
+                <a:solidFill>
+                  <a:schemeClr val="tx1"/>
+                </a:solidFill>
+                <a:effectLst/>
+                <a:latin typeface="+mn-lt"/>
+                <a:ea typeface="+mn-ea"/>
+                <a:cs typeface="+mn-cs"/>
+              </a:rPr>
+              <a:t>="</a:t>
+            </a:r>
+            <a:r>
+              <a:rPr lang="en-US" altLang="zh-CN" sz="1200" b="0" i="0" kern="1200" dirty="0" err="1" smtClean="0">
+                <a:solidFill>
+                  <a:schemeClr val="tx1"/>
+                </a:solidFill>
+                <a:effectLst/>
+                <a:latin typeface="+mn-lt"/>
+                <a:ea typeface="+mn-ea"/>
+                <a:cs typeface="+mn-cs"/>
+              </a:rPr>
+              <a:t>org.apache.shiro.web.servlet.SimpleCookie</a:t>
+            </a:r>
+            <a:r>
+              <a:rPr lang="en-US" altLang="zh-CN" sz="1200" b="0" i="0" kern="1200" dirty="0" smtClean="0">
+                <a:solidFill>
+                  <a:schemeClr val="tx1"/>
+                </a:solidFill>
+                <a:effectLst/>
+                <a:latin typeface="+mn-lt"/>
+                <a:ea typeface="+mn-ea"/>
+                <a:cs typeface="+mn-cs"/>
+              </a:rPr>
+              <a:t>"&gt;  </a:t>
+            </a:r>
+          </a:p>
+          <a:p>
+            <a:r>
+              <a:rPr lang="en-US" altLang="zh-CN" sz="1200" b="0" i="0" kern="1200" dirty="0" smtClean="0">
+                <a:solidFill>
+                  <a:schemeClr val="tx1"/>
+                </a:solidFill>
+                <a:effectLst/>
+                <a:latin typeface="+mn-lt"/>
+                <a:ea typeface="+mn-ea"/>
+                <a:cs typeface="+mn-cs"/>
+              </a:rPr>
+              <a:t>    &lt;constructor-</a:t>
+            </a:r>
+            <a:r>
+              <a:rPr lang="en-US" altLang="zh-CN" sz="1200" b="0" i="0" kern="1200" dirty="0" err="1" smtClean="0">
+                <a:solidFill>
+                  <a:schemeClr val="tx1"/>
+                </a:solidFill>
+                <a:effectLst/>
+                <a:latin typeface="+mn-lt"/>
+                <a:ea typeface="+mn-ea"/>
+                <a:cs typeface="+mn-cs"/>
+              </a:rPr>
+              <a:t>arg</a:t>
+            </a:r>
+            <a:r>
+              <a:rPr lang="en-US" altLang="zh-CN" sz="1200" b="0" i="0" kern="1200" dirty="0" smtClean="0">
+                <a:solidFill>
+                  <a:schemeClr val="tx1"/>
+                </a:solidFill>
+                <a:effectLst/>
+                <a:latin typeface="+mn-lt"/>
+                <a:ea typeface="+mn-ea"/>
+                <a:cs typeface="+mn-cs"/>
+              </a:rPr>
+              <a:t> value="</a:t>
+            </a:r>
+            <a:r>
+              <a:rPr lang="en-US" altLang="zh-CN" sz="1200" b="0" i="0" kern="1200" dirty="0" err="1" smtClean="0">
+                <a:solidFill>
+                  <a:schemeClr val="tx1"/>
+                </a:solidFill>
+                <a:effectLst/>
+                <a:latin typeface="+mn-lt"/>
+                <a:ea typeface="+mn-ea"/>
+                <a:cs typeface="+mn-cs"/>
+              </a:rPr>
+              <a:t>sid</a:t>
+            </a:r>
+            <a:r>
+              <a:rPr lang="en-US" altLang="zh-CN" sz="1200" b="0" i="0" kern="1200" dirty="0" smtClean="0">
+                <a:solidFill>
+                  <a:schemeClr val="tx1"/>
+                </a:solidFill>
+                <a:effectLst/>
+                <a:latin typeface="+mn-lt"/>
+                <a:ea typeface="+mn-ea"/>
+                <a:cs typeface="+mn-cs"/>
+              </a:rPr>
+              <a:t>"/&gt;  </a:t>
+            </a:r>
+          </a:p>
+          <a:p>
+            <a:r>
+              <a:rPr lang="en-US" altLang="zh-CN" sz="1200" b="0" i="0" kern="1200" dirty="0" smtClean="0">
+                <a:solidFill>
+                  <a:schemeClr val="tx1"/>
+                </a:solidFill>
+                <a:effectLst/>
+                <a:latin typeface="+mn-lt"/>
+                <a:ea typeface="+mn-ea"/>
+                <a:cs typeface="+mn-cs"/>
+              </a:rPr>
+              <a:t>    &lt;property name="</a:t>
+            </a:r>
+            <a:r>
+              <a:rPr lang="en-US" altLang="zh-CN" sz="1200" b="0" i="0" kern="1200" dirty="0" err="1" smtClean="0">
+                <a:solidFill>
+                  <a:schemeClr val="tx1"/>
+                </a:solidFill>
+                <a:effectLst/>
+                <a:latin typeface="+mn-lt"/>
+                <a:ea typeface="+mn-ea"/>
+                <a:cs typeface="+mn-cs"/>
+              </a:rPr>
+              <a:t>httpOnly</a:t>
+            </a:r>
+            <a:r>
+              <a:rPr lang="en-US" altLang="zh-CN" sz="1200" b="0" i="0" kern="1200" dirty="0" smtClean="0">
+                <a:solidFill>
+                  <a:schemeClr val="tx1"/>
+                </a:solidFill>
+                <a:effectLst/>
+                <a:latin typeface="+mn-lt"/>
+                <a:ea typeface="+mn-ea"/>
+                <a:cs typeface="+mn-cs"/>
+              </a:rPr>
+              <a:t>" value="true"/&gt;  </a:t>
+            </a:r>
+          </a:p>
+          <a:p>
+            <a:r>
+              <a:rPr lang="en-US" altLang="zh-CN" sz="1200" b="0" i="0" kern="1200" dirty="0" smtClean="0">
+                <a:solidFill>
+                  <a:schemeClr val="tx1"/>
+                </a:solidFill>
+                <a:effectLst/>
+                <a:latin typeface="+mn-lt"/>
+                <a:ea typeface="+mn-ea"/>
+                <a:cs typeface="+mn-cs"/>
+              </a:rPr>
+              <a:t>    &lt;property name="</a:t>
+            </a:r>
+            <a:r>
+              <a:rPr lang="en-US" altLang="zh-CN" sz="1200" b="0" i="0" kern="1200" dirty="0" err="1" smtClean="0">
+                <a:solidFill>
+                  <a:schemeClr val="tx1"/>
+                </a:solidFill>
+                <a:effectLst/>
+                <a:latin typeface="+mn-lt"/>
+                <a:ea typeface="+mn-ea"/>
+                <a:cs typeface="+mn-cs"/>
+              </a:rPr>
+              <a:t>maxAge</a:t>
+            </a:r>
+            <a:r>
+              <a:rPr lang="en-US" altLang="zh-CN" sz="1200" b="0" i="0" kern="1200" dirty="0" smtClean="0">
+                <a:solidFill>
+                  <a:schemeClr val="tx1"/>
+                </a:solidFill>
+                <a:effectLst/>
+                <a:latin typeface="+mn-lt"/>
+                <a:ea typeface="+mn-ea"/>
+                <a:cs typeface="+mn-cs"/>
+              </a:rPr>
+              <a:t>" value="-1"/&gt;  </a:t>
+            </a:r>
+          </a:p>
+          <a:p>
+            <a:r>
+              <a:rPr lang="en-US" altLang="zh-CN" sz="1200" b="0" i="0" kern="1200" dirty="0" smtClean="0">
+                <a:solidFill>
+                  <a:schemeClr val="tx1"/>
+                </a:solidFill>
+                <a:effectLst/>
+                <a:latin typeface="+mn-lt"/>
+                <a:ea typeface="+mn-ea"/>
+                <a:cs typeface="+mn-cs"/>
+              </a:rPr>
+              <a:t>&lt;/bean&gt;  </a:t>
+            </a:r>
+          </a:p>
+          <a:p>
+            <a:r>
+              <a:rPr lang="en-US" altLang="zh-CN" sz="1200" b="0" i="0" kern="1200" dirty="0" smtClean="0">
+                <a:solidFill>
+                  <a:schemeClr val="tx1"/>
+                </a:solidFill>
+                <a:effectLst/>
+                <a:latin typeface="+mn-lt"/>
+                <a:ea typeface="+mn-ea"/>
+                <a:cs typeface="+mn-cs"/>
+              </a:rPr>
+              <a:t>&lt;bean id="</a:t>
+            </a:r>
+            <a:r>
+              <a:rPr lang="en-US" altLang="zh-CN" sz="1200" b="0" i="0" kern="1200" dirty="0" err="1" smtClean="0">
+                <a:solidFill>
+                  <a:schemeClr val="tx1"/>
+                </a:solidFill>
+                <a:effectLst/>
+                <a:latin typeface="+mn-lt"/>
+                <a:ea typeface="+mn-ea"/>
+                <a:cs typeface="+mn-cs"/>
+              </a:rPr>
+              <a:t>rememberMeCookie</a:t>
+            </a:r>
+            <a:r>
+              <a:rPr lang="en-US" altLang="zh-CN" sz="1200" b="0" i="0" kern="1200" dirty="0" smtClean="0">
+                <a:solidFill>
+                  <a:schemeClr val="tx1"/>
+                </a:solidFill>
+                <a:effectLst/>
+                <a:latin typeface="+mn-lt"/>
+                <a:ea typeface="+mn-ea"/>
+                <a:cs typeface="+mn-cs"/>
+              </a:rPr>
+              <a:t>" </a:t>
+            </a:r>
+            <a:r>
+              <a:rPr lang="en-US" altLang="zh-CN" sz="1200" b="1" i="0" kern="1200" dirty="0" smtClean="0">
+                <a:solidFill>
+                  <a:schemeClr val="tx1"/>
+                </a:solidFill>
+                <a:effectLst/>
+                <a:latin typeface="+mn-lt"/>
+                <a:ea typeface="+mn-ea"/>
+                <a:cs typeface="+mn-cs"/>
+              </a:rPr>
+              <a:t>class</a:t>
+            </a:r>
+            <a:r>
+              <a:rPr lang="en-US" altLang="zh-CN" sz="1200" b="0" i="0" kern="1200" dirty="0" smtClean="0">
+                <a:solidFill>
+                  <a:schemeClr val="tx1"/>
+                </a:solidFill>
+                <a:effectLst/>
+                <a:latin typeface="+mn-lt"/>
+                <a:ea typeface="+mn-ea"/>
+                <a:cs typeface="+mn-cs"/>
+              </a:rPr>
+              <a:t>="</a:t>
+            </a:r>
+            <a:r>
+              <a:rPr lang="en-US" altLang="zh-CN" sz="1200" b="0" i="0" kern="1200" dirty="0" err="1" smtClean="0">
+                <a:solidFill>
+                  <a:schemeClr val="tx1"/>
+                </a:solidFill>
+                <a:effectLst/>
+                <a:latin typeface="+mn-lt"/>
+                <a:ea typeface="+mn-ea"/>
+                <a:cs typeface="+mn-cs"/>
+              </a:rPr>
+              <a:t>org.apache.shiro.web.servlet.SimpleCookie</a:t>
+            </a:r>
+            <a:r>
+              <a:rPr lang="en-US" altLang="zh-CN" sz="1200" b="0" i="0" kern="1200" dirty="0" smtClean="0">
+                <a:solidFill>
+                  <a:schemeClr val="tx1"/>
+                </a:solidFill>
+                <a:effectLst/>
+                <a:latin typeface="+mn-lt"/>
+                <a:ea typeface="+mn-ea"/>
+                <a:cs typeface="+mn-cs"/>
+              </a:rPr>
+              <a:t>"&gt;  </a:t>
+            </a:r>
+          </a:p>
+          <a:p>
+            <a:r>
+              <a:rPr lang="en-US" altLang="zh-CN" sz="1200" b="0" i="0" kern="1200" dirty="0" smtClean="0">
+                <a:solidFill>
+                  <a:schemeClr val="tx1"/>
+                </a:solidFill>
+                <a:effectLst/>
+                <a:latin typeface="+mn-lt"/>
+                <a:ea typeface="+mn-ea"/>
+                <a:cs typeface="+mn-cs"/>
+              </a:rPr>
+              <a:t>    &lt;constructor-</a:t>
+            </a:r>
+            <a:r>
+              <a:rPr lang="en-US" altLang="zh-CN" sz="1200" b="0" i="0" kern="1200" dirty="0" err="1" smtClean="0">
+                <a:solidFill>
+                  <a:schemeClr val="tx1"/>
+                </a:solidFill>
+                <a:effectLst/>
+                <a:latin typeface="+mn-lt"/>
+                <a:ea typeface="+mn-ea"/>
+                <a:cs typeface="+mn-cs"/>
+              </a:rPr>
+              <a:t>arg</a:t>
+            </a:r>
+            <a:r>
+              <a:rPr lang="en-US" altLang="zh-CN" sz="1200" b="0" i="0" kern="1200" dirty="0" smtClean="0">
+                <a:solidFill>
+                  <a:schemeClr val="tx1"/>
+                </a:solidFill>
+                <a:effectLst/>
+                <a:latin typeface="+mn-lt"/>
+                <a:ea typeface="+mn-ea"/>
+                <a:cs typeface="+mn-cs"/>
+              </a:rPr>
+              <a:t> value="</a:t>
+            </a:r>
+            <a:r>
+              <a:rPr lang="en-US" altLang="zh-CN" sz="1200" b="0" i="0" kern="1200" dirty="0" err="1" smtClean="0">
+                <a:solidFill>
+                  <a:schemeClr val="tx1"/>
+                </a:solidFill>
+                <a:effectLst/>
+                <a:latin typeface="+mn-lt"/>
+                <a:ea typeface="+mn-ea"/>
+                <a:cs typeface="+mn-cs"/>
+              </a:rPr>
+              <a:t>rememberMe</a:t>
+            </a:r>
+            <a:r>
+              <a:rPr lang="en-US" altLang="zh-CN" sz="1200" b="0" i="0" kern="1200" dirty="0" smtClean="0">
+                <a:solidFill>
+                  <a:schemeClr val="tx1"/>
+                </a:solidFill>
+                <a:effectLst/>
+                <a:latin typeface="+mn-lt"/>
+                <a:ea typeface="+mn-ea"/>
+                <a:cs typeface="+mn-cs"/>
+              </a:rPr>
+              <a:t>"/&gt;  </a:t>
+            </a:r>
+          </a:p>
+          <a:p>
+            <a:r>
+              <a:rPr lang="en-US" altLang="zh-CN" sz="1200" b="0" i="0" kern="1200" dirty="0" smtClean="0">
+                <a:solidFill>
+                  <a:schemeClr val="tx1"/>
+                </a:solidFill>
+                <a:effectLst/>
+                <a:latin typeface="+mn-lt"/>
+                <a:ea typeface="+mn-ea"/>
+                <a:cs typeface="+mn-cs"/>
+              </a:rPr>
+              <a:t>    &lt;property name="</a:t>
+            </a:r>
+            <a:r>
+              <a:rPr lang="en-US" altLang="zh-CN" sz="1200" b="0" i="0" kern="1200" dirty="0" err="1" smtClean="0">
+                <a:solidFill>
+                  <a:schemeClr val="tx1"/>
+                </a:solidFill>
+                <a:effectLst/>
+                <a:latin typeface="+mn-lt"/>
+                <a:ea typeface="+mn-ea"/>
+                <a:cs typeface="+mn-cs"/>
+              </a:rPr>
+              <a:t>httpOnly</a:t>
+            </a:r>
+            <a:r>
+              <a:rPr lang="en-US" altLang="zh-CN" sz="1200" b="0" i="0" kern="1200" dirty="0" smtClean="0">
+                <a:solidFill>
+                  <a:schemeClr val="tx1"/>
+                </a:solidFill>
+                <a:effectLst/>
+                <a:latin typeface="+mn-lt"/>
+                <a:ea typeface="+mn-ea"/>
+                <a:cs typeface="+mn-cs"/>
+              </a:rPr>
+              <a:t>" value="true"/&gt;  </a:t>
+            </a:r>
+          </a:p>
+          <a:p>
+            <a:r>
+              <a:rPr lang="en-US" altLang="zh-CN" sz="1200" b="0" i="0" kern="1200" dirty="0" smtClean="0">
+                <a:solidFill>
+                  <a:schemeClr val="tx1"/>
+                </a:solidFill>
+                <a:effectLst/>
+                <a:latin typeface="+mn-lt"/>
+                <a:ea typeface="+mn-ea"/>
+                <a:cs typeface="+mn-cs"/>
+              </a:rPr>
+              <a:t>    &lt;property name="</a:t>
+            </a:r>
+            <a:r>
+              <a:rPr lang="en-US" altLang="zh-CN" sz="1200" b="0" i="0" kern="1200" dirty="0" err="1" smtClean="0">
+                <a:solidFill>
+                  <a:schemeClr val="tx1"/>
+                </a:solidFill>
+                <a:effectLst/>
+                <a:latin typeface="+mn-lt"/>
+                <a:ea typeface="+mn-ea"/>
+                <a:cs typeface="+mn-cs"/>
+              </a:rPr>
+              <a:t>maxAge</a:t>
+            </a:r>
+            <a:r>
+              <a:rPr lang="en-US" altLang="zh-CN" sz="1200" b="0" i="0" kern="1200" dirty="0" smtClean="0">
+                <a:solidFill>
+                  <a:schemeClr val="tx1"/>
+                </a:solidFill>
+                <a:effectLst/>
+                <a:latin typeface="+mn-lt"/>
+                <a:ea typeface="+mn-ea"/>
+                <a:cs typeface="+mn-cs"/>
+              </a:rPr>
+              <a:t>" value="2592000"/&gt;&lt;!-- 30</a:t>
+            </a:r>
+            <a:r>
+              <a:rPr lang="zh-CN" altLang="en-US" sz="1200" b="0" i="0" kern="1200" dirty="0" smtClean="0">
+                <a:solidFill>
+                  <a:schemeClr val="tx1"/>
+                </a:solidFill>
+                <a:effectLst/>
+                <a:latin typeface="+mn-lt"/>
+                <a:ea typeface="+mn-ea"/>
+                <a:cs typeface="+mn-cs"/>
+              </a:rPr>
+              <a:t>天 </a:t>
+            </a:r>
+            <a:r>
+              <a:rPr lang="en-US" altLang="zh-CN" sz="1200" b="0" i="0" kern="1200" dirty="0" smtClean="0">
+                <a:solidFill>
+                  <a:schemeClr val="tx1"/>
+                </a:solidFill>
+                <a:effectLst/>
+                <a:latin typeface="+mn-lt"/>
+                <a:ea typeface="+mn-ea"/>
+                <a:cs typeface="+mn-cs"/>
+              </a:rPr>
+              <a:t>--&gt;  </a:t>
+            </a:r>
+            <a:endParaRPr lang="zh-CN" altLang="en-US" sz="1200" b="0" i="0" kern="1200" dirty="0" smtClean="0">
+              <a:solidFill>
+                <a:schemeClr val="tx1"/>
+              </a:solidFill>
+              <a:effectLst/>
+              <a:latin typeface="+mn-lt"/>
+              <a:ea typeface="+mn-ea"/>
+              <a:cs typeface="+mn-cs"/>
+            </a:endParaRPr>
+          </a:p>
+          <a:p>
+            <a:r>
+              <a:rPr lang="en-US" altLang="zh-CN" sz="1200" b="0" i="0" kern="1200" dirty="0" smtClean="0">
+                <a:solidFill>
+                  <a:schemeClr val="tx1"/>
+                </a:solidFill>
+                <a:effectLst/>
+                <a:latin typeface="+mn-lt"/>
+                <a:ea typeface="+mn-ea"/>
+                <a:cs typeface="+mn-cs"/>
+              </a:rPr>
+              <a:t>&lt;/bean&gt;   </a:t>
+            </a:r>
+          </a:p>
+          <a:p>
+            <a:endParaRPr lang="en-US" altLang="zh-CN" sz="1200" b="0" i="0" kern="1200" dirty="0" smtClean="0">
+              <a:solidFill>
+                <a:schemeClr val="tx1"/>
+              </a:solidFill>
+              <a:effectLst/>
+              <a:latin typeface="+mn-lt"/>
+              <a:ea typeface="+mn-ea"/>
+              <a:cs typeface="+mn-cs"/>
+            </a:endParaRPr>
+          </a:p>
+          <a:p>
+            <a:endParaRPr lang="en-US" altLang="zh-CN" sz="1200" b="0" i="0" kern="1200" dirty="0" smtClean="0">
+              <a:solidFill>
+                <a:schemeClr val="tx1"/>
+              </a:solidFill>
+              <a:effectLst/>
+              <a:latin typeface="+mn-lt"/>
+              <a:ea typeface="+mn-ea"/>
+              <a:cs typeface="+mn-cs"/>
+            </a:endParaRPr>
+          </a:p>
+          <a:p>
+            <a:r>
+              <a:rPr lang="en-US" altLang="zh-CN" sz="1200" b="0" i="0" kern="1200" dirty="0" err="1" smtClean="0">
+                <a:solidFill>
+                  <a:schemeClr val="tx1"/>
+                </a:solidFill>
+                <a:effectLst/>
+                <a:latin typeface="+mn-lt"/>
+                <a:ea typeface="+mn-ea"/>
+                <a:cs typeface="+mn-cs"/>
+              </a:rPr>
+              <a:t>ubject.isAuthenticated</a:t>
+            </a:r>
+            <a:r>
+              <a:rPr lang="en-US" altLang="zh-CN" sz="1200" b="0" i="0" kern="1200" dirty="0" smtClean="0">
+                <a:solidFill>
+                  <a:schemeClr val="tx1"/>
+                </a:solidFill>
+                <a:effectLst/>
+                <a:latin typeface="+mn-lt"/>
+                <a:ea typeface="+mn-ea"/>
+                <a:cs typeface="+mn-cs"/>
+              </a:rPr>
+              <a:t>()</a:t>
+            </a:r>
+            <a:r>
+              <a:rPr lang="zh-CN" altLang="en-US" sz="1200" b="0" i="0" kern="1200" dirty="0" smtClean="0">
+                <a:solidFill>
+                  <a:schemeClr val="tx1"/>
+                </a:solidFill>
+                <a:effectLst/>
+                <a:latin typeface="+mn-lt"/>
+                <a:ea typeface="+mn-ea"/>
+                <a:cs typeface="+mn-cs"/>
+              </a:rPr>
+              <a:t>表示用户进行了身份验证登录的，即使有</a:t>
+            </a:r>
+            <a:r>
+              <a:rPr lang="en-US" altLang="zh-CN" sz="1200" b="0" i="0" kern="1200" dirty="0" err="1" smtClean="0">
+                <a:solidFill>
+                  <a:schemeClr val="tx1"/>
+                </a:solidFill>
+                <a:effectLst/>
+                <a:latin typeface="+mn-lt"/>
+                <a:ea typeface="+mn-ea"/>
+                <a:cs typeface="+mn-cs"/>
+              </a:rPr>
+              <a:t>Subject.login</a:t>
+            </a:r>
+            <a:r>
+              <a:rPr lang="zh-CN" altLang="en-US" sz="1200" b="0" i="0" kern="1200" dirty="0" smtClean="0">
+                <a:solidFill>
+                  <a:schemeClr val="tx1"/>
+                </a:solidFill>
+                <a:effectLst/>
+                <a:latin typeface="+mn-lt"/>
+                <a:ea typeface="+mn-ea"/>
+                <a:cs typeface="+mn-cs"/>
+              </a:rPr>
+              <a:t>进行了登录；</a:t>
+            </a:r>
+            <a:r>
+              <a:rPr lang="en-US" altLang="zh-CN" sz="1200" b="0" i="0" kern="1200" dirty="0" err="1" smtClean="0">
+                <a:solidFill>
+                  <a:schemeClr val="tx1"/>
+                </a:solidFill>
+                <a:effectLst/>
+                <a:latin typeface="+mn-lt"/>
+                <a:ea typeface="+mn-ea"/>
+                <a:cs typeface="+mn-cs"/>
+              </a:rPr>
+              <a:t>subject.isRemembered</a:t>
+            </a:r>
+            <a:r>
+              <a:rPr lang="en-US" altLang="zh-CN" sz="1200" b="0" i="0" kern="1200" dirty="0" smtClean="0">
+                <a:solidFill>
+                  <a:schemeClr val="tx1"/>
+                </a:solidFill>
+                <a:effectLst/>
+                <a:latin typeface="+mn-lt"/>
+                <a:ea typeface="+mn-ea"/>
+                <a:cs typeface="+mn-cs"/>
+              </a:rPr>
+              <a:t>()</a:t>
+            </a:r>
+            <a:r>
+              <a:rPr lang="zh-CN" altLang="en-US" sz="1200" b="0" i="0" kern="1200" dirty="0" smtClean="0">
+                <a:solidFill>
+                  <a:schemeClr val="tx1"/>
+                </a:solidFill>
+                <a:effectLst/>
+                <a:latin typeface="+mn-lt"/>
+                <a:ea typeface="+mn-ea"/>
+                <a:cs typeface="+mn-cs"/>
+              </a:rPr>
+              <a:t>：表示用户是通过记住我登录的，此时可能并不是真正的你（如你的朋友使用你的电脑，或者你的</a:t>
+            </a:r>
+            <a:r>
+              <a:rPr lang="en-US" altLang="zh-CN" sz="1200" b="0" i="0" kern="1200" dirty="0" smtClean="0">
+                <a:solidFill>
+                  <a:schemeClr val="tx1"/>
+                </a:solidFill>
+                <a:effectLst/>
+                <a:latin typeface="+mn-lt"/>
+                <a:ea typeface="+mn-ea"/>
+                <a:cs typeface="+mn-cs"/>
+              </a:rPr>
+              <a:t>cookie</a:t>
+            </a:r>
+            <a:r>
+              <a:rPr lang="zh-CN" altLang="en-US" sz="1200" b="0" i="0" kern="1200" dirty="0" smtClean="0">
+                <a:solidFill>
+                  <a:schemeClr val="tx1"/>
+                </a:solidFill>
+                <a:effectLst/>
+                <a:latin typeface="+mn-lt"/>
+                <a:ea typeface="+mn-ea"/>
+                <a:cs typeface="+mn-cs"/>
+              </a:rPr>
+              <a:t>被窃取）在访问的；且两者二选一，即</a:t>
+            </a:r>
+            <a:r>
+              <a:rPr lang="en-US" altLang="zh-CN" sz="1200" b="0" i="0" kern="1200" dirty="0" err="1" smtClean="0">
+                <a:solidFill>
+                  <a:schemeClr val="tx1"/>
+                </a:solidFill>
+                <a:effectLst/>
+                <a:latin typeface="+mn-lt"/>
+                <a:ea typeface="+mn-ea"/>
+                <a:cs typeface="+mn-cs"/>
+              </a:rPr>
+              <a:t>subject.isAuthenticated</a:t>
+            </a:r>
+            <a:r>
+              <a:rPr lang="en-US" altLang="zh-CN" sz="1200" b="0" i="0" kern="1200" dirty="0" smtClean="0">
+                <a:solidFill>
+                  <a:schemeClr val="tx1"/>
+                </a:solidFill>
+                <a:effectLst/>
+                <a:latin typeface="+mn-lt"/>
+                <a:ea typeface="+mn-ea"/>
+                <a:cs typeface="+mn-cs"/>
+              </a:rPr>
+              <a:t>()==true</a:t>
+            </a:r>
+            <a:r>
+              <a:rPr lang="zh-CN" altLang="en-US" sz="1200" b="0" i="0" kern="1200" dirty="0" smtClean="0">
+                <a:solidFill>
+                  <a:schemeClr val="tx1"/>
+                </a:solidFill>
+                <a:effectLst/>
+                <a:latin typeface="+mn-lt"/>
+                <a:ea typeface="+mn-ea"/>
+                <a:cs typeface="+mn-cs"/>
+              </a:rPr>
+              <a:t>，则</a:t>
+            </a:r>
+            <a:r>
+              <a:rPr lang="en-US" altLang="zh-CN" sz="1200" b="0" i="0" kern="1200" dirty="0" err="1" smtClean="0">
+                <a:solidFill>
+                  <a:schemeClr val="tx1"/>
+                </a:solidFill>
+                <a:effectLst/>
+                <a:latin typeface="+mn-lt"/>
+                <a:ea typeface="+mn-ea"/>
+                <a:cs typeface="+mn-cs"/>
+              </a:rPr>
+              <a:t>subject.isRemembered</a:t>
+            </a:r>
+            <a:r>
+              <a:rPr lang="en-US" altLang="zh-CN" sz="1200" b="0" i="0" kern="1200" dirty="0" smtClean="0">
+                <a:solidFill>
+                  <a:schemeClr val="tx1"/>
+                </a:solidFill>
+                <a:effectLst/>
+                <a:latin typeface="+mn-lt"/>
+                <a:ea typeface="+mn-ea"/>
+                <a:cs typeface="+mn-cs"/>
+              </a:rPr>
+              <a:t>()==false</a:t>
+            </a:r>
+            <a:r>
+              <a:rPr lang="zh-CN" altLang="en-US" sz="1200" b="0" i="0" kern="1200" dirty="0" smtClean="0">
+                <a:solidFill>
+                  <a:schemeClr val="tx1"/>
+                </a:solidFill>
+                <a:effectLst/>
+                <a:latin typeface="+mn-lt"/>
+                <a:ea typeface="+mn-ea"/>
+                <a:cs typeface="+mn-cs"/>
+              </a:rPr>
+              <a:t>；反之一样。</a:t>
+            </a:r>
+          </a:p>
+          <a:p>
+            <a:r>
+              <a:rPr lang="zh-CN" altLang="en-US" sz="1200" b="0" i="0" kern="1200" dirty="0" smtClean="0">
+                <a:solidFill>
+                  <a:schemeClr val="tx1"/>
+                </a:solidFill>
+                <a:effectLst/>
+                <a:latin typeface="+mn-lt"/>
+                <a:ea typeface="+mn-ea"/>
+                <a:cs typeface="+mn-cs"/>
+              </a:rPr>
+              <a:t> </a:t>
+            </a:r>
+          </a:p>
+          <a:p>
+            <a:r>
+              <a:rPr lang="zh-CN" altLang="en-US" sz="1200" b="0" i="0" kern="1200" dirty="0" smtClean="0">
+                <a:solidFill>
+                  <a:schemeClr val="tx1"/>
+                </a:solidFill>
+                <a:effectLst/>
+                <a:latin typeface="+mn-lt"/>
+                <a:ea typeface="+mn-ea"/>
+                <a:cs typeface="+mn-cs"/>
+              </a:rPr>
+              <a:t>另外对于过滤器，一般这样使用：</a:t>
+            </a:r>
+          </a:p>
+          <a:p>
+            <a:r>
+              <a:rPr lang="zh-CN" altLang="en-US" sz="1200" b="1" i="0" kern="1200" dirty="0" smtClean="0">
+                <a:solidFill>
+                  <a:schemeClr val="tx1"/>
+                </a:solidFill>
+                <a:effectLst/>
+                <a:latin typeface="+mn-lt"/>
+                <a:ea typeface="+mn-ea"/>
+                <a:cs typeface="+mn-cs"/>
+              </a:rPr>
+              <a:t>访问一般网页</a:t>
+            </a:r>
+            <a:r>
+              <a:rPr lang="zh-CN" altLang="en-US" sz="1200" b="0" i="0" kern="1200" dirty="0" smtClean="0">
+                <a:solidFill>
+                  <a:schemeClr val="tx1"/>
+                </a:solidFill>
+                <a:effectLst/>
+                <a:latin typeface="+mn-lt"/>
+                <a:ea typeface="+mn-ea"/>
+                <a:cs typeface="+mn-cs"/>
+              </a:rPr>
+              <a:t>，如个人在主页之类的，我们使用</a:t>
+            </a:r>
+            <a:r>
+              <a:rPr lang="en-US" altLang="zh-CN" sz="1200" b="0" i="0" kern="1200" dirty="0" smtClean="0">
+                <a:solidFill>
+                  <a:schemeClr val="tx1"/>
+                </a:solidFill>
+                <a:effectLst/>
+                <a:latin typeface="+mn-lt"/>
+                <a:ea typeface="+mn-ea"/>
+                <a:cs typeface="+mn-cs"/>
+              </a:rPr>
+              <a:t>user</a:t>
+            </a:r>
+            <a:r>
+              <a:rPr lang="zh-CN" altLang="en-US" sz="1200" b="0" i="0" kern="1200" dirty="0" smtClean="0">
+                <a:solidFill>
+                  <a:schemeClr val="tx1"/>
+                </a:solidFill>
+                <a:effectLst/>
+                <a:latin typeface="+mn-lt"/>
+                <a:ea typeface="+mn-ea"/>
+                <a:cs typeface="+mn-cs"/>
+              </a:rPr>
+              <a:t>拦截器即可，</a:t>
+            </a:r>
+            <a:r>
+              <a:rPr lang="en-US" altLang="zh-CN" sz="1200" b="0" i="0" kern="1200" dirty="0" smtClean="0">
+                <a:solidFill>
+                  <a:schemeClr val="tx1"/>
+                </a:solidFill>
+                <a:effectLst/>
+                <a:latin typeface="+mn-lt"/>
+                <a:ea typeface="+mn-ea"/>
+                <a:cs typeface="+mn-cs"/>
+              </a:rPr>
+              <a:t>user</a:t>
+            </a:r>
+            <a:r>
+              <a:rPr lang="zh-CN" altLang="en-US" sz="1200" b="0" i="0" kern="1200" dirty="0" smtClean="0">
+                <a:solidFill>
+                  <a:schemeClr val="tx1"/>
+                </a:solidFill>
+                <a:effectLst/>
+                <a:latin typeface="+mn-lt"/>
+                <a:ea typeface="+mn-ea"/>
+                <a:cs typeface="+mn-cs"/>
+              </a:rPr>
+              <a:t>拦截器只要用户登录</a:t>
+            </a:r>
+            <a:r>
+              <a:rPr lang="en-US" altLang="zh-CN" sz="1200" b="0" i="0" kern="1200" dirty="0" smtClean="0">
+                <a:solidFill>
+                  <a:schemeClr val="tx1"/>
+                </a:solidFill>
+                <a:effectLst/>
+                <a:latin typeface="+mn-lt"/>
+                <a:ea typeface="+mn-ea"/>
+                <a:cs typeface="+mn-cs"/>
+              </a:rPr>
+              <a:t>(</a:t>
+            </a:r>
+            <a:r>
+              <a:rPr lang="en-US" altLang="zh-CN" sz="1200" b="0" i="0" kern="1200" dirty="0" err="1" smtClean="0">
+                <a:solidFill>
+                  <a:schemeClr val="tx1"/>
+                </a:solidFill>
+                <a:effectLst/>
+                <a:latin typeface="+mn-lt"/>
+                <a:ea typeface="+mn-ea"/>
+                <a:cs typeface="+mn-cs"/>
+              </a:rPr>
+              <a:t>isRemembered</a:t>
+            </a:r>
+            <a:r>
+              <a:rPr lang="en-US" altLang="zh-CN" sz="1200" b="0" i="0" kern="1200" dirty="0" smtClean="0">
+                <a:solidFill>
+                  <a:schemeClr val="tx1"/>
+                </a:solidFill>
+                <a:effectLst/>
+                <a:latin typeface="+mn-lt"/>
+                <a:ea typeface="+mn-ea"/>
+                <a:cs typeface="+mn-cs"/>
+              </a:rPr>
+              <a:t>()==true or </a:t>
+            </a:r>
+            <a:r>
+              <a:rPr lang="en-US" altLang="zh-CN" sz="1200" b="0" i="0" kern="1200" dirty="0" err="1" smtClean="0">
+                <a:solidFill>
+                  <a:schemeClr val="tx1"/>
+                </a:solidFill>
+                <a:effectLst/>
+                <a:latin typeface="+mn-lt"/>
+                <a:ea typeface="+mn-ea"/>
+                <a:cs typeface="+mn-cs"/>
+              </a:rPr>
+              <a:t>isAuthenticated</a:t>
+            </a:r>
+            <a:r>
+              <a:rPr lang="en-US" altLang="zh-CN" sz="1200" b="0" i="0" kern="1200" dirty="0" smtClean="0">
+                <a:solidFill>
+                  <a:schemeClr val="tx1"/>
+                </a:solidFill>
+                <a:effectLst/>
+                <a:latin typeface="+mn-lt"/>
+                <a:ea typeface="+mn-ea"/>
+                <a:cs typeface="+mn-cs"/>
+              </a:rPr>
+              <a:t>()==true)</a:t>
+            </a:r>
+            <a:r>
+              <a:rPr lang="zh-CN" altLang="en-US" sz="1200" b="0" i="0" kern="1200" dirty="0" smtClean="0">
+                <a:solidFill>
+                  <a:schemeClr val="tx1"/>
+                </a:solidFill>
+                <a:effectLst/>
+                <a:latin typeface="+mn-lt"/>
+                <a:ea typeface="+mn-ea"/>
+                <a:cs typeface="+mn-cs"/>
+              </a:rPr>
+              <a:t>过即可访问成功；</a:t>
+            </a:r>
+          </a:p>
+          <a:p>
+            <a:r>
+              <a:rPr lang="zh-CN" altLang="en-US" sz="1200" b="1" i="0" kern="1200" dirty="0" smtClean="0">
+                <a:solidFill>
+                  <a:schemeClr val="tx1"/>
+                </a:solidFill>
+                <a:effectLst/>
+                <a:latin typeface="+mn-lt"/>
+                <a:ea typeface="+mn-ea"/>
+                <a:cs typeface="+mn-cs"/>
+              </a:rPr>
+              <a:t>访问特殊网页</a:t>
+            </a:r>
+            <a:r>
+              <a:rPr lang="zh-CN" altLang="en-US" sz="1200" b="0" i="0" kern="1200" dirty="0" smtClean="0">
+                <a:solidFill>
+                  <a:schemeClr val="tx1"/>
+                </a:solidFill>
+                <a:effectLst/>
+                <a:latin typeface="+mn-lt"/>
+                <a:ea typeface="+mn-ea"/>
+                <a:cs typeface="+mn-cs"/>
+              </a:rPr>
+              <a:t>，如我的订单，提交订单页面，我们使用</a:t>
+            </a:r>
+            <a:r>
+              <a:rPr lang="en-US" altLang="zh-CN" sz="1200" b="0" i="0" kern="1200" dirty="0" err="1" smtClean="0">
+                <a:solidFill>
+                  <a:schemeClr val="tx1"/>
+                </a:solidFill>
+                <a:effectLst/>
+                <a:latin typeface="+mn-lt"/>
+                <a:ea typeface="+mn-ea"/>
+                <a:cs typeface="+mn-cs"/>
+              </a:rPr>
+              <a:t>authc</a:t>
+            </a:r>
+            <a:r>
+              <a:rPr lang="zh-CN" altLang="en-US" sz="1200" b="0" i="0" kern="1200" dirty="0" smtClean="0">
+                <a:solidFill>
+                  <a:schemeClr val="tx1"/>
+                </a:solidFill>
+                <a:effectLst/>
+                <a:latin typeface="+mn-lt"/>
+                <a:ea typeface="+mn-ea"/>
+                <a:cs typeface="+mn-cs"/>
+              </a:rPr>
+              <a:t>拦截器即可，</a:t>
+            </a:r>
+            <a:r>
+              <a:rPr lang="en-US" altLang="zh-CN" sz="1200" b="0" i="0" kern="1200" dirty="0" err="1" smtClean="0">
+                <a:solidFill>
+                  <a:schemeClr val="tx1"/>
+                </a:solidFill>
+                <a:effectLst/>
+                <a:latin typeface="+mn-lt"/>
+                <a:ea typeface="+mn-ea"/>
+                <a:cs typeface="+mn-cs"/>
+              </a:rPr>
+              <a:t>authc</a:t>
+            </a:r>
+            <a:r>
+              <a:rPr lang="zh-CN" altLang="en-US" sz="1200" b="0" i="0" kern="1200" dirty="0" smtClean="0">
+                <a:solidFill>
+                  <a:schemeClr val="tx1"/>
+                </a:solidFill>
+                <a:effectLst/>
+                <a:latin typeface="+mn-lt"/>
+                <a:ea typeface="+mn-ea"/>
+                <a:cs typeface="+mn-cs"/>
+              </a:rPr>
+              <a:t>拦截器会判断用户是否是通过</a:t>
+            </a:r>
+            <a:r>
+              <a:rPr lang="en-US" altLang="zh-CN" sz="1200" b="0" i="0" kern="1200" dirty="0" err="1" smtClean="0">
+                <a:solidFill>
+                  <a:schemeClr val="tx1"/>
+                </a:solidFill>
+                <a:effectLst/>
+                <a:latin typeface="+mn-lt"/>
+                <a:ea typeface="+mn-ea"/>
+                <a:cs typeface="+mn-cs"/>
+              </a:rPr>
+              <a:t>Subject.login</a:t>
+            </a:r>
+            <a:r>
+              <a:rPr lang="zh-CN" altLang="en-US" sz="1200" b="0" i="0" kern="1200" dirty="0" smtClean="0">
+                <a:solidFill>
+                  <a:schemeClr val="tx1"/>
+                </a:solidFill>
+                <a:effectLst/>
+                <a:latin typeface="+mn-lt"/>
+                <a:ea typeface="+mn-ea"/>
+                <a:cs typeface="+mn-cs"/>
+              </a:rPr>
+              <a:t>（</a:t>
+            </a:r>
+            <a:r>
+              <a:rPr lang="en-US" altLang="zh-CN" sz="1200" b="0" i="0" kern="1200" dirty="0" err="1" smtClean="0">
+                <a:solidFill>
+                  <a:schemeClr val="tx1"/>
+                </a:solidFill>
+                <a:effectLst/>
+                <a:latin typeface="+mn-lt"/>
+                <a:ea typeface="+mn-ea"/>
+                <a:cs typeface="+mn-cs"/>
+              </a:rPr>
+              <a:t>isAuthenticated</a:t>
+            </a:r>
+            <a:r>
+              <a:rPr lang="en-US" altLang="zh-CN" sz="1200" b="0" i="0" kern="1200" dirty="0" smtClean="0">
+                <a:solidFill>
+                  <a:schemeClr val="tx1"/>
+                </a:solidFill>
+                <a:effectLst/>
+                <a:latin typeface="+mn-lt"/>
+                <a:ea typeface="+mn-ea"/>
+                <a:cs typeface="+mn-cs"/>
+              </a:rPr>
+              <a:t>()==true</a:t>
+            </a:r>
+            <a:r>
+              <a:rPr lang="zh-CN" altLang="en-US" sz="1200" b="0" i="0" kern="1200" dirty="0" smtClean="0">
+                <a:solidFill>
+                  <a:schemeClr val="tx1"/>
+                </a:solidFill>
+                <a:effectLst/>
+                <a:latin typeface="+mn-lt"/>
+                <a:ea typeface="+mn-ea"/>
+                <a:cs typeface="+mn-cs"/>
+              </a:rPr>
+              <a:t>）登录的，如果是才放行，否则会跳转到登录页面叫你重新登录。</a:t>
+            </a:r>
+          </a:p>
+          <a:p>
+            <a:r>
+              <a:rPr lang="zh-CN" altLang="en-US" sz="1200" b="0" i="0" kern="1200" dirty="0" smtClean="0">
+                <a:solidFill>
+                  <a:schemeClr val="tx1"/>
+                </a:solidFill>
+                <a:effectLst/>
+                <a:latin typeface="+mn-lt"/>
+                <a:ea typeface="+mn-ea"/>
+                <a:cs typeface="+mn-cs"/>
+              </a:rPr>
+              <a:t> </a:t>
+            </a:r>
+          </a:p>
+          <a:p>
+            <a:r>
+              <a:rPr lang="zh-CN" altLang="en-US" sz="1200" b="0" i="0" kern="1200" dirty="0" smtClean="0">
+                <a:solidFill>
+                  <a:schemeClr val="tx1"/>
+                </a:solidFill>
+                <a:effectLst/>
+                <a:latin typeface="+mn-lt"/>
+                <a:ea typeface="+mn-ea"/>
+                <a:cs typeface="+mn-cs"/>
+              </a:rPr>
+              <a:t>因此</a:t>
+            </a:r>
+            <a:r>
+              <a:rPr lang="en-US" altLang="zh-CN" sz="1200" b="0" i="0" kern="1200" dirty="0" err="1" smtClean="0">
+                <a:solidFill>
+                  <a:schemeClr val="tx1"/>
+                </a:solidFill>
+                <a:effectLst/>
+                <a:latin typeface="+mn-lt"/>
+                <a:ea typeface="+mn-ea"/>
+                <a:cs typeface="+mn-cs"/>
+              </a:rPr>
+              <a:t>RememberMe</a:t>
+            </a:r>
+            <a:r>
+              <a:rPr lang="zh-CN" altLang="en-US" sz="1200" b="0" i="0" kern="1200" smtClean="0">
+                <a:solidFill>
+                  <a:schemeClr val="tx1"/>
+                </a:solidFill>
+                <a:effectLst/>
+                <a:latin typeface="+mn-lt"/>
+                <a:ea typeface="+mn-ea"/>
+                <a:cs typeface="+mn-cs"/>
+              </a:rPr>
+              <a:t>使用过程中，需要配合相应的拦截器来实现相应的功能，用错了拦截器可能就不能满足你的需求了。</a:t>
+            </a:r>
+          </a:p>
+          <a:p>
+            <a:endParaRPr lang="en-US" altLang="zh-CN" sz="1200" b="0" i="0" kern="1200" smtClean="0">
+              <a:solidFill>
+                <a:schemeClr val="tx1"/>
+              </a:solidFill>
+              <a:effectLst/>
+              <a:latin typeface="+mn-lt"/>
+              <a:ea typeface="+mn-ea"/>
+              <a:cs typeface="+mn-cs"/>
+            </a:endParaRPr>
+          </a:p>
+          <a:p>
+            <a:endParaRPr lang="en-US" altLang="zh-CN" sz="1200" b="0" i="0" kern="1200" dirty="0" smtClean="0">
+              <a:solidFill>
+                <a:schemeClr val="tx1"/>
+              </a:solidFill>
+              <a:effectLst/>
+              <a:latin typeface="+mn-lt"/>
+              <a:ea typeface="+mn-ea"/>
+              <a:cs typeface="+mn-cs"/>
+            </a:endParaRPr>
+          </a:p>
+          <a:p>
+            <a:endParaRPr lang="en-US" altLang="zh-CN" sz="1200" b="0" i="0" kern="1200" dirty="0" smtClean="0">
+              <a:solidFill>
+                <a:schemeClr val="tx1"/>
+              </a:solidFill>
+              <a:effectLst/>
+              <a:latin typeface="+mn-lt"/>
+              <a:ea typeface="+mn-ea"/>
+              <a:cs typeface="+mn-cs"/>
+            </a:endParaRPr>
+          </a:p>
+          <a:p>
+            <a:endParaRPr lang="en-US" altLang="zh-CN" sz="1200" b="0" i="0" kern="1200" dirty="0" smtClean="0">
+              <a:solidFill>
+                <a:schemeClr val="tx1"/>
+              </a:solidFill>
+              <a:effectLst/>
+              <a:latin typeface="+mn-lt"/>
+              <a:ea typeface="+mn-ea"/>
+              <a:cs typeface="+mn-cs"/>
+            </a:endParaRPr>
+          </a:p>
+          <a:p>
+            <a:endParaRPr lang="zh-CN" altLang="en-US" sz="1200" b="0" i="0" kern="1200" dirty="0">
+              <a:solidFill>
+                <a:schemeClr val="tx1"/>
+              </a:solidFill>
+              <a:effectLst/>
+              <a:latin typeface="+mn-lt"/>
+              <a:ea typeface="+mn-ea"/>
+              <a:cs typeface="+mn-cs"/>
+            </a:endParaRPr>
           </a:p>
         </p:txBody>
       </p:sp>
@@ -6674,7 +8758,7 @@
     </p:spTree>
     <p:extLst>
       <p:ext uri="{BB962C8B-B14F-4D97-AF65-F5344CB8AC3E}">
-        <p14:creationId xmlns:p14="http://schemas.microsoft.com/office/powerpoint/2010/main" val="3834375670"/>
+        <p14:creationId xmlns:p14="http://schemas.microsoft.com/office/powerpoint/2010/main" val="97000029"/>
       </p:ext>
     </p:extLst>
   </p:cSld>
@@ -6749,7 +8833,7 @@
           <a:p>
             <a:fld id="{88CC90C7-1FED-594F-8ABD-3A84BE69A2A0}" type="slidenum">
               <a:rPr kumimoji="1" lang="zh-CN" altLang="en-US" smtClean="0"/>
-              <a:t>23</a:t>
+              <a:t>21</a:t>
             </a:fld>
             <a:endParaRPr kumimoji="1" lang="zh-CN" altLang="en-US"/>
           </a:p>
@@ -6758,7 +8842,7 @@
     </p:spTree>
     <p:extLst>
       <p:ext uri="{BB962C8B-B14F-4D97-AF65-F5344CB8AC3E}">
-        <p14:creationId xmlns:p14="http://schemas.microsoft.com/office/powerpoint/2010/main" val="3654609923"/>
+        <p14:creationId xmlns:p14="http://schemas.microsoft.com/office/powerpoint/2010/main" val="3320545149"/>
       </p:ext>
     </p:extLst>
   </p:cSld>
@@ -6833,7 +8917,7 @@
           <a:p>
             <a:fld id="{88CC90C7-1FED-594F-8ABD-3A84BE69A2A0}" type="slidenum">
               <a:rPr kumimoji="1" lang="zh-CN" altLang="en-US" smtClean="0"/>
-              <a:t>24</a:t>
+              <a:t>22</a:t>
             </a:fld>
             <a:endParaRPr kumimoji="1" lang="zh-CN" altLang="en-US"/>
           </a:p>
@@ -6842,7 +8926,7 @@
     </p:spTree>
     <p:extLst>
       <p:ext uri="{BB962C8B-B14F-4D97-AF65-F5344CB8AC3E}">
-        <p14:creationId xmlns:p14="http://schemas.microsoft.com/office/powerpoint/2010/main" val="1252759003"/>
+        <p14:creationId xmlns:p14="http://schemas.microsoft.com/office/powerpoint/2010/main" val="3834375670"/>
       </p:ext>
     </p:extLst>
   </p:cSld>
@@ -6926,7 +9010,7 @@
     </p:spTree>
     <p:extLst>
       <p:ext uri="{BB962C8B-B14F-4D97-AF65-F5344CB8AC3E}">
-        <p14:creationId xmlns:p14="http://schemas.microsoft.com/office/powerpoint/2010/main" val="3259718569"/>
+        <p14:creationId xmlns:p14="http://schemas.microsoft.com/office/powerpoint/2010/main" val="3654609923"/>
       </p:ext>
     </p:extLst>
   </p:cSld>
@@ -7002,6 +9086,174 @@
             <a:fld id="{88CC90C7-1FED-594F-8ABD-3A84BE69A2A0}" type="slidenum">
               <a:rPr kumimoji="1" lang="zh-CN" altLang="en-US" smtClean="0"/>
               <a:t>26</a:t>
+            </a:fld>
+            <a:endParaRPr kumimoji="1" lang="zh-CN" altLang="en-US"/>
+          </a:p>
+        </p:txBody>
+      </p:sp>
+    </p:spTree>
+    <p:extLst>
+      <p:ext uri="{BB962C8B-B14F-4D97-AF65-F5344CB8AC3E}">
+        <p14:creationId xmlns:p14="http://schemas.microsoft.com/office/powerpoint/2010/main" val="1252759003"/>
+      </p:ext>
+    </p:extLst>
+  </p:cSld>
+  <p:clrMapOvr>
+    <a:masterClrMapping/>
+  </p:clrMapOvr>
+</p:notes>
+</file>
+
+<file path=ppt/notesSlides/notesSlide25.xml><?xml version="1.0" encoding="utf-8"?>
+<p:notes xmlns:a="http://schemas.openxmlformats.org/drawingml/2006/main" xmlns:r="http://schemas.openxmlformats.org/officeDocument/2006/relationships" xmlns:p="http://schemas.openxmlformats.org/presentationml/2006/main">
+  <p:cSld>
+    <p:spTree>
+      <p:nvGrpSpPr>
+        <p:cNvPr id="1" name=""/>
+        <p:cNvGrpSpPr/>
+        <p:nvPr/>
+      </p:nvGrpSpPr>
+      <p:grpSpPr>
+        <a:xfrm>
+          <a:off x="0" y="0"/>
+          <a:ext cx="0" cy="0"/>
+          <a:chOff x="0" y="0"/>
+          <a:chExt cx="0" cy="0"/>
+        </a:xfrm>
+      </p:grpSpPr>
+      <p:sp>
+        <p:nvSpPr>
+          <p:cNvPr id="2" name="幻灯片图像占位符 1"/>
+          <p:cNvSpPr>
+            <a:spLocks noGrp="1" noRot="1" noChangeAspect="1"/>
+          </p:cNvSpPr>
+          <p:nvPr>
+            <p:ph type="sldImg"/>
+          </p:nvPr>
+        </p:nvSpPr>
+        <p:spPr/>
+      </p:sp>
+      <p:sp>
+        <p:nvSpPr>
+          <p:cNvPr id="3" name="备注占位符 2"/>
+          <p:cNvSpPr>
+            <a:spLocks noGrp="1"/>
+          </p:cNvSpPr>
+          <p:nvPr>
+            <p:ph type="body" idx="1"/>
+          </p:nvPr>
+        </p:nvSpPr>
+        <p:spPr/>
+        <p:txBody>
+          <a:bodyPr/>
+          <a:lstStyle/>
+          <a:p>
+            <a:endParaRPr lang="zh-CN" altLang="en-US" dirty="0"/>
+          </a:p>
+        </p:txBody>
+      </p:sp>
+      <p:sp>
+        <p:nvSpPr>
+          <p:cNvPr id="4" name="灯片编号占位符 3"/>
+          <p:cNvSpPr>
+            <a:spLocks noGrp="1"/>
+          </p:cNvSpPr>
+          <p:nvPr>
+            <p:ph type="sldNum" sz="quarter" idx="10"/>
+          </p:nvPr>
+        </p:nvSpPr>
+        <p:spPr/>
+        <p:txBody>
+          <a:bodyPr/>
+          <a:lstStyle/>
+          <a:p>
+            <a:fld id="{88CC90C7-1FED-594F-8ABD-3A84BE69A2A0}" type="slidenum">
+              <a:rPr kumimoji="1" lang="zh-CN" altLang="en-US" smtClean="0"/>
+              <a:t>27</a:t>
+            </a:fld>
+            <a:endParaRPr kumimoji="1" lang="zh-CN" altLang="en-US"/>
+          </a:p>
+        </p:txBody>
+      </p:sp>
+    </p:spTree>
+    <p:extLst>
+      <p:ext uri="{BB962C8B-B14F-4D97-AF65-F5344CB8AC3E}">
+        <p14:creationId xmlns:p14="http://schemas.microsoft.com/office/powerpoint/2010/main" val="3259718569"/>
+      </p:ext>
+    </p:extLst>
+  </p:cSld>
+  <p:clrMapOvr>
+    <a:masterClrMapping/>
+  </p:clrMapOvr>
+</p:notes>
+</file>
+
+<file path=ppt/notesSlides/notesSlide26.xml><?xml version="1.0" encoding="utf-8"?>
+<p:notes xmlns:a="http://schemas.openxmlformats.org/drawingml/2006/main" xmlns:r="http://schemas.openxmlformats.org/officeDocument/2006/relationships" xmlns:p="http://schemas.openxmlformats.org/presentationml/2006/main">
+  <p:cSld>
+    <p:spTree>
+      <p:nvGrpSpPr>
+        <p:cNvPr id="1" name=""/>
+        <p:cNvGrpSpPr/>
+        <p:nvPr/>
+      </p:nvGrpSpPr>
+      <p:grpSpPr>
+        <a:xfrm>
+          <a:off x="0" y="0"/>
+          <a:ext cx="0" cy="0"/>
+          <a:chOff x="0" y="0"/>
+          <a:chExt cx="0" cy="0"/>
+        </a:xfrm>
+      </p:grpSpPr>
+      <p:sp>
+        <p:nvSpPr>
+          <p:cNvPr id="2" name="幻灯片图像占位符 1"/>
+          <p:cNvSpPr>
+            <a:spLocks noGrp="1" noRot="1" noChangeAspect="1"/>
+          </p:cNvSpPr>
+          <p:nvPr>
+            <p:ph type="sldImg"/>
+          </p:nvPr>
+        </p:nvSpPr>
+        <p:spPr/>
+      </p:sp>
+      <p:sp>
+        <p:nvSpPr>
+          <p:cNvPr id="3" name="备注占位符 2"/>
+          <p:cNvSpPr>
+            <a:spLocks noGrp="1"/>
+          </p:cNvSpPr>
+          <p:nvPr>
+            <p:ph type="body" idx="1"/>
+          </p:nvPr>
+        </p:nvSpPr>
+        <p:spPr/>
+        <p:txBody>
+          <a:bodyPr/>
+          <a:lstStyle/>
+          <a:p>
+            <a:endParaRPr lang="zh-CN" altLang="en-US" dirty="0"/>
+          </a:p>
+        </p:txBody>
+      </p:sp>
+      <p:sp>
+        <p:nvSpPr>
+          <p:cNvPr id="4" name="灯片编号占位符 3"/>
+          <p:cNvSpPr>
+            <a:spLocks noGrp="1"/>
+          </p:cNvSpPr>
+          <p:nvPr>
+            <p:ph type="sldNum" sz="quarter" idx="10"/>
+          </p:nvPr>
+        </p:nvSpPr>
+        <p:spPr/>
+        <p:txBody>
+          <a:bodyPr/>
+          <a:lstStyle/>
+          <a:p>
+            <a:fld id="{88CC90C7-1FED-594F-8ABD-3A84BE69A2A0}" type="slidenum">
+              <a:rPr kumimoji="1" lang="zh-CN" altLang="en-US" smtClean="0"/>
+              <a:t>28</a:t>
             </a:fld>
             <a:endParaRPr kumimoji="1" lang="zh-CN" altLang="en-US"/>
           </a:p>
@@ -9697,7 +11949,7 @@
             <a:fld id="{530820CF-B880-4189-942D-D702A7CBA730}" type="datetimeFigureOut">
               <a:rPr lang="zh-CN" altLang="en-US" smtClean="0"/>
               <a:pPr/>
-              <a:t>2018/5/15</a:t>
+              <a:t>2018/5/16</a:t>
             </a:fld>
             <a:endParaRPr lang="zh-CN" altLang="en-US"/>
           </a:p>
@@ -12848,14 +15100,14 @@
       </p:grpSpPr>
       <p:sp>
         <p:nvSpPr>
-          <p:cNvPr id="2" name="文本框 1"/>
+          <p:cNvPr id="2" name="TextBox 1"/>
           <p:cNvSpPr txBox="1"/>
           <p:nvPr/>
         </p:nvSpPr>
         <p:spPr>
           <a:xfrm>
-            <a:off x="1818308" y="935831"/>
-            <a:ext cx="4464496" cy="2862322"/>
+            <a:off x="810196" y="575791"/>
+            <a:ext cx="5688632" cy="369332"/>
           </a:xfrm>
           <a:prstGeom prst="rect">
             <a:avLst/>
@@ -12869,106 +15121,123 @@
           <a:lstStyle/>
           <a:p>
             <a:r>
+              <a:rPr lang="zh-CN" altLang="en-US" b="1" dirty="0"/>
+              <a:t>缓存</a:t>
+            </a:r>
+            <a:endParaRPr lang="zh-CN" altLang="en-US" b="1" dirty="0"/>
+          </a:p>
+        </p:txBody>
+      </p:sp>
+      <p:sp>
+        <p:nvSpPr>
+          <p:cNvPr id="3" name="矩形 2"/>
+          <p:cNvSpPr/>
+          <p:nvPr/>
+        </p:nvSpPr>
+        <p:spPr>
+          <a:xfrm>
+            <a:off x="810196" y="1223863"/>
+            <a:ext cx="5346700" cy="923330"/>
+          </a:xfrm>
+          <a:prstGeom prst="rect">
+            <a:avLst/>
+          </a:prstGeom>
+        </p:spPr>
+        <p:txBody>
+          <a:bodyPr>
+            <a:spAutoFit/>
+          </a:bodyPr>
+          <a:lstStyle/>
+          <a:p>
+            <a:r>
               <a:rPr lang="en-US" altLang="zh-CN" dirty="0" smtClean="0"/>
-              <a:t>1.CasRealm</a:t>
-            </a:r>
-            <a:r>
-              <a:rPr lang="zh-CN" altLang="en-US" dirty="0" smtClean="0"/>
-              <a:t>已经被废弃了，推荐使用</a:t>
+              <a:t>Cache</a:t>
+            </a:r>
+          </a:p>
+          <a:p>
+            <a:r>
+              <a:rPr lang="en-US" altLang="zh-CN" dirty="0" err="1" smtClean="0"/>
+              <a:t>CacheManager</a:t>
             </a:r>
             <a:endParaRPr lang="en-US" altLang="zh-CN" dirty="0" smtClean="0"/>
           </a:p>
           <a:p>
             <a:r>
-              <a:rPr lang="en-US" altLang="zh-CN" dirty="0">
-                <a:hlinkClick r:id="rId3"/>
-              </a:rPr>
-              <a:t>https://</a:t>
-            </a:r>
-            <a:r>
-              <a:rPr lang="en-US" altLang="zh-CN" dirty="0" smtClean="0">
-                <a:hlinkClick r:id="rId3"/>
-              </a:rPr>
-              <a:t>github.com/bujiio/buji-pac4j</a:t>
-            </a:r>
-            <a:endParaRPr lang="en-US" altLang="zh-CN" dirty="0" smtClean="0"/>
+              <a:rPr lang="en-US" altLang="zh-CN" b="1" dirty="0" err="1"/>
+              <a:t>CacheManagerAware</a:t>
+            </a:r>
+            <a:endParaRPr lang="zh-CN" altLang="en-US" dirty="0"/>
           </a:p>
+        </p:txBody>
+      </p:sp>
+      <p:sp>
+        <p:nvSpPr>
+          <p:cNvPr id="5" name="矩形 4"/>
+          <p:cNvSpPr/>
+          <p:nvPr/>
+        </p:nvSpPr>
+        <p:spPr>
+          <a:xfrm>
+            <a:off x="1098228" y="4320207"/>
+            <a:ext cx="1359668" cy="369332"/>
+          </a:xfrm>
+          <a:prstGeom prst="rect">
+            <a:avLst/>
+          </a:prstGeom>
+        </p:spPr>
+        <p:txBody>
+          <a:bodyPr wrap="none">
+            <a:spAutoFit/>
+          </a:bodyPr>
+          <a:lstStyle/>
           <a:p>
             <a:r>
-              <a:rPr lang="en-US" altLang="zh-CN" dirty="0" smtClean="0"/>
-              <a:t>2.</a:t>
-            </a:r>
-            <a:r>
-              <a:rPr lang="zh-CN" altLang="en-US" dirty="0" smtClean="0"/>
-              <a:t>自己编写的</a:t>
-            </a:r>
-            <a:r>
-              <a:rPr lang="en-US" altLang="zh-CN" dirty="0" err="1" smtClean="0"/>
-              <a:t>MemSessionDAO</a:t>
-            </a:r>
-            <a:r>
-              <a:rPr lang="zh-CN" altLang="en-US" dirty="0" smtClean="0"/>
-              <a:t>没有意义</a:t>
-            </a:r>
-            <a:endParaRPr lang="en-US" altLang="zh-CN" dirty="0" smtClean="0"/>
+              <a:rPr lang="en-US" altLang="zh-CN" b="1" dirty="0"/>
+              <a:t>Session</a:t>
+            </a:r>
+            <a:r>
+              <a:rPr lang="zh-CN" altLang="en-US" b="1" dirty="0"/>
+              <a:t>缓存</a:t>
+            </a:r>
           </a:p>
+        </p:txBody>
+      </p:sp>
+      <p:sp>
+        <p:nvSpPr>
+          <p:cNvPr id="6" name="矩形 5"/>
+          <p:cNvSpPr/>
+          <p:nvPr/>
+        </p:nvSpPr>
+        <p:spPr>
+          <a:xfrm>
+            <a:off x="810196" y="2294691"/>
+            <a:ext cx="1248868" cy="369332"/>
+          </a:xfrm>
+          <a:prstGeom prst="rect">
+            <a:avLst/>
+          </a:prstGeom>
+        </p:spPr>
+        <p:txBody>
+          <a:bodyPr wrap="none">
+            <a:spAutoFit/>
+          </a:bodyPr>
+          <a:lstStyle/>
           <a:p>
             <a:r>
-              <a:rPr lang="en-US" altLang="zh-CN" dirty="0" smtClean="0"/>
-              <a:t>3.Authc</a:t>
-            </a:r>
-            <a:r>
-              <a:rPr lang="zh-CN" altLang="en-US" dirty="0" smtClean="0"/>
-              <a:t>拦截器实现有问题</a:t>
-            </a:r>
-            <a:endParaRPr lang="en-US" altLang="zh-CN" dirty="0" smtClean="0"/>
-          </a:p>
-          <a:p>
-            <a:r>
-              <a:rPr lang="en-US" altLang="zh-CN" dirty="0" smtClean="0"/>
-              <a:t>3</a:t>
-            </a:r>
-            <a:r>
-              <a:rPr lang="en-US" altLang="zh-CN" dirty="0"/>
-              <a:t>. /** = </a:t>
-            </a:r>
-            <a:r>
-              <a:rPr lang="en-US" altLang="zh-CN" dirty="0" err="1" smtClean="0"/>
-              <a:t>authc,role</a:t>
-            </a:r>
-            <a:r>
-              <a:rPr lang="en-US" altLang="zh-CN" dirty="0" smtClean="0"/>
-              <a:t>[DEFAULT_USER_ROLE]</a:t>
-            </a:r>
-            <a:r>
-              <a:rPr lang="zh-CN" altLang="en-US" dirty="0" smtClean="0"/>
-              <a:t>配置不科学</a:t>
-            </a:r>
-            <a:endParaRPr lang="en-US" altLang="zh-CN" dirty="0" smtClean="0"/>
-          </a:p>
-          <a:p>
-            <a:r>
-              <a:rPr lang="en-US" altLang="zh-CN" dirty="0" smtClean="0"/>
-              <a:t>5.</a:t>
-            </a:r>
-            <a:r>
-              <a:rPr lang="zh-CN" altLang="en-US" smtClean="0"/>
-              <a:t>没有会话调度器，外网产品会导致会话不被删除</a:t>
-            </a:r>
-            <a:endParaRPr lang="en-US" altLang="zh-CN" dirty="0" smtClean="0"/>
-          </a:p>
-          <a:p>
-            <a:endParaRPr lang="en-US" altLang="zh-CN" dirty="0" smtClean="0"/>
-          </a:p>
-          <a:p>
-            <a:endParaRPr lang="zh-CN" altLang="en-US" dirty="0"/>
+              <a:rPr lang="en-US" altLang="zh-CN" b="1" dirty="0"/>
+              <a:t>Realm</a:t>
+            </a:r>
+            <a:r>
+              <a:rPr lang="zh-CN" altLang="en-US" b="1" dirty="0"/>
+              <a:t>缓存</a:t>
+            </a:r>
           </a:p>
         </p:txBody>
       </p:sp>
     </p:spTree>
     <p:extLst>
       <p:ext uri="{BB962C8B-B14F-4D97-AF65-F5344CB8AC3E}">
-        <p14:creationId xmlns:p14="http://schemas.microsoft.com/office/powerpoint/2010/main" val="2495283129"/>
+        <p14:creationId xmlns:p14="http://schemas.microsoft.com/office/powerpoint/2010/main" val="2240096231"/>
       </p:ext>
     </p:extLst>
   </p:cSld>
@@ -13100,6 +15369,290 @@
       </p:grpSpPr>
       <p:sp>
         <p:nvSpPr>
+          <p:cNvPr id="2" name="TextBox 1"/>
+          <p:cNvSpPr txBox="1"/>
+          <p:nvPr/>
+        </p:nvSpPr>
+        <p:spPr>
+          <a:xfrm>
+            <a:off x="810196" y="575791"/>
+            <a:ext cx="5688632" cy="369332"/>
+          </a:xfrm>
+          <a:prstGeom prst="rect">
+            <a:avLst/>
+          </a:prstGeom>
+          <a:noFill/>
+        </p:spPr>
+        <p:txBody>
+          <a:bodyPr wrap="square" rtlCol="0">
+            <a:spAutoFit/>
+          </a:bodyPr>
+          <a:lstStyle/>
+          <a:p>
+            <a:r>
+              <a:rPr lang="en-US" altLang="zh-CN" b="1" dirty="0" err="1" smtClean="0"/>
+              <a:t>RememberMe</a:t>
+            </a:r>
+            <a:endParaRPr lang="zh-CN" altLang="en-US" b="1" dirty="0"/>
+          </a:p>
+        </p:txBody>
+      </p:sp>
+      <p:sp>
+        <p:nvSpPr>
+          <p:cNvPr id="3" name="矩形 2"/>
+          <p:cNvSpPr/>
+          <p:nvPr/>
+        </p:nvSpPr>
+        <p:spPr>
+          <a:xfrm>
+            <a:off x="810196" y="1223863"/>
+            <a:ext cx="5346700" cy="646331"/>
+          </a:xfrm>
+          <a:prstGeom prst="rect">
+            <a:avLst/>
+          </a:prstGeom>
+        </p:spPr>
+        <p:txBody>
+          <a:bodyPr>
+            <a:spAutoFit/>
+          </a:bodyPr>
+          <a:lstStyle/>
+          <a:p>
+            <a:r>
+              <a:rPr lang="en-US" altLang="zh-CN" dirty="0" err="1">
+                <a:solidFill>
+                  <a:srgbClr val="000000"/>
+                </a:solidFill>
+                <a:latin typeface="Helvetica" panose="020B0604020202020204" pitchFamily="34" charset="0"/>
+              </a:rPr>
+              <a:t>sessionValidationScheduler</a:t>
+            </a:r>
+            <a:r>
+              <a:rPr lang="zh-CN" altLang="en-US" dirty="0">
+                <a:solidFill>
+                  <a:srgbClr val="000000"/>
+                </a:solidFill>
+                <a:latin typeface="Helvetica" panose="020B0604020202020204" pitchFamily="34" charset="0"/>
+              </a:rPr>
+              <a:t>：会话验证调度器，</a:t>
+            </a:r>
+            <a:r>
+              <a:rPr lang="en-US" altLang="zh-CN" dirty="0" err="1">
+                <a:solidFill>
+                  <a:srgbClr val="000000"/>
+                </a:solidFill>
+                <a:latin typeface="Helvetica" panose="020B0604020202020204" pitchFamily="34" charset="0"/>
+              </a:rPr>
+              <a:t>sessionManager</a:t>
+            </a:r>
+            <a:r>
+              <a:rPr lang="zh-CN" altLang="en-US" dirty="0">
+                <a:solidFill>
+                  <a:srgbClr val="000000"/>
+                </a:solidFill>
+                <a:latin typeface="Helvetica" panose="020B0604020202020204" pitchFamily="34" charset="0"/>
+              </a:rPr>
+              <a:t>默认就是使用</a:t>
+            </a:r>
+            <a:endParaRPr lang="zh-CN" altLang="en-US" dirty="0"/>
+          </a:p>
+        </p:txBody>
+      </p:sp>
+    </p:spTree>
+    <p:extLst>
+      <p:ext uri="{BB962C8B-B14F-4D97-AF65-F5344CB8AC3E}">
+        <p14:creationId xmlns:p14="http://schemas.microsoft.com/office/powerpoint/2010/main" val="2240096231"/>
+      </p:ext>
+    </p:extLst>
+  </p:cSld>
+  <p:clrMapOvr>
+    <a:masterClrMapping/>
+  </p:clrMapOvr>
+  <p:timing>
+    <p:tnLst>
+      <p:par>
+        <p:cTn id="1" dur="indefinite" restart="never" nodeType="tmRoot"/>
+      </p:par>
+    </p:tnLst>
+  </p:timing>
+</p:sld>
+</file>
+
+<file path=ppt/slides/slide21.xml><?xml version="1.0" encoding="utf-8"?>
+<p:sld xmlns:a="http://schemas.openxmlformats.org/drawingml/2006/main" xmlns:r="http://schemas.openxmlformats.org/officeDocument/2006/relationships" xmlns:p="http://schemas.openxmlformats.org/presentationml/2006/main">
+  <p:cSld>
+    <p:spTree>
+      <p:nvGrpSpPr>
+        <p:cNvPr id="1" name=""/>
+        <p:cNvGrpSpPr/>
+        <p:nvPr/>
+      </p:nvGrpSpPr>
+      <p:grpSpPr>
+        <a:xfrm>
+          <a:off x="0" y="0"/>
+          <a:ext cx="0" cy="0"/>
+          <a:chOff x="0" y="0"/>
+          <a:chExt cx="0" cy="0"/>
+        </a:xfrm>
+      </p:grpSpPr>
+      <p:sp>
+        <p:nvSpPr>
+          <p:cNvPr id="2" name="文本框 1"/>
+          <p:cNvSpPr txBox="1"/>
+          <p:nvPr/>
+        </p:nvSpPr>
+        <p:spPr>
+          <a:xfrm>
+            <a:off x="1818308" y="935831"/>
+            <a:ext cx="4464496" cy="2862322"/>
+          </a:xfrm>
+          <a:prstGeom prst="rect">
+            <a:avLst/>
+          </a:prstGeom>
+          <a:noFill/>
+        </p:spPr>
+        <p:txBody>
+          <a:bodyPr wrap="square" rtlCol="0">
+            <a:spAutoFit/>
+          </a:bodyPr>
+          <a:lstStyle/>
+          <a:p>
+            <a:r>
+              <a:rPr lang="en-US" altLang="zh-CN" dirty="0" smtClean="0"/>
+              <a:t>1.CasRealm</a:t>
+            </a:r>
+            <a:r>
+              <a:rPr lang="zh-CN" altLang="en-US" dirty="0" smtClean="0"/>
+              <a:t>已经被废弃了，推荐使用</a:t>
+            </a:r>
+            <a:endParaRPr lang="en-US" altLang="zh-CN" dirty="0" smtClean="0"/>
+          </a:p>
+          <a:p>
+            <a:r>
+              <a:rPr lang="en-US" altLang="zh-CN" dirty="0">
+                <a:hlinkClick r:id="rId3"/>
+              </a:rPr>
+              <a:t>https://</a:t>
+            </a:r>
+            <a:r>
+              <a:rPr lang="en-US" altLang="zh-CN" dirty="0" smtClean="0">
+                <a:hlinkClick r:id="rId3"/>
+              </a:rPr>
+              <a:t>github.com/bujiio/buji-pac4j</a:t>
+            </a:r>
+            <a:endParaRPr lang="en-US" altLang="zh-CN" dirty="0" smtClean="0"/>
+          </a:p>
+          <a:p>
+            <a:r>
+              <a:rPr lang="en-US" altLang="zh-CN" dirty="0" smtClean="0"/>
+              <a:t>2.</a:t>
+            </a:r>
+            <a:r>
+              <a:rPr lang="zh-CN" altLang="en-US" dirty="0" smtClean="0"/>
+              <a:t>自己编写的</a:t>
+            </a:r>
+            <a:r>
+              <a:rPr lang="en-US" altLang="zh-CN" dirty="0" err="1" smtClean="0"/>
+              <a:t>MemSessionDAO</a:t>
+            </a:r>
+            <a:r>
+              <a:rPr lang="zh-CN" altLang="en-US" dirty="0" smtClean="0"/>
+              <a:t>没有意义</a:t>
+            </a:r>
+            <a:endParaRPr lang="en-US" altLang="zh-CN" dirty="0" smtClean="0"/>
+          </a:p>
+          <a:p>
+            <a:r>
+              <a:rPr lang="en-US" altLang="zh-CN" dirty="0" smtClean="0"/>
+              <a:t>3.Authc</a:t>
+            </a:r>
+            <a:r>
+              <a:rPr lang="zh-CN" altLang="en-US" dirty="0" smtClean="0"/>
+              <a:t>拦截器实现有问题</a:t>
+            </a:r>
+            <a:endParaRPr lang="en-US" altLang="zh-CN" dirty="0" smtClean="0"/>
+          </a:p>
+          <a:p>
+            <a:r>
+              <a:rPr lang="en-US" altLang="zh-CN" dirty="0" smtClean="0"/>
+              <a:t>3</a:t>
+            </a:r>
+            <a:r>
+              <a:rPr lang="en-US" altLang="zh-CN" dirty="0"/>
+              <a:t>. /** = </a:t>
+            </a:r>
+            <a:r>
+              <a:rPr lang="en-US" altLang="zh-CN" dirty="0" err="1" smtClean="0"/>
+              <a:t>authc,role</a:t>
+            </a:r>
+            <a:r>
+              <a:rPr lang="en-US" altLang="zh-CN" dirty="0" smtClean="0"/>
+              <a:t>[DEFAULT_USER_ROLE]</a:t>
+            </a:r>
+            <a:r>
+              <a:rPr lang="zh-CN" altLang="en-US" dirty="0" smtClean="0"/>
+              <a:t>配置不科学</a:t>
+            </a:r>
+            <a:endParaRPr lang="en-US" altLang="zh-CN" dirty="0" smtClean="0"/>
+          </a:p>
+          <a:p>
+            <a:r>
+              <a:rPr lang="en-US" altLang="zh-CN" dirty="0" smtClean="0"/>
+              <a:t>5.</a:t>
+            </a:r>
+            <a:r>
+              <a:rPr lang="zh-CN" altLang="en-US" smtClean="0"/>
+              <a:t>没有会话调度器，外网产品会导致会话不被删除</a:t>
+            </a:r>
+            <a:endParaRPr lang="en-US" altLang="zh-CN" dirty="0" smtClean="0"/>
+          </a:p>
+          <a:p>
+            <a:endParaRPr lang="en-US" altLang="zh-CN" dirty="0" smtClean="0"/>
+          </a:p>
+          <a:p>
+            <a:endParaRPr lang="zh-CN" altLang="en-US" dirty="0"/>
+          </a:p>
+        </p:txBody>
+      </p:sp>
+    </p:spTree>
+    <p:extLst>
+      <p:ext uri="{BB962C8B-B14F-4D97-AF65-F5344CB8AC3E}">
+        <p14:creationId xmlns:p14="http://schemas.microsoft.com/office/powerpoint/2010/main" val="2495283129"/>
+      </p:ext>
+    </p:extLst>
+  </p:cSld>
+  <p:clrMapOvr>
+    <a:masterClrMapping/>
+  </p:clrMapOvr>
+  <p:timing>
+    <p:tnLst>
+      <p:par>
+        <p:cTn id="1" dur="indefinite" restart="never" nodeType="tmRoot"/>
+      </p:par>
+    </p:tnLst>
+  </p:timing>
+</p:sld>
+</file>
+
+<file path=ppt/slides/slide22.xml><?xml version="1.0" encoding="utf-8"?>
+<p:sld xmlns:a="http://schemas.openxmlformats.org/drawingml/2006/main" xmlns:r="http://schemas.openxmlformats.org/officeDocument/2006/relationships" xmlns:p="http://schemas.openxmlformats.org/presentationml/2006/main">
+  <p:cSld>
+    <p:spTree>
+      <p:nvGrpSpPr>
+        <p:cNvPr id="1" name=""/>
+        <p:cNvGrpSpPr/>
+        <p:nvPr/>
+      </p:nvGrpSpPr>
+      <p:grpSpPr>
+        <a:xfrm>
+          <a:off x="0" y="0"/>
+          <a:ext cx="0" cy="0"/>
+          <a:chOff x="0" y="0"/>
+          <a:chExt cx="0" cy="0"/>
+        </a:xfrm>
+      </p:grpSpPr>
+      <p:sp>
+        <p:nvSpPr>
           <p:cNvPr id="2" name="文本框 1"/>
           <p:cNvSpPr txBox="1"/>
           <p:nvPr/>
@@ -13159,7 +15712,7 @@
 </p:sld>
 </file>
 
-<file path=ppt/slides/slide21.xml><?xml version="1.0" encoding="utf-8"?>
+<file path=ppt/slides/slide23.xml><?xml version="1.0" encoding="utf-8"?>
 <p:sld xmlns:a="http://schemas.openxmlformats.org/drawingml/2006/main" xmlns:r="http://schemas.openxmlformats.org/officeDocument/2006/relationships" xmlns:p="http://schemas.openxmlformats.org/presentationml/2006/main">
   <p:cSld>
     <p:spTree>
@@ -15204,7 +17757,7 @@
 </p:sld>
 </file>
 
-<file path=ppt/slides/slide22.xml><?xml version="1.0" encoding="utf-8"?>
+<file path=ppt/slides/slide24.xml><?xml version="1.0" encoding="utf-8"?>
 <p:sld xmlns:a="http://schemas.openxmlformats.org/drawingml/2006/main" xmlns:r="http://schemas.openxmlformats.org/officeDocument/2006/relationships" xmlns:p="http://schemas.openxmlformats.org/presentationml/2006/main">
   <p:cSld>
     <p:spTree>
@@ -17498,7 +20051,7 @@
 </p:sld>
 </file>
 
-<file path=ppt/slides/slide23.xml><?xml version="1.0" encoding="utf-8"?>
+<file path=ppt/slides/slide25.xml><?xml version="1.0" encoding="utf-8"?>
 <p:sld xmlns:a="http://schemas.openxmlformats.org/drawingml/2006/main" xmlns:r="http://schemas.openxmlformats.org/officeDocument/2006/relationships" xmlns:p="http://schemas.openxmlformats.org/presentationml/2006/main">
   <p:cSld>
     <p:spTree>
@@ -19416,7 +21969,7 @@
 </p:sld>
 </file>
 
-<file path=ppt/slides/slide24.xml><?xml version="1.0" encoding="utf-8"?>
+<file path=ppt/slides/slide26.xml><?xml version="1.0" encoding="utf-8"?>
 <p:sld xmlns:a="http://schemas.openxmlformats.org/drawingml/2006/main" xmlns:r="http://schemas.openxmlformats.org/officeDocument/2006/relationships" xmlns:p="http://schemas.openxmlformats.org/presentationml/2006/main">
   <p:cSld>
     <p:spTree>
@@ -24695,7 +27248,7 @@
 </p:sld>
 </file>
 
-<file path=ppt/slides/slide25.xml><?xml version="1.0" encoding="utf-8"?>
+<file path=ppt/slides/slide27.xml><?xml version="1.0" encoding="utf-8"?>
 <p:sld xmlns:a="http://schemas.openxmlformats.org/drawingml/2006/main" xmlns:r="http://schemas.openxmlformats.org/officeDocument/2006/relationships" xmlns:p="http://schemas.openxmlformats.org/presentationml/2006/main">
   <p:cSld>
     <p:spTree>
@@ -27112,7 +29665,7 @@
 </p:sld>
 </file>
 
-<file path=ppt/slides/slide26.xml><?xml version="1.0" encoding="utf-8"?>
+<file path=ppt/slides/slide28.xml><?xml version="1.0" encoding="utf-8"?>
 <p:sld xmlns:a="http://schemas.openxmlformats.org/drawingml/2006/main" xmlns:r="http://schemas.openxmlformats.org/officeDocument/2006/relationships" xmlns:p="http://schemas.openxmlformats.org/presentationml/2006/main">
   <p:cSld>
     <p:spTree>
@@ -34692,7 +37245,7 @@
   <a:extraClrSchemeLst/>
   <a:extLst>
     <a:ext uri="{05A4C25C-085E-4340-85A3-A5531E510DB2}">
-      <thm15:themeFamily xmlns:thm15="http://schemas.microsoft.com/office/thememl/2012/main" name="Office Theme" id="{62F939B6-93AF-4DB8-9C6B-D6C7DFDC589F}" vid="{4A3C46E8-61CC-4603-A589-7422A47A8E4A}"/>
+      <thm15:themeFamily xmlns:thm15="http://schemas.microsoft.com/office/thememl/2012/main" xmlns="" name="Office Theme" id="{62F939B6-93AF-4DB8-9C6B-D6C7DFDC589F}" vid="{4A3C46E8-61CC-4603-A589-7422A47A8E4A}"/>
     </a:ext>
   </a:extLst>
 </a:theme>

--- a/shiro原理解析.pptx
+++ b/shiro原理解析.pptx
@@ -158,7 +158,7 @@
       </p14:sectionLst>
     </p:ext>
     <p:ext uri="{EFAFB233-063F-42B5-8137-9DF3F51BA10A}">
-      <p15:sldGuideLst xmlns:p15="http://schemas.microsoft.com/office/powerpoint/2012/main">
+      <p15:sldGuideLst xmlns="" xmlns:p15="http://schemas.microsoft.com/office/powerpoint/2012/main">
         <p15:guide id="1" orient="horz" pos="680" userDrawn="1">
           <p15:clr>
             <a:srgbClr val="A4A3A4"/>
@@ -257,7 +257,7 @@
           <a:p>
             <a:fld id="{20F3FBB8-48AB-9B49-8288-26D9241A36A7}" type="datetimeFigureOut">
               <a:rPr kumimoji="1" lang="zh-CN" altLang="en-US" smtClean="0"/>
-              <a:t>2018/5/16</a:t>
+              <a:t>2018/5/17</a:t>
             </a:fld>
             <a:endParaRPr kumimoji="1" lang="zh-CN" altLang="en-US"/>
           </a:p>
@@ -671,6 +671,74 @@
               <a:defRPr/>
             </a:pPr>
             <a:r>
+              <a:rPr lang="zh-CN" altLang="en-US" sz="1200" b="1" i="0" kern="1200" dirty="0" smtClean="0">
+                <a:solidFill>
+                  <a:schemeClr val="tx1"/>
+                </a:solidFill>
+                <a:effectLst/>
+                <a:latin typeface="+mn-lt"/>
+                <a:ea typeface="+mn-ea"/>
+                <a:cs typeface="+mn-cs"/>
+              </a:rPr>
+              <a:t>使用：</a:t>
+            </a:r>
+            <a:endParaRPr lang="en-US" altLang="zh-CN" sz="1200" b="1" i="0" kern="1200" dirty="0" smtClean="0">
+              <a:solidFill>
+                <a:schemeClr val="tx1"/>
+              </a:solidFill>
+              <a:effectLst/>
+              <a:latin typeface="+mn-lt"/>
+              <a:ea typeface="+mn-ea"/>
+              <a:cs typeface="+mn-cs"/>
+            </a:endParaRPr>
+          </a:p>
+          <a:p>
+            <a:pPr marL="0" marR="0" lvl="0" indent="0" algn="l" defTabSz="914400" rtl="0" eaLnBrk="1" fontAlgn="auto" latinLnBrk="0" hangingPunct="1">
+              <a:lnSpc>
+                <a:spcPct val="100000"/>
+              </a:lnSpc>
+              <a:spcBef>
+                <a:spcPts val="0"/>
+              </a:spcBef>
+              <a:spcAft>
+                <a:spcPts val="0"/>
+              </a:spcAft>
+              <a:buClrTx/>
+              <a:buSzTx/>
+              <a:buFontTx/>
+              <a:buNone/>
+              <a:tabLst/>
+              <a:defRPr/>
+            </a:pPr>
+            <a:endParaRPr lang="en-US" altLang="zh-CN" sz="1200" b="1" i="0" kern="1200" dirty="0" smtClean="0">
+              <a:solidFill>
+                <a:schemeClr val="tx1"/>
+              </a:solidFill>
+              <a:effectLst/>
+              <a:latin typeface="+mn-lt"/>
+              <a:ea typeface="+mn-ea"/>
+              <a:cs typeface="+mn-cs"/>
+            </a:endParaRPr>
+          </a:p>
+          <a:p>
+            <a:pPr marL="0" marR="0" lvl="0" indent="0" algn="l" defTabSz="914400" rtl="0" eaLnBrk="1" fontAlgn="auto" latinLnBrk="0" hangingPunct="1">
+              <a:lnSpc>
+                <a:spcPct val="100000"/>
+              </a:lnSpc>
+              <a:spcBef>
+                <a:spcPts val="0"/>
+              </a:spcBef>
+              <a:spcAft>
+                <a:spcPts val="0"/>
+              </a:spcAft>
+              <a:buClrTx/>
+              <a:buSzTx/>
+              <a:buFontTx/>
+              <a:buNone/>
+              <a:tabLst/>
+              <a:defRPr/>
+            </a:pPr>
+            <a:r>
               <a:rPr lang="en-US" altLang="zh-CN" sz="1200" b="1" i="0" kern="1200" dirty="0" smtClean="0">
                 <a:solidFill>
                   <a:schemeClr val="tx1"/>
@@ -1146,6 +1214,29 @@
                 <a:ea typeface="+mn-ea"/>
                 <a:cs typeface="+mn-cs"/>
               </a:rPr>
+              <a:t>通配符权限</a:t>
+            </a:r>
+            <a:endParaRPr lang="en-US" altLang="zh-CN" sz="1200" b="0" i="0" kern="1200" dirty="0" smtClean="0">
+              <a:solidFill>
+                <a:schemeClr val="tx1"/>
+              </a:solidFill>
+              <a:effectLst/>
+              <a:latin typeface="+mn-lt"/>
+              <a:ea typeface="+mn-ea"/>
+              <a:cs typeface="+mn-cs"/>
+            </a:endParaRPr>
+          </a:p>
+          <a:p>
+            <a:r>
+              <a:rPr lang="zh-CN" altLang="en-US" sz="1200" b="0" i="0" kern="1200" dirty="0" smtClean="0">
+                <a:solidFill>
+                  <a:schemeClr val="tx1"/>
+                </a:solidFill>
+                <a:effectLst/>
+                <a:latin typeface="+mn-lt"/>
+                <a:ea typeface="+mn-ea"/>
+                <a:cs typeface="+mn-cs"/>
+              </a:rPr>
               <a:t>“资源标识符：操作：对象实例</a:t>
             </a:r>
             <a:r>
@@ -5231,19 +5322,7 @@
                 <a:ea typeface="+mn-ea"/>
                 <a:cs typeface="+mn-cs"/>
               </a:rPr>
-              <a:t>）</a:t>
-            </a:r>
-            <a:r>
-              <a:rPr lang="zh-CN" altLang="en-US" sz="1200" b="0" i="0" kern="1200" dirty="0" smtClean="0">
-                <a:solidFill>
-                  <a:schemeClr val="tx1"/>
-                </a:solidFill>
-                <a:effectLst/>
-                <a:latin typeface="+mn-lt"/>
-                <a:ea typeface="+mn-ea"/>
-                <a:cs typeface="+mn-cs"/>
-              </a:rPr>
-              <a:t>。</a:t>
+              <a:t>）。</a:t>
             </a:r>
             <a:endParaRPr lang="en-US" altLang="zh-CN" sz="1200" b="0" i="0" kern="1200" dirty="0" smtClean="0">
               <a:solidFill>
@@ -6151,8 +6230,55 @@
             </a:r>
             <a:r>
               <a:rPr lang="zh-CN" altLang="en-US" dirty="0" smtClean="0"/>
-              <a:t>中移除</a:t>
-            </a:r>
+              <a:t>中移</a:t>
+            </a:r>
+            <a:r>
+              <a:rPr lang="zh-CN" altLang="en-US" dirty="0" smtClean="0"/>
+              <a:t>除</a:t>
+            </a:r>
+            <a:endParaRPr lang="en-US" altLang="zh-CN" dirty="0" smtClean="0"/>
+          </a:p>
+          <a:p>
+            <a:r>
+              <a:rPr lang="en-US" altLang="zh-CN" sz="1200" b="1" dirty="0" err="1" smtClean="0"/>
+              <a:t>DelegatingSession</a:t>
+            </a:r>
+            <a:r>
+              <a:rPr lang="zh-CN" altLang="en-US" sz="1200" b="1" dirty="0" smtClean="0"/>
+              <a:t>：</a:t>
+            </a:r>
+            <a:r>
+              <a:rPr lang="zh-CN" altLang="en-US" sz="1200" b="0" dirty="0" smtClean="0"/>
+              <a:t>是服务器端</a:t>
+            </a:r>
+            <a:r>
+              <a:rPr lang="en-US" altLang="zh-CN" sz="1200" b="0" dirty="0" smtClean="0"/>
+              <a:t>Session</a:t>
+            </a:r>
+            <a:r>
+              <a:rPr lang="zh-CN" altLang="en-US" sz="1200" b="0" dirty="0" smtClean="0"/>
+              <a:t>的代理，将</a:t>
+            </a:r>
+            <a:r>
+              <a:rPr lang="en-US" altLang="zh-CN" sz="1200" b="0" dirty="0" err="1" smtClean="0"/>
+              <a:t>SessionManager</a:t>
+            </a:r>
+            <a:r>
+              <a:rPr lang="zh-CN" altLang="en-US" sz="1200" b="0" dirty="0" smtClean="0"/>
+              <a:t>包装了一次，所有操作都是通过</a:t>
+            </a:r>
+            <a:r>
+              <a:rPr lang="en-US" altLang="zh-CN" sz="1200" b="0" dirty="0" err="1" smtClean="0"/>
+              <a:t>SessionManager</a:t>
+            </a:r>
+            <a:r>
+              <a:rPr lang="zh-CN" altLang="en-US" sz="1200" b="0" smtClean="0"/>
+              <a:t>来实现的</a:t>
+            </a:r>
+            <a:endParaRPr lang="en-US" altLang="zh-CN" b="1" dirty="0" smtClean="0"/>
+          </a:p>
+          <a:p>
+            <a:endParaRPr lang="zh-CN" altLang="en-US" dirty="0" smtClean="0"/>
           </a:p>
           <a:p>
             <a:endParaRPr lang="en-US" altLang="zh-CN" dirty="0" smtClean="0"/>
@@ -6309,19 +6435,7 @@
                 <a:ea typeface="+mn-ea"/>
                 <a:cs typeface="+mn-cs"/>
               </a:rPr>
-              <a:t>等</a:t>
-            </a:r>
-            <a:r>
-              <a:rPr lang="zh-CN" altLang="en-US" sz="1200" b="0" i="0" kern="1200" dirty="0" smtClean="0">
-                <a:solidFill>
-                  <a:schemeClr val="tx1"/>
-                </a:solidFill>
-                <a:effectLst/>
-                <a:latin typeface="+mn-lt"/>
-                <a:ea typeface="+mn-ea"/>
-                <a:cs typeface="+mn-cs"/>
-              </a:rPr>
-              <a:t>；</a:t>
+              <a:t>等；</a:t>
             </a:r>
             <a:endParaRPr lang="en-US" altLang="zh-CN" sz="1200" b="0" i="0" kern="1200" dirty="0" smtClean="0">
               <a:solidFill>
@@ -6380,19 +6494,7 @@
                 <a:ea typeface="+mn-ea"/>
                 <a:cs typeface="+mn-cs"/>
               </a:rPr>
-              <a:t>即可</a:t>
-            </a:r>
-            <a:r>
-              <a:rPr lang="zh-CN" altLang="en-US" sz="1200" b="0" i="0" kern="1200" dirty="0" smtClean="0">
-                <a:solidFill>
-                  <a:schemeClr val="tx1"/>
-                </a:solidFill>
-                <a:effectLst/>
-                <a:latin typeface="+mn-lt"/>
-                <a:ea typeface="+mn-ea"/>
-                <a:cs typeface="+mn-cs"/>
-              </a:rPr>
-              <a:t>；</a:t>
+              <a:t>即可；</a:t>
             </a:r>
             <a:endParaRPr lang="en-US" altLang="zh-CN" sz="1200" b="0" i="0" kern="1200" dirty="0" smtClean="0">
               <a:solidFill>
@@ -6427,19 +6529,7 @@
                 <a:ea typeface="+mn-ea"/>
                 <a:cs typeface="+mn-cs"/>
               </a:rPr>
-              <a:t>直接在内存中进行会话维护</a:t>
-            </a:r>
-            <a:r>
-              <a:rPr lang="zh-CN" altLang="en-US" sz="1200" b="0" i="0" kern="1200" dirty="0" smtClean="0">
-                <a:solidFill>
-                  <a:schemeClr val="tx1"/>
-                </a:solidFill>
-                <a:effectLst/>
-                <a:latin typeface="+mn-lt"/>
-                <a:ea typeface="+mn-ea"/>
-                <a:cs typeface="+mn-cs"/>
-              </a:rPr>
-              <a:t>；</a:t>
+              <a:t>直接在内存中进行会话维护；</a:t>
             </a:r>
             <a:endParaRPr lang="en-US" altLang="zh-CN" sz="1200" b="0" i="0" kern="1200" dirty="0" smtClean="0">
               <a:solidFill>
@@ -6534,19 +6624,7 @@
                 <a:ea typeface="+mn-ea"/>
                 <a:cs typeface="+mn-cs"/>
               </a:rPr>
-              <a:t>保存缓存的会话</a:t>
-            </a:r>
-            <a:r>
-              <a:rPr lang="zh-CN" altLang="en-US" sz="1200" b="0" i="0" kern="1200" dirty="0" smtClean="0">
-                <a:solidFill>
-                  <a:schemeClr val="tx1"/>
-                </a:solidFill>
-                <a:effectLst/>
-                <a:latin typeface="+mn-lt"/>
-                <a:ea typeface="+mn-ea"/>
-                <a:cs typeface="+mn-cs"/>
-              </a:rPr>
-              <a:t>。</a:t>
+              <a:t>保存缓存的会话。</a:t>
             </a:r>
             <a:endParaRPr lang="en-US" altLang="zh-CN" sz="1200" b="0" i="0" kern="1200" dirty="0" smtClean="0">
               <a:solidFill>
@@ -7019,19 +7097,7 @@
                 <a:ea typeface="+mn-ea"/>
                 <a:cs typeface="+mn-cs"/>
               </a:rPr>
-              <a:t>实现</a:t>
-            </a:r>
-            <a:r>
-              <a:rPr lang="zh-CN" altLang="en-US" sz="1200" b="0" i="0" kern="1200" dirty="0" smtClean="0">
-                <a:solidFill>
-                  <a:schemeClr val="tx1"/>
-                </a:solidFill>
-                <a:effectLst/>
-                <a:latin typeface="+mn-lt"/>
-                <a:ea typeface="+mn-ea"/>
-                <a:cs typeface="+mn-cs"/>
-              </a:rPr>
-              <a:t>。</a:t>
+              <a:t>实现。</a:t>
             </a:r>
             <a:endParaRPr lang="en-US" altLang="zh-CN" sz="1200" b="0" i="0" kern="1200" dirty="0" smtClean="0">
               <a:solidFill>
@@ -7092,15 +7158,6 @@
               </a:rPr>
               <a:t>Cache</a:t>
             </a:r>
-            <a:endParaRPr lang="en-US" altLang="zh-CN" sz="1200" b="0" i="0" kern="1200" dirty="0" smtClean="0">
-              <a:solidFill>
-                <a:schemeClr val="tx1"/>
-              </a:solidFill>
-              <a:effectLst/>
-              <a:latin typeface="+mn-lt"/>
-              <a:ea typeface="+mn-ea"/>
-              <a:cs typeface="+mn-cs"/>
-            </a:endParaRPr>
           </a:p>
           <a:p>
             <a:r>
@@ -7121,19 +7178,7 @@
                 <a:ea typeface="+mn-ea"/>
                 <a:cs typeface="+mn-cs"/>
               </a:rPr>
-              <a:t>用于</a:t>
-            </a:r>
-            <a:r>
-              <a:rPr lang="zh-CN" altLang="en-US" sz="1200" b="0" i="0" kern="1200" dirty="0" smtClean="0">
-                <a:solidFill>
-                  <a:schemeClr val="tx1"/>
-                </a:solidFill>
-                <a:effectLst/>
-                <a:latin typeface="+mn-lt"/>
-                <a:ea typeface="+mn-ea"/>
-                <a:cs typeface="+mn-cs"/>
-              </a:rPr>
-              <a:t>注入</a:t>
+              <a:t>用于注入</a:t>
             </a:r>
             <a:r>
               <a:rPr lang="en-US" altLang="zh-CN" sz="1200" b="0" i="0" kern="1200" dirty="0" err="1" smtClean="0">
@@ -7286,12 +7331,8 @@
               <a:t>分别提供了对</a:t>
             </a:r>
             <a:r>
-              <a:rPr lang="en-US" altLang="zh-CN" dirty="0" err="1" smtClean="0"/>
-              <a:t>AuthenticationInfo</a:t>
-            </a:r>
-            <a:r>
               <a:rPr lang="en-US" altLang="zh-CN" dirty="0" smtClean="0"/>
-              <a:t> </a:t>
+              <a:t>AuthenticationInfo </a:t>
             </a:r>
             <a:r>
               <a:rPr lang="zh-CN" altLang="en-US" dirty="0" smtClean="0"/>
@@ -7702,6 +7743,83 @@
           <a:bodyPr/>
           <a:lstStyle/>
           <a:p>
+            <a:r>
+              <a:rPr lang="zh-CN" altLang="en-US" dirty="0" smtClean="0"/>
+              <a:t>以</a:t>
+            </a:r>
+            <a:r>
+              <a:rPr lang="en-US" altLang="zh-CN" dirty="0" err="1" smtClean="0"/>
+              <a:t>ams</a:t>
+            </a:r>
+            <a:r>
+              <a:rPr lang="zh-CN" altLang="en-US" dirty="0" smtClean="0"/>
+              <a:t>为例，看我们项目中的配置</a:t>
+            </a:r>
+            <a:endParaRPr lang="en-US" altLang="zh-CN" dirty="0" smtClean="0"/>
+          </a:p>
+          <a:p>
+            <a:endParaRPr lang="en-US" altLang="zh-CN" dirty="0" smtClean="0"/>
+          </a:p>
+          <a:p>
+            <a:r>
+              <a:rPr lang="en-US" altLang="zh-CN" dirty="0" smtClean="0"/>
+              <a:t>2.</a:t>
+            </a:r>
+            <a:r>
+              <a:rPr lang="zh-CN" altLang="en-US" dirty="0" smtClean="0"/>
+              <a:t>可以直接使用</a:t>
+            </a:r>
+            <a:r>
+              <a:rPr lang="en-US" altLang="zh-CN" dirty="0" err="1" smtClean="0"/>
+              <a:t>CachingSessionDAO</a:t>
+            </a:r>
+            <a:endParaRPr lang="en-US" altLang="zh-CN" dirty="0" smtClean="0"/>
+          </a:p>
+          <a:p>
+            <a:r>
+              <a:rPr lang="en-US" altLang="zh-CN" dirty="0" smtClean="0"/>
+              <a:t>3.</a:t>
+            </a:r>
+            <a:r>
+              <a:rPr lang="zh-CN" altLang="en-US" dirty="0" smtClean="0"/>
+              <a:t>直接继承</a:t>
+            </a:r>
+            <a:r>
+              <a:rPr lang="en-US" altLang="zh-CN" dirty="0" err="1" smtClean="0"/>
+              <a:t>AuthenticationFilter</a:t>
+            </a:r>
+            <a:r>
+              <a:rPr lang="zh-CN" altLang="en-US" dirty="0" smtClean="0"/>
+              <a:t>即可，我们只需要判断是否是通过登录来的</a:t>
+            </a:r>
+            <a:endParaRPr lang="en-US" altLang="zh-CN" dirty="0" smtClean="0"/>
+          </a:p>
+          <a:p>
+            <a:r>
+              <a:rPr lang="en-US" altLang="zh-CN" dirty="0" smtClean="0"/>
+              <a:t>4.</a:t>
+            </a:r>
+            <a:r>
+              <a:rPr lang="zh-CN" altLang="en-US" dirty="0" smtClean="0"/>
+              <a:t>代码里给每个登录成功的账号都添加了</a:t>
+            </a:r>
+            <a:r>
+              <a:rPr lang="en-US" altLang="zh-CN" sz="1200" dirty="0" smtClean="0">
+                <a:latin typeface="微软雅黑" panose="020B0503020204020204" pitchFamily="34" charset="-122"/>
+                <a:ea typeface="微软雅黑" panose="020B0503020204020204" pitchFamily="34" charset="-122"/>
+              </a:rPr>
+              <a:t>DEFAULT_USER_ROLE</a:t>
+            </a:r>
+            <a:r>
+              <a:rPr lang="zh-CN" altLang="en-US" sz="1200" dirty="0" smtClean="0">
+                <a:latin typeface="微软雅黑" panose="020B0503020204020204" pitchFamily="34" charset="-122"/>
+                <a:ea typeface="微软雅黑" panose="020B0503020204020204" pitchFamily="34" charset="-122"/>
+              </a:rPr>
+              <a:t>角色</a:t>
+            </a:r>
+            <a:endParaRPr lang="en-US" altLang="zh-CN" dirty="0" smtClean="0"/>
+          </a:p>
+          <a:p>
             <a:endParaRPr lang="zh-CN" altLang="en-US" dirty="0"/>
           </a:p>
         </p:txBody>
@@ -7786,62 +7904,6 @@
           <a:bodyPr/>
           <a:lstStyle/>
           <a:p>
-            <a:r>
-              <a:rPr lang="en-US" altLang="zh-CN" dirty="0" smtClean="0"/>
-              <a:t>2.</a:t>
-            </a:r>
-            <a:r>
-              <a:rPr lang="zh-CN" altLang="en-US" dirty="0" smtClean="0"/>
-              <a:t>可以直接使用</a:t>
-            </a:r>
-            <a:r>
-              <a:rPr lang="en-US" altLang="zh-CN" dirty="0" err="1" smtClean="0"/>
-              <a:t>CachingSessionDAO</a:t>
-            </a:r>
-            <a:endParaRPr lang="en-US" altLang="zh-CN" dirty="0" smtClean="0"/>
-          </a:p>
-          <a:p>
-            <a:r>
-              <a:rPr lang="en-US" altLang="zh-CN" dirty="0" smtClean="0"/>
-              <a:t>3.</a:t>
-            </a:r>
-            <a:r>
-              <a:rPr lang="zh-CN" altLang="en-US" dirty="0" smtClean="0"/>
-              <a:t>直接继承</a:t>
-            </a:r>
-            <a:r>
-              <a:rPr lang="en-US" altLang="zh-CN" dirty="0" err="1" smtClean="0"/>
-              <a:t>AuthenticationFilter</a:t>
-            </a:r>
-            <a:r>
-              <a:rPr lang="zh-CN" altLang="en-US" dirty="0" smtClean="0"/>
-              <a:t>即可，我们只需要判断是否是通过登录来的</a:t>
-            </a:r>
-            <a:endParaRPr lang="en-US" altLang="zh-CN" dirty="0" smtClean="0"/>
-          </a:p>
-          <a:p>
-            <a:r>
-              <a:rPr lang="en-US" altLang="zh-CN" dirty="0" smtClean="0"/>
-              <a:t>4.</a:t>
-            </a:r>
-            <a:r>
-              <a:rPr lang="zh-CN" altLang="en-US" dirty="0" smtClean="0"/>
-              <a:t>代码里给每个登录成功的账号都添加了</a:t>
-            </a:r>
-            <a:r>
-              <a:rPr lang="en-US" altLang="zh-CN" sz="1200" dirty="0" smtClean="0">
-                <a:latin typeface="微软雅黑" panose="020B0503020204020204" pitchFamily="34" charset="-122"/>
-                <a:ea typeface="微软雅黑" panose="020B0503020204020204" pitchFamily="34" charset="-122"/>
-              </a:rPr>
-              <a:t>DEFAULT_USER_ROLE</a:t>
-            </a:r>
-            <a:r>
-              <a:rPr lang="zh-CN" altLang="en-US" sz="1200" dirty="0" smtClean="0">
-                <a:latin typeface="微软雅黑" panose="020B0503020204020204" pitchFamily="34" charset="-122"/>
-                <a:ea typeface="微软雅黑" panose="020B0503020204020204" pitchFamily="34" charset="-122"/>
-              </a:rPr>
-              <a:t>角色</a:t>
-            </a:r>
             <a:endParaRPr lang="en-US" altLang="zh-CN" dirty="0" smtClean="0"/>
           </a:p>
         </p:txBody>
@@ -9408,103 +9470,7 @@
                 <a:ea typeface="微软雅黑" panose="020B0503020204020204" pitchFamily="34" charset="-122"/>
                 <a:cs typeface="+mn-cs"/>
               </a:rPr>
-              <a:t>写到数据库；比如想把</a:t>
-            </a:r>
-            <a:r>
-              <a:rPr lang="en-US" altLang="zh-CN" sz="1100" b="0" i="0" kern="1200" dirty="0" smtClean="0">
-                <a:solidFill>
-                  <a:schemeClr val="tx1"/>
-                </a:solidFill>
-                <a:effectLst/>
-                <a:latin typeface="微软雅黑" panose="020B0503020204020204" pitchFamily="34" charset="-122"/>
-                <a:ea typeface="微软雅黑" panose="020B0503020204020204" pitchFamily="34" charset="-122"/>
-                <a:cs typeface="+mn-cs"/>
-              </a:rPr>
-              <a:t>Session</a:t>
-            </a:r>
-            <a:r>
-              <a:rPr lang="zh-CN" altLang="en-US" sz="1100" b="0" i="0" kern="1200" dirty="0" smtClean="0">
-                <a:solidFill>
-                  <a:schemeClr val="tx1"/>
-                </a:solidFill>
-                <a:effectLst/>
-                <a:latin typeface="微软雅黑" panose="020B0503020204020204" pitchFamily="34" charset="-122"/>
-                <a:ea typeface="微软雅黑" panose="020B0503020204020204" pitchFamily="34" charset="-122"/>
-                <a:cs typeface="+mn-cs"/>
-              </a:rPr>
-              <a:t>放到</a:t>
-            </a:r>
-            <a:r>
-              <a:rPr lang="en-US" altLang="zh-CN" sz="1100" b="0" i="0" kern="1200" dirty="0" err="1" smtClean="0">
-                <a:solidFill>
-                  <a:schemeClr val="tx1"/>
-                </a:solidFill>
-                <a:effectLst/>
-                <a:latin typeface="微软雅黑" panose="020B0503020204020204" pitchFamily="34" charset="-122"/>
-                <a:ea typeface="微软雅黑" panose="020B0503020204020204" pitchFamily="34" charset="-122"/>
-                <a:cs typeface="+mn-cs"/>
-              </a:rPr>
-              <a:t>Memcached</a:t>
-            </a:r>
-            <a:r>
-              <a:rPr lang="zh-CN" altLang="en-US" sz="1100" b="0" i="0" kern="1200" dirty="0" smtClean="0">
-                <a:solidFill>
-                  <a:schemeClr val="tx1"/>
-                </a:solidFill>
-                <a:effectLst/>
-                <a:latin typeface="微软雅黑" panose="020B0503020204020204" pitchFamily="34" charset="-122"/>
-                <a:ea typeface="微软雅黑" panose="020B0503020204020204" pitchFamily="34" charset="-122"/>
-                <a:cs typeface="+mn-cs"/>
-              </a:rPr>
-              <a:t>中，可以实现自己的</a:t>
-            </a:r>
-            <a:r>
-              <a:rPr lang="en-US" altLang="zh-CN" sz="1100" b="0" i="0" kern="1200" dirty="0" err="1" smtClean="0">
-                <a:solidFill>
-                  <a:schemeClr val="tx1"/>
-                </a:solidFill>
-                <a:effectLst/>
-                <a:latin typeface="微软雅黑" panose="020B0503020204020204" pitchFamily="34" charset="-122"/>
-                <a:ea typeface="微软雅黑" panose="020B0503020204020204" pitchFamily="34" charset="-122"/>
-                <a:cs typeface="+mn-cs"/>
-              </a:rPr>
-              <a:t>Memcached</a:t>
-            </a:r>
-            <a:r>
-              <a:rPr lang="en-US" altLang="zh-CN" sz="1100" b="0" i="0" kern="1200" dirty="0" smtClean="0">
-                <a:solidFill>
-                  <a:schemeClr val="tx1"/>
-                </a:solidFill>
-                <a:effectLst/>
-                <a:latin typeface="微软雅黑" panose="020B0503020204020204" pitchFamily="34" charset="-122"/>
-                <a:ea typeface="微软雅黑" panose="020B0503020204020204" pitchFamily="34" charset="-122"/>
-                <a:cs typeface="+mn-cs"/>
-              </a:rPr>
-              <a:t> </a:t>
-            </a:r>
-            <a:r>
-              <a:rPr lang="en-US" altLang="zh-CN" sz="1100" b="0" i="0" kern="1200" dirty="0" err="1" smtClean="0">
-                <a:solidFill>
-                  <a:schemeClr val="tx1"/>
-                </a:solidFill>
-                <a:effectLst/>
-                <a:latin typeface="微软雅黑" panose="020B0503020204020204" pitchFamily="34" charset="-122"/>
-                <a:ea typeface="微软雅黑" panose="020B0503020204020204" pitchFamily="34" charset="-122"/>
-                <a:cs typeface="+mn-cs"/>
-              </a:rPr>
-              <a:t>SessionDAO</a:t>
-            </a:r>
-            <a:r>
-              <a:rPr lang="zh-CN" altLang="en-US" sz="1100" b="0" i="0" kern="1200" dirty="0" smtClean="0">
-                <a:solidFill>
-                  <a:schemeClr val="tx1"/>
-                </a:solidFill>
-                <a:effectLst/>
-                <a:latin typeface="微软雅黑" panose="020B0503020204020204" pitchFamily="34" charset="-122"/>
-                <a:ea typeface="微软雅黑" panose="020B0503020204020204" pitchFamily="34" charset="-122"/>
-                <a:cs typeface="+mn-cs"/>
-              </a:rPr>
-              <a:t>；另外</a:t>
+              <a:t>写到数据库；另外</a:t>
             </a:r>
             <a:r>
               <a:rPr lang="en-US" altLang="zh-CN" sz="1100" b="0" i="0" kern="1200" dirty="0" err="1" smtClean="0">
@@ -10164,6 +10130,54 @@
               <a:t>可能会委托给相应的</a:t>
             </a:r>
             <a:r>
+              <a:rPr lang="en-US" altLang="zh-CN" sz="1800" b="0" i="0" kern="1200" dirty="0" smtClean="0">
+                <a:solidFill>
+                  <a:schemeClr val="tx1"/>
+                </a:solidFill>
+                <a:effectLst/>
+                <a:latin typeface="+mn-lt"/>
+                <a:ea typeface="+mn-ea"/>
+                <a:cs typeface="+mn-cs"/>
+              </a:rPr>
+              <a:t>AuthenticationStrategy</a:t>
+            </a:r>
+            <a:r>
+              <a:rPr lang="zh-CN" altLang="en-US" sz="1800" b="0" i="0" kern="1200" dirty="0" smtClean="0">
+                <a:solidFill>
+                  <a:schemeClr val="tx1"/>
+                </a:solidFill>
+                <a:effectLst/>
+                <a:latin typeface="+mn-lt"/>
+                <a:ea typeface="+mn-ea"/>
+                <a:cs typeface="+mn-cs"/>
+              </a:rPr>
+              <a:t>进行多</a:t>
+            </a:r>
+            <a:r>
+              <a:rPr lang="en-US" altLang="zh-CN" sz="1800" b="0" i="0" kern="1200" dirty="0" smtClean="0">
+                <a:solidFill>
+                  <a:schemeClr val="tx1"/>
+                </a:solidFill>
+                <a:effectLst/>
+                <a:latin typeface="+mn-lt"/>
+                <a:ea typeface="+mn-ea"/>
+                <a:cs typeface="+mn-cs"/>
+              </a:rPr>
+              <a:t>Realm</a:t>
+            </a:r>
+            <a:r>
+              <a:rPr lang="zh-CN" altLang="en-US" sz="1800" b="0" i="0" kern="1200" dirty="0" smtClean="0">
+                <a:solidFill>
+                  <a:schemeClr val="tx1"/>
+                </a:solidFill>
+                <a:effectLst/>
+                <a:latin typeface="+mn-lt"/>
+                <a:ea typeface="+mn-ea"/>
+                <a:cs typeface="+mn-cs"/>
+              </a:rPr>
+              <a:t>身份验证，默认</a:t>
+            </a:r>
+            <a:r>
               <a:rPr lang="en-US" altLang="zh-CN" sz="1800" b="0" i="0" kern="1200" dirty="0" err="1" smtClean="0">
                 <a:solidFill>
                   <a:schemeClr val="tx1"/>
@@ -10173,7 +10187,7 @@
                 <a:ea typeface="+mn-ea"/>
                 <a:cs typeface="+mn-cs"/>
               </a:rPr>
-              <a:t>AuthenticationStrategy</a:t>
+              <a:t>ModularRealmAuthenticator</a:t>
             </a:r>
             <a:r>
               <a:rPr lang="zh-CN" altLang="en-US" sz="1800" b="0" i="0" kern="1200" dirty="0" smtClean="0">
@@ -10185,58 +10199,10 @@
                 <a:ea typeface="+mn-ea"/>
                 <a:cs typeface="+mn-cs"/>
               </a:rPr>
-              <a:t>进行多</a:t>
+              <a:t>会调用</a:t>
             </a:r>
             <a:r>
               <a:rPr lang="en-US" altLang="zh-CN" sz="1800" b="0" i="0" kern="1200" dirty="0" smtClean="0">
-                <a:solidFill>
-                  <a:schemeClr val="tx1"/>
-                </a:solidFill>
-                <a:effectLst/>
-                <a:latin typeface="+mn-lt"/>
-                <a:ea typeface="+mn-ea"/>
-                <a:cs typeface="+mn-cs"/>
-              </a:rPr>
-              <a:t>Realm</a:t>
-            </a:r>
-            <a:r>
-              <a:rPr lang="zh-CN" altLang="en-US" sz="1800" b="0" i="0" kern="1200" dirty="0" smtClean="0">
-                <a:solidFill>
-                  <a:schemeClr val="tx1"/>
-                </a:solidFill>
-                <a:effectLst/>
-                <a:latin typeface="+mn-lt"/>
-                <a:ea typeface="+mn-ea"/>
-                <a:cs typeface="+mn-cs"/>
-              </a:rPr>
-              <a:t>身份验证，默认</a:t>
-            </a:r>
-            <a:r>
-              <a:rPr lang="en-US" altLang="zh-CN" sz="1800" b="0" i="0" kern="1200" dirty="0" err="1" smtClean="0">
-                <a:solidFill>
-                  <a:schemeClr val="tx1"/>
-                </a:solidFill>
-                <a:effectLst/>
-                <a:latin typeface="+mn-lt"/>
-                <a:ea typeface="+mn-ea"/>
-                <a:cs typeface="+mn-cs"/>
-              </a:rPr>
-              <a:t>ModularRealmAuthenticator</a:t>
-            </a:r>
-            <a:r>
-              <a:rPr lang="zh-CN" altLang="en-US" sz="1800" b="0" i="0" kern="1200" dirty="0" smtClean="0">
-                <a:solidFill>
-                  <a:schemeClr val="tx1"/>
-                </a:solidFill>
-                <a:effectLst/>
-                <a:latin typeface="+mn-lt"/>
-                <a:ea typeface="+mn-ea"/>
-                <a:cs typeface="+mn-cs"/>
-              </a:rPr>
-              <a:t>会调用</a:t>
-            </a:r>
-            <a:r>
-              <a:rPr lang="en-US" altLang="zh-CN" sz="1800" b="0" i="0" kern="1200" dirty="0" err="1" smtClean="0">
                 <a:solidFill>
                   <a:schemeClr val="tx1"/>
                 </a:solidFill>
@@ -10646,7 +10612,7 @@
               <a:defRPr/>
             </a:pPr>
             <a:r>
-              <a:rPr lang="en-US" altLang="zh-CN" sz="1400" b="1" i="0" kern="1200" dirty="0" err="1" smtClean="0">
+              <a:rPr lang="en-US" altLang="zh-CN" sz="1400" b="1" i="0" kern="1200" dirty="0" smtClean="0">
                 <a:solidFill>
                   <a:schemeClr val="tx1"/>
                 </a:solidFill>
@@ -10726,7 +10692,7 @@
               <a:defRPr/>
             </a:pPr>
             <a:r>
-              <a:rPr lang="en-US" altLang="zh-CN" sz="1400" b="1" i="0" kern="1200" dirty="0" err="1" smtClean="0">
+              <a:rPr lang="en-US" altLang="zh-CN" sz="1400" b="1" i="0" kern="1200" dirty="0" smtClean="0">
                 <a:solidFill>
                   <a:schemeClr val="tx1"/>
                 </a:solidFill>
@@ -11039,7 +11005,7 @@
               <a:t>进行验证，验证规则通过</a:t>
             </a:r>
             <a:r>
-              <a:rPr lang="en-US" altLang="zh-CN" sz="1400" dirty="0" err="1" smtClean="0">
+              <a:rPr lang="en-US" altLang="zh-CN" sz="1400" dirty="0" smtClean="0">
                 <a:solidFill>
                   <a:srgbClr val="000000"/>
                 </a:solidFill>
@@ -12169,7 +12135,7 @@
               <a:t>提供了记住我（</a:t>
             </a:r>
             <a:r>
-              <a:rPr lang="en-US" altLang="zh-CN" sz="1200" b="0" i="0" kern="1200" dirty="0" err="1" smtClean="0">
+              <a:rPr lang="en-US" altLang="zh-CN" sz="1200" b="0" i="0" kern="1200" dirty="0" smtClean="0">
                 <a:solidFill>
                   <a:schemeClr val="tx1"/>
                 </a:solidFill>
@@ -12219,7 +12185,7 @@
               <a:t>、首先在登录页面选中</a:t>
             </a:r>
             <a:r>
-              <a:rPr lang="en-US" altLang="zh-CN" sz="1200" b="0" i="0" kern="1200" dirty="0" err="1" smtClean="0">
+              <a:rPr lang="en-US" altLang="zh-CN" sz="1200" b="0" i="0" kern="1200" dirty="0" smtClean="0">
                 <a:solidFill>
                   <a:schemeClr val="tx1"/>
                 </a:solidFill>
@@ -12243,7 +12209,7 @@
               <a:t>然后登录成功；如果是浏览器登录，一般会把</a:t>
             </a:r>
             <a:r>
-              <a:rPr lang="en-US" altLang="zh-CN" sz="1200" b="0" i="0" kern="1200" dirty="0" err="1" smtClean="0">
+              <a:rPr lang="en-US" altLang="zh-CN" sz="1200" b="0" i="0" kern="1200" dirty="0" smtClean="0">
                 <a:solidFill>
                   <a:schemeClr val="tx1"/>
                 </a:solidFill>
@@ -13305,7 +13271,7 @@
               <a:t>Subject</a:t>
             </a:r>
             <a:r>
-              <a:rPr lang="zh-CN" altLang="en-US" sz="1200" b="0" i="0" kern="1200" smtClean="0">
+              <a:rPr lang="zh-CN" altLang="en-US" sz="1200" b="0" i="0" kern="1200" dirty="0" smtClean="0">
                 <a:solidFill>
                   <a:schemeClr val="tx1"/>
                 </a:solidFill>
@@ -13867,7 +13833,7 @@
               <a:t>因此</a:t>
             </a:r>
             <a:r>
-              <a:rPr lang="en-US" altLang="zh-CN" sz="1200" b="0" i="0" kern="1200" dirty="0" err="1" smtClean="0">
+              <a:rPr lang="en-US" altLang="zh-CN" sz="1200" b="0" i="0" kern="1200" dirty="0" smtClean="0">
                 <a:solidFill>
                   <a:schemeClr val="tx1"/>
                 </a:solidFill>
@@ -14893,14 +14859,9 @@
   <p:cSld>
     <p:bg>
       <p:bgPr>
-        <a:pattFill prst="pct5">
-          <a:fgClr>
-            <a:srgbClr val="C00000"/>
-          </a:fgClr>
-          <a:bgClr>
-            <a:schemeClr val="bg1"/>
-          </a:bgClr>
-        </a:pattFill>
+        <a:solidFill>
+          <a:schemeClr val="bg1"/>
+        </a:solidFill>
         <a:effectLst/>
       </p:bgPr>
     </p:bg>
@@ -15472,48 +15433,6 @@
           </a:p>
         </p:txBody>
       </p:sp>
-      <p:sp>
-        <p:nvSpPr>
-          <p:cNvPr id="4" name="文本框 3"/>
-          <p:cNvSpPr txBox="1"/>
-          <p:nvPr/>
-        </p:nvSpPr>
-        <p:spPr>
-          <a:xfrm>
-            <a:off x="1026220" y="4032175"/>
-            <a:ext cx="7848872" cy="954107"/>
-          </a:xfrm>
-          <a:prstGeom prst="rect">
-            <a:avLst/>
-          </a:prstGeom>
-          <a:noFill/>
-        </p:spPr>
-        <p:txBody>
-          <a:bodyPr wrap="square" rtlCol="0">
-            <a:spAutoFit/>
-          </a:bodyPr>
-          <a:lstStyle/>
-          <a:p>
-            <a:r>
-              <a:rPr lang="zh-CN" altLang="en-US" sz="2800" dirty="0" smtClean="0">
-                <a:latin typeface="微软雅黑" panose="020B0503020204020204" pitchFamily="34" charset="-122"/>
-                <a:ea typeface="微软雅黑" panose="020B0503020204020204" pitchFamily="34" charset="-122"/>
-              </a:rPr>
-              <a:t>鉴权方式</a:t>
-            </a:r>
-            <a:endParaRPr lang="en-US" altLang="zh-CN" sz="2800" dirty="0" smtClean="0">
-              <a:latin typeface="微软雅黑" panose="020B0503020204020204" pitchFamily="34" charset="-122"/>
-              <a:ea typeface="微软雅黑" panose="020B0503020204020204" pitchFamily="34" charset="-122"/>
-            </a:endParaRPr>
-          </a:p>
-          <a:p>
-            <a:endParaRPr lang="zh-CN" altLang="en-US" sz="2800" dirty="0">
-              <a:latin typeface="微软雅黑" panose="020B0503020204020204" pitchFamily="34" charset="-122"/>
-              <a:ea typeface="微软雅黑" panose="020B0503020204020204" pitchFamily="34" charset="-122"/>
-            </a:endParaRPr>
-          </a:p>
-        </p:txBody>
-      </p:sp>
     </p:spTree>
     <p:extLst>
       <p:ext uri="{BB962C8B-B14F-4D97-AF65-F5344CB8AC3E}">
@@ -15783,14 +15702,7 @@
                 <a:latin typeface="微软雅黑" panose="020B0503020204020204" pitchFamily="34" charset="-122"/>
                 <a:ea typeface="微软雅黑" panose="020B0503020204020204" pitchFamily="34" charset="-122"/>
               </a:rPr>
-              <a:t>单个</a:t>
-            </a:r>
-            <a:r>
-              <a:rPr lang="zh-CN" altLang="en-US" dirty="0" smtClean="0">
-                <a:latin typeface="微软雅黑" panose="020B0503020204020204" pitchFamily="34" charset="-122"/>
-                <a:ea typeface="微软雅黑" panose="020B0503020204020204" pitchFamily="34" charset="-122"/>
-              </a:rPr>
-              <a:t>资源单个权限 </a:t>
+              <a:t>单个资源单个权限 </a:t>
             </a:r>
             <a:r>
               <a:rPr lang="en-US" altLang="zh-CN" dirty="0" err="1" smtClean="0">
@@ -16147,7 +16059,7 @@
 </file>
 
 <file path=ppt/slides/slide13.xml><?xml version="1.0" encoding="utf-8"?>
-<p:sld xmlns:a="http://schemas.openxmlformats.org/drawingml/2006/main" xmlns:r="http://schemas.openxmlformats.org/officeDocument/2006/relationships" xmlns:p="http://schemas.openxmlformats.org/presentationml/2006/main">
+<p:sld xmlns:a="http://schemas.openxmlformats.org/drawingml/2006/main" xmlns:r="http://schemas.openxmlformats.org/officeDocument/2006/relationships" xmlns:p="http://schemas.openxmlformats.org/presentationml/2006/main" showMasterSp="0">
   <p:cSld>
     <p:spTree>
       <p:nvGrpSpPr>
@@ -16320,7 +16232,7 @@
         <p:spPr>
           <a:xfrm>
             <a:off x="1026220" y="1079500"/>
-            <a:ext cx="7056784" cy="2246769"/>
+            <a:ext cx="7056784" cy="3108543"/>
           </a:xfrm>
           <a:prstGeom prst="rect">
             <a:avLst/>
@@ -16347,7 +16259,7 @@
                 <a:latin typeface="微软雅黑" panose="020B0503020204020204" pitchFamily="34" charset="-122"/>
                 <a:ea typeface="微软雅黑" panose="020B0503020204020204" pitchFamily="34" charset="-122"/>
               </a:rPr>
-              <a:t>SessionManager</a:t>
+              <a:t>SessionFactory</a:t>
             </a:r>
             <a:endParaRPr lang="en-US" altLang="zh-CN" sz="2800" dirty="0" smtClean="0">
               <a:latin typeface="微软雅黑" panose="020B0503020204020204" pitchFamily="34" charset="-122"/>
@@ -16360,7 +16272,7 @@
                 <a:latin typeface="微软雅黑" panose="020B0503020204020204" pitchFamily="34" charset="-122"/>
                 <a:ea typeface="微软雅黑" panose="020B0503020204020204" pitchFamily="34" charset="-122"/>
               </a:rPr>
-              <a:t>SessionLisenter</a:t>
+              <a:t>SessionManager</a:t>
             </a:r>
             <a:endParaRPr lang="en-US" altLang="zh-CN" sz="2800" dirty="0" smtClean="0">
               <a:latin typeface="微软雅黑" panose="020B0503020204020204" pitchFamily="34" charset="-122"/>
@@ -16373,7 +16285,7 @@
                 <a:latin typeface="微软雅黑" panose="020B0503020204020204" pitchFamily="34" charset="-122"/>
                 <a:ea typeface="微软雅黑" panose="020B0503020204020204" pitchFamily="34" charset="-122"/>
               </a:rPr>
-              <a:t>SessionDAO</a:t>
+              <a:t>SessionLisenter</a:t>
             </a:r>
             <a:endParaRPr lang="en-US" altLang="zh-CN" sz="2800" dirty="0" smtClean="0">
               <a:latin typeface="微软雅黑" panose="020B0503020204020204" pitchFamily="34" charset="-122"/>
@@ -16383,6 +16295,19 @@
           <a:p>
             <a:r>
               <a:rPr lang="en-US" altLang="zh-CN" sz="2800" dirty="0" err="1" smtClean="0">
+                <a:latin typeface="微软雅黑" panose="020B0503020204020204" pitchFamily="34" charset="-122"/>
+                <a:ea typeface="微软雅黑" panose="020B0503020204020204" pitchFamily="34" charset="-122"/>
+              </a:rPr>
+              <a:t>SessionDAO</a:t>
+            </a:r>
+            <a:endParaRPr lang="en-US" altLang="zh-CN" sz="2800" dirty="0" smtClean="0">
+              <a:latin typeface="微软雅黑" panose="020B0503020204020204" pitchFamily="34" charset="-122"/>
+              <a:ea typeface="微软雅黑" panose="020B0503020204020204" pitchFamily="34" charset="-122"/>
+            </a:endParaRPr>
+          </a:p>
+          <a:p>
+            <a:r>
+              <a:rPr lang="en-US" altLang="zh-CN" sz="2800" dirty="0" err="1" smtClean="0">
                 <a:solidFill>
                   <a:srgbClr val="000000"/>
                 </a:solidFill>
@@ -16390,8 +16315,23 @@
               </a:rPr>
               <a:t>SessionValidationScheduler</a:t>
             </a:r>
-            <a:endParaRPr lang="zh-CN" altLang="en-US" sz="2800" dirty="0">
-              <a:latin typeface="微软雅黑" panose="020B0503020204020204" pitchFamily="34" charset="-122"/>
+            <a:endParaRPr lang="en-US" altLang="zh-CN" sz="2800" dirty="0" smtClean="0">
+              <a:solidFill>
+                <a:srgbClr val="000000"/>
+              </a:solidFill>
+              <a:latin typeface="Helvetica" panose="020B0604020202020204" pitchFamily="34" charset="0"/>
+            </a:endParaRPr>
+          </a:p>
+          <a:p>
+            <a:r>
+              <a:rPr lang="en-US" altLang="zh-CN" sz="2800" dirty="0" err="1"/>
+              <a:t>DelegatingSession</a:t>
+            </a:r>
+            <a:endParaRPr lang="en-US" altLang="zh-CN" sz="2800" dirty="0">
+              <a:solidFill>
+                <a:srgbClr val="000000"/>
+              </a:solidFill>
+              <a:latin typeface="Helvetica" panose="020B0604020202020204" pitchFamily="34" charset="0"/>
               <a:ea typeface="微软雅黑" panose="020B0503020204020204" pitchFamily="34" charset="-122"/>
             </a:endParaRPr>
           </a:p>
@@ -16420,7 +16360,7 @@
           <a:lstStyle/>
           <a:p>
             <a:r>
-              <a:rPr lang="en-US" altLang="zh-CN" sz="3600" dirty="0" err="1">
+              <a:rPr lang="en-US" altLang="zh-CN" sz="3600" dirty="0">
                 <a:latin typeface="微软雅黑" panose="020B0503020204020204" pitchFamily="34" charset="-122"/>
                 <a:ea typeface="微软雅黑" panose="020B0503020204020204" pitchFamily="34" charset="-122"/>
               </a:rPr>
@@ -16517,7 +16457,7 @@
           <a:lstStyle/>
           <a:p>
             <a:r>
-              <a:rPr lang="en-US" altLang="zh-CN" sz="3600" dirty="0" err="1">
+              <a:rPr lang="en-US" altLang="zh-CN" sz="3600" dirty="0">
                 <a:latin typeface="微软雅黑" panose="020B0503020204020204" pitchFamily="34" charset="-122"/>
                 <a:ea typeface="微软雅黑" panose="020B0503020204020204" pitchFamily="34" charset="-122"/>
               </a:rPr>
@@ -16752,7 +16692,7 @@
           <a:lstStyle/>
           <a:p>
             <a:r>
-              <a:rPr lang="en-US" altLang="zh-CN" sz="3600" dirty="0" err="1" smtClean="0">
+              <a:rPr lang="en-US" altLang="zh-CN" sz="3600" dirty="0" smtClean="0">
                 <a:latin typeface="微软雅黑" panose="020B0503020204020204" pitchFamily="34" charset="-122"/>
                 <a:ea typeface="微软雅黑" panose="020B0503020204020204" pitchFamily="34" charset="-122"/>
               </a:rPr>
@@ -16762,6 +16702,211 @@
               <a:latin typeface="微软雅黑" panose="020B0503020204020204" pitchFamily="34" charset="-122"/>
               <a:ea typeface="微软雅黑" panose="020B0503020204020204" pitchFamily="34" charset="-122"/>
             </a:endParaRPr>
+          </a:p>
+        </p:txBody>
+      </p:sp>
+      <p:sp>
+        <p:nvSpPr>
+          <p:cNvPr id="3" name="文本框 1"/>
+          <p:cNvSpPr txBox="1"/>
+          <p:nvPr/>
+        </p:nvSpPr>
+        <p:spPr>
+          <a:xfrm>
+            <a:off x="1000085" y="1079500"/>
+            <a:ext cx="9289032" cy="3139321"/>
+          </a:xfrm>
+          <a:prstGeom prst="rect">
+            <a:avLst/>
+          </a:prstGeom>
+          <a:noFill/>
+        </p:spPr>
+        <p:txBody>
+          <a:bodyPr wrap="square" rtlCol="0">
+            <a:spAutoFit/>
+          </a:bodyPr>
+          <a:lstStyle/>
+          <a:p>
+            <a:r>
+              <a:rPr lang="zh-CN" altLang="en-US" dirty="0" smtClean="0">
+                <a:latin typeface="微软雅黑" panose="020B0503020204020204" pitchFamily="34" charset="-122"/>
+                <a:ea typeface="微软雅黑" panose="020B0503020204020204" pitchFamily="34" charset="-122"/>
+              </a:rPr>
+              <a:t>存在的问题</a:t>
+            </a:r>
+            <a:endParaRPr lang="en-US" altLang="zh-CN" dirty="0" smtClean="0">
+              <a:latin typeface="微软雅黑" panose="020B0503020204020204" pitchFamily="34" charset="-122"/>
+              <a:ea typeface="微软雅黑" panose="020B0503020204020204" pitchFamily="34" charset="-122"/>
+            </a:endParaRPr>
+          </a:p>
+          <a:p>
+            <a:endParaRPr lang="en-US" altLang="zh-CN" dirty="0" smtClean="0">
+              <a:latin typeface="微软雅黑" panose="020B0503020204020204" pitchFamily="34" charset="-122"/>
+              <a:ea typeface="微软雅黑" panose="020B0503020204020204" pitchFamily="34" charset="-122"/>
+            </a:endParaRPr>
+          </a:p>
+          <a:p>
+            <a:r>
+              <a:rPr lang="en-US" altLang="zh-CN" dirty="0" smtClean="0">
+                <a:latin typeface="微软雅黑" panose="020B0503020204020204" pitchFamily="34" charset="-122"/>
+                <a:ea typeface="微软雅黑" panose="020B0503020204020204" pitchFamily="34" charset="-122"/>
+              </a:rPr>
+              <a:t>1.CasRealm</a:t>
+            </a:r>
+            <a:r>
+              <a:rPr lang="zh-CN" altLang="en-US" dirty="0" smtClean="0">
+                <a:latin typeface="微软雅黑" panose="020B0503020204020204" pitchFamily="34" charset="-122"/>
+                <a:ea typeface="微软雅黑" panose="020B0503020204020204" pitchFamily="34" charset="-122"/>
+              </a:rPr>
+              <a:t>已经被废弃了，推荐使用</a:t>
+            </a:r>
+            <a:endParaRPr lang="en-US" altLang="zh-CN" dirty="0" smtClean="0">
+              <a:latin typeface="微软雅黑" panose="020B0503020204020204" pitchFamily="34" charset="-122"/>
+              <a:ea typeface="微软雅黑" panose="020B0503020204020204" pitchFamily="34" charset="-122"/>
+            </a:endParaRPr>
+          </a:p>
+          <a:p>
+            <a:r>
+              <a:rPr lang="en-US" altLang="zh-CN" dirty="0" smtClean="0">
+                <a:latin typeface="微软雅黑" panose="020B0503020204020204" pitchFamily="34" charset="-122"/>
+                <a:ea typeface="微软雅黑" panose="020B0503020204020204" pitchFamily="34" charset="-122"/>
+              </a:rPr>
+              <a:t>https://github.com/bujiio/buji-pac4j</a:t>
+            </a:r>
+          </a:p>
+          <a:p>
+            <a:endParaRPr lang="en-US" altLang="zh-CN" dirty="0" smtClean="0">
+              <a:latin typeface="微软雅黑" panose="020B0503020204020204" pitchFamily="34" charset="-122"/>
+              <a:ea typeface="微软雅黑" panose="020B0503020204020204" pitchFamily="34" charset="-122"/>
+            </a:endParaRPr>
+          </a:p>
+          <a:p>
+            <a:r>
+              <a:rPr lang="en-US" altLang="zh-CN" dirty="0" smtClean="0">
+                <a:latin typeface="微软雅黑" panose="020B0503020204020204" pitchFamily="34" charset="-122"/>
+                <a:ea typeface="微软雅黑" panose="020B0503020204020204" pitchFamily="34" charset="-122"/>
+              </a:rPr>
+              <a:t>2.</a:t>
+            </a:r>
+            <a:r>
+              <a:rPr lang="zh-CN" altLang="en-US" dirty="0" smtClean="0">
+                <a:latin typeface="微软雅黑" panose="020B0503020204020204" pitchFamily="34" charset="-122"/>
+                <a:ea typeface="微软雅黑" panose="020B0503020204020204" pitchFamily="34" charset="-122"/>
+              </a:rPr>
+              <a:t>自己编写的</a:t>
+            </a:r>
+            <a:r>
+              <a:rPr lang="en-US" altLang="zh-CN" dirty="0" err="1" smtClean="0">
+                <a:latin typeface="微软雅黑" panose="020B0503020204020204" pitchFamily="34" charset="-122"/>
+                <a:ea typeface="微软雅黑" panose="020B0503020204020204" pitchFamily="34" charset="-122"/>
+              </a:rPr>
+              <a:t>MemSessionDAO</a:t>
+            </a:r>
+            <a:r>
+              <a:rPr lang="zh-CN" altLang="en-US" dirty="0" smtClean="0">
+                <a:latin typeface="微软雅黑" panose="020B0503020204020204" pitchFamily="34" charset="-122"/>
+                <a:ea typeface="微软雅黑" panose="020B0503020204020204" pitchFamily="34" charset="-122"/>
+              </a:rPr>
+              <a:t>可以使用</a:t>
+            </a:r>
+            <a:r>
+              <a:rPr lang="en-US" altLang="zh-CN" dirty="0" err="1" smtClean="0">
+                <a:latin typeface="微软雅黑" panose="020B0503020204020204" pitchFamily="34" charset="-122"/>
+                <a:ea typeface="微软雅黑" panose="020B0503020204020204" pitchFamily="34" charset="-122"/>
+              </a:rPr>
+              <a:t>CachingSessionDAO</a:t>
+            </a:r>
+            <a:r>
+              <a:rPr lang="zh-CN" altLang="en-US" dirty="0" smtClean="0">
+                <a:latin typeface="微软雅黑" panose="020B0503020204020204" pitchFamily="34" charset="-122"/>
+                <a:ea typeface="微软雅黑" panose="020B0503020204020204" pitchFamily="34" charset="-122"/>
+              </a:rPr>
+              <a:t>来实现</a:t>
+            </a:r>
+            <a:endParaRPr lang="en-US" altLang="zh-CN" dirty="0" smtClean="0">
+              <a:latin typeface="微软雅黑" panose="020B0503020204020204" pitchFamily="34" charset="-122"/>
+              <a:ea typeface="微软雅黑" panose="020B0503020204020204" pitchFamily="34" charset="-122"/>
+            </a:endParaRPr>
+          </a:p>
+          <a:p>
+            <a:endParaRPr lang="en-US" altLang="zh-CN" dirty="0" smtClean="0">
+              <a:latin typeface="微软雅黑" panose="020B0503020204020204" pitchFamily="34" charset="-122"/>
+              <a:ea typeface="微软雅黑" panose="020B0503020204020204" pitchFamily="34" charset="-122"/>
+            </a:endParaRPr>
+          </a:p>
+          <a:p>
+            <a:r>
+              <a:rPr lang="en-US" altLang="zh-CN" dirty="0" smtClean="0">
+                <a:latin typeface="微软雅黑" panose="020B0503020204020204" pitchFamily="34" charset="-122"/>
+                <a:ea typeface="微软雅黑" panose="020B0503020204020204" pitchFamily="34" charset="-122"/>
+              </a:rPr>
+              <a:t>3.</a:t>
+            </a:r>
+            <a:r>
+              <a:rPr lang="zh-CN" altLang="en-US" dirty="0" smtClean="0">
+                <a:latin typeface="微软雅黑" panose="020B0503020204020204" pitchFamily="34" charset="-122"/>
+                <a:ea typeface="微软雅黑" panose="020B0503020204020204" pitchFamily="34" charset="-122"/>
+              </a:rPr>
+              <a:t>使用的</a:t>
+            </a:r>
+            <a:r>
+              <a:rPr lang="en-US" altLang="zh-CN" dirty="0" err="1" smtClean="0">
+                <a:latin typeface="微软雅黑" panose="020B0503020204020204" pitchFamily="34" charset="-122"/>
+                <a:ea typeface="微软雅黑" panose="020B0503020204020204" pitchFamily="34" charset="-122"/>
+              </a:rPr>
+              <a:t>authc</a:t>
+            </a:r>
+            <a:r>
+              <a:rPr lang="zh-CN" altLang="en-US" dirty="0" smtClean="0">
+                <a:latin typeface="微软雅黑" panose="020B0503020204020204" pitchFamily="34" charset="-122"/>
+                <a:ea typeface="微软雅黑" panose="020B0503020204020204" pitchFamily="34" charset="-122"/>
+              </a:rPr>
+              <a:t>过滤器实现有问题</a:t>
+            </a:r>
+            <a:endParaRPr lang="en-US" altLang="zh-CN" dirty="0" smtClean="0">
+              <a:latin typeface="微软雅黑" panose="020B0503020204020204" pitchFamily="34" charset="-122"/>
+              <a:ea typeface="微软雅黑" panose="020B0503020204020204" pitchFamily="34" charset="-122"/>
+            </a:endParaRPr>
+          </a:p>
+          <a:p>
+            <a:endParaRPr lang="en-US" altLang="zh-CN" dirty="0" smtClean="0">
+              <a:latin typeface="微软雅黑" panose="020B0503020204020204" pitchFamily="34" charset="-122"/>
+              <a:ea typeface="微软雅黑" panose="020B0503020204020204" pitchFamily="34" charset="-122"/>
+            </a:endParaRPr>
+          </a:p>
+          <a:p>
+            <a:r>
+              <a:rPr lang="en-US" altLang="zh-CN" dirty="0" smtClean="0">
+                <a:latin typeface="微软雅黑" panose="020B0503020204020204" pitchFamily="34" charset="-122"/>
+                <a:ea typeface="微软雅黑" panose="020B0503020204020204" pitchFamily="34" charset="-122"/>
+              </a:rPr>
+              <a:t>4. /**=</a:t>
+            </a:r>
+            <a:r>
+              <a:rPr lang="en-US" altLang="zh-CN" dirty="0" err="1" smtClean="0">
+                <a:latin typeface="微软雅黑" panose="020B0503020204020204" pitchFamily="34" charset="-122"/>
+                <a:ea typeface="微软雅黑" panose="020B0503020204020204" pitchFamily="34" charset="-122"/>
+              </a:rPr>
+              <a:t>authc,role</a:t>
+            </a:r>
+            <a:r>
+              <a:rPr lang="en-US" altLang="zh-CN" dirty="0" smtClean="0">
+                <a:latin typeface="微软雅黑" panose="020B0503020204020204" pitchFamily="34" charset="-122"/>
+                <a:ea typeface="微软雅黑" panose="020B0503020204020204" pitchFamily="34" charset="-122"/>
+              </a:rPr>
+              <a:t>[DEFAULT_USER_ROLE]</a:t>
+            </a:r>
+            <a:r>
+              <a:rPr lang="zh-CN" altLang="en-US" dirty="0" smtClean="0">
+                <a:latin typeface="微软雅黑" panose="020B0503020204020204" pitchFamily="34" charset="-122"/>
+                <a:ea typeface="微软雅黑" panose="020B0503020204020204" pitchFamily="34" charset="-122"/>
+              </a:rPr>
+              <a:t>配置不科学</a:t>
+            </a:r>
+            <a:endParaRPr lang="en-US" altLang="zh-CN" dirty="0" smtClean="0"/>
+          </a:p>
+          <a:p>
+            <a:endParaRPr lang="zh-CN" altLang="en-US" dirty="0"/>
           </a:p>
         </p:txBody>
       </p:sp>
@@ -16804,206 +16949,6 @@
       </p:grpSpPr>
       <p:sp>
         <p:nvSpPr>
-          <p:cNvPr id="2" name="文本框 1"/>
-          <p:cNvSpPr txBox="1"/>
-          <p:nvPr/>
-        </p:nvSpPr>
-        <p:spPr>
-          <a:xfrm>
-            <a:off x="1000085" y="1079500"/>
-            <a:ext cx="9289032" cy="2585323"/>
-          </a:xfrm>
-          <a:prstGeom prst="rect">
-            <a:avLst/>
-          </a:prstGeom>
-          <a:noFill/>
-        </p:spPr>
-        <p:txBody>
-          <a:bodyPr wrap="square" rtlCol="0">
-            <a:spAutoFit/>
-          </a:bodyPr>
-          <a:lstStyle/>
-          <a:p>
-            <a:r>
-              <a:rPr lang="en-US" altLang="zh-CN" dirty="0" smtClean="0">
-                <a:latin typeface="微软雅黑" panose="020B0503020204020204" pitchFamily="34" charset="-122"/>
-                <a:ea typeface="微软雅黑" panose="020B0503020204020204" pitchFamily="34" charset="-122"/>
-              </a:rPr>
-              <a:t>1.CasRealm</a:t>
-            </a:r>
-            <a:r>
-              <a:rPr lang="zh-CN" altLang="en-US" dirty="0" smtClean="0">
-                <a:latin typeface="微软雅黑" panose="020B0503020204020204" pitchFamily="34" charset="-122"/>
-                <a:ea typeface="微软雅黑" panose="020B0503020204020204" pitchFamily="34" charset="-122"/>
-              </a:rPr>
-              <a:t>已经被废弃了，推荐使用</a:t>
-            </a:r>
-            <a:endParaRPr lang="en-US" altLang="zh-CN" dirty="0" smtClean="0">
-              <a:latin typeface="微软雅黑" panose="020B0503020204020204" pitchFamily="34" charset="-122"/>
-              <a:ea typeface="微软雅黑" panose="020B0503020204020204" pitchFamily="34" charset="-122"/>
-            </a:endParaRPr>
-          </a:p>
-          <a:p>
-            <a:r>
-              <a:rPr lang="en-US" altLang="zh-CN" dirty="0">
-                <a:latin typeface="微软雅黑" panose="020B0503020204020204" pitchFamily="34" charset="-122"/>
-                <a:ea typeface="微软雅黑" panose="020B0503020204020204" pitchFamily="34" charset="-122"/>
-              </a:rPr>
-              <a:t>https://</a:t>
-            </a:r>
-            <a:r>
-              <a:rPr lang="en-US" altLang="zh-CN" dirty="0" smtClean="0">
-                <a:latin typeface="微软雅黑" panose="020B0503020204020204" pitchFamily="34" charset="-122"/>
-                <a:ea typeface="微软雅黑" panose="020B0503020204020204" pitchFamily="34" charset="-122"/>
-              </a:rPr>
-              <a:t>github.com/bujiio/buji-pac4j</a:t>
-            </a:r>
-          </a:p>
-          <a:p>
-            <a:endParaRPr lang="en-US" altLang="zh-CN" dirty="0" smtClean="0">
-              <a:latin typeface="微软雅黑" panose="020B0503020204020204" pitchFamily="34" charset="-122"/>
-              <a:ea typeface="微软雅黑" panose="020B0503020204020204" pitchFamily="34" charset="-122"/>
-            </a:endParaRPr>
-          </a:p>
-          <a:p>
-            <a:r>
-              <a:rPr lang="en-US" altLang="zh-CN" dirty="0" smtClean="0">
-                <a:latin typeface="微软雅黑" panose="020B0503020204020204" pitchFamily="34" charset="-122"/>
-                <a:ea typeface="微软雅黑" panose="020B0503020204020204" pitchFamily="34" charset="-122"/>
-              </a:rPr>
-              <a:t>2.</a:t>
-            </a:r>
-            <a:r>
-              <a:rPr lang="zh-CN" altLang="en-US" dirty="0" smtClean="0">
-                <a:latin typeface="微软雅黑" panose="020B0503020204020204" pitchFamily="34" charset="-122"/>
-                <a:ea typeface="微软雅黑" panose="020B0503020204020204" pitchFamily="34" charset="-122"/>
-              </a:rPr>
-              <a:t>自己编写的</a:t>
-            </a:r>
-            <a:r>
-              <a:rPr lang="en-US" altLang="zh-CN" dirty="0" smtClean="0">
-                <a:latin typeface="微软雅黑" panose="020B0503020204020204" pitchFamily="34" charset="-122"/>
-                <a:ea typeface="微软雅黑" panose="020B0503020204020204" pitchFamily="34" charset="-122"/>
-              </a:rPr>
-              <a:t>MemSessionDAO</a:t>
-            </a:r>
-            <a:r>
-              <a:rPr lang="zh-CN" altLang="en-US" dirty="0" smtClean="0">
-                <a:latin typeface="微软雅黑" panose="020B0503020204020204" pitchFamily="34" charset="-122"/>
-                <a:ea typeface="微软雅黑" panose="020B0503020204020204" pitchFamily="34" charset="-122"/>
-              </a:rPr>
-              <a:t>没有</a:t>
-            </a:r>
-            <a:r>
-              <a:rPr lang="zh-CN" altLang="en-US" dirty="0" smtClean="0">
-                <a:latin typeface="微软雅黑" panose="020B0503020204020204" pitchFamily="34" charset="-122"/>
-                <a:ea typeface="微软雅黑" panose="020B0503020204020204" pitchFamily="34" charset="-122"/>
-              </a:rPr>
-              <a:t>意义</a:t>
-            </a:r>
-            <a:endParaRPr lang="en-US" altLang="zh-CN" dirty="0" smtClean="0">
-              <a:latin typeface="微软雅黑" panose="020B0503020204020204" pitchFamily="34" charset="-122"/>
-              <a:ea typeface="微软雅黑" panose="020B0503020204020204" pitchFamily="34" charset="-122"/>
-            </a:endParaRPr>
-          </a:p>
-          <a:p>
-            <a:endParaRPr lang="en-US" altLang="zh-CN" dirty="0" smtClean="0">
-              <a:latin typeface="微软雅黑" panose="020B0503020204020204" pitchFamily="34" charset="-122"/>
-              <a:ea typeface="微软雅黑" panose="020B0503020204020204" pitchFamily="34" charset="-122"/>
-            </a:endParaRPr>
-          </a:p>
-          <a:p>
-            <a:r>
-              <a:rPr lang="en-US" altLang="zh-CN" dirty="0" smtClean="0">
-                <a:latin typeface="微软雅黑" panose="020B0503020204020204" pitchFamily="34" charset="-122"/>
-                <a:ea typeface="微软雅黑" panose="020B0503020204020204" pitchFamily="34" charset="-122"/>
-              </a:rPr>
-              <a:t>3.</a:t>
-            </a:r>
-            <a:r>
-              <a:rPr lang="zh-CN" altLang="en-US" dirty="0" smtClean="0">
-                <a:latin typeface="微软雅黑" panose="020B0503020204020204" pitchFamily="34" charset="-122"/>
-                <a:ea typeface="微软雅黑" panose="020B0503020204020204" pitchFamily="34" charset="-122"/>
-              </a:rPr>
-              <a:t>使用的</a:t>
-            </a:r>
-            <a:r>
-              <a:rPr lang="en-US" altLang="zh-CN" dirty="0" smtClean="0">
-                <a:latin typeface="微软雅黑" panose="020B0503020204020204" pitchFamily="34" charset="-122"/>
-                <a:ea typeface="微软雅黑" panose="020B0503020204020204" pitchFamily="34" charset="-122"/>
-              </a:rPr>
-              <a:t>authc</a:t>
-            </a:r>
-            <a:r>
-              <a:rPr lang="zh-CN" altLang="en-US" dirty="0">
-                <a:latin typeface="微软雅黑" panose="020B0503020204020204" pitchFamily="34" charset="-122"/>
-                <a:ea typeface="微软雅黑" panose="020B0503020204020204" pitchFamily="34" charset="-122"/>
-              </a:rPr>
-              <a:t>过滤器</a:t>
-            </a:r>
-            <a:r>
-              <a:rPr lang="zh-CN" altLang="en-US" dirty="0" smtClean="0">
-                <a:latin typeface="微软雅黑" panose="020B0503020204020204" pitchFamily="34" charset="-122"/>
-                <a:ea typeface="微软雅黑" panose="020B0503020204020204" pitchFamily="34" charset="-122"/>
-              </a:rPr>
-              <a:t>实现有问题</a:t>
-            </a:r>
-            <a:endParaRPr lang="en-US" altLang="zh-CN" dirty="0" smtClean="0">
-              <a:latin typeface="微软雅黑" panose="020B0503020204020204" pitchFamily="34" charset="-122"/>
-              <a:ea typeface="微软雅黑" panose="020B0503020204020204" pitchFamily="34" charset="-122"/>
-            </a:endParaRPr>
-          </a:p>
-          <a:p>
-            <a:endParaRPr lang="en-US" altLang="zh-CN" dirty="0" smtClean="0">
-              <a:latin typeface="微软雅黑" panose="020B0503020204020204" pitchFamily="34" charset="-122"/>
-              <a:ea typeface="微软雅黑" panose="020B0503020204020204" pitchFamily="34" charset="-122"/>
-            </a:endParaRPr>
-          </a:p>
-          <a:p>
-            <a:r>
-              <a:rPr lang="en-US" altLang="zh-CN" dirty="0">
-                <a:latin typeface="微软雅黑" panose="020B0503020204020204" pitchFamily="34" charset="-122"/>
-                <a:ea typeface="微软雅黑" panose="020B0503020204020204" pitchFamily="34" charset="-122"/>
-              </a:rPr>
-              <a:t>4</a:t>
-            </a:r>
-            <a:r>
-              <a:rPr lang="en-US" altLang="zh-CN" dirty="0" smtClean="0">
-                <a:latin typeface="微软雅黑" panose="020B0503020204020204" pitchFamily="34" charset="-122"/>
-                <a:ea typeface="微软雅黑" panose="020B0503020204020204" pitchFamily="34" charset="-122"/>
-              </a:rPr>
-              <a:t>. /**=</a:t>
-            </a:r>
-            <a:r>
-              <a:rPr lang="en-US" altLang="zh-CN" dirty="0" smtClean="0">
-                <a:latin typeface="微软雅黑" panose="020B0503020204020204" pitchFamily="34" charset="-122"/>
-                <a:ea typeface="微软雅黑" panose="020B0503020204020204" pitchFamily="34" charset="-122"/>
-              </a:rPr>
-              <a:t>authc,role[DEFAULT_USER_ROLE]</a:t>
-            </a:r>
-            <a:r>
-              <a:rPr lang="zh-CN" altLang="en-US" dirty="0" smtClean="0">
-                <a:latin typeface="微软雅黑" panose="020B0503020204020204" pitchFamily="34" charset="-122"/>
-                <a:ea typeface="微软雅黑" panose="020B0503020204020204" pitchFamily="34" charset="-122"/>
-              </a:rPr>
-              <a:t>配置不</a:t>
-            </a:r>
-            <a:r>
-              <a:rPr lang="zh-CN" altLang="en-US" dirty="0" smtClean="0">
-                <a:latin typeface="微软雅黑" panose="020B0503020204020204" pitchFamily="34" charset="-122"/>
-                <a:ea typeface="微软雅黑" panose="020B0503020204020204" pitchFamily="34" charset="-122"/>
-              </a:rPr>
-              <a:t>科学</a:t>
-            </a:r>
-            <a:endParaRPr lang="en-US" altLang="zh-CN" dirty="0" smtClean="0"/>
-          </a:p>
-          <a:p>
-            <a:endParaRPr lang="zh-CN" altLang="en-US" dirty="0"/>
-          </a:p>
-        </p:txBody>
-      </p:sp>
-      <p:sp>
-        <p:nvSpPr>
           <p:cNvPr id="4" name="文本框 3"/>
           <p:cNvSpPr txBox="1"/>
           <p:nvPr/>
@@ -17059,7 +17004,7 @@
 </file>
 
 <file path=ppt/slides/slide19.xml><?xml version="1.0" encoding="utf-8"?>
-<p:sld xmlns:a="http://schemas.openxmlformats.org/drawingml/2006/main" xmlns:r="http://schemas.openxmlformats.org/officeDocument/2006/relationships" xmlns:p="http://schemas.openxmlformats.org/presentationml/2006/main">
+<p:sld xmlns:a="http://schemas.openxmlformats.org/drawingml/2006/main" xmlns:r="http://schemas.openxmlformats.org/officeDocument/2006/relationships" xmlns:p="http://schemas.openxmlformats.org/presentationml/2006/main" showMasterSp="0">
   <p:cSld>
     <p:spTree>
       <p:nvGrpSpPr>
@@ -17083,7 +17028,7 @@
         </p:nvSpPr>
         <p:spPr>
           <a:xfrm>
-            <a:off x="4482604" y="2736031"/>
+            <a:off x="4050556" y="2736031"/>
             <a:ext cx="2693366" cy="830997"/>
           </a:xfrm>
           <a:prstGeom prst="rect">
@@ -17174,11 +17119,11 @@
               <a:buAutoNum type="arabicPeriod"/>
             </a:pPr>
             <a:r>
-              <a:rPr lang="en-US" altLang="zh-CN" sz="2800" dirty="0">
-                <a:latin typeface="微软雅黑" panose="020B0503020204020204" pitchFamily="34" charset="-122"/>
-                <a:ea typeface="微软雅黑" panose="020B0503020204020204" pitchFamily="34" charset="-122"/>
-              </a:rPr>
-              <a:t>Architecture</a:t>
+              <a:rPr lang="en-US" altLang="zh-CN" sz="2800" dirty="0" smtClean="0">
+                <a:latin typeface="微软雅黑" panose="020B0503020204020204" pitchFamily="34" charset="-122"/>
+                <a:ea typeface="微软雅黑" panose="020B0503020204020204" pitchFamily="34" charset="-122"/>
+              </a:rPr>
+              <a:t>Architecture </a:t>
             </a:r>
             <a:r>
               <a:rPr lang="zh-CN" altLang="en-US" sz="2800" dirty="0" smtClean="0">
@@ -17208,7 +17153,7 @@
                 <a:latin typeface="微软雅黑" panose="020B0503020204020204" pitchFamily="34" charset="-122"/>
                 <a:ea typeface="微软雅黑" panose="020B0503020204020204" pitchFamily="34" charset="-122"/>
               </a:rPr>
-              <a:t>Authentication</a:t>
+              <a:t>Authentication </a:t>
             </a:r>
             <a:r>
               <a:rPr lang="zh-CN" altLang="en-US" sz="2800" dirty="0" smtClean="0">
@@ -17280,18 +17225,11 @@
               <a:buAutoNum type="arabicPeriod"/>
             </a:pPr>
             <a:r>
-              <a:rPr lang="en-US" altLang="zh-CN" sz="2800" dirty="0" err="1" smtClean="0">
-                <a:latin typeface="微软雅黑" panose="020B0503020204020204" pitchFamily="34" charset="-122"/>
-                <a:ea typeface="微软雅黑" panose="020B0503020204020204" pitchFamily="34" charset="-122"/>
-              </a:rPr>
-              <a:t>SessionManagement</a:t>
-            </a:r>
-            <a:r>
               <a:rPr lang="en-US" altLang="zh-CN" sz="2800" dirty="0" smtClean="0">
                 <a:latin typeface="微软雅黑" panose="020B0503020204020204" pitchFamily="34" charset="-122"/>
                 <a:ea typeface="微软雅黑" panose="020B0503020204020204" pitchFamily="34" charset="-122"/>
               </a:rPr>
-              <a:t> </a:t>
+              <a:t>SessionManagement </a:t>
             </a:r>
             <a:r>
               <a:rPr lang="zh-CN" altLang="en-US" sz="2800" dirty="0" smtClean="0">
@@ -17333,18 +17271,11 @@
               <a:buAutoNum type="arabicPeriod"/>
             </a:pPr>
             <a:r>
-              <a:rPr lang="en-US" altLang="zh-CN" sz="2800" dirty="0" err="1" smtClean="0">
-                <a:latin typeface="微软雅黑" panose="020B0503020204020204" pitchFamily="34" charset="-122"/>
-                <a:ea typeface="微软雅黑" panose="020B0503020204020204" pitchFamily="34" charset="-122"/>
-              </a:rPr>
-              <a:t>SpringIntegration</a:t>
-            </a:r>
-            <a:r>
               <a:rPr lang="en-US" altLang="zh-CN" sz="2800" dirty="0" smtClean="0">
                 <a:latin typeface="微软雅黑" panose="020B0503020204020204" pitchFamily="34" charset="-122"/>
                 <a:ea typeface="微软雅黑" panose="020B0503020204020204" pitchFamily="34" charset="-122"/>
               </a:rPr>
-              <a:t> Spring</a:t>
+              <a:t>SpringIntegration Spring</a:t>
             </a:r>
             <a:r>
               <a:rPr lang="zh-CN" altLang="en-US" sz="2800" dirty="0" smtClean="0">
@@ -17458,10 +17389,6 @@
               </a:rPr>
               <a:t>Architecture</a:t>
             </a:r>
-            <a:endParaRPr lang="en-US" altLang="zh-CN" sz="3600" dirty="0">
-              <a:latin typeface="微软雅黑" panose="020B0503020204020204" pitchFamily="34" charset="-122"/>
-              <a:ea typeface="微软雅黑" panose="020B0503020204020204" pitchFamily="34" charset="-122"/>
-            </a:endParaRPr>
           </a:p>
         </p:txBody>
       </p:sp>
@@ -17935,11 +17862,29 @@
           </a:p>
           <a:p>
             <a:r>
-              <a:rPr lang="en-US" altLang="zh-CN" sz="2800" dirty="0" err="1" smtClean="0">
+              <a:rPr lang="en-US" altLang="zh-CN" sz="2800" dirty="0" smtClean="0">
                 <a:latin typeface="微软雅黑" panose="020B0503020204020204" pitchFamily="34" charset="-122"/>
                 <a:ea typeface="微软雅黑" panose="020B0503020204020204" pitchFamily="34" charset="-122"/>
               </a:rPr>
               <a:t>AuthenticationToken</a:t>
+            </a:r>
+          </a:p>
+          <a:p>
+            <a:r>
+              <a:rPr lang="en-US" altLang="zh-CN" sz="2800" dirty="0" smtClean="0">
+                <a:latin typeface="微软雅黑" panose="020B0503020204020204" pitchFamily="34" charset="-122"/>
+                <a:ea typeface="微软雅黑" panose="020B0503020204020204" pitchFamily="34" charset="-122"/>
+              </a:rPr>
+              <a:t>AuthenticationInfo</a:t>
+            </a:r>
+          </a:p>
+          <a:p>
+            <a:r>
+              <a:rPr lang="en-US" altLang="zh-CN" sz="2800" dirty="0">
+                <a:latin typeface="微软雅黑" panose="020B0503020204020204" pitchFamily="34" charset="-122"/>
+                <a:ea typeface="微软雅黑" panose="020B0503020204020204" pitchFamily="34" charset="-122"/>
+              </a:rPr>
+              <a:t>Realm</a:t>
             </a:r>
             <a:endParaRPr lang="en-US" altLang="zh-CN" sz="2800" dirty="0" smtClean="0">
               <a:latin typeface="微软雅黑" panose="020B0503020204020204" pitchFamily="34" charset="-122"/>
@@ -17948,32 +17893,6 @@
           </a:p>
           <a:p>
             <a:r>
-              <a:rPr lang="en-US" altLang="zh-CN" sz="2800" dirty="0" err="1" smtClean="0">
-                <a:latin typeface="微软雅黑" panose="020B0503020204020204" pitchFamily="34" charset="-122"/>
-                <a:ea typeface="微软雅黑" panose="020B0503020204020204" pitchFamily="34" charset="-122"/>
-              </a:rPr>
-              <a:t>AuthenticationInfo</a:t>
-            </a:r>
-            <a:endParaRPr lang="en-US" altLang="zh-CN" sz="2800" dirty="0" smtClean="0">
-              <a:latin typeface="微软雅黑" panose="020B0503020204020204" pitchFamily="34" charset="-122"/>
-              <a:ea typeface="微软雅黑" panose="020B0503020204020204" pitchFamily="34" charset="-122"/>
-            </a:endParaRPr>
-          </a:p>
-          <a:p>
-            <a:r>
-              <a:rPr lang="en-US" altLang="zh-CN" sz="2800" dirty="0">
-                <a:latin typeface="微软雅黑" panose="020B0503020204020204" pitchFamily="34" charset="-122"/>
-                <a:ea typeface="微软雅黑" panose="020B0503020204020204" pitchFamily="34" charset="-122"/>
-              </a:rPr>
-              <a:t>Realm</a:t>
-            </a:r>
-            <a:endParaRPr lang="en-US" altLang="zh-CN" sz="2800" dirty="0" smtClean="0">
-              <a:latin typeface="微软雅黑" panose="020B0503020204020204" pitchFamily="34" charset="-122"/>
-              <a:ea typeface="微软雅黑" panose="020B0503020204020204" pitchFamily="34" charset="-122"/>
-            </a:endParaRPr>
-          </a:p>
-          <a:p>
-            <a:r>
               <a:rPr lang="en-US" altLang="zh-CN" sz="2800" dirty="0" smtClean="0">
                 <a:latin typeface="微软雅黑" panose="020B0503020204020204" pitchFamily="34" charset="-122"/>
                 <a:ea typeface="微软雅黑" panose="020B0503020204020204" pitchFamily="34" charset="-122"/>
@@ -17983,7 +17902,7 @@
           </a:p>
           <a:p>
             <a:r>
-              <a:rPr lang="en-US" altLang="zh-CN" sz="2800" dirty="0" err="1" smtClean="0">
+              <a:rPr lang="en-US" altLang="zh-CN" sz="2800" dirty="0" smtClean="0">
                 <a:latin typeface="微软雅黑" panose="020B0503020204020204" pitchFamily="34" charset="-122"/>
                 <a:ea typeface="微软雅黑" panose="020B0503020204020204" pitchFamily="34" charset="-122"/>
               </a:rPr>
@@ -18283,7 +18202,7 @@
 </file>
 
 <file path=ppt/slides/slide8.xml><?xml version="1.0" encoding="utf-8"?>
-<p:sld xmlns:a="http://schemas.openxmlformats.org/drawingml/2006/main" xmlns:r="http://schemas.openxmlformats.org/officeDocument/2006/relationships" xmlns:p="http://schemas.openxmlformats.org/presentationml/2006/main">
+<p:sld xmlns:a="http://schemas.openxmlformats.org/drawingml/2006/main" xmlns:r="http://schemas.openxmlformats.org/officeDocument/2006/relationships" xmlns:p="http://schemas.openxmlformats.org/presentationml/2006/main" showMasterSp="0">
   <p:cSld>
     <p:spTree>
       <p:nvGrpSpPr>
@@ -18358,31 +18277,35 @@
           <a:lstStyle/>
           <a:p>
             <a:r>
-              <a:rPr lang="en-US" altLang="zh-CN" sz="2800" dirty="0" err="1" smtClean="0">
+              <a:rPr lang="en-US" altLang="zh-CN" sz="2800" dirty="0" smtClean="0">
                 <a:latin typeface="微软雅黑" panose="020B0503020204020204" pitchFamily="34" charset="-122"/>
                 <a:ea typeface="微软雅黑" panose="020B0503020204020204" pitchFamily="34" charset="-122"/>
               </a:rPr>
               <a:t>RememberMe</a:t>
             </a:r>
-            <a:endParaRPr lang="en-US" altLang="zh-CN" sz="2800" dirty="0" smtClean="0">
-              <a:latin typeface="微软雅黑" panose="020B0503020204020204" pitchFamily="34" charset="-122"/>
-              <a:ea typeface="微软雅黑" panose="020B0503020204020204" pitchFamily="34" charset="-122"/>
-            </a:endParaRPr>
-          </a:p>
-          <a:p>
-            <a:r>
-              <a:rPr lang="en-US" altLang="zh-CN" sz="2800" dirty="0" err="1" smtClean="0"/>
+          </a:p>
+          <a:p>
+            <a:r>
+              <a:rPr lang="en-US" altLang="zh-CN" sz="2800" dirty="0" smtClean="0">
+                <a:latin typeface="微软雅黑" panose="020B0503020204020204" pitchFamily="34" charset="-122"/>
+                <a:ea typeface="微软雅黑" panose="020B0503020204020204" pitchFamily="34" charset="-122"/>
+              </a:rPr>
               <a:t>RememberMeCookie</a:t>
             </a:r>
-            <a:endParaRPr lang="en-US" altLang="zh-CN" sz="2800" dirty="0" smtClean="0"/>
-          </a:p>
-          <a:p>
-            <a:r>
-              <a:rPr lang="en-US" altLang="zh-CN" sz="2800" dirty="0" err="1"/>
+          </a:p>
+          <a:p>
+            <a:r>
+              <a:rPr lang="en-US" altLang="zh-CN" sz="2800" dirty="0">
+                <a:latin typeface="微软雅黑" panose="020B0503020204020204" pitchFamily="34" charset="-122"/>
+                <a:ea typeface="微软雅黑" panose="020B0503020204020204" pitchFamily="34" charset="-122"/>
+              </a:rPr>
               <a:t>R</a:t>
             </a:r>
             <a:r>
-              <a:rPr lang="en-US" altLang="zh-CN" sz="2800" dirty="0" err="1" smtClean="0"/>
+              <a:rPr lang="en-US" altLang="zh-CN" sz="2800" dirty="0" smtClean="0">
+                <a:latin typeface="微软雅黑" panose="020B0503020204020204" pitchFamily="34" charset="-122"/>
+                <a:ea typeface="微软雅黑" panose="020B0503020204020204" pitchFamily="34" charset="-122"/>
+              </a:rPr>
               <a:t>ememberMeManager</a:t>
             </a:r>
             <a:endParaRPr lang="en-US" altLang="zh-CN" sz="2800" dirty="0">
@@ -19146,7 +19069,7 @@
   <a:extraClrSchemeLst/>
   <a:extLst>
     <a:ext uri="{05A4C25C-085E-4340-85A3-A5531E510DB2}">
-      <thm15:themeFamily xmlns:thm15="http://schemas.microsoft.com/office/thememl/2012/main" name="Office Theme" id="{62F939B6-93AF-4DB8-9C6B-D6C7DFDC589F}" vid="{4A3C46E8-61CC-4603-A589-7422A47A8E4A}"/>
+      <thm15:themeFamily xmlns="" xmlns:thm15="http://schemas.microsoft.com/office/thememl/2012/main" name="Office Theme" id="{62F939B6-93AF-4DB8-9C6B-D6C7DFDC589F}" vid="{4A3C46E8-61CC-4603-A589-7422A47A8E4A}"/>
     </a:ext>
   </a:extLst>
 </a:theme>
